--- a/Cardápio/Documentação/Documentação Cardapio.pptx
+++ b/Cardápio/Documentação/Documentação Cardapio.pptx
@@ -4192,14 +4192,7 @@
                 <a:latin typeface="Times New Roman" panose="02020603050405020304" pitchFamily="18" charset="0"/>
                 <a:cs typeface="Times New Roman" panose="02020603050405020304" pitchFamily="18" charset="0"/>
               </a:rPr>
-              <a:t>RN n.1 </a:t>
-            </a:r>
-            <a:r>
-              <a:rPr lang="pt-BR" dirty="0" smtClean="0">
-                <a:latin typeface="Times New Roman" panose="02020603050405020304" pitchFamily="18" charset="0"/>
-                <a:cs typeface="Times New Roman" panose="02020603050405020304" pitchFamily="18" charset="0"/>
-              </a:rPr>
-              <a:t>Categorias</a:t>
+              <a:t>RN n.1 Categorias</a:t>
             </a:r>
             <a:endParaRPr lang="pt-BR" dirty="0">
               <a:latin typeface="Times New Roman" panose="02020603050405020304" pitchFamily="18" charset="0"/>
@@ -4233,14 +4226,7 @@
                 <a:latin typeface="Times New Roman" panose="02020603050405020304" pitchFamily="18" charset="0"/>
                 <a:cs typeface="Times New Roman" panose="02020603050405020304" pitchFamily="18" charset="0"/>
               </a:rPr>
-              <a:t>Ao entrar no cardápio da </a:t>
-            </a:r>
-            <a:r>
-              <a:rPr lang="pt-BR" dirty="0" smtClean="0">
-                <a:latin typeface="Times New Roman" panose="02020603050405020304" pitchFamily="18" charset="0"/>
-                <a:cs typeface="Times New Roman" panose="02020603050405020304" pitchFamily="18" charset="0"/>
-              </a:rPr>
-              <a:t>empresa é exibido as categorias que existe produtos vinculados.</a:t>
+              <a:t>Ao entrar no cardápio da empresa é exibido as categorias que existe produtos vinculados.</a:t>
             </a:r>
           </a:p>
           <a:p>
@@ -4489,14 +4475,7 @@
                 <a:latin typeface="Times New Roman" panose="02020603050405020304" pitchFamily="18" charset="0"/>
                 <a:cs typeface="Times New Roman" panose="02020603050405020304" pitchFamily="18" charset="0"/>
               </a:rPr>
-              <a:t>RN n.1 Caso de </a:t>
-            </a:r>
-            <a:r>
-              <a:rPr lang="pt-BR" sz="3600" dirty="0" smtClean="0">
-                <a:latin typeface="Times New Roman" panose="02020603050405020304" pitchFamily="18" charset="0"/>
-                <a:cs typeface="Times New Roman" panose="02020603050405020304" pitchFamily="18" charset="0"/>
-              </a:rPr>
-              <a:t>teste</a:t>
+              <a:t>RN n.1 Caso de teste</a:t>
             </a:r>
             <a:r>
               <a:rPr lang="pt-BR" sz="3600" dirty="0">
@@ -4568,14 +4547,7 @@
                 <a:latin typeface="Times New Roman" panose="02020603050405020304" pitchFamily="18" charset="0"/>
                 <a:cs typeface="Times New Roman" panose="02020603050405020304" pitchFamily="18" charset="0"/>
               </a:rPr>
-              <a:t>Visualizar Categorias</a:t>
-            </a:r>
-            <a:r>
-              <a:rPr lang="pt-BR" sz="1100" dirty="0" smtClean="0">
-                <a:latin typeface="Times New Roman" panose="02020603050405020304" pitchFamily="18" charset="0"/>
-                <a:cs typeface="Times New Roman" panose="02020603050405020304" pitchFamily="18" charset="0"/>
-              </a:rPr>
-              <a:t> </a:t>
+              <a:t>Visualizar Categorias </a:t>
             </a:r>
             <a:endParaRPr lang="pt-BR" sz="1100" dirty="0">
               <a:latin typeface="Times New Roman" panose="02020603050405020304" pitchFamily="18" charset="0"/>
@@ -4610,14 +4582,7 @@
                 <a:latin typeface="Times New Roman" panose="02020603050405020304" pitchFamily="18" charset="0"/>
                 <a:cs typeface="Times New Roman" panose="02020603050405020304" pitchFamily="18" charset="0"/>
               </a:rPr>
-              <a:t>10</a:t>
-            </a:r>
-            <a:r>
-              <a:rPr lang="pt-BR" sz="1100" dirty="0" smtClean="0">
-                <a:latin typeface="Times New Roman" panose="02020603050405020304" pitchFamily="18" charset="0"/>
-                <a:cs typeface="Times New Roman" panose="02020603050405020304" pitchFamily="18" charset="0"/>
-              </a:rPr>
-              <a:t>/05/2023 15:20 </a:t>
+              <a:t>10/05/2023 15:20 </a:t>
             </a:r>
             <a:r>
               <a:rPr lang="pt-BR" sz="1100" dirty="0">
@@ -5069,14 +5034,7 @@
                 <a:latin typeface="Times New Roman" panose="02020603050405020304" pitchFamily="18" charset="0"/>
                 <a:cs typeface="Times New Roman" panose="02020603050405020304" pitchFamily="18" charset="0"/>
               </a:rPr>
-              <a:t>10</a:t>
-            </a:r>
-            <a:r>
-              <a:rPr lang="pt-BR" sz="1100" dirty="0" smtClean="0">
-                <a:latin typeface="Times New Roman" panose="02020603050405020304" pitchFamily="18" charset="0"/>
-                <a:cs typeface="Times New Roman" panose="02020603050405020304" pitchFamily="18" charset="0"/>
-              </a:rPr>
-              <a:t>/05/23 </a:t>
+              <a:t>10/05/23 </a:t>
             </a:r>
             <a:r>
               <a:rPr lang="pt-BR" sz="1100" dirty="0">
@@ -5219,14 +5177,7 @@
                 <a:latin typeface="Times New Roman" panose="02020603050405020304" pitchFamily="18" charset="0"/>
                 <a:cs typeface="Times New Roman" panose="02020603050405020304" pitchFamily="18" charset="0"/>
               </a:rPr>
-              <a:t>RN </a:t>
-            </a:r>
-            <a:r>
-              <a:rPr lang="pt-BR" dirty="0" smtClean="0">
-                <a:latin typeface="Times New Roman" panose="02020603050405020304" pitchFamily="18" charset="0"/>
-                <a:cs typeface="Times New Roman" panose="02020603050405020304" pitchFamily="18" charset="0"/>
-              </a:rPr>
-              <a:t>n.2 Produtos</a:t>
+              <a:t>RN n.2 Produtos</a:t>
             </a:r>
             <a:endParaRPr lang="pt-BR" dirty="0">
               <a:latin typeface="Times New Roman" panose="02020603050405020304" pitchFamily="18" charset="0"/>
@@ -5470,28 +5421,7 @@
                 <a:latin typeface="Times New Roman" panose="02020603050405020304" pitchFamily="18" charset="0"/>
                 <a:cs typeface="Times New Roman" panose="02020603050405020304" pitchFamily="18" charset="0"/>
               </a:rPr>
-              <a:t>RN </a:t>
-            </a:r>
-            <a:r>
-              <a:rPr lang="pt-BR" sz="3600" dirty="0" smtClean="0">
-                <a:latin typeface="Times New Roman" panose="02020603050405020304" pitchFamily="18" charset="0"/>
-                <a:cs typeface="Times New Roman" panose="02020603050405020304" pitchFamily="18" charset="0"/>
-              </a:rPr>
-              <a:t>n.2 </a:t>
-            </a:r>
-            <a:r>
-              <a:rPr lang="pt-BR" sz="3600" dirty="0" smtClean="0">
-                <a:latin typeface="Times New Roman" panose="02020603050405020304" pitchFamily="18" charset="0"/>
-                <a:cs typeface="Times New Roman" panose="02020603050405020304" pitchFamily="18" charset="0"/>
-              </a:rPr>
-              <a:t>Caso de </a:t>
-            </a:r>
-            <a:r>
-              <a:rPr lang="pt-BR" sz="3600" dirty="0" smtClean="0">
-                <a:latin typeface="Times New Roman" panose="02020603050405020304" pitchFamily="18" charset="0"/>
-                <a:cs typeface="Times New Roman" panose="02020603050405020304" pitchFamily="18" charset="0"/>
-              </a:rPr>
-              <a:t>teste</a:t>
+              <a:t>RN n.2 Caso de teste</a:t>
             </a:r>
             <a:r>
               <a:rPr lang="pt-BR" sz="3600" dirty="0">
@@ -5609,14 +5539,7 @@
                 <a:latin typeface="Times New Roman" panose="02020603050405020304" pitchFamily="18" charset="0"/>
                 <a:cs typeface="Times New Roman" panose="02020603050405020304" pitchFamily="18" charset="0"/>
               </a:rPr>
-              <a:t>10</a:t>
-            </a:r>
-            <a:r>
-              <a:rPr lang="pt-BR" sz="1100" dirty="0" smtClean="0">
-                <a:latin typeface="Times New Roman" panose="02020603050405020304" pitchFamily="18" charset="0"/>
-                <a:cs typeface="Times New Roman" panose="02020603050405020304" pitchFamily="18" charset="0"/>
-              </a:rPr>
-              <a:t>/05/2023 15:42 </a:t>
+              <a:t>10/05/2023 15:42 </a:t>
             </a:r>
             <a:r>
               <a:rPr lang="pt-BR" sz="1100" dirty="0">
@@ -6128,14 +6051,7 @@
                 <a:latin typeface="Times New Roman" panose="02020603050405020304" pitchFamily="18" charset="0"/>
                 <a:cs typeface="Times New Roman" panose="02020603050405020304" pitchFamily="18" charset="0"/>
               </a:rPr>
-              <a:t>10</a:t>
-            </a:r>
-            <a:r>
-              <a:rPr lang="pt-BR" sz="1100" dirty="0" smtClean="0">
-                <a:latin typeface="Times New Roman" panose="02020603050405020304" pitchFamily="18" charset="0"/>
-                <a:cs typeface="Times New Roman" panose="02020603050405020304" pitchFamily="18" charset="0"/>
-              </a:rPr>
-              <a:t>/05/23 </a:t>
+              <a:t>10/05/23 </a:t>
             </a:r>
             <a:r>
               <a:rPr lang="pt-BR" sz="1100" dirty="0">
@@ -6254,15 +6170,7 @@
           <a:p>
             <a:r>
               <a:rPr lang="pt-BR" dirty="0" smtClean="0"/>
-              <a:t>RN </a:t>
-            </a:r>
-            <a:r>
-              <a:rPr lang="pt-BR" dirty="0" smtClean="0"/>
-              <a:t>n.3 </a:t>
-            </a:r>
-            <a:r>
-              <a:rPr lang="pt-BR" dirty="0" smtClean="0"/>
-              <a:t>Botão “Voltar”</a:t>
+              <a:t>RN n.3 Botão “Voltar”</a:t>
             </a:r>
             <a:endParaRPr lang="pt-BR" dirty="0"/>
           </a:p>
@@ -6325,19 +6233,7 @@
           <a:p>
             <a:r>
               <a:rPr lang="pt-BR" dirty="0" smtClean="0"/>
-              <a:t>Botão permite o cliente voltar </a:t>
-            </a:r>
-            <a:r>
-              <a:rPr lang="pt-BR" dirty="0" smtClean="0"/>
-              <a:t>para tela </a:t>
-            </a:r>
-            <a:r>
-              <a:rPr lang="pt-BR" dirty="0" smtClean="0"/>
-              <a:t>inicial, onde se encontram as categorias</a:t>
-            </a:r>
-            <a:r>
-              <a:rPr lang="pt-BR" dirty="0" smtClean="0"/>
-              <a:t>.</a:t>
+              <a:t>Botão permite o cliente voltar para tela inicial, onde se encontram as categorias.</a:t>
             </a:r>
             <a:endParaRPr lang="pt-BR" dirty="0"/>
           </a:p>
@@ -6459,19 +6355,7 @@
           <a:p>
             <a:r>
               <a:rPr lang="pt-BR" dirty="0" smtClean="0"/>
-              <a:t>RN </a:t>
-            </a:r>
-            <a:r>
-              <a:rPr lang="pt-BR" dirty="0" smtClean="0"/>
-              <a:t>n.4 </a:t>
-            </a:r>
-            <a:r>
-              <a:rPr lang="pt-BR" dirty="0" smtClean="0"/>
-              <a:t>Botão </a:t>
-            </a:r>
-            <a:r>
-              <a:rPr lang="pt-BR" dirty="0" smtClean="0"/>
-              <a:t>“Seleção de Quantidade”</a:t>
+              <a:t>RN n.4 Botão “Seleção de Quantidade”</a:t>
             </a:r>
             <a:endParaRPr lang="pt-BR" dirty="0"/>
           </a:p>
@@ -6656,19 +6540,7 @@
           <a:p>
             <a:r>
               <a:rPr lang="pt-BR" dirty="0" smtClean="0"/>
-              <a:t>RN </a:t>
-            </a:r>
-            <a:r>
-              <a:rPr lang="pt-BR" dirty="0" smtClean="0"/>
-              <a:t>n.5 </a:t>
-            </a:r>
-            <a:r>
-              <a:rPr lang="pt-BR" dirty="0" smtClean="0"/>
-              <a:t>Botão </a:t>
-            </a:r>
-            <a:r>
-              <a:rPr lang="pt-BR" dirty="0" smtClean="0"/>
-              <a:t>“Adicionar Pedido”</a:t>
+              <a:t>RN n.5 Botão “Adicionar Pedido”</a:t>
             </a:r>
             <a:endParaRPr lang="pt-BR" dirty="0"/>
           </a:p>
@@ -6834,21 +6706,7 @@
                 <a:latin typeface="Times New Roman" panose="02020603050405020304" pitchFamily="18" charset="0"/>
                 <a:cs typeface="Times New Roman" panose="02020603050405020304" pitchFamily="18" charset="0"/>
               </a:rPr>
-              <a:t>RN </a:t>
-            </a:r>
-            <a:r>
-              <a:rPr lang="pt-BR" sz="3600" dirty="0" smtClean="0">
-                <a:latin typeface="Times New Roman" panose="02020603050405020304" pitchFamily="18" charset="0"/>
-                <a:cs typeface="Times New Roman" panose="02020603050405020304" pitchFamily="18" charset="0"/>
-              </a:rPr>
-              <a:t>n.5 </a:t>
-            </a:r>
-            <a:r>
-              <a:rPr lang="pt-BR" sz="3600" dirty="0" smtClean="0">
-                <a:latin typeface="Times New Roman" panose="02020603050405020304" pitchFamily="18" charset="0"/>
-                <a:cs typeface="Times New Roman" panose="02020603050405020304" pitchFamily="18" charset="0"/>
-              </a:rPr>
-              <a:t>Adicionar Pedido</a:t>
+              <a:t>RN n.5 Adicionar Pedido</a:t>
             </a:r>
             <a:endParaRPr lang="pt-BR" sz="3600" dirty="0">
               <a:latin typeface="Times New Roman" panose="02020603050405020304" pitchFamily="18" charset="0"/>
@@ -7396,11 +7254,7 @@
           <a:p>
             <a:r>
               <a:rPr lang="pt-BR" dirty="0" smtClean="0"/>
-              <a:t>RN </a:t>
-            </a:r>
-            <a:r>
-              <a:rPr lang="pt-BR" dirty="0" smtClean="0"/>
-              <a:t>n.6 Informações do Cliente</a:t>
+              <a:t>RN n.6 Informações do Cliente</a:t>
             </a:r>
             <a:endParaRPr lang="pt-BR" dirty="0"/>
           </a:p>
@@ -7616,14 +7470,7 @@
                 <a:latin typeface="Times New Roman" panose="02020603050405020304" pitchFamily="18" charset="0"/>
                 <a:cs typeface="Times New Roman" panose="02020603050405020304" pitchFamily="18" charset="0"/>
               </a:rPr>
-              <a:t>RN </a:t>
-            </a:r>
-            <a:r>
-              <a:rPr lang="pt-BR" dirty="0" smtClean="0">
-                <a:latin typeface="Times New Roman" panose="02020603050405020304" pitchFamily="18" charset="0"/>
-                <a:cs typeface="Times New Roman" panose="02020603050405020304" pitchFamily="18" charset="0"/>
-              </a:rPr>
-              <a:t>n.7 </a:t>
+              <a:t>RN n.7 </a:t>
             </a:r>
             <a:r>
               <a:rPr lang="pt-BR" dirty="0">
@@ -7786,10 +7633,6 @@
               </a:rPr>
               <a:t>caixa de Observação que facilita a comunicação entre o estabelecimento e o cliente.</a:t>
             </a:r>
-            <a:endParaRPr lang="pt-BR" dirty="0">
-              <a:latin typeface="Times New Roman" panose="02020603050405020304" pitchFamily="18" charset="0"/>
-              <a:cs typeface="Times New Roman" panose="02020603050405020304" pitchFamily="18" charset="0"/>
-            </a:endParaRPr>
           </a:p>
         </p:txBody>
       </p:sp>
@@ -8439,14 +8282,7 @@
                 <a:latin typeface="Times New Roman" panose="02020603050405020304" pitchFamily="18" charset="0"/>
                 <a:cs typeface="Times New Roman" panose="02020603050405020304" pitchFamily="18" charset="0"/>
               </a:rPr>
-              <a:t>RN </a:t>
-            </a:r>
-            <a:r>
-              <a:rPr lang="pt-BR" dirty="0" smtClean="0">
-                <a:latin typeface="Times New Roman" panose="02020603050405020304" pitchFamily="18" charset="0"/>
-                <a:cs typeface="Times New Roman" panose="02020603050405020304" pitchFamily="18" charset="0"/>
-              </a:rPr>
-              <a:t>n.8 Botão De Remover Item “X”</a:t>
+              <a:t>RN n.8 Botão De Remover Item “X”</a:t>
             </a:r>
             <a:endParaRPr lang="pt-BR" dirty="0">
               <a:latin typeface="Times New Roman" panose="02020603050405020304" pitchFamily="18" charset="0"/>
@@ -8637,14 +8473,7 @@
                 <a:latin typeface="Times New Roman" panose="02020603050405020304" pitchFamily="18" charset="0"/>
                 <a:cs typeface="Times New Roman" panose="02020603050405020304" pitchFamily="18" charset="0"/>
               </a:rPr>
-              <a:t>RN </a:t>
-            </a:r>
-            <a:r>
-              <a:rPr lang="pt-BR" dirty="0" smtClean="0">
-                <a:latin typeface="Times New Roman" panose="02020603050405020304" pitchFamily="18" charset="0"/>
-                <a:cs typeface="Times New Roman" panose="02020603050405020304" pitchFamily="18" charset="0"/>
-              </a:rPr>
-              <a:t>n.9 “Forma de Pagamento”</a:t>
+              <a:t>RN n.9 “Forma de Pagamento”</a:t>
             </a:r>
             <a:r>
               <a:rPr lang="pt-BR" dirty="0">
@@ -8848,14 +8677,7 @@
                 <a:latin typeface="Times New Roman" panose="02020603050405020304" pitchFamily="18" charset="0"/>
                 <a:cs typeface="Times New Roman" panose="02020603050405020304" pitchFamily="18" charset="0"/>
               </a:rPr>
-              <a:t>RN </a:t>
-            </a:r>
-            <a:r>
-              <a:rPr lang="pt-BR" dirty="0" smtClean="0">
-                <a:latin typeface="Times New Roman" panose="02020603050405020304" pitchFamily="18" charset="0"/>
-                <a:cs typeface="Times New Roman" panose="02020603050405020304" pitchFamily="18" charset="0"/>
-              </a:rPr>
-              <a:t>n.10 “Adicionar item”</a:t>
+              <a:t>RN n.10 “Adicionar item”</a:t>
             </a:r>
             <a:r>
               <a:rPr lang="pt-BR" dirty="0">
@@ -9054,14 +8876,7 @@
                 <a:latin typeface="Times New Roman" panose="02020603050405020304" pitchFamily="18" charset="0"/>
                 <a:cs typeface="Times New Roman" panose="02020603050405020304" pitchFamily="18" charset="0"/>
               </a:rPr>
-              <a:t>RN </a:t>
-            </a:r>
-            <a:r>
-              <a:rPr lang="pt-BR" dirty="0" smtClean="0">
-                <a:latin typeface="Times New Roman" panose="02020603050405020304" pitchFamily="18" charset="0"/>
-                <a:cs typeface="Times New Roman" panose="02020603050405020304" pitchFamily="18" charset="0"/>
-              </a:rPr>
-              <a:t>n.11 </a:t>
+              <a:t>RN n.11 </a:t>
             </a:r>
             <a:r>
               <a:rPr lang="pt-BR" dirty="0">
@@ -9291,28 +9106,7 @@
                 <a:latin typeface="Times New Roman" panose="02020603050405020304" pitchFamily="18" charset="0"/>
                 <a:cs typeface="Times New Roman" panose="02020603050405020304" pitchFamily="18" charset="0"/>
               </a:rPr>
-              <a:t>RN </a:t>
-            </a:r>
-            <a:r>
-              <a:rPr lang="pt-BR" sz="3600" dirty="0" smtClean="0">
-                <a:latin typeface="Times New Roman" panose="02020603050405020304" pitchFamily="18" charset="0"/>
-                <a:cs typeface="Times New Roman" panose="02020603050405020304" pitchFamily="18" charset="0"/>
-              </a:rPr>
-              <a:t>n.11 </a:t>
-            </a:r>
-            <a:r>
-              <a:rPr lang="pt-BR" sz="3600" dirty="0" smtClean="0">
-                <a:latin typeface="Times New Roman" panose="02020603050405020304" pitchFamily="18" charset="0"/>
-                <a:cs typeface="Times New Roman" panose="02020603050405020304" pitchFamily="18" charset="0"/>
-              </a:rPr>
-              <a:t>Caso de </a:t>
-            </a:r>
-            <a:r>
-              <a:rPr lang="pt-BR" sz="3600" dirty="0" smtClean="0">
-                <a:latin typeface="Times New Roman" panose="02020603050405020304" pitchFamily="18" charset="0"/>
-                <a:cs typeface="Times New Roman" panose="02020603050405020304" pitchFamily="18" charset="0"/>
-              </a:rPr>
-              <a:t>teste</a:t>
+              <a:t>RN n.11 Caso de teste</a:t>
             </a:r>
             <a:r>
               <a:rPr lang="pt-BR" sz="3600" dirty="0">
@@ -12888,15 +12682,50 @@
           </a:fontRef>
         </p:style>
       </p:cxnSp>
+      <p:cxnSp>
+        <p:nvCxnSpPr>
+          <p:cNvPr id="7" name="Conector de Seta Reta 6"/>
+          <p:cNvCxnSpPr>
+            <a:stCxn id="4" idx="3"/>
+          </p:cNvCxnSpPr>
+          <p:nvPr/>
+        </p:nvCxnSpPr>
+        <p:spPr>
+          <a:xfrm flipV="1">
+            <a:off x="2311966" y="2702850"/>
+            <a:ext cx="336641" cy="1"/>
+          </a:xfrm>
+          <a:prstGeom prst="straightConnector1">
+            <a:avLst/>
+          </a:prstGeom>
+          <a:ln>
+            <a:tailEnd type="triangle"/>
+          </a:ln>
+        </p:spPr>
+        <p:style>
+          <a:lnRef idx="1">
+            <a:schemeClr val="accent1"/>
+          </a:lnRef>
+          <a:fillRef idx="0">
+            <a:schemeClr val="accent1"/>
+          </a:fillRef>
+          <a:effectRef idx="0">
+            <a:schemeClr val="accent1"/>
+          </a:effectRef>
+          <a:fontRef idx="minor">
+            <a:schemeClr val="tx1"/>
+          </a:fontRef>
+        </p:style>
+      </p:cxnSp>
       <p:sp>
         <p:nvSpPr>
-          <p:cNvPr id="6" name="Retângulo Arredondado 5"/>
+          <p:cNvPr id="8" name="Retângulo Arredondado 7"/>
           <p:cNvSpPr/>
           <p:nvPr/>
         </p:nvSpPr>
         <p:spPr>
           <a:xfrm>
-            <a:off x="2628410" y="2421920"/>
+            <a:off x="6128126" y="2437970"/>
             <a:ext cx="1509310" cy="561861"/>
           </a:xfrm>
           <a:prstGeom prst="roundRect">
@@ -13018,63 +12847,32 @@
             <a:pPr algn="ctr"/>
             <a:r>
               <a:rPr lang="pt-BR" dirty="0" smtClean="0"/>
-              <a:t>Tela de</a:t>
+              <a:t>Escolhe</a:t>
+            </a:r>
+            <a:r>
+              <a:rPr lang="pt-BR" dirty="0"/>
+              <a:t/>
             </a:r>
             <a:br>
+              <a:rPr lang="pt-BR" dirty="0"/>
+            </a:br>
+            <a:r>
               <a:rPr lang="pt-BR" dirty="0" smtClean="0"/>
-            </a:br>
-            <a:r>
-              <a:rPr lang="pt-BR" dirty="0" smtClean="0"/>
-              <a:t>Categoria</a:t>
+              <a:t>Produtos</a:t>
             </a:r>
             <a:endParaRPr lang="pt-BR" dirty="0"/>
           </a:p>
         </p:txBody>
       </p:sp>
-      <p:cxnSp>
-        <p:nvCxnSpPr>
-          <p:cNvPr id="7" name="Conector de Seta Reta 6"/>
-          <p:cNvCxnSpPr>
-            <a:stCxn id="4" idx="3"/>
-          </p:cNvCxnSpPr>
-          <p:nvPr/>
-        </p:nvCxnSpPr>
-        <p:spPr>
-          <a:xfrm flipV="1">
-            <a:off x="2311966" y="2702850"/>
-            <a:ext cx="336641" cy="1"/>
-          </a:xfrm>
-          <a:prstGeom prst="straightConnector1">
-            <a:avLst/>
-          </a:prstGeom>
-          <a:ln>
-            <a:tailEnd type="triangle"/>
-          </a:ln>
-        </p:spPr>
-        <p:style>
-          <a:lnRef idx="1">
-            <a:schemeClr val="accent1"/>
-          </a:lnRef>
-          <a:fillRef idx="0">
-            <a:schemeClr val="accent1"/>
-          </a:fillRef>
-          <a:effectRef idx="0">
-            <a:schemeClr val="accent1"/>
-          </a:effectRef>
-          <a:fontRef idx="minor">
-            <a:schemeClr val="tx1"/>
-          </a:fontRef>
-        </p:style>
-      </p:cxnSp>
       <p:sp>
         <p:nvSpPr>
-          <p:cNvPr id="8" name="Retângulo Arredondado 7"/>
+          <p:cNvPr id="10" name="Retângulo Arredondado 9"/>
           <p:cNvSpPr/>
           <p:nvPr/>
         </p:nvSpPr>
         <p:spPr>
           <a:xfrm>
-            <a:off x="6128126" y="2437970"/>
+            <a:off x="4041810" y="3812303"/>
             <a:ext cx="1509310" cy="561861"/>
           </a:xfrm>
           <a:prstGeom prst="roundRect">
@@ -13196,290 +12994,7 @@
             <a:pPr algn="ctr"/>
             <a:r>
               <a:rPr lang="pt-BR" dirty="0" smtClean="0"/>
-              <a:t>Tela </a:t>
-            </a:r>
-            <a:r>
-              <a:rPr lang="pt-BR" dirty="0" smtClean="0"/>
-              <a:t>dos Produtos</a:t>
-            </a:r>
-            <a:endParaRPr lang="pt-BR" dirty="0"/>
-          </a:p>
-        </p:txBody>
-      </p:sp>
-      <p:sp>
-        <p:nvSpPr>
-          <p:cNvPr id="10" name="Retângulo Arredondado 9"/>
-          <p:cNvSpPr/>
-          <p:nvPr/>
-        </p:nvSpPr>
-        <p:spPr>
-          <a:xfrm>
-            <a:off x="4041810" y="3812303"/>
-            <a:ext cx="1509310" cy="561861"/>
-          </a:xfrm>
-          <a:prstGeom prst="roundRect">
-            <a:avLst/>
-          </a:prstGeom>
-        </p:spPr>
-        <p:style>
-          <a:lnRef idx="2">
-            <a:schemeClr val="accent6"/>
-          </a:lnRef>
-          <a:fillRef idx="1">
-            <a:schemeClr val="lt1"/>
-          </a:fillRef>
-          <a:effectRef idx="0">
-            <a:schemeClr val="accent6"/>
-          </a:effectRef>
-          <a:fontRef idx="minor">
-            <a:schemeClr val="dk1"/>
-          </a:fontRef>
-        </p:style>
-        <p:txBody>
-          <a:bodyPr rtlCol="0" anchor="ctr"/>
-          <a:lstStyle>
-            <a:defPPr>
-              <a:defRPr lang="pt-BR"/>
-            </a:defPPr>
-            <a:lvl1pPr marL="0" algn="l" defTabSz="914400" rtl="0" eaLnBrk="1" latinLnBrk="0" hangingPunct="1">
-              <a:defRPr sz="1800" kern="1200">
-                <a:solidFill>
-                  <a:schemeClr val="dk1"/>
-                </a:solidFill>
-                <a:latin typeface="+mn-lt"/>
-                <a:ea typeface="+mn-ea"/>
-                <a:cs typeface="+mn-cs"/>
-              </a:defRPr>
-            </a:lvl1pPr>
-            <a:lvl2pPr marL="457200" algn="l" defTabSz="914400" rtl="0" eaLnBrk="1" latinLnBrk="0" hangingPunct="1">
-              <a:defRPr sz="1800" kern="1200">
-                <a:solidFill>
-                  <a:schemeClr val="dk1"/>
-                </a:solidFill>
-                <a:latin typeface="+mn-lt"/>
-                <a:ea typeface="+mn-ea"/>
-                <a:cs typeface="+mn-cs"/>
-              </a:defRPr>
-            </a:lvl2pPr>
-            <a:lvl3pPr marL="914400" algn="l" defTabSz="914400" rtl="0" eaLnBrk="1" latinLnBrk="0" hangingPunct="1">
-              <a:defRPr sz="1800" kern="1200">
-                <a:solidFill>
-                  <a:schemeClr val="dk1"/>
-                </a:solidFill>
-                <a:latin typeface="+mn-lt"/>
-                <a:ea typeface="+mn-ea"/>
-                <a:cs typeface="+mn-cs"/>
-              </a:defRPr>
-            </a:lvl3pPr>
-            <a:lvl4pPr marL="1371600" algn="l" defTabSz="914400" rtl="0" eaLnBrk="1" latinLnBrk="0" hangingPunct="1">
-              <a:defRPr sz="1800" kern="1200">
-                <a:solidFill>
-                  <a:schemeClr val="dk1"/>
-                </a:solidFill>
-                <a:latin typeface="+mn-lt"/>
-                <a:ea typeface="+mn-ea"/>
-                <a:cs typeface="+mn-cs"/>
-              </a:defRPr>
-            </a:lvl4pPr>
-            <a:lvl5pPr marL="1828800" algn="l" defTabSz="914400" rtl="0" eaLnBrk="1" latinLnBrk="0" hangingPunct="1">
-              <a:defRPr sz="1800" kern="1200">
-                <a:solidFill>
-                  <a:schemeClr val="dk1"/>
-                </a:solidFill>
-                <a:latin typeface="+mn-lt"/>
-                <a:ea typeface="+mn-ea"/>
-                <a:cs typeface="+mn-cs"/>
-              </a:defRPr>
-            </a:lvl5pPr>
-            <a:lvl6pPr marL="2286000" algn="l" defTabSz="914400" rtl="0" eaLnBrk="1" latinLnBrk="0" hangingPunct="1">
-              <a:defRPr sz="1800" kern="1200">
-                <a:solidFill>
-                  <a:schemeClr val="dk1"/>
-                </a:solidFill>
-                <a:latin typeface="+mn-lt"/>
-                <a:ea typeface="+mn-ea"/>
-                <a:cs typeface="+mn-cs"/>
-              </a:defRPr>
-            </a:lvl6pPr>
-            <a:lvl7pPr marL="2743200" algn="l" defTabSz="914400" rtl="0" eaLnBrk="1" latinLnBrk="0" hangingPunct="1">
-              <a:defRPr sz="1800" kern="1200">
-                <a:solidFill>
-                  <a:schemeClr val="dk1"/>
-                </a:solidFill>
-                <a:latin typeface="+mn-lt"/>
-                <a:ea typeface="+mn-ea"/>
-                <a:cs typeface="+mn-cs"/>
-              </a:defRPr>
-            </a:lvl7pPr>
-            <a:lvl8pPr marL="3200400" algn="l" defTabSz="914400" rtl="0" eaLnBrk="1" latinLnBrk="0" hangingPunct="1">
-              <a:defRPr sz="1800" kern="1200">
-                <a:solidFill>
-                  <a:schemeClr val="dk1"/>
-                </a:solidFill>
-                <a:latin typeface="+mn-lt"/>
-                <a:ea typeface="+mn-ea"/>
-                <a:cs typeface="+mn-cs"/>
-              </a:defRPr>
-            </a:lvl8pPr>
-            <a:lvl9pPr marL="3657600" algn="l" defTabSz="914400" rtl="0" eaLnBrk="1" latinLnBrk="0" hangingPunct="1">
-              <a:defRPr sz="1800" kern="1200">
-                <a:solidFill>
-                  <a:schemeClr val="dk1"/>
-                </a:solidFill>
-                <a:latin typeface="+mn-lt"/>
-                <a:ea typeface="+mn-ea"/>
-                <a:cs typeface="+mn-cs"/>
-              </a:defRPr>
-            </a:lvl9pPr>
-          </a:lstStyle>
-          <a:p>
-            <a:pPr algn="ctr"/>
-            <a:r>
-              <a:rPr lang="pt-BR" dirty="0" smtClean="0"/>
               <a:t>Voltar</a:t>
-            </a:r>
-            <a:endParaRPr lang="pt-BR" dirty="0"/>
-          </a:p>
-        </p:txBody>
-      </p:sp>
-      <p:sp>
-        <p:nvSpPr>
-          <p:cNvPr id="11" name="Retângulo Arredondado 10"/>
-          <p:cNvSpPr/>
-          <p:nvPr/>
-        </p:nvSpPr>
-        <p:spPr>
-          <a:xfrm>
-            <a:off x="6165506" y="3749457"/>
-            <a:ext cx="1509310" cy="561861"/>
-          </a:xfrm>
-          <a:prstGeom prst="roundRect">
-            <a:avLst/>
-          </a:prstGeom>
-        </p:spPr>
-        <p:style>
-          <a:lnRef idx="2">
-            <a:schemeClr val="accent6"/>
-          </a:lnRef>
-          <a:fillRef idx="1">
-            <a:schemeClr val="lt1"/>
-          </a:fillRef>
-          <a:effectRef idx="0">
-            <a:schemeClr val="accent6"/>
-          </a:effectRef>
-          <a:fontRef idx="minor">
-            <a:schemeClr val="dk1"/>
-          </a:fontRef>
-        </p:style>
-        <p:txBody>
-          <a:bodyPr rtlCol="0" anchor="ctr"/>
-          <a:lstStyle>
-            <a:defPPr>
-              <a:defRPr lang="pt-BR"/>
-            </a:defPPr>
-            <a:lvl1pPr marL="0" algn="l" defTabSz="914400" rtl="0" eaLnBrk="1" latinLnBrk="0" hangingPunct="1">
-              <a:defRPr sz="1800" kern="1200">
-                <a:solidFill>
-                  <a:schemeClr val="dk1"/>
-                </a:solidFill>
-                <a:latin typeface="+mn-lt"/>
-                <a:ea typeface="+mn-ea"/>
-                <a:cs typeface="+mn-cs"/>
-              </a:defRPr>
-            </a:lvl1pPr>
-            <a:lvl2pPr marL="457200" algn="l" defTabSz="914400" rtl="0" eaLnBrk="1" latinLnBrk="0" hangingPunct="1">
-              <a:defRPr sz="1800" kern="1200">
-                <a:solidFill>
-                  <a:schemeClr val="dk1"/>
-                </a:solidFill>
-                <a:latin typeface="+mn-lt"/>
-                <a:ea typeface="+mn-ea"/>
-                <a:cs typeface="+mn-cs"/>
-              </a:defRPr>
-            </a:lvl2pPr>
-            <a:lvl3pPr marL="914400" algn="l" defTabSz="914400" rtl="0" eaLnBrk="1" latinLnBrk="0" hangingPunct="1">
-              <a:defRPr sz="1800" kern="1200">
-                <a:solidFill>
-                  <a:schemeClr val="dk1"/>
-                </a:solidFill>
-                <a:latin typeface="+mn-lt"/>
-                <a:ea typeface="+mn-ea"/>
-                <a:cs typeface="+mn-cs"/>
-              </a:defRPr>
-            </a:lvl3pPr>
-            <a:lvl4pPr marL="1371600" algn="l" defTabSz="914400" rtl="0" eaLnBrk="1" latinLnBrk="0" hangingPunct="1">
-              <a:defRPr sz="1800" kern="1200">
-                <a:solidFill>
-                  <a:schemeClr val="dk1"/>
-                </a:solidFill>
-                <a:latin typeface="+mn-lt"/>
-                <a:ea typeface="+mn-ea"/>
-                <a:cs typeface="+mn-cs"/>
-              </a:defRPr>
-            </a:lvl4pPr>
-            <a:lvl5pPr marL="1828800" algn="l" defTabSz="914400" rtl="0" eaLnBrk="1" latinLnBrk="0" hangingPunct="1">
-              <a:defRPr sz="1800" kern="1200">
-                <a:solidFill>
-                  <a:schemeClr val="dk1"/>
-                </a:solidFill>
-                <a:latin typeface="+mn-lt"/>
-                <a:ea typeface="+mn-ea"/>
-                <a:cs typeface="+mn-cs"/>
-              </a:defRPr>
-            </a:lvl5pPr>
-            <a:lvl6pPr marL="2286000" algn="l" defTabSz="914400" rtl="0" eaLnBrk="1" latinLnBrk="0" hangingPunct="1">
-              <a:defRPr sz="1800" kern="1200">
-                <a:solidFill>
-                  <a:schemeClr val="dk1"/>
-                </a:solidFill>
-                <a:latin typeface="+mn-lt"/>
-                <a:ea typeface="+mn-ea"/>
-                <a:cs typeface="+mn-cs"/>
-              </a:defRPr>
-            </a:lvl6pPr>
-            <a:lvl7pPr marL="2743200" algn="l" defTabSz="914400" rtl="0" eaLnBrk="1" latinLnBrk="0" hangingPunct="1">
-              <a:defRPr sz="1800" kern="1200">
-                <a:solidFill>
-                  <a:schemeClr val="dk1"/>
-                </a:solidFill>
-                <a:latin typeface="+mn-lt"/>
-                <a:ea typeface="+mn-ea"/>
-                <a:cs typeface="+mn-cs"/>
-              </a:defRPr>
-            </a:lvl7pPr>
-            <a:lvl8pPr marL="3200400" algn="l" defTabSz="914400" rtl="0" eaLnBrk="1" latinLnBrk="0" hangingPunct="1">
-              <a:defRPr sz="1800" kern="1200">
-                <a:solidFill>
-                  <a:schemeClr val="dk1"/>
-                </a:solidFill>
-                <a:latin typeface="+mn-lt"/>
-                <a:ea typeface="+mn-ea"/>
-                <a:cs typeface="+mn-cs"/>
-              </a:defRPr>
-            </a:lvl8pPr>
-            <a:lvl9pPr marL="3657600" algn="l" defTabSz="914400" rtl="0" eaLnBrk="1" latinLnBrk="0" hangingPunct="1">
-              <a:defRPr sz="1800" kern="1200">
-                <a:solidFill>
-                  <a:schemeClr val="dk1"/>
-                </a:solidFill>
-                <a:latin typeface="+mn-lt"/>
-                <a:ea typeface="+mn-ea"/>
-                <a:cs typeface="+mn-cs"/>
-              </a:defRPr>
-            </a:lvl9pPr>
-          </a:lstStyle>
-          <a:p>
-            <a:pPr algn="ctr"/>
-            <a:r>
-              <a:rPr lang="pt-BR" dirty="0" smtClean="0"/>
-              <a:t>Escolhe </a:t>
-            </a:r>
-            <a:br>
-              <a:rPr lang="pt-BR" dirty="0" smtClean="0"/>
-            </a:br>
-            <a:r>
-              <a:rPr lang="pt-BR" dirty="0" smtClean="0"/>
-              <a:t>produto</a:t>
             </a:r>
             <a:endParaRPr lang="pt-BR" dirty="0"/>
           </a:p>
@@ -15304,11 +14819,7 @@
           <a:p>
             <a:r>
               <a:rPr lang="pt-BR" dirty="0" smtClean="0"/>
-              <a:t>Jornada do Cliente – Usuário </a:t>
-            </a:r>
-            <a:r>
-              <a:rPr lang="pt-BR" dirty="0" smtClean="0"/>
-              <a:t>(Cardápio)</a:t>
+              <a:t>Jornada do Cliente – Usuário (Cardápio)</a:t>
             </a:r>
             <a:endParaRPr lang="pt-BR" dirty="0"/>
           </a:p>
@@ -15322,7 +14833,7 @@
         </p:nvSpPr>
         <p:spPr>
           <a:xfrm>
-            <a:off x="4421625" y="2430178"/>
+            <a:off x="2653616" y="2406832"/>
             <a:ext cx="1509310" cy="561861"/>
           </a:xfrm>
           <a:prstGeom prst="roundRect">
@@ -15459,42 +14970,6 @@
       </p:sp>
       <p:cxnSp>
         <p:nvCxnSpPr>
-          <p:cNvPr id="46" name="Conector de Seta Reta 45"/>
-          <p:cNvCxnSpPr>
-            <a:stCxn id="6" idx="3"/>
-            <a:endCxn id="40" idx="1"/>
-          </p:cNvCxnSpPr>
-          <p:nvPr/>
-        </p:nvCxnSpPr>
-        <p:spPr>
-          <a:xfrm>
-            <a:off x="4137720" y="2702851"/>
-            <a:ext cx="283905" cy="8258"/>
-          </a:xfrm>
-          <a:prstGeom prst="straightConnector1">
-            <a:avLst/>
-          </a:prstGeom>
-          <a:ln>
-            <a:tailEnd type="triangle"/>
-          </a:ln>
-        </p:spPr>
-        <p:style>
-          <a:lnRef idx="1">
-            <a:schemeClr val="accent1"/>
-          </a:lnRef>
-          <a:fillRef idx="0">
-            <a:schemeClr val="accent1"/>
-          </a:fillRef>
-          <a:effectRef idx="0">
-            <a:schemeClr val="accent1"/>
-          </a:effectRef>
-          <a:fontRef idx="minor">
-            <a:schemeClr val="tx1"/>
-          </a:fontRef>
-        </p:style>
-      </p:cxnSp>
-      <p:cxnSp>
-        <p:nvCxnSpPr>
           <p:cNvPr id="48" name="Conector de Seta Reta 47"/>
           <p:cNvCxnSpPr>
             <a:stCxn id="40" idx="3"/>
@@ -15504,8 +14979,8 @@
         </p:nvCxnSpPr>
         <p:spPr>
           <a:xfrm>
-            <a:off x="5930935" y="2711109"/>
-            <a:ext cx="197191" cy="7792"/>
+            <a:off x="4162926" y="2687763"/>
+            <a:ext cx="1965200" cy="31138"/>
           </a:xfrm>
           <a:prstGeom prst="straightConnector1">
             <a:avLst/>
@@ -15532,9 +15007,7 @@
       <p:cxnSp>
         <p:nvCxnSpPr>
           <p:cNvPr id="52" name="Conector de Seta Reta 51"/>
-          <p:cNvCxnSpPr>
-            <a:endCxn id="6" idx="2"/>
-          </p:cNvCxnSpPr>
+          <p:cNvCxnSpPr/>
           <p:nvPr/>
         </p:nvCxnSpPr>
         <p:spPr>
@@ -16321,14 +15794,14 @@
         <p:nvCxnSpPr>
           <p:cNvPr id="107" name="Conector de Seta Reta 106"/>
           <p:cNvCxnSpPr>
-            <a:endCxn id="11" idx="0"/>
+            <a:endCxn id="53" idx="0"/>
           </p:cNvCxnSpPr>
           <p:nvPr/>
         </p:nvCxnSpPr>
         <p:spPr>
           <a:xfrm>
             <a:off x="6882781" y="3342759"/>
-            <a:ext cx="37380" cy="406698"/>
+            <a:ext cx="115669" cy="1635442"/>
           </a:xfrm>
           <a:prstGeom prst="straightConnector1">
             <a:avLst/>
@@ -16600,11 +16073,7 @@
                     <a:p>
                       <a:r>
                         <a:rPr lang="pt-BR" sz="1400" dirty="0" smtClean="0"/>
-                        <a:t>RN </a:t>
-                      </a:r>
-                      <a:r>
-                        <a:rPr lang="pt-BR" sz="1400" dirty="0" smtClean="0"/>
-                        <a:t>n.3 </a:t>
+                        <a:t>RN n.3 </a:t>
                       </a:r>
                       <a:endParaRPr lang="pt-BR" sz="1400" dirty="0"/>
                     </a:p>
@@ -16661,11 +16130,7 @@
                     <a:p>
                       <a:r>
                         <a:rPr lang="pt-BR" sz="1400" dirty="0" smtClean="0"/>
-                        <a:t>RN </a:t>
-                      </a:r>
-                      <a:r>
-                        <a:rPr lang="pt-BR" sz="1400" dirty="0" smtClean="0"/>
-                        <a:t>n.4</a:t>
+                        <a:t>RN n.4</a:t>
                       </a:r>
                       <a:endParaRPr lang="pt-BR" sz="1400" dirty="0"/>
                     </a:p>
@@ -16726,11 +16191,7 @@
                     <a:p>
                       <a:r>
                         <a:rPr lang="pt-BR" sz="1400" dirty="0" smtClean="0"/>
-                        <a:t>RN </a:t>
-                      </a:r>
-                      <a:r>
-                        <a:rPr lang="pt-BR" sz="1400" dirty="0" smtClean="0"/>
-                        <a:t>n.5</a:t>
+                        <a:t>RN n.5</a:t>
                       </a:r>
                       <a:endParaRPr lang="pt-BR" sz="1400" dirty="0"/>
                     </a:p>
@@ -16779,11 +16240,7 @@
                     <a:p>
                       <a:r>
                         <a:rPr lang="pt-BR" sz="1400" dirty="0" smtClean="0"/>
-                        <a:t>RN </a:t>
-                      </a:r>
-                      <a:r>
-                        <a:rPr lang="pt-BR" sz="1400" dirty="0" smtClean="0"/>
-                        <a:t>n.</a:t>
+                        <a:t>RN n.</a:t>
                       </a:r>
                       <a:r>
                         <a:rPr lang="pt-BR" sz="1400" baseline="0" dirty="0" smtClean="0"/>
@@ -16861,11 +16318,7 @@
                       </a:pPr>
                       <a:r>
                         <a:rPr lang="pt-BR" sz="1400" dirty="0" smtClean="0"/>
-                        <a:t>RN </a:t>
-                      </a:r>
-                      <a:r>
-                        <a:rPr lang="pt-BR" sz="1400" dirty="0" smtClean="0"/>
-                        <a:t>n.</a:t>
+                        <a:t>RN n.</a:t>
                       </a:r>
                       <a:r>
                         <a:rPr lang="pt-BR" sz="1400" baseline="0" dirty="0" smtClean="0"/>
@@ -16904,27 +16357,7 @@
                       </a:r>
                       <a:r>
                         <a:rPr lang="pt-BR" sz="1400" baseline="0" dirty="0" smtClean="0"/>
-                        <a:t> quantidade, o preço de cada pedido</a:t>
-                      </a:r>
-                      <a:r>
-                        <a:rPr lang="pt-BR" sz="1400" baseline="0" dirty="0" smtClean="0"/>
-                        <a:t>, </a:t>
-                      </a:r>
-                      <a:r>
-                        <a:rPr lang="pt-BR" sz="1400" baseline="0" dirty="0" smtClean="0"/>
-                        <a:t>e o preço total da </a:t>
-                      </a:r>
-                      <a:r>
-                        <a:rPr lang="pt-BR" sz="1400" baseline="0" dirty="0" smtClean="0"/>
-                        <a:t>compra, a seleção </a:t>
-                      </a:r>
-                      <a:r>
-                        <a:rPr lang="pt-BR" sz="1400" baseline="0" dirty="0" smtClean="0"/>
-                        <a:t>da forma de pagamento do </a:t>
-                      </a:r>
-                      <a:r>
-                        <a:rPr lang="pt-BR" sz="1400" baseline="0" dirty="0" smtClean="0"/>
-                        <a:t>pedido e a caixa de observação.</a:t>
+                        <a:t> quantidade, o preço de cada pedido, e o preço total da compra, a seleção da forma de pagamento do pedido e a caixa de observação.</a:t>
                       </a:r>
                       <a:endParaRPr lang="pt-BR" sz="1400" dirty="0"/>
                     </a:p>
@@ -17005,11 +16438,7 @@
                       </a:r>
                       <a:r>
                         <a:rPr lang="pt-BR" sz="1400" baseline="0" dirty="0" smtClean="0"/>
-                        <a:t> </a:t>
-                      </a:r>
-                      <a:r>
-                        <a:rPr lang="pt-BR" sz="1400" baseline="0" dirty="0" smtClean="0"/>
-                        <a:t>n.9</a:t>
+                        <a:t> n.9</a:t>
                       </a:r>
                       <a:endParaRPr lang="pt-BR" sz="1400" dirty="0"/>
                     </a:p>
@@ -17083,11 +16512,7 @@
                     <a:p>
                       <a:r>
                         <a:rPr lang="pt-BR" sz="1400" dirty="0" smtClean="0"/>
-                        <a:t>RN </a:t>
-                      </a:r>
-                      <a:r>
-                        <a:rPr lang="pt-BR" sz="1400" dirty="0" smtClean="0"/>
-                        <a:t>n.10</a:t>
+                        <a:t>RN n.10</a:t>
                       </a:r>
                       <a:endParaRPr lang="pt-BR" sz="1400" dirty="0"/>
                     </a:p>
@@ -17148,11 +16573,7 @@
                       </a:r>
                       <a:r>
                         <a:rPr lang="pt-BR" sz="1400" baseline="0" dirty="0" smtClean="0"/>
-                        <a:t> </a:t>
-                      </a:r>
-                      <a:r>
-                        <a:rPr lang="pt-BR" sz="1400" baseline="0" dirty="0" smtClean="0"/>
-                        <a:t>n.11</a:t>
+                        <a:t> n.11</a:t>
                       </a:r>
                       <a:endParaRPr lang="pt-BR" sz="1400" dirty="0"/>
                     </a:p>

--- a/Cardápio/Documentação/Documentação Cardapio.pptx
+++ b/Cardápio/Documentação/Documentação Cardapio.pptx
@@ -5,33 +5,31 @@
     <p:sldMasterId id="2147483648" r:id="rId1"/>
   </p:sldMasterIdLst>
   <p:notesMasterIdLst>
-    <p:notesMasterId r:id="rId26"/>
+    <p:notesMasterId r:id="rId24"/>
   </p:notesMasterIdLst>
   <p:sldIdLst>
     <p:sldId id="260" r:id="rId2"/>
     <p:sldId id="262" r:id="rId3"/>
     <p:sldId id="263" r:id="rId4"/>
-    <p:sldId id="264" r:id="rId5"/>
-    <p:sldId id="265" r:id="rId6"/>
-    <p:sldId id="266" r:id="rId7"/>
-    <p:sldId id="294" r:id="rId8"/>
-    <p:sldId id="295" r:id="rId9"/>
-    <p:sldId id="267" r:id="rId10"/>
-    <p:sldId id="268" r:id="rId11"/>
-    <p:sldId id="269" r:id="rId12"/>
-    <p:sldId id="287" r:id="rId13"/>
-    <p:sldId id="288" r:id="rId14"/>
-    <p:sldId id="278" r:id="rId15"/>
-    <p:sldId id="286" r:id="rId16"/>
-    <p:sldId id="289" r:id="rId17"/>
-    <p:sldId id="293" r:id="rId18"/>
-    <p:sldId id="290" r:id="rId19"/>
-    <p:sldId id="282" r:id="rId20"/>
-    <p:sldId id="283" r:id="rId21"/>
-    <p:sldId id="284" r:id="rId22"/>
-    <p:sldId id="291" r:id="rId23"/>
-    <p:sldId id="285" r:id="rId24"/>
-    <p:sldId id="292" r:id="rId25"/>
+    <p:sldId id="266" r:id="rId5"/>
+    <p:sldId id="294" r:id="rId6"/>
+    <p:sldId id="295" r:id="rId7"/>
+    <p:sldId id="267" r:id="rId8"/>
+    <p:sldId id="268" r:id="rId9"/>
+    <p:sldId id="269" r:id="rId10"/>
+    <p:sldId id="287" r:id="rId11"/>
+    <p:sldId id="288" r:id="rId12"/>
+    <p:sldId id="278" r:id="rId13"/>
+    <p:sldId id="286" r:id="rId14"/>
+    <p:sldId id="289" r:id="rId15"/>
+    <p:sldId id="293" r:id="rId16"/>
+    <p:sldId id="290" r:id="rId17"/>
+    <p:sldId id="282" r:id="rId18"/>
+    <p:sldId id="283" r:id="rId19"/>
+    <p:sldId id="284" r:id="rId20"/>
+    <p:sldId id="291" r:id="rId21"/>
+    <p:sldId id="285" r:id="rId22"/>
+    <p:sldId id="292" r:id="rId23"/>
   </p:sldIdLst>
   <p:sldSz cx="12192000" cy="6858000"/>
   <p:notesSz cx="6858000" cy="9144000"/>
@@ -220,7 +218,7 @@
           <a:p>
             <a:fld id="{90075476-0A5F-4725-AEDC-6B3686DF1DF9}" type="datetimeFigureOut">
               <a:rPr lang="pt-BR" smtClean="0"/>
-              <a:t>10/05/2023</a:t>
+              <a:t>16/05/2023</a:t>
             </a:fld>
             <a:endParaRPr lang="pt-BR" dirty="0"/>
           </a:p>
@@ -619,7 +617,7 @@
           <a:p>
             <a:fld id="{2CB57E7D-422E-4C11-AC48-44668C5C76E3}" type="datetimeFigureOut">
               <a:rPr lang="pt-BR" smtClean="0"/>
-              <a:t>10/05/2023</a:t>
+              <a:t>16/05/2023</a:t>
             </a:fld>
             <a:endParaRPr lang="pt-BR" dirty="0"/>
           </a:p>
@@ -789,7 +787,7 @@
           <a:p>
             <a:fld id="{2CB57E7D-422E-4C11-AC48-44668C5C76E3}" type="datetimeFigureOut">
               <a:rPr lang="pt-BR" smtClean="0"/>
-              <a:t>10/05/2023</a:t>
+              <a:t>16/05/2023</a:t>
             </a:fld>
             <a:endParaRPr lang="pt-BR" dirty="0"/>
           </a:p>
@@ -969,7 +967,7 @@
           <a:p>
             <a:fld id="{2CB57E7D-422E-4C11-AC48-44668C5C76E3}" type="datetimeFigureOut">
               <a:rPr lang="pt-BR" smtClean="0"/>
-              <a:t>10/05/2023</a:t>
+              <a:t>16/05/2023</a:t>
             </a:fld>
             <a:endParaRPr lang="pt-BR" dirty="0"/>
           </a:p>
@@ -1139,7 +1137,7 @@
           <a:p>
             <a:fld id="{2CB57E7D-422E-4C11-AC48-44668C5C76E3}" type="datetimeFigureOut">
               <a:rPr lang="pt-BR" smtClean="0"/>
-              <a:t>10/05/2023</a:t>
+              <a:t>16/05/2023</a:t>
             </a:fld>
             <a:endParaRPr lang="pt-BR" dirty="0"/>
           </a:p>
@@ -1385,7 +1383,7 @@
           <a:p>
             <a:fld id="{2CB57E7D-422E-4C11-AC48-44668C5C76E3}" type="datetimeFigureOut">
               <a:rPr lang="pt-BR" smtClean="0"/>
-              <a:t>10/05/2023</a:t>
+              <a:t>16/05/2023</a:t>
             </a:fld>
             <a:endParaRPr lang="pt-BR" dirty="0"/>
           </a:p>
@@ -1617,7 +1615,7 @@
           <a:p>
             <a:fld id="{2CB57E7D-422E-4C11-AC48-44668C5C76E3}" type="datetimeFigureOut">
               <a:rPr lang="pt-BR" smtClean="0"/>
-              <a:t>10/05/2023</a:t>
+              <a:t>16/05/2023</a:t>
             </a:fld>
             <a:endParaRPr lang="pt-BR" dirty="0"/>
           </a:p>
@@ -1984,7 +1982,7 @@
           <a:p>
             <a:fld id="{2CB57E7D-422E-4C11-AC48-44668C5C76E3}" type="datetimeFigureOut">
               <a:rPr lang="pt-BR" smtClean="0"/>
-              <a:t>10/05/2023</a:t>
+              <a:t>16/05/2023</a:t>
             </a:fld>
             <a:endParaRPr lang="pt-BR" dirty="0"/>
           </a:p>
@@ -2102,7 +2100,7 @@
           <a:p>
             <a:fld id="{2CB57E7D-422E-4C11-AC48-44668C5C76E3}" type="datetimeFigureOut">
               <a:rPr lang="pt-BR" smtClean="0"/>
-              <a:t>10/05/2023</a:t>
+              <a:t>16/05/2023</a:t>
             </a:fld>
             <a:endParaRPr lang="pt-BR" dirty="0"/>
           </a:p>
@@ -2197,7 +2195,7 @@
           <a:p>
             <a:fld id="{2CB57E7D-422E-4C11-AC48-44668C5C76E3}" type="datetimeFigureOut">
               <a:rPr lang="pt-BR" smtClean="0"/>
-              <a:t>10/05/2023</a:t>
+              <a:t>16/05/2023</a:t>
             </a:fld>
             <a:endParaRPr lang="pt-BR" dirty="0"/>
           </a:p>
@@ -2474,7 +2472,7 @@
           <a:p>
             <a:fld id="{2CB57E7D-422E-4C11-AC48-44668C5C76E3}" type="datetimeFigureOut">
               <a:rPr lang="pt-BR" smtClean="0"/>
-              <a:t>10/05/2023</a:t>
+              <a:t>16/05/2023</a:t>
             </a:fld>
             <a:endParaRPr lang="pt-BR" dirty="0"/>
           </a:p>
@@ -2727,7 +2725,7 @@
           <a:p>
             <a:fld id="{2CB57E7D-422E-4C11-AC48-44668C5C76E3}" type="datetimeFigureOut">
               <a:rPr lang="pt-BR" smtClean="0"/>
-              <a:t>10/05/2023</a:t>
+              <a:t>16/05/2023</a:t>
             </a:fld>
             <a:endParaRPr lang="pt-BR" dirty="0"/>
           </a:p>
@@ -2940,7 +2938,7 @@
           <a:p>
             <a:fld id="{2CB57E7D-422E-4C11-AC48-44668C5C76E3}" type="datetimeFigureOut">
               <a:rPr lang="pt-BR" smtClean="0"/>
-              <a:t>10/05/2023</a:t>
+              <a:t>16/05/2023</a:t>
             </a:fld>
             <a:endParaRPr lang="pt-BR" dirty="0"/>
           </a:p>
@@ -3353,7 +3351,7 @@
         </p:nvSpPr>
         <p:spPr>
           <a:xfrm>
-            <a:off x="2930582" y="1839884"/>
+            <a:off x="6063698" y="1810353"/>
             <a:ext cx="1870364" cy="980902"/>
           </a:xfrm>
           <a:prstGeom prst="rect">
@@ -3436,7 +3434,7 @@
         </p:nvSpPr>
         <p:spPr>
           <a:xfrm>
-            <a:off x="4619129" y="4262145"/>
+            <a:off x="3006553" y="1810353"/>
             <a:ext cx="1870364" cy="980902"/>
           </a:xfrm>
           <a:prstGeom prst="rect">
@@ -3471,48 +3469,6 @@
       </p:sp>
       <p:sp>
         <p:nvSpPr>
-          <p:cNvPr id="8" name="Retângulo 7"/>
-          <p:cNvSpPr/>
-          <p:nvPr/>
-        </p:nvSpPr>
-        <p:spPr>
-          <a:xfrm>
-            <a:off x="6084916" y="1839884"/>
-            <a:ext cx="1870364" cy="980902"/>
-          </a:xfrm>
-          <a:prstGeom prst="rect">
-            <a:avLst/>
-          </a:prstGeom>
-        </p:spPr>
-        <p:style>
-          <a:lnRef idx="2">
-            <a:schemeClr val="dk1"/>
-          </a:lnRef>
-          <a:fillRef idx="1">
-            <a:schemeClr val="lt1"/>
-          </a:fillRef>
-          <a:effectRef idx="0">
-            <a:schemeClr val="dk1"/>
-          </a:effectRef>
-          <a:fontRef idx="minor">
-            <a:schemeClr val="dk1"/>
-          </a:fontRef>
-        </p:style>
-        <p:txBody>
-          <a:bodyPr rtlCol="0" anchor="ctr"/>
-          <a:lstStyle/>
-          <a:p>
-            <a:pPr algn="ctr"/>
-            <a:r>
-              <a:rPr lang="pt-BR" dirty="0" smtClean="0"/>
-              <a:t>ProdutoEmpresa</a:t>
-            </a:r>
-            <a:endParaRPr lang="pt-BR" dirty="0"/>
-          </a:p>
-        </p:txBody>
-      </p:sp>
-      <p:sp>
-        <p:nvSpPr>
           <p:cNvPr id="10" name="CaixaDeTexto 9"/>
           <p:cNvSpPr txBox="1"/>
           <p:nvPr/>
@@ -3543,50 +3499,14 @@
       </p:sp>
       <p:cxnSp>
         <p:nvCxnSpPr>
-          <p:cNvPr id="12" name="Conector reto 11"/>
-          <p:cNvCxnSpPr>
-            <a:stCxn id="7" idx="0"/>
-            <a:endCxn id="33" idx="2"/>
-          </p:cNvCxnSpPr>
+          <p:cNvPr id="14" name="Conector reto 13"/>
+          <p:cNvCxnSpPr/>
           <p:nvPr/>
         </p:nvCxnSpPr>
         <p:spPr>
-          <a:xfrm flipH="1" flipV="1">
-            <a:off x="3865764" y="3824098"/>
-            <a:ext cx="1688547" cy="438047"/>
-          </a:xfrm>
-          <a:prstGeom prst="line">
-            <a:avLst/>
-          </a:prstGeom>
-        </p:spPr>
-        <p:style>
-          <a:lnRef idx="1">
-            <a:schemeClr val="accent1"/>
-          </a:lnRef>
-          <a:fillRef idx="0">
-            <a:schemeClr val="accent1"/>
-          </a:fillRef>
-          <a:effectRef idx="0">
-            <a:schemeClr val="accent1"/>
-          </a:effectRef>
-          <a:fontRef idx="minor">
-            <a:schemeClr val="tx1"/>
-          </a:fontRef>
-        </p:style>
-      </p:cxnSp>
-      <p:cxnSp>
-        <p:nvCxnSpPr>
-          <p:cNvPr id="14" name="Conector reto 13"/>
-          <p:cNvCxnSpPr>
-            <a:stCxn id="4" idx="3"/>
-            <a:endCxn id="8" idx="1"/>
-          </p:cNvCxnSpPr>
-          <p:nvPr/>
-        </p:nvCxnSpPr>
-        <p:spPr>
           <a:xfrm>
-            <a:off x="4800946" y="2330335"/>
-            <a:ext cx="1283970" cy="0"/>
+            <a:off x="4886094" y="2330335"/>
+            <a:ext cx="1177604" cy="0"/>
           </a:xfrm>
           <a:prstGeom prst="line">
             <a:avLst/>
@@ -3719,14 +3639,14 @@
       </p:sp>
       <p:sp>
         <p:nvSpPr>
-          <p:cNvPr id="36" name="CaixaDeTexto 35"/>
+          <p:cNvPr id="41" name="CaixaDeTexto 40"/>
           <p:cNvSpPr txBox="1"/>
           <p:nvPr/>
         </p:nvSpPr>
         <p:spPr>
           <a:xfrm>
-            <a:off x="4272749" y="4014427"/>
-            <a:ext cx="301686" cy="369332"/>
+            <a:off x="5800548" y="1948246"/>
+            <a:ext cx="333746" cy="369332"/>
           </a:xfrm>
           <a:prstGeom prst="rect">
             <a:avLst/>
@@ -3741,66 +3661,7 @@
           <a:p>
             <a:r>
               <a:rPr lang="pt-BR" dirty="0" smtClean="0"/>
-              <a:t>1</a:t>
-            </a:r>
-          </a:p>
-        </p:txBody>
-      </p:sp>
-      <p:sp>
-        <p:nvSpPr>
-          <p:cNvPr id="37" name="CaixaDeTexto 36"/>
-          <p:cNvSpPr txBox="1"/>
-          <p:nvPr/>
-        </p:nvSpPr>
-        <p:spPr>
-          <a:xfrm>
-            <a:off x="4105876" y="2791255"/>
-            <a:ext cx="333746" cy="369332"/>
-          </a:xfrm>
-          <a:prstGeom prst="rect">
-            <a:avLst/>
-          </a:prstGeom>
-          <a:noFill/>
-        </p:spPr>
-        <p:txBody>
-          <a:bodyPr wrap="none" rtlCol="0">
-            <a:spAutoFit/>
-          </a:bodyPr>
-          <a:lstStyle/>
-          <a:p>
-            <a:r>
-              <a:rPr lang="pt-BR" dirty="0" smtClean="0"/>
               <a:t>N</a:t>
-            </a:r>
-            <a:endParaRPr lang="pt-BR" dirty="0"/>
-          </a:p>
-        </p:txBody>
-      </p:sp>
-      <p:sp>
-        <p:nvSpPr>
-          <p:cNvPr id="41" name="CaixaDeTexto 40"/>
-          <p:cNvSpPr txBox="1"/>
-          <p:nvPr/>
-        </p:nvSpPr>
-        <p:spPr>
-          <a:xfrm>
-            <a:off x="5800548" y="1948246"/>
-            <a:ext cx="301686" cy="369332"/>
-          </a:xfrm>
-          <a:prstGeom prst="rect">
-            <a:avLst/>
-          </a:prstGeom>
-          <a:noFill/>
-        </p:spPr>
-        <p:txBody>
-          <a:bodyPr wrap="none" rtlCol="0">
-            <a:spAutoFit/>
-          </a:bodyPr>
-          <a:lstStyle/>
-          <a:p>
-            <a:r>
-              <a:rPr lang="pt-BR" dirty="0" smtClean="0"/>
-              <a:t>1</a:t>
             </a:r>
             <a:endParaRPr lang="pt-BR" dirty="0"/>
           </a:p>
@@ -3815,7 +3676,7 @@
         <p:spPr>
           <a:xfrm>
             <a:off x="7966536" y="1897125"/>
-            <a:ext cx="301686" cy="369332"/>
+            <a:ext cx="333746" cy="369332"/>
           </a:xfrm>
           <a:prstGeom prst="rect">
             <a:avLst/>
@@ -3830,7 +3691,7 @@
           <a:p>
             <a:r>
               <a:rPr lang="pt-BR" dirty="0" smtClean="0"/>
-              <a:t>1</a:t>
+              <a:t>N</a:t>
             </a:r>
             <a:endParaRPr lang="pt-BR" dirty="0"/>
           </a:p>
@@ -3845,7 +3706,7 @@
         <p:spPr>
           <a:xfrm>
             <a:off x="5001032" y="1931472"/>
-            <a:ext cx="333746" cy="369332"/>
+            <a:ext cx="301686" cy="369332"/>
           </a:xfrm>
           <a:prstGeom prst="rect">
             <a:avLst/>
@@ -3860,7 +3721,7 @@
           <a:p>
             <a:r>
               <a:rPr lang="pt-BR" dirty="0" smtClean="0"/>
-              <a:t>N</a:t>
+              <a:t>1</a:t>
             </a:r>
             <a:endParaRPr lang="pt-BR" dirty="0"/>
           </a:p>
@@ -3875,7 +3736,7 @@
         <p:spPr>
           <a:xfrm>
             <a:off x="8663396" y="1913387"/>
-            <a:ext cx="333746" cy="369332"/>
+            <a:ext cx="301686" cy="369332"/>
           </a:xfrm>
           <a:prstGeom prst="rect">
             <a:avLst/>
@@ -3889,244 +3750,10 @@
           <a:lstStyle/>
           <a:p>
             <a:r>
-              <a:rPr lang="pt-BR" dirty="0"/>
-              <a:t>N</a:t>
-            </a:r>
-          </a:p>
-        </p:txBody>
-      </p:sp>
-      <p:cxnSp>
-        <p:nvCxnSpPr>
-          <p:cNvPr id="32" name="Conector reto 31"/>
-          <p:cNvCxnSpPr/>
-          <p:nvPr/>
-        </p:nvCxnSpPr>
-        <p:spPr>
-          <a:xfrm flipV="1">
-            <a:off x="6936828" y="2820787"/>
-            <a:ext cx="4873" cy="418214"/>
-          </a:xfrm>
-          <a:prstGeom prst="line">
-            <a:avLst/>
-          </a:prstGeom>
-        </p:spPr>
-        <p:style>
-          <a:lnRef idx="1">
-            <a:schemeClr val="accent1"/>
-          </a:lnRef>
-          <a:fillRef idx="0">
-            <a:schemeClr val="accent1"/>
-          </a:fillRef>
-          <a:effectRef idx="0">
-            <a:schemeClr val="accent1"/>
-          </a:effectRef>
-          <a:fontRef idx="minor">
-            <a:schemeClr val="tx1"/>
-          </a:fontRef>
-        </p:style>
-      </p:cxnSp>
-      <p:sp>
-        <p:nvSpPr>
-          <p:cNvPr id="33" name="Losango 32"/>
-          <p:cNvSpPr/>
-          <p:nvPr/>
-        </p:nvSpPr>
-        <p:spPr>
-          <a:xfrm>
-            <a:off x="3574819" y="3258832"/>
-            <a:ext cx="581890" cy="565266"/>
-          </a:xfrm>
-          <a:prstGeom prst="diamond">
-            <a:avLst/>
-          </a:prstGeom>
-        </p:spPr>
-        <p:style>
-          <a:lnRef idx="2">
-            <a:schemeClr val="accent1">
-              <a:shade val="50000"/>
-            </a:schemeClr>
-          </a:lnRef>
-          <a:fillRef idx="1">
-            <a:schemeClr val="accent1"/>
-          </a:fillRef>
-          <a:effectRef idx="0">
-            <a:schemeClr val="accent1"/>
-          </a:effectRef>
-          <a:fontRef idx="minor">
-            <a:schemeClr val="lt1"/>
-          </a:fontRef>
-        </p:style>
-        <p:txBody>
-          <a:bodyPr rtlCol="0" anchor="ctr"/>
-          <a:lstStyle/>
-          <a:p>
-            <a:pPr algn="ctr"/>
-            <a:endParaRPr lang="pt-BR" dirty="0"/>
-          </a:p>
-        </p:txBody>
-      </p:sp>
-      <p:cxnSp>
-        <p:nvCxnSpPr>
-          <p:cNvPr id="34" name="Conector reto 33"/>
-          <p:cNvCxnSpPr>
-            <a:stCxn id="33" idx="0"/>
-            <a:endCxn id="4" idx="2"/>
-          </p:cNvCxnSpPr>
-          <p:nvPr/>
-        </p:nvCxnSpPr>
-        <p:spPr>
-          <a:xfrm flipV="1">
-            <a:off x="3865764" y="2820786"/>
-            <a:ext cx="0" cy="438046"/>
-          </a:xfrm>
-          <a:prstGeom prst="line">
-            <a:avLst/>
-          </a:prstGeom>
-        </p:spPr>
-        <p:style>
-          <a:lnRef idx="1">
-            <a:schemeClr val="accent1"/>
-          </a:lnRef>
-          <a:fillRef idx="0">
-            <a:schemeClr val="accent1"/>
-          </a:fillRef>
-          <a:effectRef idx="0">
-            <a:schemeClr val="accent1"/>
-          </a:effectRef>
-          <a:fontRef idx="minor">
-            <a:schemeClr val="tx1"/>
-          </a:fontRef>
-        </p:style>
-      </p:cxnSp>
-      <p:sp>
-        <p:nvSpPr>
-          <p:cNvPr id="38" name="Losango 37"/>
-          <p:cNvSpPr/>
-          <p:nvPr/>
-        </p:nvSpPr>
-        <p:spPr>
-          <a:xfrm>
-            <a:off x="6645883" y="3219943"/>
-            <a:ext cx="581890" cy="565266"/>
-          </a:xfrm>
-          <a:prstGeom prst="diamond">
-            <a:avLst/>
-          </a:prstGeom>
-        </p:spPr>
-        <p:style>
-          <a:lnRef idx="2">
-            <a:schemeClr val="accent1">
-              <a:shade val="50000"/>
-            </a:schemeClr>
-          </a:lnRef>
-          <a:fillRef idx="1">
-            <a:schemeClr val="accent1"/>
-          </a:fillRef>
-          <a:effectRef idx="0">
-            <a:schemeClr val="accent1"/>
-          </a:effectRef>
-          <a:fontRef idx="minor">
-            <a:schemeClr val="lt1"/>
-          </a:fontRef>
-        </p:style>
-        <p:txBody>
-          <a:bodyPr rtlCol="0" anchor="ctr"/>
-          <a:lstStyle/>
-          <a:p>
-            <a:pPr algn="ctr"/>
-            <a:endParaRPr lang="pt-BR" dirty="0"/>
-          </a:p>
-        </p:txBody>
-      </p:sp>
-      <p:cxnSp>
-        <p:nvCxnSpPr>
-          <p:cNvPr id="39" name="Conector reto 38"/>
-          <p:cNvCxnSpPr>
-            <a:stCxn id="7" idx="0"/>
-            <a:endCxn id="38" idx="2"/>
-          </p:cNvCxnSpPr>
-          <p:nvPr/>
-        </p:nvCxnSpPr>
-        <p:spPr>
-          <a:xfrm flipV="1">
-            <a:off x="5554311" y="3785209"/>
-            <a:ext cx="1382517" cy="476936"/>
-          </a:xfrm>
-          <a:prstGeom prst="line">
-            <a:avLst/>
-          </a:prstGeom>
-        </p:spPr>
-        <p:style>
-          <a:lnRef idx="1">
-            <a:schemeClr val="accent1"/>
-          </a:lnRef>
-          <a:fillRef idx="0">
-            <a:schemeClr val="accent1"/>
-          </a:fillRef>
-          <a:effectRef idx="0">
-            <a:schemeClr val="accent1"/>
-          </a:effectRef>
-          <a:fontRef idx="minor">
-            <a:schemeClr val="tx1"/>
-          </a:fontRef>
-        </p:style>
-      </p:cxnSp>
-      <p:sp>
-        <p:nvSpPr>
-          <p:cNvPr id="48" name="CaixaDeTexto 47"/>
-          <p:cNvSpPr txBox="1"/>
-          <p:nvPr/>
-        </p:nvSpPr>
-        <p:spPr>
-          <a:xfrm>
-            <a:off x="6534187" y="4014981"/>
-            <a:ext cx="333746" cy="369332"/>
-          </a:xfrm>
-          <a:prstGeom prst="rect">
-            <a:avLst/>
-          </a:prstGeom>
-          <a:noFill/>
-        </p:spPr>
-        <p:txBody>
-          <a:bodyPr wrap="none" rtlCol="0">
-            <a:spAutoFit/>
-          </a:bodyPr>
-          <a:lstStyle/>
-          <a:p>
-            <a:r>
-              <a:rPr lang="pt-BR" dirty="0" smtClean="0"/>
-              <a:t>N</a:t>
-            </a:r>
-            <a:endParaRPr lang="pt-BR" dirty="0"/>
-          </a:p>
-        </p:txBody>
-      </p:sp>
-      <p:sp>
-        <p:nvSpPr>
-          <p:cNvPr id="50" name="CaixaDeTexto 49"/>
-          <p:cNvSpPr txBox="1"/>
-          <p:nvPr/>
-        </p:nvSpPr>
-        <p:spPr>
-          <a:xfrm>
-            <a:off x="7032634" y="2817694"/>
-            <a:ext cx="251954" cy="369332"/>
-          </a:xfrm>
-          <a:prstGeom prst="rect">
-            <a:avLst/>
-          </a:prstGeom>
-          <a:noFill/>
-        </p:spPr>
-        <p:txBody>
-          <a:bodyPr wrap="square" rtlCol="0">
-            <a:spAutoFit/>
-          </a:bodyPr>
-          <a:lstStyle/>
-          <a:p>
-            <a:r>
               <a:rPr lang="pt-BR" dirty="0" smtClean="0"/>
               <a:t>1</a:t>
             </a:r>
+            <a:endParaRPr lang="pt-BR" dirty="0"/>
           </a:p>
         </p:txBody>
       </p:sp>
@@ -4167,88 +3794,9 @@
           <a:chExt cx="0" cy="0"/>
         </a:xfrm>
       </p:grpSpPr>
-      <p:sp>
-        <p:nvSpPr>
-          <p:cNvPr id="2" name="Título 1"/>
-          <p:cNvSpPr>
-            <a:spLocks noGrp="1"/>
-          </p:cNvSpPr>
-          <p:nvPr>
-            <p:ph type="title"/>
-          </p:nvPr>
-        </p:nvSpPr>
-        <p:spPr>
-          <a:xfrm>
-            <a:off x="419100" y="365125"/>
-            <a:ext cx="11353800" cy="1325563"/>
-          </a:xfrm>
-        </p:spPr>
-        <p:txBody>
-          <a:bodyPr/>
-          <a:lstStyle/>
-          <a:p>
-            <a:r>
-              <a:rPr lang="pt-BR" dirty="0" smtClean="0">
-                <a:latin typeface="Times New Roman" panose="02020603050405020304" pitchFamily="18" charset="0"/>
-                <a:cs typeface="Times New Roman" panose="02020603050405020304" pitchFamily="18" charset="0"/>
-              </a:rPr>
-              <a:t>RN n.1 Categorias</a:t>
-            </a:r>
-            <a:endParaRPr lang="pt-BR" dirty="0">
-              <a:latin typeface="Times New Roman" panose="02020603050405020304" pitchFamily="18" charset="0"/>
-              <a:cs typeface="Times New Roman" panose="02020603050405020304" pitchFamily="18" charset="0"/>
-            </a:endParaRPr>
-          </a:p>
-        </p:txBody>
-      </p:sp>
-      <p:sp>
-        <p:nvSpPr>
-          <p:cNvPr id="3" name="Espaço Reservado para Conteúdo 2"/>
-          <p:cNvSpPr>
-            <a:spLocks noGrp="1"/>
-          </p:cNvSpPr>
-          <p:nvPr>
-            <p:ph idx="1"/>
-          </p:nvPr>
-        </p:nvSpPr>
-        <p:spPr>
-          <a:xfrm>
-            <a:off x="838200" y="1825625"/>
-            <a:ext cx="5068614" cy="4351338"/>
-          </a:xfrm>
-        </p:spPr>
-        <p:txBody>
-          <a:bodyPr/>
-          <a:lstStyle/>
-          <a:p>
-            <a:r>
-              <a:rPr lang="pt-BR" dirty="0" smtClean="0">
-                <a:latin typeface="Times New Roman" panose="02020603050405020304" pitchFamily="18" charset="0"/>
-                <a:cs typeface="Times New Roman" panose="02020603050405020304" pitchFamily="18" charset="0"/>
-              </a:rPr>
-              <a:t>Ao entrar no cardápio da empresa é exibido as categorias que existe produtos vinculados.</a:t>
-            </a:r>
-          </a:p>
-          <a:p>
-            <a:endParaRPr lang="pt-BR" dirty="0">
-              <a:latin typeface="Times New Roman" panose="02020603050405020304" pitchFamily="18" charset="0"/>
-              <a:cs typeface="Times New Roman" panose="02020603050405020304" pitchFamily="18" charset="0"/>
-            </a:endParaRPr>
-          </a:p>
-          <a:p>
-            <a:endParaRPr lang="pt-BR" dirty="0" smtClean="0">
-              <a:latin typeface="Times New Roman" panose="02020603050405020304" pitchFamily="18" charset="0"/>
-              <a:cs typeface="Times New Roman" panose="02020603050405020304" pitchFamily="18" charset="0"/>
-            </a:endParaRPr>
-          </a:p>
-          <a:p>
-            <a:endParaRPr lang="pt-BR" dirty="0"/>
-          </a:p>
-        </p:txBody>
-      </p:sp>
       <p:pic>
         <p:nvPicPr>
-          <p:cNvPr id="4" name="Imagem 3"/>
+          <p:cNvPr id="10" name="Imagem 9"/>
           <p:cNvPicPr>
             <a:picLocks noChangeAspect="1"/>
           </p:cNvPicPr>
@@ -4262,14 +3810,69 @@
         </p:blipFill>
         <p:spPr>
           <a:xfrm>
-            <a:off x="7363812" y="589486"/>
-            <a:ext cx="3009899" cy="5879631"/>
+            <a:off x="1744419" y="1270171"/>
+            <a:ext cx="3012396" cy="5433071"/>
           </a:xfrm>
           <a:prstGeom prst="rect">
             <a:avLst/>
           </a:prstGeom>
         </p:spPr>
       </p:pic>
+      <p:sp>
+        <p:nvSpPr>
+          <p:cNvPr id="47" name="Título 1"/>
+          <p:cNvSpPr txBox="1">
+            <a:spLocks/>
+          </p:cNvSpPr>
+          <p:nvPr/>
+        </p:nvSpPr>
+        <p:spPr>
+          <a:xfrm>
+            <a:off x="300860" y="-2840"/>
+            <a:ext cx="11353800" cy="1325563"/>
+          </a:xfrm>
+          <a:prstGeom prst="rect">
+            <a:avLst/>
+          </a:prstGeom>
+        </p:spPr>
+        <p:txBody>
+          <a:bodyPr vert="horz" lIns="91440" tIns="45720" rIns="91440" bIns="45720" rtlCol="0" anchor="ctr">
+            <a:normAutofit/>
+          </a:bodyPr>
+          <a:lstStyle>
+            <a:lvl1pPr algn="l" defTabSz="914400" rtl="0" eaLnBrk="1" latinLnBrk="0" hangingPunct="1">
+              <a:lnSpc>
+                <a:spcPct val="90000"/>
+              </a:lnSpc>
+              <a:spcBef>
+                <a:spcPct val="0"/>
+              </a:spcBef>
+              <a:buNone/>
+              <a:defRPr sz="4400" kern="1200">
+                <a:solidFill>
+                  <a:schemeClr val="tx1"/>
+                </a:solidFill>
+                <a:latin typeface="+mj-lt"/>
+                <a:ea typeface="+mj-ea"/>
+                <a:cs typeface="+mj-cs"/>
+              </a:defRPr>
+            </a:lvl1pPr>
+          </a:lstStyle>
+          <a:p>
+            <a:r>
+              <a:rPr lang="pt-BR" dirty="0" smtClean="0">
+                <a:latin typeface="Times New Roman" panose="02020603050405020304" pitchFamily="18" charset="0"/>
+                <a:cs typeface="Times New Roman" panose="02020603050405020304" pitchFamily="18" charset="0"/>
+              </a:rPr>
+              <a:t>RN n.2 Produtos</a:t>
+            </a:r>
+            <a:endParaRPr lang="pt-BR" dirty="0">
+              <a:latin typeface="Times New Roman" panose="02020603050405020304" pitchFamily="18" charset="0"/>
+              <a:cs typeface="Times New Roman" panose="02020603050405020304" pitchFamily="18" charset="0"/>
+            </a:endParaRPr>
+          </a:p>
+        </p:txBody>
+      </p:sp>
       <p:cxnSp>
         <p:nvCxnSpPr>
           <p:cNvPr id="5" name="Conector de Seta Reta 4"/>
@@ -4278,8 +3881,8 @@
         </p:nvCxnSpPr>
         <p:spPr>
           <a:xfrm>
-            <a:off x="6586046" y="2060029"/>
-            <a:ext cx="777766" cy="441434"/>
+            <a:off x="584639" y="2448912"/>
+            <a:ext cx="1296713" cy="557047"/>
           </a:xfrm>
           <a:prstGeom prst="straightConnector1">
             <a:avLst/>
@@ -4305,14 +3908,14 @@
       </p:cxnSp>
       <p:cxnSp>
         <p:nvCxnSpPr>
-          <p:cNvPr id="6" name="Conector de Seta Reta 5"/>
+          <p:cNvPr id="18" name="Conector de Seta Reta 17"/>
           <p:cNvCxnSpPr/>
           <p:nvPr/>
         </p:nvCxnSpPr>
         <p:spPr>
-          <a:xfrm>
-            <a:off x="6312777" y="3174125"/>
-            <a:ext cx="1051035" cy="21020"/>
+          <a:xfrm flipV="1">
+            <a:off x="311370" y="3394841"/>
+            <a:ext cx="1664575" cy="168167"/>
           </a:xfrm>
           <a:prstGeom prst="straightConnector1">
             <a:avLst/>
@@ -4338,14 +3941,14 @@
       </p:cxnSp>
       <p:cxnSp>
         <p:nvCxnSpPr>
-          <p:cNvPr id="7" name="Conector de Seta Reta 6"/>
+          <p:cNvPr id="22" name="Conector de Seta Reta 21"/>
           <p:cNvCxnSpPr/>
           <p:nvPr/>
         </p:nvCxnSpPr>
         <p:spPr>
-          <a:xfrm flipV="1">
-            <a:off x="6302267" y="3930869"/>
-            <a:ext cx="1061545" cy="94594"/>
+          <a:xfrm flipH="1">
+            <a:off x="3825766" y="2890347"/>
+            <a:ext cx="1174589" cy="220715"/>
           </a:xfrm>
           <a:prstGeom prst="straightConnector1">
             <a:avLst/>
@@ -4371,14 +3974,44 @@
       </p:cxnSp>
       <p:sp>
         <p:nvSpPr>
-          <p:cNvPr id="8" name="Retângulo 7"/>
+          <p:cNvPr id="12" name="CaixaDeTexto 11"/>
+          <p:cNvSpPr txBox="1"/>
+          <p:nvPr/>
+        </p:nvSpPr>
+        <p:spPr>
+          <a:xfrm>
+            <a:off x="5518672" y="1476566"/>
+            <a:ext cx="4346090" cy="923330"/>
+          </a:xfrm>
+          <a:prstGeom prst="rect">
+            <a:avLst/>
+          </a:prstGeom>
+          <a:noFill/>
+        </p:spPr>
+        <p:txBody>
+          <a:bodyPr wrap="square" rtlCol="0">
+            <a:spAutoFit/>
+          </a:bodyPr>
+          <a:lstStyle/>
+          <a:p>
+            <a:r>
+              <a:rPr lang="pt-BR" dirty="0" smtClean="0"/>
+              <a:t>Tela apresentada após a seleção da categoria pelo cliente, apresenta os produtos da categoria selecionada.</a:t>
+            </a:r>
+            <a:endParaRPr lang="pt-BR" dirty="0"/>
+          </a:p>
+        </p:txBody>
+      </p:sp>
+      <p:sp>
+        <p:nvSpPr>
+          <p:cNvPr id="16" name="Retângulo 15"/>
           <p:cNvSpPr/>
           <p:nvPr/>
         </p:nvSpPr>
         <p:spPr>
           <a:xfrm>
-            <a:off x="1085910" y="3440418"/>
-            <a:ext cx="2445566" cy="980902"/>
+            <a:off x="5518672" y="2727435"/>
+            <a:ext cx="2290514" cy="980902"/>
           </a:xfrm>
           <a:prstGeom prst="rect">
             <a:avLst/>
@@ -4405,7 +4038,7 @@
             <a:pPr algn="ctr"/>
             <a:r>
               <a:rPr lang="pt-BR" dirty="0" smtClean="0"/>
-              <a:t>ProdutoEmpresa</a:t>
+              <a:t>Produto</a:t>
             </a:r>
             <a:endParaRPr lang="pt-BR" dirty="0"/>
           </a:p>
@@ -4414,7 +4047,7 @@
     </p:spTree>
     <p:extLst>
       <p:ext uri="{BB962C8B-B14F-4D97-AF65-F5344CB8AC3E}">
-        <p14:creationId xmlns:p14="http://schemas.microsoft.com/office/powerpoint/2010/main" val="1350709950"/>
+        <p14:creationId xmlns:p14="http://schemas.microsoft.com/office/powerpoint/2010/main" val="3396094351"/>
       </p:ext>
     </p:extLst>
   </p:cSld>
@@ -4475,7 +4108,7 @@
                 <a:latin typeface="Times New Roman" panose="02020603050405020304" pitchFamily="18" charset="0"/>
                 <a:cs typeface="Times New Roman" panose="02020603050405020304" pitchFamily="18" charset="0"/>
               </a:rPr>
-              <a:t>RN n.1 Caso de teste</a:t>
+              <a:t>RN n.2 Caso de teste</a:t>
             </a:r>
             <a:r>
               <a:rPr lang="pt-BR" sz="3600" dirty="0">
@@ -4489,7 +4122,7 @@
                 <a:latin typeface="Times New Roman" panose="02020603050405020304" pitchFamily="18" charset="0"/>
                 <a:cs typeface="Times New Roman" panose="02020603050405020304" pitchFamily="18" charset="0"/>
               </a:rPr>
-              <a:t> Categorias</a:t>
+              <a:t> Produtos</a:t>
             </a:r>
             <a:endParaRPr lang="pt-BR" sz="3600" dirty="0">
               <a:latin typeface="Times New Roman" panose="02020603050405020304" pitchFamily="18" charset="0"/>
@@ -4547,7 +4180,7 @@
                 <a:latin typeface="Times New Roman" panose="02020603050405020304" pitchFamily="18" charset="0"/>
                 <a:cs typeface="Times New Roman" panose="02020603050405020304" pitchFamily="18" charset="0"/>
               </a:rPr>
-              <a:t>Visualizar Categorias </a:t>
+              <a:t>visualizar Produtos </a:t>
             </a:r>
             <a:endParaRPr lang="pt-BR" sz="1100" dirty="0">
               <a:latin typeface="Times New Roman" panose="02020603050405020304" pitchFamily="18" charset="0"/>
@@ -4563,8 +4196,19 @@
                 <a:latin typeface="Times New Roman" panose="02020603050405020304" pitchFamily="18" charset="0"/>
                 <a:cs typeface="Times New Roman" panose="02020603050405020304" pitchFamily="18" charset="0"/>
               </a:rPr>
-              <a:t>ID: RN n.1 </a:t>
-            </a:r>
+              <a:t>ID: RN </a:t>
+            </a:r>
+            <a:r>
+              <a:rPr lang="pt-BR" sz="1100" dirty="0" smtClean="0">
+                <a:latin typeface="Times New Roman" panose="02020603050405020304" pitchFamily="18" charset="0"/>
+                <a:cs typeface="Times New Roman" panose="02020603050405020304" pitchFamily="18" charset="0"/>
+              </a:rPr>
+              <a:t>n.2</a:t>
+            </a:r>
+            <a:endParaRPr lang="pt-BR" sz="1100" dirty="0">
+              <a:latin typeface="Times New Roman" panose="02020603050405020304" pitchFamily="18" charset="0"/>
+              <a:cs typeface="Times New Roman" panose="02020603050405020304" pitchFamily="18" charset="0"/>
+            </a:endParaRPr>
           </a:p>
           <a:p>
             <a:pPr marL="0" indent="0">
@@ -4582,7 +4226,7 @@
                 <a:latin typeface="Times New Roman" panose="02020603050405020304" pitchFamily="18" charset="0"/>
                 <a:cs typeface="Times New Roman" panose="02020603050405020304" pitchFamily="18" charset="0"/>
               </a:rPr>
-              <a:t>10/05/2023 15:20 </a:t>
+              <a:t>10/05/2023 15:42 </a:t>
             </a:r>
             <a:r>
               <a:rPr lang="pt-BR" sz="1100" dirty="0">
@@ -4636,7 +4280,7 @@
                 <a:latin typeface="Times New Roman" panose="02020603050405020304" pitchFamily="18" charset="0"/>
                 <a:cs typeface="Times New Roman" panose="02020603050405020304" pitchFamily="18" charset="0"/>
               </a:rPr>
-              <a:t>caso de teste para visualizar as categorias</a:t>
+              <a:t>caso de teste para visualização de Produtos</a:t>
             </a:r>
             <a:endParaRPr lang="pt-BR" sz="1100" dirty="0">
               <a:latin typeface="Times New Roman" panose="02020603050405020304" pitchFamily="18" charset="0"/>
@@ -4652,8 +4296,54 @@
                 <a:latin typeface="Times New Roman" panose="02020603050405020304" pitchFamily="18" charset="0"/>
                 <a:cs typeface="Times New Roman" panose="02020603050405020304" pitchFamily="18" charset="0"/>
               </a:rPr>
-              <a:t> Pré-requisitos:</a:t>
-            </a:r>
+              <a:t> Pré-requisitos</a:t>
+            </a:r>
+            <a:r>
+              <a:rPr lang="pt-BR" sz="1100" dirty="0" smtClean="0">
+                <a:latin typeface="Times New Roman" panose="02020603050405020304" pitchFamily="18" charset="0"/>
+                <a:cs typeface="Times New Roman" panose="02020603050405020304" pitchFamily="18" charset="0"/>
+              </a:rPr>
+              <a:t>:</a:t>
+            </a:r>
+            <a:endParaRPr lang="pt-BR" sz="1100" dirty="0">
+              <a:latin typeface="Times New Roman" panose="02020603050405020304" pitchFamily="18" charset="0"/>
+              <a:cs typeface="Times New Roman" panose="02020603050405020304" pitchFamily="18" charset="0"/>
+            </a:endParaRPr>
+          </a:p>
+          <a:p>
+            <a:pPr marL="0" indent="0">
+              <a:buNone/>
+            </a:pPr>
+            <a:r>
+              <a:rPr lang="pt-BR" sz="1100" dirty="0">
+                <a:latin typeface="Times New Roman" panose="02020603050405020304" pitchFamily="18" charset="0"/>
+                <a:cs typeface="Times New Roman" panose="02020603050405020304" pitchFamily="18" charset="0"/>
+              </a:rPr>
+              <a:t>1.Acesso ao cardápio da empresa </a:t>
+            </a:r>
+            <a:r>
+              <a:rPr lang="pt-BR" sz="1100" dirty="0" smtClean="0">
+                <a:latin typeface="Times New Roman" panose="02020603050405020304" pitchFamily="18" charset="0"/>
+                <a:cs typeface="Times New Roman" panose="02020603050405020304" pitchFamily="18" charset="0"/>
+              </a:rPr>
+              <a:t>selecionada</a:t>
+            </a:r>
+          </a:p>
+          <a:p>
+            <a:pPr marL="0" indent="0">
+              <a:buNone/>
+            </a:pPr>
+            <a:r>
+              <a:rPr lang="pt-BR" sz="1100" dirty="0" smtClean="0">
+                <a:latin typeface="Times New Roman" panose="02020603050405020304" pitchFamily="18" charset="0"/>
+                <a:cs typeface="Times New Roman" panose="02020603050405020304" pitchFamily="18" charset="0"/>
+              </a:rPr>
+              <a:t>2.Ter selecionado a categoria desejada na tela anterior</a:t>
+            </a:r>
+            <a:endParaRPr lang="pt-BR" sz="1100" dirty="0">
+              <a:latin typeface="Times New Roman" panose="02020603050405020304" pitchFamily="18" charset="0"/>
+              <a:cs typeface="Times New Roman" panose="02020603050405020304" pitchFamily="18" charset="0"/>
+            </a:endParaRPr>
           </a:p>
           <a:p>
             <a:pPr marL="0" indent="0">
@@ -4673,27 +4363,6 @@
                 <a:latin typeface="Times New Roman" panose="02020603050405020304" pitchFamily="18" charset="0"/>
                 <a:cs typeface="Times New Roman" panose="02020603050405020304" pitchFamily="18" charset="0"/>
               </a:rPr>
-              <a:t>1.Acesso ao cardápio da empresa selecionada</a:t>
-            </a:r>
-          </a:p>
-          <a:p>
-            <a:pPr marL="0" indent="0">
-              <a:buNone/>
-            </a:pPr>
-            <a:endParaRPr lang="pt-BR" sz="1100" dirty="0">
-              <a:latin typeface="Times New Roman" panose="02020603050405020304" pitchFamily="18" charset="0"/>
-              <a:cs typeface="Times New Roman" panose="02020603050405020304" pitchFamily="18" charset="0"/>
-            </a:endParaRPr>
-          </a:p>
-          <a:p>
-            <a:pPr marL="0" indent="0">
-              <a:buNone/>
-            </a:pPr>
-            <a:r>
-              <a:rPr lang="pt-BR" sz="1100" dirty="0">
-                <a:latin typeface="Times New Roman" panose="02020603050405020304" pitchFamily="18" charset="0"/>
-                <a:cs typeface="Times New Roman" panose="02020603050405020304" pitchFamily="18" charset="0"/>
-              </a:rPr>
               <a:t>Etapas de teste:</a:t>
             </a:r>
           </a:p>
@@ -4713,8 +4382,43 @@
                 <a:latin typeface="Times New Roman" panose="02020603050405020304" pitchFamily="18" charset="0"/>
                 <a:cs typeface="Times New Roman" panose="02020603050405020304" pitchFamily="18" charset="0"/>
               </a:rPr>
-              <a:t>a tela principal do cardápio</a:t>
-            </a:r>
+              <a:t>a tela principal do </a:t>
+            </a:r>
+            <a:r>
+              <a:rPr lang="pt-BR" sz="1100" dirty="0" smtClean="0">
+                <a:latin typeface="Times New Roman" panose="02020603050405020304" pitchFamily="18" charset="0"/>
+                <a:cs typeface="Times New Roman" panose="02020603050405020304" pitchFamily="18" charset="0"/>
+              </a:rPr>
+              <a:t>cardápio</a:t>
+            </a:r>
+          </a:p>
+          <a:p>
+            <a:pPr marL="0" indent="0">
+              <a:buNone/>
+            </a:pPr>
+            <a:r>
+              <a:rPr lang="pt-BR" sz="1100" dirty="0" smtClean="0">
+                <a:latin typeface="Times New Roman" panose="02020603050405020304" pitchFamily="18" charset="0"/>
+                <a:cs typeface="Times New Roman" panose="02020603050405020304" pitchFamily="18" charset="0"/>
+              </a:rPr>
+              <a:t>2.Selecione a categoria desejada.</a:t>
+            </a:r>
+          </a:p>
+          <a:p>
+            <a:pPr marL="0" indent="0">
+              <a:buNone/>
+            </a:pPr>
+            <a:r>
+              <a:rPr lang="pt-BR" sz="1100" dirty="0" smtClean="0">
+                <a:latin typeface="Times New Roman" panose="02020603050405020304" pitchFamily="18" charset="0"/>
+                <a:cs typeface="Times New Roman" panose="02020603050405020304" pitchFamily="18" charset="0"/>
+              </a:rPr>
+              <a:t>3.Visualize os Produtos</a:t>
+            </a:r>
+            <a:endParaRPr lang="pt-BR" sz="1100" dirty="0">
+              <a:latin typeface="Times New Roman" panose="02020603050405020304" pitchFamily="18" charset="0"/>
+              <a:cs typeface="Times New Roman" panose="02020603050405020304" pitchFamily="18" charset="0"/>
+            </a:endParaRPr>
           </a:p>
           <a:p>
             <a:pPr marL="0" indent="0">
@@ -4940,7 +4644,7 @@
                 <a:latin typeface="Times New Roman" panose="02020603050405020304" pitchFamily="18" charset="0"/>
                 <a:cs typeface="Times New Roman" panose="02020603050405020304" pitchFamily="18" charset="0"/>
               </a:rPr>
-              <a:t>inicial do cardápio e visualizar as categorias disponíveis.</a:t>
+              <a:t>de produtos correspondente a categoria que ele selecionou anteriormente</a:t>
             </a:r>
             <a:endParaRPr lang="pt-BR" sz="1100" dirty="0">
               <a:latin typeface="Times New Roman" panose="02020603050405020304" pitchFamily="18" charset="0"/>
@@ -4987,7 +4691,7 @@
                 <a:latin typeface="Times New Roman" panose="02020603050405020304" pitchFamily="18" charset="0"/>
                 <a:cs typeface="Times New Roman" panose="02020603050405020304" pitchFamily="18" charset="0"/>
               </a:rPr>
-              <a:t>visualizar as categorias colocadas pela empresa no cardápio.</a:t>
+              <a:t>visualizar os produtos da respectiva categoria selecionada pelo mesmo</a:t>
             </a:r>
             <a:endParaRPr lang="pt-BR" sz="1100" dirty="0">
               <a:latin typeface="Times New Roman" panose="02020603050405020304" pitchFamily="18" charset="0"/>
@@ -5048,7 +4752,7 @@
                 <a:latin typeface="Times New Roman" panose="02020603050405020304" pitchFamily="18" charset="0"/>
                 <a:cs typeface="Times New Roman" panose="02020603050405020304" pitchFamily="18" charset="0"/>
               </a:rPr>
-              <a:t>15:32 </a:t>
+              <a:t>15:50 </a:t>
             </a:r>
             <a:r>
               <a:rPr lang="pt-BR" sz="1100" dirty="0">
@@ -5073,7 +4777,7 @@
     </p:spTree>
     <p:extLst>
       <p:ext uri="{BB962C8B-B14F-4D97-AF65-F5344CB8AC3E}">
-        <p14:creationId xmlns:p14="http://schemas.microsoft.com/office/powerpoint/2010/main" val="1685159737"/>
+        <p14:creationId xmlns:p14="http://schemas.microsoft.com/office/powerpoint/2010/main" val="3265775758"/>
       </p:ext>
     </p:extLst>
   </p:cSld>
@@ -5109,7 +4813,7 @@
       </p:grpSpPr>
       <p:pic>
         <p:nvPicPr>
-          <p:cNvPr id="10" name="Imagem 9"/>
+          <p:cNvPr id="6" name="Imagem 5"/>
           <p:cNvPicPr>
             <a:picLocks noChangeAspect="1"/>
           </p:cNvPicPr>
@@ -5123,8 +4827,8 @@
         </p:blipFill>
         <p:spPr>
           <a:xfrm>
-            <a:off x="1744419" y="1270171"/>
-            <a:ext cx="3012396" cy="5433071"/>
+            <a:off x="865007" y="872359"/>
+            <a:ext cx="3251889" cy="5865014"/>
           </a:xfrm>
           <a:prstGeom prst="rect">
             <a:avLst/>
@@ -5133,135 +4837,42 @@
       </p:pic>
       <p:sp>
         <p:nvSpPr>
-          <p:cNvPr id="47" name="Título 1"/>
-          <p:cNvSpPr txBox="1">
-            <a:spLocks/>
+          <p:cNvPr id="2" name="Título 1"/>
+          <p:cNvSpPr>
+            <a:spLocks noGrp="1"/>
           </p:cNvSpPr>
-          <p:nvPr/>
+          <p:nvPr>
+            <p:ph type="title"/>
+          </p:nvPr>
         </p:nvSpPr>
         <p:spPr>
           <a:xfrm>
-            <a:off x="300860" y="-2840"/>
-            <a:ext cx="11353800" cy="1325563"/>
-          </a:xfrm>
-          <a:prstGeom prst="rect">
-            <a:avLst/>
-          </a:prstGeom>
+            <a:off x="160320" y="0"/>
+            <a:ext cx="10515600" cy="1325563"/>
+          </a:xfrm>
         </p:spPr>
         <p:txBody>
-          <a:bodyPr vert="horz" lIns="91440" tIns="45720" rIns="91440" bIns="45720" rtlCol="0" anchor="ctr">
-            <a:normAutofit/>
-          </a:bodyPr>
-          <a:lstStyle>
-            <a:lvl1pPr algn="l" defTabSz="914400" rtl="0" eaLnBrk="1" latinLnBrk="0" hangingPunct="1">
-              <a:lnSpc>
-                <a:spcPct val="90000"/>
-              </a:lnSpc>
-              <a:spcBef>
-                <a:spcPct val="0"/>
-              </a:spcBef>
-              <a:buNone/>
-              <a:defRPr sz="4400" kern="1200">
-                <a:solidFill>
-                  <a:schemeClr val="tx1"/>
-                </a:solidFill>
-                <a:latin typeface="+mj-lt"/>
-                <a:ea typeface="+mj-ea"/>
-                <a:cs typeface="+mj-cs"/>
-              </a:defRPr>
-            </a:lvl1pPr>
-          </a:lstStyle>
-          <a:p>
-            <a:r>
-              <a:rPr lang="pt-BR" dirty="0" smtClean="0">
-                <a:latin typeface="Times New Roman" panose="02020603050405020304" pitchFamily="18" charset="0"/>
-                <a:cs typeface="Times New Roman" panose="02020603050405020304" pitchFamily="18" charset="0"/>
-              </a:rPr>
-              <a:t>RN n.2 Produtos</a:t>
-            </a:r>
-            <a:endParaRPr lang="pt-BR" dirty="0">
-              <a:latin typeface="Times New Roman" panose="02020603050405020304" pitchFamily="18" charset="0"/>
-              <a:cs typeface="Times New Roman" panose="02020603050405020304" pitchFamily="18" charset="0"/>
-            </a:endParaRPr>
+          <a:bodyPr/>
+          <a:lstStyle/>
+          <a:p>
+            <a:r>
+              <a:rPr lang="pt-BR" dirty="0" smtClean="0"/>
+              <a:t>RN n.3 Botão “Voltar”</a:t>
+            </a:r>
+            <a:endParaRPr lang="pt-BR" dirty="0"/>
           </a:p>
         </p:txBody>
       </p:sp>
       <p:cxnSp>
         <p:nvCxnSpPr>
-          <p:cNvPr id="5" name="Conector de Seta Reta 4"/>
+          <p:cNvPr id="20" name="Conector de Seta Reta 19"/>
           <p:cNvCxnSpPr/>
           <p:nvPr/>
         </p:nvCxnSpPr>
         <p:spPr>
           <a:xfrm>
-            <a:off x="584639" y="2448912"/>
-            <a:ext cx="1296713" cy="557047"/>
-          </a:xfrm>
-          <a:prstGeom prst="straightConnector1">
-            <a:avLst/>
-          </a:prstGeom>
-          <a:ln>
-            <a:tailEnd type="triangle"/>
-          </a:ln>
-        </p:spPr>
-        <p:style>
-          <a:lnRef idx="1">
-            <a:schemeClr val="accent2"/>
-          </a:lnRef>
-          <a:fillRef idx="0">
-            <a:schemeClr val="accent2"/>
-          </a:fillRef>
-          <a:effectRef idx="0">
-            <a:schemeClr val="accent2"/>
-          </a:effectRef>
-          <a:fontRef idx="minor">
-            <a:schemeClr val="tx1"/>
-          </a:fontRef>
-        </p:style>
-      </p:cxnSp>
-      <p:cxnSp>
-        <p:nvCxnSpPr>
-          <p:cNvPr id="18" name="Conector de Seta Reta 17"/>
-          <p:cNvCxnSpPr/>
-          <p:nvPr/>
-        </p:nvCxnSpPr>
-        <p:spPr>
-          <a:xfrm flipV="1">
-            <a:off x="311370" y="3394841"/>
-            <a:ext cx="1664575" cy="168167"/>
-          </a:xfrm>
-          <a:prstGeom prst="straightConnector1">
-            <a:avLst/>
-          </a:prstGeom>
-          <a:ln>
-            <a:tailEnd type="triangle"/>
-          </a:ln>
-        </p:spPr>
-        <p:style>
-          <a:lnRef idx="1">
-            <a:schemeClr val="accent2"/>
-          </a:lnRef>
-          <a:fillRef idx="0">
-            <a:schemeClr val="accent2"/>
-          </a:fillRef>
-          <a:effectRef idx="0">
-            <a:schemeClr val="accent2"/>
-          </a:effectRef>
-          <a:fontRef idx="minor">
-            <a:schemeClr val="tx1"/>
-          </a:fontRef>
-        </p:style>
-      </p:cxnSp>
-      <p:cxnSp>
-        <p:nvCxnSpPr>
-          <p:cNvPr id="22" name="Conector de Seta Reta 21"/>
-          <p:cNvCxnSpPr/>
-          <p:nvPr/>
-        </p:nvCxnSpPr>
-        <p:spPr>
-          <a:xfrm flipH="1">
-            <a:off x="3825766" y="2890347"/>
-            <a:ext cx="1174589" cy="220715"/>
+            <a:off x="2490952" y="5896304"/>
+            <a:ext cx="562303" cy="335462"/>
           </a:xfrm>
           <a:prstGeom prst="straightConnector1">
             <a:avLst/>
@@ -5287,14 +4898,14 @@
       </p:cxnSp>
       <p:sp>
         <p:nvSpPr>
-          <p:cNvPr id="12" name="CaixaDeTexto 11"/>
+          <p:cNvPr id="31" name="CaixaDeTexto 30"/>
           <p:cNvSpPr txBox="1"/>
           <p:nvPr/>
         </p:nvSpPr>
         <p:spPr>
           <a:xfrm>
-            <a:off x="5518672" y="1476566"/>
-            <a:ext cx="4346090" cy="923330"/>
+            <a:off x="4859630" y="1325563"/>
+            <a:ext cx="5073555" cy="646331"/>
           </a:xfrm>
           <a:prstGeom prst="rect">
             <a:avLst/>
@@ -5309,58 +4920,49 @@
           <a:p>
             <a:r>
               <a:rPr lang="pt-BR" dirty="0" smtClean="0"/>
-              <a:t>Tela apresentada após a seleção da categoria pelo cliente, apresenta os produtos da categoria selecionada.</a:t>
+              <a:t>Botão permite o cliente voltar para tela inicial, onde se encontram as categorias.</a:t>
             </a:r>
             <a:endParaRPr lang="pt-BR" dirty="0"/>
           </a:p>
         </p:txBody>
       </p:sp>
-      <p:sp>
-        <p:nvSpPr>
-          <p:cNvPr id="16" name="Retângulo 15"/>
-          <p:cNvSpPr/>
+      <p:cxnSp>
+        <p:nvCxnSpPr>
+          <p:cNvPr id="5" name="Conector de Seta Reta 4"/>
+          <p:cNvCxnSpPr/>
           <p:nvPr/>
-        </p:nvSpPr>
+        </p:nvCxnSpPr>
         <p:spPr>
           <a:xfrm>
-            <a:off x="5518672" y="2727435"/>
-            <a:ext cx="2290514" cy="980902"/>
-          </a:xfrm>
-          <a:prstGeom prst="rect">
+            <a:off x="3268717" y="5612524"/>
+            <a:ext cx="31531" cy="546538"/>
+          </a:xfrm>
+          <a:prstGeom prst="straightConnector1">
             <a:avLst/>
           </a:prstGeom>
+          <a:ln>
+            <a:tailEnd type="triangle"/>
+          </a:ln>
         </p:spPr>
         <p:style>
-          <a:lnRef idx="2">
-            <a:schemeClr val="dk1"/>
+          <a:lnRef idx="1">
+            <a:schemeClr val="accent2"/>
           </a:lnRef>
-          <a:fillRef idx="1">
-            <a:schemeClr val="lt1"/>
+          <a:fillRef idx="0">
+            <a:schemeClr val="accent2"/>
           </a:fillRef>
           <a:effectRef idx="0">
-            <a:schemeClr val="dk1"/>
+            <a:schemeClr val="accent2"/>
           </a:effectRef>
           <a:fontRef idx="minor">
-            <a:schemeClr val="dk1"/>
+            <a:schemeClr val="tx1"/>
           </a:fontRef>
         </p:style>
-        <p:txBody>
-          <a:bodyPr rtlCol="0" anchor="ctr"/>
-          <a:lstStyle/>
-          <a:p>
-            <a:pPr algn="ctr"/>
-            <a:r>
-              <a:rPr lang="pt-BR" dirty="0" smtClean="0"/>
-              <a:t>ProdutoEmpresa</a:t>
-            </a:r>
-            <a:endParaRPr lang="pt-BR" dirty="0"/>
-          </a:p>
-        </p:txBody>
-      </p:sp>
+      </p:cxnSp>
     </p:spTree>
     <p:extLst>
       <p:ext uri="{BB962C8B-B14F-4D97-AF65-F5344CB8AC3E}">
-        <p14:creationId xmlns:p14="http://schemas.microsoft.com/office/powerpoint/2010/main" val="3396094351"/>
+        <p14:creationId xmlns:p14="http://schemas.microsoft.com/office/powerpoint/2010/main" val="1665742779"/>
       </p:ext>
     </p:extLst>
   </p:cSld>
@@ -5394,6 +4996,30 @@
           <a:chExt cx="0" cy="0"/>
         </a:xfrm>
       </p:grpSpPr>
+      <p:pic>
+        <p:nvPicPr>
+          <p:cNvPr id="7" name="Imagem 6"/>
+          <p:cNvPicPr>
+            <a:picLocks noChangeAspect="1"/>
+          </p:cNvPicPr>
+          <p:nvPr/>
+        </p:nvPicPr>
+        <p:blipFill>
+          <a:blip r:embed="rId2"/>
+          <a:stretch>
+            <a:fillRect/>
+          </a:stretch>
+        </p:blipFill>
+        <p:spPr>
+          <a:xfrm>
+            <a:off x="1036578" y="1083932"/>
+            <a:ext cx="3171503" cy="5720031"/>
+          </a:xfrm>
+          <a:prstGeom prst="rect">
+            <a:avLst/>
+          </a:prstGeom>
+        </p:spPr>
+      </p:pic>
       <p:sp>
         <p:nvSpPr>
           <p:cNvPr id="2" name="Título 1"/>
@@ -5406,691 +5032,122 @@
         </p:nvSpPr>
         <p:spPr>
           <a:xfrm>
-            <a:off x="94593" y="0"/>
-            <a:ext cx="13074868" cy="1325563"/>
+            <a:off x="160320" y="0"/>
+            <a:ext cx="10515600" cy="1325563"/>
           </a:xfrm>
         </p:spPr>
         <p:txBody>
-          <a:bodyPr>
-            <a:normAutofit/>
-          </a:bodyPr>
+          <a:bodyPr/>
           <a:lstStyle/>
           <a:p>
             <a:r>
-              <a:rPr lang="pt-BR" sz="3600" dirty="0" smtClean="0">
-                <a:latin typeface="Times New Roman" panose="02020603050405020304" pitchFamily="18" charset="0"/>
-                <a:cs typeface="Times New Roman" panose="02020603050405020304" pitchFamily="18" charset="0"/>
-              </a:rPr>
-              <a:t>RN n.2 Caso de teste</a:t>
-            </a:r>
-            <a:r>
-              <a:rPr lang="pt-BR" sz="3600" dirty="0">
-                <a:latin typeface="Times New Roman" panose="02020603050405020304" pitchFamily="18" charset="0"/>
-                <a:cs typeface="Times New Roman" panose="02020603050405020304" pitchFamily="18" charset="0"/>
-              </a:rPr>
-              <a:t>:</a:t>
-            </a:r>
-            <a:r>
-              <a:rPr lang="pt-BR" sz="3600" dirty="0" smtClean="0">
-                <a:latin typeface="Times New Roman" panose="02020603050405020304" pitchFamily="18" charset="0"/>
-                <a:cs typeface="Times New Roman" panose="02020603050405020304" pitchFamily="18" charset="0"/>
-              </a:rPr>
-              <a:t> Produtos</a:t>
-            </a:r>
-            <a:endParaRPr lang="pt-BR" sz="3600" dirty="0">
-              <a:latin typeface="Times New Roman" panose="02020603050405020304" pitchFamily="18" charset="0"/>
-              <a:cs typeface="Times New Roman" panose="02020603050405020304" pitchFamily="18" charset="0"/>
-            </a:endParaRPr>
+              <a:rPr lang="pt-BR" dirty="0" smtClean="0"/>
+              <a:t>RN n.4 Botão “Seleção de Quantidade”</a:t>
+            </a:r>
+            <a:endParaRPr lang="pt-BR" dirty="0"/>
           </a:p>
         </p:txBody>
       </p:sp>
+      <p:cxnSp>
+        <p:nvCxnSpPr>
+          <p:cNvPr id="20" name="Conector de Seta Reta 19"/>
+          <p:cNvCxnSpPr/>
+          <p:nvPr/>
+        </p:nvCxnSpPr>
+        <p:spPr>
+          <a:xfrm flipV="1">
+            <a:off x="2522482" y="3440832"/>
+            <a:ext cx="199697" cy="503116"/>
+          </a:xfrm>
+          <a:prstGeom prst="straightConnector1">
+            <a:avLst/>
+          </a:prstGeom>
+          <a:ln>
+            <a:tailEnd type="triangle"/>
+          </a:ln>
+        </p:spPr>
+        <p:style>
+          <a:lnRef idx="1">
+            <a:schemeClr val="accent2"/>
+          </a:lnRef>
+          <a:fillRef idx="0">
+            <a:schemeClr val="accent2"/>
+          </a:fillRef>
+          <a:effectRef idx="0">
+            <a:schemeClr val="accent2"/>
+          </a:effectRef>
+          <a:fontRef idx="minor">
+            <a:schemeClr val="tx1"/>
+          </a:fontRef>
+        </p:style>
+      </p:cxnSp>
       <p:sp>
         <p:nvSpPr>
-          <p:cNvPr id="3" name="Espaço Reservado para Conteúdo 2"/>
-          <p:cNvSpPr>
-            <a:spLocks noGrp="1"/>
-          </p:cNvSpPr>
-          <p:nvPr>
-            <p:ph idx="1"/>
-          </p:nvPr>
-        </p:nvSpPr>
-        <p:spPr>
-          <a:xfrm>
-            <a:off x="302172" y="1490992"/>
-            <a:ext cx="4784835" cy="4351338"/>
-          </a:xfrm>
-        </p:spPr>
-        <p:txBody>
-          <a:bodyPr>
-            <a:normAutofit/>
-          </a:bodyPr>
-          <a:lstStyle/>
-          <a:p>
-            <a:pPr marL="0" indent="0">
-              <a:buNone/>
-            </a:pPr>
-            <a:r>
-              <a:rPr lang="pt-BR" sz="1100" dirty="0">
-                <a:latin typeface="Times New Roman" panose="02020603050405020304" pitchFamily="18" charset="0"/>
-                <a:cs typeface="Times New Roman" panose="02020603050405020304" pitchFamily="18" charset="0"/>
-              </a:rPr>
-              <a:t>Identificação: </a:t>
-            </a:r>
-          </a:p>
-          <a:p>
-            <a:pPr marL="0" indent="0">
-              <a:buNone/>
-            </a:pPr>
-            <a:r>
-              <a:rPr lang="pt-BR" sz="1100" dirty="0">
-                <a:latin typeface="Times New Roman" panose="02020603050405020304" pitchFamily="18" charset="0"/>
-                <a:cs typeface="Times New Roman" panose="02020603050405020304" pitchFamily="18" charset="0"/>
-              </a:rPr>
-              <a:t>Nome: Teste de </a:t>
-            </a:r>
-            <a:r>
-              <a:rPr lang="pt-BR" sz="1100" dirty="0" smtClean="0">
-                <a:latin typeface="Times New Roman" panose="02020603050405020304" pitchFamily="18" charset="0"/>
-                <a:cs typeface="Times New Roman" panose="02020603050405020304" pitchFamily="18" charset="0"/>
-              </a:rPr>
-              <a:t>visualizar Produtos </a:t>
-            </a:r>
-            <a:endParaRPr lang="pt-BR" sz="1100" dirty="0">
-              <a:latin typeface="Times New Roman" panose="02020603050405020304" pitchFamily="18" charset="0"/>
-              <a:cs typeface="Times New Roman" panose="02020603050405020304" pitchFamily="18" charset="0"/>
-            </a:endParaRPr>
-          </a:p>
-          <a:p>
-            <a:pPr marL="0" indent="0">
-              <a:buNone/>
-            </a:pPr>
-            <a:r>
-              <a:rPr lang="pt-BR" sz="1100" dirty="0">
-                <a:latin typeface="Times New Roman" panose="02020603050405020304" pitchFamily="18" charset="0"/>
-                <a:cs typeface="Times New Roman" panose="02020603050405020304" pitchFamily="18" charset="0"/>
-              </a:rPr>
-              <a:t>ID: RN </a:t>
-            </a:r>
-            <a:r>
-              <a:rPr lang="pt-BR" sz="1100" dirty="0" smtClean="0">
-                <a:latin typeface="Times New Roman" panose="02020603050405020304" pitchFamily="18" charset="0"/>
-                <a:cs typeface="Times New Roman" panose="02020603050405020304" pitchFamily="18" charset="0"/>
-              </a:rPr>
-              <a:t>n.2</a:t>
-            </a:r>
-            <a:endParaRPr lang="pt-BR" sz="1100" dirty="0">
-              <a:latin typeface="Times New Roman" panose="02020603050405020304" pitchFamily="18" charset="0"/>
-              <a:cs typeface="Times New Roman" panose="02020603050405020304" pitchFamily="18" charset="0"/>
-            </a:endParaRPr>
-          </a:p>
-          <a:p>
-            <a:pPr marL="0" indent="0">
-              <a:buNone/>
-            </a:pPr>
-            <a:r>
-              <a:rPr lang="pt-BR" sz="1100" dirty="0">
-                <a:latin typeface="Times New Roman" panose="02020603050405020304" pitchFamily="18" charset="0"/>
-                <a:cs typeface="Times New Roman" panose="02020603050405020304" pitchFamily="18" charset="0"/>
-              </a:rPr>
-              <a:t>Data de criação: </a:t>
-            </a:r>
-            <a:r>
-              <a:rPr lang="pt-BR" sz="1100" dirty="0" smtClean="0">
-                <a:latin typeface="Times New Roman" panose="02020603050405020304" pitchFamily="18" charset="0"/>
-                <a:cs typeface="Times New Roman" panose="02020603050405020304" pitchFamily="18" charset="0"/>
-              </a:rPr>
-              <a:t>10/05/2023 15:42 </a:t>
-            </a:r>
-            <a:r>
-              <a:rPr lang="pt-BR" sz="1100" dirty="0">
-                <a:latin typeface="Times New Roman" panose="02020603050405020304" pitchFamily="18" charset="0"/>
-                <a:cs typeface="Times New Roman" panose="02020603050405020304" pitchFamily="18" charset="0"/>
-              </a:rPr>
-              <a:t>PM.</a:t>
-            </a:r>
-          </a:p>
-          <a:p>
-            <a:pPr marL="0" indent="0">
-              <a:buNone/>
-            </a:pPr>
-            <a:r>
-              <a:rPr lang="pt-BR" sz="1100" dirty="0">
-                <a:latin typeface="Times New Roman" panose="02020603050405020304" pitchFamily="18" charset="0"/>
-                <a:cs typeface="Times New Roman" panose="02020603050405020304" pitchFamily="18" charset="0"/>
-              </a:rPr>
-              <a:t>Autor: Pedro </a:t>
-            </a:r>
-            <a:r>
-              <a:rPr lang="pt-BR" sz="1100" dirty="0" smtClean="0">
-                <a:latin typeface="Times New Roman" panose="02020603050405020304" pitchFamily="18" charset="0"/>
-                <a:cs typeface="Times New Roman" panose="02020603050405020304" pitchFamily="18" charset="0"/>
-              </a:rPr>
-              <a:t>Marcelo</a:t>
-            </a:r>
-          </a:p>
-          <a:p>
-            <a:pPr marL="0" indent="0">
-              <a:buNone/>
-            </a:pPr>
-            <a:endParaRPr lang="pt-BR" sz="1100" dirty="0">
-              <a:latin typeface="Times New Roman" panose="02020603050405020304" pitchFamily="18" charset="0"/>
-              <a:cs typeface="Times New Roman" panose="02020603050405020304" pitchFamily="18" charset="0"/>
-            </a:endParaRPr>
-          </a:p>
-          <a:p>
-            <a:pPr marL="0" indent="0">
-              <a:buNone/>
-            </a:pPr>
-            <a:r>
-              <a:rPr lang="pt-BR" sz="1100" dirty="0">
-                <a:latin typeface="Times New Roman" panose="02020603050405020304" pitchFamily="18" charset="0"/>
-                <a:cs typeface="Times New Roman" panose="02020603050405020304" pitchFamily="18" charset="0"/>
-              </a:rPr>
-              <a:t>Descrição: </a:t>
-            </a:r>
-            <a:r>
-              <a:rPr lang="pt-BR" sz="1100" dirty="0" smtClean="0">
-                <a:latin typeface="Times New Roman" panose="02020603050405020304" pitchFamily="18" charset="0"/>
-                <a:cs typeface="Times New Roman" panose="02020603050405020304" pitchFamily="18" charset="0"/>
-              </a:rPr>
-              <a:t>caso de teste para visualização de Produtos</a:t>
-            </a:r>
-            <a:endParaRPr lang="pt-BR" sz="1100" dirty="0">
-              <a:latin typeface="Times New Roman" panose="02020603050405020304" pitchFamily="18" charset="0"/>
-              <a:cs typeface="Times New Roman" panose="02020603050405020304" pitchFamily="18" charset="0"/>
-            </a:endParaRPr>
-          </a:p>
-          <a:p>
-            <a:pPr marL="0" indent="0">
-              <a:buNone/>
-            </a:pPr>
-            <a:r>
-              <a:rPr lang="pt-BR" sz="1100" dirty="0">
-                <a:latin typeface="Times New Roman" panose="02020603050405020304" pitchFamily="18" charset="0"/>
-                <a:cs typeface="Times New Roman" panose="02020603050405020304" pitchFamily="18" charset="0"/>
-              </a:rPr>
-              <a:t> Pré-requisitos</a:t>
-            </a:r>
-            <a:r>
-              <a:rPr lang="pt-BR" sz="1100" dirty="0" smtClean="0">
-                <a:latin typeface="Times New Roman" panose="02020603050405020304" pitchFamily="18" charset="0"/>
-                <a:cs typeface="Times New Roman" panose="02020603050405020304" pitchFamily="18" charset="0"/>
-              </a:rPr>
-              <a:t>:</a:t>
-            </a:r>
-            <a:endParaRPr lang="pt-BR" sz="1100" dirty="0">
-              <a:latin typeface="Times New Roman" panose="02020603050405020304" pitchFamily="18" charset="0"/>
-              <a:cs typeface="Times New Roman" panose="02020603050405020304" pitchFamily="18" charset="0"/>
-            </a:endParaRPr>
-          </a:p>
-          <a:p>
-            <a:pPr marL="0" indent="0">
-              <a:buNone/>
-            </a:pPr>
-            <a:r>
-              <a:rPr lang="pt-BR" sz="1100" dirty="0">
-                <a:latin typeface="Times New Roman" panose="02020603050405020304" pitchFamily="18" charset="0"/>
-                <a:cs typeface="Times New Roman" panose="02020603050405020304" pitchFamily="18" charset="0"/>
-              </a:rPr>
-              <a:t>1.Acesso ao cardápio da empresa </a:t>
-            </a:r>
-            <a:r>
-              <a:rPr lang="pt-BR" sz="1100" dirty="0" smtClean="0">
-                <a:latin typeface="Times New Roman" panose="02020603050405020304" pitchFamily="18" charset="0"/>
-                <a:cs typeface="Times New Roman" panose="02020603050405020304" pitchFamily="18" charset="0"/>
-              </a:rPr>
-              <a:t>selecionada</a:t>
-            </a:r>
-          </a:p>
-          <a:p>
-            <a:pPr marL="0" indent="0">
-              <a:buNone/>
-            </a:pPr>
-            <a:r>
-              <a:rPr lang="pt-BR" sz="1100" dirty="0" smtClean="0">
-                <a:latin typeface="Times New Roman" panose="02020603050405020304" pitchFamily="18" charset="0"/>
-                <a:cs typeface="Times New Roman" panose="02020603050405020304" pitchFamily="18" charset="0"/>
-              </a:rPr>
-              <a:t>2.Ter selecionado a categoria desejada na tela anterior</a:t>
-            </a:r>
-            <a:endParaRPr lang="pt-BR" sz="1100" dirty="0">
-              <a:latin typeface="Times New Roman" panose="02020603050405020304" pitchFamily="18" charset="0"/>
-              <a:cs typeface="Times New Roman" panose="02020603050405020304" pitchFamily="18" charset="0"/>
-            </a:endParaRPr>
-          </a:p>
-          <a:p>
-            <a:pPr marL="0" indent="0">
-              <a:buNone/>
-            </a:pPr>
-            <a:endParaRPr lang="pt-BR" sz="1100" dirty="0">
-              <a:latin typeface="Times New Roman" panose="02020603050405020304" pitchFamily="18" charset="0"/>
-              <a:cs typeface="Times New Roman" panose="02020603050405020304" pitchFamily="18" charset="0"/>
-            </a:endParaRPr>
-          </a:p>
-          <a:p>
-            <a:pPr marL="0" indent="0">
-              <a:buNone/>
-            </a:pPr>
-            <a:r>
-              <a:rPr lang="pt-BR" sz="1100" dirty="0">
-                <a:latin typeface="Times New Roman" panose="02020603050405020304" pitchFamily="18" charset="0"/>
-                <a:cs typeface="Times New Roman" panose="02020603050405020304" pitchFamily="18" charset="0"/>
-              </a:rPr>
-              <a:t>Etapas de teste:</a:t>
-            </a:r>
-          </a:p>
-          <a:p>
-            <a:pPr marL="0" indent="0">
-              <a:buNone/>
-            </a:pPr>
-            <a:r>
-              <a:rPr lang="pt-BR" sz="1100" dirty="0" smtClean="0">
-                <a:latin typeface="Times New Roman" panose="02020603050405020304" pitchFamily="18" charset="0"/>
-                <a:cs typeface="Times New Roman" panose="02020603050405020304" pitchFamily="18" charset="0"/>
-              </a:rPr>
-              <a:t>1.acesse </a:t>
-            </a:r>
-            <a:r>
-              <a:rPr lang="pt-BR" sz="1100" dirty="0">
-                <a:latin typeface="Times New Roman" panose="02020603050405020304" pitchFamily="18" charset="0"/>
-                <a:cs typeface="Times New Roman" panose="02020603050405020304" pitchFamily="18" charset="0"/>
-              </a:rPr>
-              <a:t>a tela principal do </a:t>
-            </a:r>
-            <a:r>
-              <a:rPr lang="pt-BR" sz="1100" dirty="0" smtClean="0">
-                <a:latin typeface="Times New Roman" panose="02020603050405020304" pitchFamily="18" charset="0"/>
-                <a:cs typeface="Times New Roman" panose="02020603050405020304" pitchFamily="18" charset="0"/>
-              </a:rPr>
-              <a:t>cardápio</a:t>
-            </a:r>
-          </a:p>
-          <a:p>
-            <a:pPr marL="0" indent="0">
-              <a:buNone/>
-            </a:pPr>
-            <a:r>
-              <a:rPr lang="pt-BR" sz="1100" dirty="0" smtClean="0">
-                <a:latin typeface="Times New Roman" panose="02020603050405020304" pitchFamily="18" charset="0"/>
-                <a:cs typeface="Times New Roman" panose="02020603050405020304" pitchFamily="18" charset="0"/>
-              </a:rPr>
-              <a:t>2.Selecione a categoria desejada.</a:t>
-            </a:r>
-          </a:p>
-          <a:p>
-            <a:pPr marL="0" indent="0">
-              <a:buNone/>
-            </a:pPr>
-            <a:r>
-              <a:rPr lang="pt-BR" sz="1100" dirty="0" smtClean="0">
-                <a:latin typeface="Times New Roman" panose="02020603050405020304" pitchFamily="18" charset="0"/>
-                <a:cs typeface="Times New Roman" panose="02020603050405020304" pitchFamily="18" charset="0"/>
-              </a:rPr>
-              <a:t>3.Visualize os Produtos</a:t>
-            </a:r>
-            <a:endParaRPr lang="pt-BR" sz="1100" dirty="0">
-              <a:latin typeface="Times New Roman" panose="02020603050405020304" pitchFamily="18" charset="0"/>
-              <a:cs typeface="Times New Roman" panose="02020603050405020304" pitchFamily="18" charset="0"/>
-            </a:endParaRPr>
-          </a:p>
-          <a:p>
-            <a:pPr marL="0" indent="0">
-              <a:buNone/>
-            </a:pPr>
-            <a:endParaRPr lang="pt-BR" sz="1000" dirty="0">
-              <a:latin typeface="Times New Roman" panose="02020603050405020304" pitchFamily="18" charset="0"/>
-              <a:cs typeface="Times New Roman" panose="02020603050405020304" pitchFamily="18" charset="0"/>
-            </a:endParaRPr>
-          </a:p>
-        </p:txBody>
-      </p:sp>
-      <p:sp>
-        <p:nvSpPr>
-          <p:cNvPr id="4" name="Espaço Reservado para Conteúdo 2"/>
-          <p:cNvSpPr txBox="1">
-            <a:spLocks/>
-          </p:cNvSpPr>
+          <p:cNvPr id="31" name="CaixaDeTexto 30"/>
+          <p:cNvSpPr txBox="1"/>
           <p:nvPr/>
         </p:nvSpPr>
         <p:spPr>
           <a:xfrm>
-            <a:off x="6032937" y="1489515"/>
-            <a:ext cx="4784835" cy="4351338"/>
+            <a:off x="4565432" y="1459867"/>
+            <a:ext cx="5073555" cy="646331"/>
           </a:xfrm>
           <a:prstGeom prst="rect">
             <a:avLst/>
           </a:prstGeom>
+          <a:noFill/>
         </p:spPr>
         <p:txBody>
-          <a:bodyPr vert="horz" lIns="91440" tIns="45720" rIns="91440" bIns="45720" rtlCol="0">
-            <a:normAutofit/>
+          <a:bodyPr wrap="square" rtlCol="0">
+            <a:spAutoFit/>
           </a:bodyPr>
-          <a:lstStyle>
-            <a:lvl1pPr marL="228600" indent="-228600" algn="l" defTabSz="914400" rtl="0" eaLnBrk="1" latinLnBrk="0" hangingPunct="1">
-              <a:lnSpc>
-                <a:spcPct val="90000"/>
-              </a:lnSpc>
-              <a:spcBef>
-                <a:spcPts val="1000"/>
-              </a:spcBef>
-              <a:buFont typeface="Arial" panose="020B0604020202020204" pitchFamily="34" charset="0"/>
-              <a:buChar char="•"/>
-              <a:defRPr sz="2800" kern="1200">
-                <a:solidFill>
-                  <a:schemeClr val="tx1"/>
-                </a:solidFill>
-                <a:latin typeface="+mn-lt"/>
-                <a:ea typeface="+mn-ea"/>
-                <a:cs typeface="+mn-cs"/>
-              </a:defRPr>
-            </a:lvl1pPr>
-            <a:lvl2pPr marL="685800" indent="-228600" algn="l" defTabSz="914400" rtl="0" eaLnBrk="1" latinLnBrk="0" hangingPunct="1">
-              <a:lnSpc>
-                <a:spcPct val="90000"/>
-              </a:lnSpc>
-              <a:spcBef>
-                <a:spcPts val="500"/>
-              </a:spcBef>
-              <a:buFont typeface="Arial" panose="020B0604020202020204" pitchFamily="34" charset="0"/>
-              <a:buChar char="•"/>
-              <a:defRPr sz="2400" kern="1200">
-                <a:solidFill>
-                  <a:schemeClr val="tx1"/>
-                </a:solidFill>
-                <a:latin typeface="+mn-lt"/>
-                <a:ea typeface="+mn-ea"/>
-                <a:cs typeface="+mn-cs"/>
-              </a:defRPr>
-            </a:lvl2pPr>
-            <a:lvl3pPr marL="1143000" indent="-228600" algn="l" defTabSz="914400" rtl="0" eaLnBrk="1" latinLnBrk="0" hangingPunct="1">
-              <a:lnSpc>
-                <a:spcPct val="90000"/>
-              </a:lnSpc>
-              <a:spcBef>
-                <a:spcPts val="500"/>
-              </a:spcBef>
-              <a:buFont typeface="Arial" panose="020B0604020202020204" pitchFamily="34" charset="0"/>
-              <a:buChar char="•"/>
-              <a:defRPr sz="2000" kern="1200">
-                <a:solidFill>
-                  <a:schemeClr val="tx1"/>
-                </a:solidFill>
-                <a:latin typeface="+mn-lt"/>
-                <a:ea typeface="+mn-ea"/>
-                <a:cs typeface="+mn-cs"/>
-              </a:defRPr>
-            </a:lvl3pPr>
-            <a:lvl4pPr marL="1600200" indent="-228600" algn="l" defTabSz="914400" rtl="0" eaLnBrk="1" latinLnBrk="0" hangingPunct="1">
-              <a:lnSpc>
-                <a:spcPct val="90000"/>
-              </a:lnSpc>
-              <a:spcBef>
-                <a:spcPts val="500"/>
-              </a:spcBef>
-              <a:buFont typeface="Arial" panose="020B0604020202020204" pitchFamily="34" charset="0"/>
-              <a:buChar char="•"/>
-              <a:defRPr sz="1800" kern="1200">
-                <a:solidFill>
-                  <a:schemeClr val="tx1"/>
-                </a:solidFill>
-                <a:latin typeface="+mn-lt"/>
-                <a:ea typeface="+mn-ea"/>
-                <a:cs typeface="+mn-cs"/>
-              </a:defRPr>
-            </a:lvl4pPr>
-            <a:lvl5pPr marL="2057400" indent="-228600" algn="l" defTabSz="914400" rtl="0" eaLnBrk="1" latinLnBrk="0" hangingPunct="1">
-              <a:lnSpc>
-                <a:spcPct val="90000"/>
-              </a:lnSpc>
-              <a:spcBef>
-                <a:spcPts val="500"/>
-              </a:spcBef>
-              <a:buFont typeface="Arial" panose="020B0604020202020204" pitchFamily="34" charset="0"/>
-              <a:buChar char="•"/>
-              <a:defRPr sz="1800" kern="1200">
-                <a:solidFill>
-                  <a:schemeClr val="tx1"/>
-                </a:solidFill>
-                <a:latin typeface="+mn-lt"/>
-                <a:ea typeface="+mn-ea"/>
-                <a:cs typeface="+mn-cs"/>
-              </a:defRPr>
-            </a:lvl5pPr>
-            <a:lvl6pPr marL="2514600" indent="-228600" algn="l" defTabSz="914400" rtl="0" eaLnBrk="1" latinLnBrk="0" hangingPunct="1">
-              <a:lnSpc>
-                <a:spcPct val="90000"/>
-              </a:lnSpc>
-              <a:spcBef>
-                <a:spcPts val="500"/>
-              </a:spcBef>
-              <a:buFont typeface="Arial" panose="020B0604020202020204" pitchFamily="34" charset="0"/>
-              <a:buChar char="•"/>
-              <a:defRPr sz="1800" kern="1200">
-                <a:solidFill>
-                  <a:schemeClr val="tx1"/>
-                </a:solidFill>
-                <a:latin typeface="+mn-lt"/>
-                <a:ea typeface="+mn-ea"/>
-                <a:cs typeface="+mn-cs"/>
-              </a:defRPr>
-            </a:lvl6pPr>
-            <a:lvl7pPr marL="2971800" indent="-228600" algn="l" defTabSz="914400" rtl="0" eaLnBrk="1" latinLnBrk="0" hangingPunct="1">
-              <a:lnSpc>
-                <a:spcPct val="90000"/>
-              </a:lnSpc>
-              <a:spcBef>
-                <a:spcPts val="500"/>
-              </a:spcBef>
-              <a:buFont typeface="Arial" panose="020B0604020202020204" pitchFamily="34" charset="0"/>
-              <a:buChar char="•"/>
-              <a:defRPr sz="1800" kern="1200">
-                <a:solidFill>
-                  <a:schemeClr val="tx1"/>
-                </a:solidFill>
-                <a:latin typeface="+mn-lt"/>
-                <a:ea typeface="+mn-ea"/>
-                <a:cs typeface="+mn-cs"/>
-              </a:defRPr>
-            </a:lvl7pPr>
-            <a:lvl8pPr marL="3429000" indent="-228600" algn="l" defTabSz="914400" rtl="0" eaLnBrk="1" latinLnBrk="0" hangingPunct="1">
-              <a:lnSpc>
-                <a:spcPct val="90000"/>
-              </a:lnSpc>
-              <a:spcBef>
-                <a:spcPts val="500"/>
-              </a:spcBef>
-              <a:buFont typeface="Arial" panose="020B0604020202020204" pitchFamily="34" charset="0"/>
-              <a:buChar char="•"/>
-              <a:defRPr sz="1800" kern="1200">
-                <a:solidFill>
-                  <a:schemeClr val="tx1"/>
-                </a:solidFill>
-                <a:latin typeface="+mn-lt"/>
-                <a:ea typeface="+mn-ea"/>
-                <a:cs typeface="+mn-cs"/>
-              </a:defRPr>
-            </a:lvl8pPr>
-            <a:lvl9pPr marL="3886200" indent="-228600" algn="l" defTabSz="914400" rtl="0" eaLnBrk="1" latinLnBrk="0" hangingPunct="1">
-              <a:lnSpc>
-                <a:spcPct val="90000"/>
-              </a:lnSpc>
-              <a:spcBef>
-                <a:spcPts val="500"/>
-              </a:spcBef>
-              <a:buFont typeface="Arial" panose="020B0604020202020204" pitchFamily="34" charset="0"/>
-              <a:buChar char="•"/>
-              <a:defRPr sz="1800" kern="1200">
-                <a:solidFill>
-                  <a:schemeClr val="tx1"/>
-                </a:solidFill>
-                <a:latin typeface="+mn-lt"/>
-                <a:ea typeface="+mn-ea"/>
-                <a:cs typeface="+mn-cs"/>
-              </a:defRPr>
-            </a:lvl9pPr>
-          </a:lstStyle>
-          <a:p>
-            <a:pPr marL="0" indent="0">
-              <a:buNone/>
-            </a:pPr>
-            <a:r>
-              <a:rPr lang="pt-BR" sz="1100" dirty="0">
-                <a:latin typeface="Times New Roman" panose="02020603050405020304" pitchFamily="18" charset="0"/>
-                <a:cs typeface="Times New Roman" panose="02020603050405020304" pitchFamily="18" charset="0"/>
-              </a:rPr>
-              <a:t>Resultado Esperado:</a:t>
-            </a:r>
-          </a:p>
-          <a:p>
-            <a:pPr marL="0" indent="0">
-              <a:buNone/>
-            </a:pPr>
-            <a:r>
-              <a:rPr lang="pt-BR" sz="1100" dirty="0">
-                <a:latin typeface="Times New Roman" panose="02020603050405020304" pitchFamily="18" charset="0"/>
-                <a:cs typeface="Times New Roman" panose="02020603050405020304" pitchFamily="18" charset="0"/>
-              </a:rPr>
-              <a:t>O cliente deve ser redirecionado para tela </a:t>
-            </a:r>
-            <a:r>
-              <a:rPr lang="pt-BR" sz="1100" dirty="0" smtClean="0">
-                <a:latin typeface="Times New Roman" panose="02020603050405020304" pitchFamily="18" charset="0"/>
-                <a:cs typeface="Times New Roman" panose="02020603050405020304" pitchFamily="18" charset="0"/>
-              </a:rPr>
-              <a:t>de produtos correspondente a categoria que ele selecionou anteriormente</a:t>
-            </a:r>
-            <a:endParaRPr lang="pt-BR" sz="1100" dirty="0">
-              <a:latin typeface="Times New Roman" panose="02020603050405020304" pitchFamily="18" charset="0"/>
-              <a:cs typeface="Times New Roman" panose="02020603050405020304" pitchFamily="18" charset="0"/>
-            </a:endParaRPr>
-          </a:p>
-          <a:p>
-            <a:pPr marL="0" indent="0">
-              <a:buNone/>
-            </a:pPr>
-            <a:r>
-              <a:rPr lang="pt-BR" sz="1100" dirty="0">
-                <a:latin typeface="Times New Roman" panose="02020603050405020304" pitchFamily="18" charset="0"/>
-                <a:cs typeface="Times New Roman" panose="02020603050405020304" pitchFamily="18" charset="0"/>
-              </a:rPr>
-              <a:t> </a:t>
-            </a:r>
-          </a:p>
-          <a:p>
-            <a:pPr marL="0" indent="0">
-              <a:buNone/>
-            </a:pPr>
-            <a:r>
-              <a:rPr lang="pt-BR" sz="1100" dirty="0">
-                <a:latin typeface="Times New Roman" panose="02020603050405020304" pitchFamily="18" charset="0"/>
-                <a:cs typeface="Times New Roman" panose="02020603050405020304" pitchFamily="18" charset="0"/>
-              </a:rPr>
-              <a:t>Critérios de sucesso:</a:t>
-            </a:r>
-          </a:p>
-          <a:p>
-            <a:pPr marL="0" indent="0">
-              <a:buNone/>
-            </a:pPr>
-            <a:r>
-              <a:rPr lang="pt-BR" sz="1100" dirty="0">
-                <a:latin typeface="Times New Roman" panose="02020603050405020304" pitchFamily="18" charset="0"/>
-                <a:cs typeface="Times New Roman" panose="02020603050405020304" pitchFamily="18" charset="0"/>
-              </a:rPr>
-              <a:t>O cliente deve ser capaz de </a:t>
-            </a:r>
-            <a:r>
-              <a:rPr lang="pt-BR" sz="1100" dirty="0" smtClean="0">
-                <a:latin typeface="Times New Roman" panose="02020603050405020304" pitchFamily="18" charset="0"/>
-                <a:cs typeface="Times New Roman" panose="02020603050405020304" pitchFamily="18" charset="0"/>
-              </a:rPr>
-              <a:t>visualizar os produtos da respectiva categoria selecionada pelo mesmo</a:t>
-            </a:r>
-            <a:endParaRPr lang="pt-BR" sz="1100" dirty="0">
-              <a:latin typeface="Times New Roman" panose="02020603050405020304" pitchFamily="18" charset="0"/>
-              <a:cs typeface="Times New Roman" panose="02020603050405020304" pitchFamily="18" charset="0"/>
-            </a:endParaRPr>
-          </a:p>
-          <a:p>
-            <a:pPr marL="0" indent="0">
-              <a:buNone/>
-            </a:pPr>
-            <a:r>
-              <a:rPr lang="pt-BR" sz="1100" dirty="0">
-                <a:latin typeface="Times New Roman" panose="02020603050405020304" pitchFamily="18" charset="0"/>
-                <a:cs typeface="Times New Roman" panose="02020603050405020304" pitchFamily="18" charset="0"/>
-              </a:rPr>
-              <a:t>Notas de teste:</a:t>
-            </a:r>
-          </a:p>
-          <a:p>
-            <a:pPr marL="0" indent="0">
-              <a:buNone/>
-            </a:pPr>
-            <a:r>
-              <a:rPr lang="pt-BR" sz="1100" dirty="0">
-                <a:latin typeface="Times New Roman" panose="02020603050405020304" pitchFamily="18" charset="0"/>
-                <a:cs typeface="Times New Roman" panose="02020603050405020304" pitchFamily="18" charset="0"/>
-              </a:rPr>
-              <a:t>Durante a execução do teste, nenhum comportamento anormal ou inesperado foi detectado.</a:t>
-            </a:r>
-          </a:p>
-          <a:p>
-            <a:pPr marL="0" indent="0">
-              <a:buNone/>
-            </a:pPr>
-            <a:r>
-              <a:rPr lang="pt-BR" sz="1100" dirty="0">
-                <a:latin typeface="Times New Roman" panose="02020603050405020304" pitchFamily="18" charset="0"/>
-                <a:cs typeface="Times New Roman" panose="02020603050405020304" pitchFamily="18" charset="0"/>
-              </a:rPr>
-              <a:t>Teste realizado em </a:t>
-            </a:r>
-            <a:r>
-              <a:rPr lang="pt-BR" sz="1100" dirty="0" smtClean="0">
-                <a:latin typeface="Times New Roman" panose="02020603050405020304" pitchFamily="18" charset="0"/>
-                <a:cs typeface="Times New Roman" panose="02020603050405020304" pitchFamily="18" charset="0"/>
-              </a:rPr>
-              <a:t>10/05/23 </a:t>
-            </a:r>
-            <a:r>
-              <a:rPr lang="pt-BR" sz="1100" dirty="0">
-                <a:latin typeface="Times New Roman" panose="02020603050405020304" pitchFamily="18" charset="0"/>
-                <a:cs typeface="Times New Roman" panose="02020603050405020304" pitchFamily="18" charset="0"/>
-              </a:rPr>
-              <a:t>as </a:t>
-            </a:r>
-            <a:r>
-              <a:rPr lang="pt-BR" sz="1100" dirty="0" smtClean="0">
-                <a:latin typeface="Times New Roman" panose="02020603050405020304" pitchFamily="18" charset="0"/>
-                <a:cs typeface="Times New Roman" panose="02020603050405020304" pitchFamily="18" charset="0"/>
-              </a:rPr>
-              <a:t>15:50 </a:t>
-            </a:r>
-            <a:r>
-              <a:rPr lang="pt-BR" sz="1100" dirty="0">
-                <a:latin typeface="Times New Roman" panose="02020603050405020304" pitchFamily="18" charset="0"/>
-                <a:cs typeface="Times New Roman" panose="02020603050405020304" pitchFamily="18" charset="0"/>
-              </a:rPr>
-              <a:t>PM</a:t>
-            </a:r>
-          </a:p>
-          <a:p>
-            <a:pPr marL="0" indent="0">
-              <a:buFont typeface="Arial" panose="020B0604020202020204" pitchFamily="34" charset="0"/>
-              <a:buNone/>
-            </a:pPr>
-            <a:endParaRPr lang="pt-BR" sz="1000" dirty="0">
-              <a:latin typeface="Times New Roman" panose="02020603050405020304" pitchFamily="18" charset="0"/>
-              <a:cs typeface="Times New Roman" panose="02020603050405020304" pitchFamily="18" charset="0"/>
-            </a:endParaRPr>
+          <a:lstStyle/>
+          <a:p>
+            <a:r>
+              <a:rPr lang="pt-BR" dirty="0" smtClean="0"/>
+              <a:t>O cliente deve ser capaz de selecionar a quantidade de 1 a 5, do produto que ele deseja pedir.</a:t>
+            </a:r>
+            <a:endParaRPr lang="pt-BR" dirty="0"/>
           </a:p>
         </p:txBody>
       </p:sp>
+      <p:cxnSp>
+        <p:nvCxnSpPr>
+          <p:cNvPr id="5" name="Conector de Seta Reta 4"/>
+          <p:cNvCxnSpPr/>
+          <p:nvPr/>
+        </p:nvCxnSpPr>
+        <p:spPr>
+          <a:xfrm flipH="1" flipV="1">
+            <a:off x="3079530" y="3440832"/>
+            <a:ext cx="446690" cy="402009"/>
+          </a:xfrm>
+          <a:prstGeom prst="straightConnector1">
+            <a:avLst/>
+          </a:prstGeom>
+          <a:ln>
+            <a:tailEnd type="triangle"/>
+          </a:ln>
+        </p:spPr>
+        <p:style>
+          <a:lnRef idx="1">
+            <a:schemeClr val="accent2"/>
+          </a:lnRef>
+          <a:fillRef idx="0">
+            <a:schemeClr val="accent2"/>
+          </a:fillRef>
+          <a:effectRef idx="0">
+            <a:schemeClr val="accent2"/>
+          </a:effectRef>
+          <a:fontRef idx="minor">
+            <a:schemeClr val="tx1"/>
+          </a:fontRef>
+        </p:style>
+      </p:cxnSp>
     </p:spTree>
     <p:extLst>
       <p:ext uri="{BB962C8B-B14F-4D97-AF65-F5344CB8AC3E}">
-        <p14:creationId xmlns:p14="http://schemas.microsoft.com/office/powerpoint/2010/main" val="3265775758"/>
+        <p14:creationId xmlns:p14="http://schemas.microsoft.com/office/powerpoint/2010/main" val="3725604293"/>
       </p:ext>
     </p:extLst>
   </p:cSld>
@@ -6126,7 +5183,7 @@
       </p:grpSpPr>
       <p:pic>
         <p:nvPicPr>
-          <p:cNvPr id="6" name="Imagem 5"/>
+          <p:cNvPr id="3" name="Imagem 2"/>
           <p:cNvPicPr>
             <a:picLocks noChangeAspect="1"/>
           </p:cNvPicPr>
@@ -6140,8 +5197,8 @@
         </p:blipFill>
         <p:spPr>
           <a:xfrm>
-            <a:off x="865007" y="872359"/>
-            <a:ext cx="3251889" cy="5865014"/>
+            <a:off x="1500488" y="994926"/>
+            <a:ext cx="3158084" cy="5695830"/>
           </a:xfrm>
           <a:prstGeom prst="rect">
             <a:avLst/>
@@ -6170,7 +5227,7 @@
           <a:p>
             <a:r>
               <a:rPr lang="pt-BR" dirty="0" smtClean="0"/>
-              <a:t>RN n.3 Botão “Voltar”</a:t>
+              <a:t>RN n.5 Botão “Adicionar Pedido”</a:t>
             </a:r>
             <a:endParaRPr lang="pt-BR" dirty="0"/>
           </a:p>
@@ -6183,9 +5240,9 @@
           <p:nvPr/>
         </p:nvCxnSpPr>
         <p:spPr>
-          <a:xfrm>
-            <a:off x="2490952" y="5896304"/>
-            <a:ext cx="562303" cy="335462"/>
+          <a:xfrm flipV="1">
+            <a:off x="1726462" y="3440832"/>
+            <a:ext cx="365097" cy="567328"/>
           </a:xfrm>
           <a:prstGeom prst="straightConnector1">
             <a:avLst/>
@@ -6217,8 +5274,8 @@
         </p:nvSpPr>
         <p:spPr>
           <a:xfrm>
-            <a:off x="4859630" y="1325563"/>
-            <a:ext cx="5073555" cy="646331"/>
+            <a:off x="5321176" y="1557606"/>
+            <a:ext cx="5073555" cy="923330"/>
           </a:xfrm>
           <a:prstGeom prst="rect">
             <a:avLst/>
@@ -6233,7 +5290,7 @@
           <a:p>
             <a:r>
               <a:rPr lang="pt-BR" dirty="0" smtClean="0"/>
-              <a:t>Botão permite o cliente voltar para tela inicial, onde se encontram as categorias.</a:t>
+              <a:t>O cliente deve ser capaz de adicionar o produto desejado ao carrinho do cardápio, para depois finalizar o pedido.</a:t>
             </a:r>
             <a:endParaRPr lang="pt-BR" dirty="0"/>
           </a:p>
@@ -6246,9 +5303,9 @@
           <p:nvPr/>
         </p:nvCxnSpPr>
         <p:spPr>
-          <a:xfrm>
-            <a:off x="3268717" y="5612524"/>
-            <a:ext cx="31531" cy="546538"/>
+          <a:xfrm flipH="1" flipV="1">
+            <a:off x="2711669" y="3440832"/>
+            <a:ext cx="194441" cy="567329"/>
           </a:xfrm>
           <a:prstGeom prst="straightConnector1">
             <a:avLst/>
@@ -6275,7 +5332,7 @@
     </p:spTree>
     <p:extLst>
       <p:ext uri="{BB962C8B-B14F-4D97-AF65-F5344CB8AC3E}">
-        <p14:creationId xmlns:p14="http://schemas.microsoft.com/office/powerpoint/2010/main" val="1665742779"/>
+        <p14:creationId xmlns:p14="http://schemas.microsoft.com/office/powerpoint/2010/main" val="1341508339"/>
       </p:ext>
     </p:extLst>
   </p:cSld>
@@ -6309,30 +5366,6 @@
           <a:chExt cx="0" cy="0"/>
         </a:xfrm>
       </p:grpSpPr>
-      <p:pic>
-        <p:nvPicPr>
-          <p:cNvPr id="7" name="Imagem 6"/>
-          <p:cNvPicPr>
-            <a:picLocks noChangeAspect="1"/>
-          </p:cNvPicPr>
-          <p:nvPr/>
-        </p:nvPicPr>
-        <p:blipFill>
-          <a:blip r:embed="rId2"/>
-          <a:stretch>
-            <a:fillRect/>
-          </a:stretch>
-        </p:blipFill>
-        <p:spPr>
-          <a:xfrm>
-            <a:off x="1036578" y="1083932"/>
-            <a:ext cx="3171503" cy="5720031"/>
-          </a:xfrm>
-          <a:prstGeom prst="rect">
-            <a:avLst/>
-          </a:prstGeom>
-        </p:spPr>
-      </p:pic>
       <p:sp>
         <p:nvSpPr>
           <p:cNvPr id="2" name="Título 1"/>
@@ -6345,122 +5378,490 @@
         </p:nvSpPr>
         <p:spPr>
           <a:xfrm>
-            <a:off x="160320" y="0"/>
-            <a:ext cx="10515600" cy="1325563"/>
+            <a:off x="94593" y="0"/>
+            <a:ext cx="13074868" cy="1325563"/>
           </a:xfrm>
         </p:spPr>
         <p:txBody>
-          <a:bodyPr/>
+          <a:bodyPr>
+            <a:normAutofit/>
+          </a:bodyPr>
           <a:lstStyle/>
           <a:p>
             <a:r>
-              <a:rPr lang="pt-BR" dirty="0" smtClean="0"/>
-              <a:t>RN n.4 Botão “Seleção de Quantidade”</a:t>
-            </a:r>
-            <a:endParaRPr lang="pt-BR" dirty="0"/>
+              <a:rPr lang="pt-BR" sz="3600" dirty="0" smtClean="0">
+                <a:latin typeface="Times New Roman" panose="02020603050405020304" pitchFamily="18" charset="0"/>
+                <a:cs typeface="Times New Roman" panose="02020603050405020304" pitchFamily="18" charset="0"/>
+              </a:rPr>
+              <a:t>RN n.5 Adicionar Pedido</a:t>
+            </a:r>
+            <a:endParaRPr lang="pt-BR" sz="3600" dirty="0">
+              <a:latin typeface="Times New Roman" panose="02020603050405020304" pitchFamily="18" charset="0"/>
+              <a:cs typeface="Times New Roman" panose="02020603050405020304" pitchFamily="18" charset="0"/>
+            </a:endParaRPr>
           </a:p>
         </p:txBody>
       </p:sp>
-      <p:cxnSp>
-        <p:nvCxnSpPr>
-          <p:cNvPr id="20" name="Conector de Seta Reta 19"/>
-          <p:cNvCxnSpPr/>
-          <p:nvPr/>
-        </p:nvCxnSpPr>
-        <p:spPr>
-          <a:xfrm flipV="1">
-            <a:off x="2522482" y="3440832"/>
-            <a:ext cx="199697" cy="503116"/>
-          </a:xfrm>
-          <a:prstGeom prst="straightConnector1">
-            <a:avLst/>
-          </a:prstGeom>
-          <a:ln>
-            <a:tailEnd type="triangle"/>
-          </a:ln>
-        </p:spPr>
-        <p:style>
-          <a:lnRef idx="1">
-            <a:schemeClr val="accent2"/>
-          </a:lnRef>
-          <a:fillRef idx="0">
-            <a:schemeClr val="accent2"/>
-          </a:fillRef>
-          <a:effectRef idx="0">
-            <a:schemeClr val="accent2"/>
-          </a:effectRef>
-          <a:fontRef idx="minor">
-            <a:schemeClr val="tx1"/>
-          </a:fontRef>
-        </p:style>
-      </p:cxnSp>
       <p:sp>
         <p:nvSpPr>
-          <p:cNvPr id="31" name="CaixaDeTexto 30"/>
-          <p:cNvSpPr txBox="1"/>
+          <p:cNvPr id="3" name="Espaço Reservado para Conteúdo 2"/>
+          <p:cNvSpPr>
+            <a:spLocks noGrp="1"/>
+          </p:cNvSpPr>
+          <p:nvPr>
+            <p:ph idx="1"/>
+          </p:nvPr>
+        </p:nvSpPr>
+        <p:spPr>
+          <a:xfrm>
+            <a:off x="302172" y="1490992"/>
+            <a:ext cx="4784835" cy="4351338"/>
+          </a:xfrm>
+        </p:spPr>
+        <p:txBody>
+          <a:bodyPr>
+            <a:normAutofit fontScale="32500" lnSpcReduction="20000"/>
+          </a:bodyPr>
+          <a:lstStyle/>
+          <a:p>
+            <a:r>
+              <a:rPr lang="pt-BR" b="1" dirty="0"/>
+              <a:t>Identificação: </a:t>
+            </a:r>
+            <a:endParaRPr lang="pt-BR" dirty="0"/>
+          </a:p>
+          <a:p>
+            <a:r>
+              <a:rPr lang="pt-BR" b="1" dirty="0"/>
+              <a:t>Nome: Teste de adicionar pedido </a:t>
+            </a:r>
+            <a:endParaRPr lang="pt-BR" dirty="0"/>
+          </a:p>
+          <a:p>
+            <a:r>
+              <a:rPr lang="pt-BR" b="1" dirty="0"/>
+              <a:t>ID: RN </a:t>
+            </a:r>
+            <a:r>
+              <a:rPr lang="pt-BR" b="1" dirty="0" smtClean="0"/>
+              <a:t>n.5</a:t>
+            </a:r>
+            <a:endParaRPr lang="pt-BR" dirty="0"/>
+          </a:p>
+          <a:p>
+            <a:r>
+              <a:rPr lang="pt-BR" b="1" dirty="0"/>
+              <a:t>Data de criação: 05/05/2023 14:15 PM.</a:t>
+            </a:r>
+            <a:endParaRPr lang="pt-BR" dirty="0"/>
+          </a:p>
+          <a:p>
+            <a:r>
+              <a:rPr lang="pt-BR" b="1" dirty="0"/>
+              <a:t>Autor: Pedro Marcelo</a:t>
+            </a:r>
+            <a:endParaRPr lang="pt-BR" dirty="0"/>
+          </a:p>
+          <a:p>
+            <a:r>
+              <a:rPr lang="pt-BR" b="1" dirty="0"/>
+              <a:t> </a:t>
+            </a:r>
+            <a:endParaRPr lang="pt-BR" dirty="0"/>
+          </a:p>
+          <a:p>
+            <a:r>
+              <a:rPr lang="pt-BR" b="1" dirty="0"/>
+              <a:t>Descrição: caso de teste para confirmar um produto no carrinho de compras</a:t>
+            </a:r>
+            <a:endParaRPr lang="pt-BR" dirty="0"/>
+          </a:p>
+          <a:p>
+            <a:r>
+              <a:rPr lang="pt-BR" b="1" dirty="0"/>
+              <a:t> </a:t>
+            </a:r>
+            <a:endParaRPr lang="pt-BR" dirty="0"/>
+          </a:p>
+          <a:p>
+            <a:r>
+              <a:rPr lang="pt-BR" dirty="0"/>
+              <a:t> </a:t>
+            </a:r>
+            <a:r>
+              <a:rPr lang="pt-BR" b="1" dirty="0"/>
+              <a:t>Pré-requisitos:</a:t>
+            </a:r>
+            <a:endParaRPr lang="pt-BR" dirty="0"/>
+          </a:p>
+          <a:p>
+            <a:r>
+              <a:rPr lang="pt-BR" b="1" dirty="0"/>
+              <a:t> </a:t>
+            </a:r>
+            <a:endParaRPr lang="pt-BR" dirty="0"/>
+          </a:p>
+          <a:p>
+            <a:r>
+              <a:rPr lang="pt-BR" b="1" dirty="0"/>
+              <a:t>1.Acesso ao cardápio da empresa selecionada</a:t>
+            </a:r>
+            <a:endParaRPr lang="pt-BR" dirty="0"/>
+          </a:p>
+          <a:p>
+            <a:r>
+              <a:rPr lang="pt-BR" b="1" dirty="0"/>
+              <a:t> </a:t>
+            </a:r>
+            <a:endParaRPr lang="pt-BR" dirty="0"/>
+          </a:p>
+          <a:p>
+            <a:r>
+              <a:rPr lang="pt-BR" b="1" dirty="0"/>
+              <a:t>Etapas de teste:</a:t>
+            </a:r>
+            <a:endParaRPr lang="pt-BR" dirty="0"/>
+          </a:p>
+          <a:p>
+            <a:r>
+              <a:rPr lang="pt-BR" b="1" dirty="0"/>
+              <a:t>1.acesso a tela principal do cardápio</a:t>
+            </a:r>
+            <a:endParaRPr lang="pt-BR" dirty="0"/>
+          </a:p>
+          <a:p>
+            <a:r>
+              <a:rPr lang="pt-BR" b="1" dirty="0"/>
+              <a:t>2.Selecionar a categoria desejada</a:t>
+            </a:r>
+            <a:endParaRPr lang="pt-BR" dirty="0"/>
+          </a:p>
+          <a:p>
+            <a:r>
+              <a:rPr lang="pt-BR" b="1" dirty="0"/>
+              <a:t>3.escolher o produto e quantidade desejado a partir da lista de produtos disponíveis</a:t>
+            </a:r>
+            <a:endParaRPr lang="pt-BR" dirty="0"/>
+          </a:p>
+          <a:p>
+            <a:r>
+              <a:rPr lang="pt-BR" b="1" dirty="0"/>
+              <a:t>4.cliclar no botão “adicionar </a:t>
+            </a:r>
+            <a:r>
+              <a:rPr lang="pt-BR" b="1" dirty="0" smtClean="0"/>
+              <a:t>pedido”</a:t>
+            </a:r>
+            <a:endParaRPr lang="pt-BR" sz="1000" dirty="0">
+              <a:latin typeface="Times New Roman" panose="02020603050405020304" pitchFamily="18" charset="0"/>
+              <a:cs typeface="Times New Roman" panose="02020603050405020304" pitchFamily="18" charset="0"/>
+            </a:endParaRPr>
+          </a:p>
+        </p:txBody>
+      </p:sp>
+      <p:sp>
+        <p:nvSpPr>
+          <p:cNvPr id="4" name="Espaço Reservado para Conteúdo 2"/>
+          <p:cNvSpPr txBox="1">
+            <a:spLocks/>
+          </p:cNvSpPr>
           <p:nvPr/>
         </p:nvSpPr>
         <p:spPr>
           <a:xfrm>
-            <a:off x="4565432" y="1459867"/>
-            <a:ext cx="5073555" cy="646331"/>
+            <a:off x="6032937" y="1489515"/>
+            <a:ext cx="4784835" cy="4351338"/>
           </a:xfrm>
           <a:prstGeom prst="rect">
             <a:avLst/>
           </a:prstGeom>
-          <a:noFill/>
         </p:spPr>
         <p:txBody>
-          <a:bodyPr wrap="square" rtlCol="0">
-            <a:spAutoFit/>
+          <a:bodyPr vert="horz" lIns="91440" tIns="45720" rIns="91440" bIns="45720" rtlCol="0">
+            <a:normAutofit/>
           </a:bodyPr>
-          <a:lstStyle/>
-          <a:p>
-            <a:r>
-              <a:rPr lang="pt-BR" dirty="0" smtClean="0"/>
-              <a:t>O cliente deve ser capaz de selecionar a quantidade de 1 a 5, do produto que ele deseja pedir.</a:t>
-            </a:r>
-            <a:endParaRPr lang="pt-BR" dirty="0"/>
+          <a:lstStyle>
+            <a:lvl1pPr marL="228600" indent="-228600" algn="l" defTabSz="914400" rtl="0" eaLnBrk="1" latinLnBrk="0" hangingPunct="1">
+              <a:lnSpc>
+                <a:spcPct val="90000"/>
+              </a:lnSpc>
+              <a:spcBef>
+                <a:spcPts val="1000"/>
+              </a:spcBef>
+              <a:buFont typeface="Arial" panose="020B0604020202020204" pitchFamily="34" charset="0"/>
+              <a:buChar char="•"/>
+              <a:defRPr sz="2800" kern="1200">
+                <a:solidFill>
+                  <a:schemeClr val="tx1"/>
+                </a:solidFill>
+                <a:latin typeface="+mn-lt"/>
+                <a:ea typeface="+mn-ea"/>
+                <a:cs typeface="+mn-cs"/>
+              </a:defRPr>
+            </a:lvl1pPr>
+            <a:lvl2pPr marL="685800" indent="-228600" algn="l" defTabSz="914400" rtl="0" eaLnBrk="1" latinLnBrk="0" hangingPunct="1">
+              <a:lnSpc>
+                <a:spcPct val="90000"/>
+              </a:lnSpc>
+              <a:spcBef>
+                <a:spcPts val="500"/>
+              </a:spcBef>
+              <a:buFont typeface="Arial" panose="020B0604020202020204" pitchFamily="34" charset="0"/>
+              <a:buChar char="•"/>
+              <a:defRPr sz="2400" kern="1200">
+                <a:solidFill>
+                  <a:schemeClr val="tx1"/>
+                </a:solidFill>
+                <a:latin typeface="+mn-lt"/>
+                <a:ea typeface="+mn-ea"/>
+                <a:cs typeface="+mn-cs"/>
+              </a:defRPr>
+            </a:lvl2pPr>
+            <a:lvl3pPr marL="1143000" indent="-228600" algn="l" defTabSz="914400" rtl="0" eaLnBrk="1" latinLnBrk="0" hangingPunct="1">
+              <a:lnSpc>
+                <a:spcPct val="90000"/>
+              </a:lnSpc>
+              <a:spcBef>
+                <a:spcPts val="500"/>
+              </a:spcBef>
+              <a:buFont typeface="Arial" panose="020B0604020202020204" pitchFamily="34" charset="0"/>
+              <a:buChar char="•"/>
+              <a:defRPr sz="2000" kern="1200">
+                <a:solidFill>
+                  <a:schemeClr val="tx1"/>
+                </a:solidFill>
+                <a:latin typeface="+mn-lt"/>
+                <a:ea typeface="+mn-ea"/>
+                <a:cs typeface="+mn-cs"/>
+              </a:defRPr>
+            </a:lvl3pPr>
+            <a:lvl4pPr marL="1600200" indent="-228600" algn="l" defTabSz="914400" rtl="0" eaLnBrk="1" latinLnBrk="0" hangingPunct="1">
+              <a:lnSpc>
+                <a:spcPct val="90000"/>
+              </a:lnSpc>
+              <a:spcBef>
+                <a:spcPts val="500"/>
+              </a:spcBef>
+              <a:buFont typeface="Arial" panose="020B0604020202020204" pitchFamily="34" charset="0"/>
+              <a:buChar char="•"/>
+              <a:defRPr sz="1800" kern="1200">
+                <a:solidFill>
+                  <a:schemeClr val="tx1"/>
+                </a:solidFill>
+                <a:latin typeface="+mn-lt"/>
+                <a:ea typeface="+mn-ea"/>
+                <a:cs typeface="+mn-cs"/>
+              </a:defRPr>
+            </a:lvl4pPr>
+            <a:lvl5pPr marL="2057400" indent="-228600" algn="l" defTabSz="914400" rtl="0" eaLnBrk="1" latinLnBrk="0" hangingPunct="1">
+              <a:lnSpc>
+                <a:spcPct val="90000"/>
+              </a:lnSpc>
+              <a:spcBef>
+                <a:spcPts val="500"/>
+              </a:spcBef>
+              <a:buFont typeface="Arial" panose="020B0604020202020204" pitchFamily="34" charset="0"/>
+              <a:buChar char="•"/>
+              <a:defRPr sz="1800" kern="1200">
+                <a:solidFill>
+                  <a:schemeClr val="tx1"/>
+                </a:solidFill>
+                <a:latin typeface="+mn-lt"/>
+                <a:ea typeface="+mn-ea"/>
+                <a:cs typeface="+mn-cs"/>
+              </a:defRPr>
+            </a:lvl5pPr>
+            <a:lvl6pPr marL="2514600" indent="-228600" algn="l" defTabSz="914400" rtl="0" eaLnBrk="1" latinLnBrk="0" hangingPunct="1">
+              <a:lnSpc>
+                <a:spcPct val="90000"/>
+              </a:lnSpc>
+              <a:spcBef>
+                <a:spcPts val="500"/>
+              </a:spcBef>
+              <a:buFont typeface="Arial" panose="020B0604020202020204" pitchFamily="34" charset="0"/>
+              <a:buChar char="•"/>
+              <a:defRPr sz="1800" kern="1200">
+                <a:solidFill>
+                  <a:schemeClr val="tx1"/>
+                </a:solidFill>
+                <a:latin typeface="+mn-lt"/>
+                <a:ea typeface="+mn-ea"/>
+                <a:cs typeface="+mn-cs"/>
+              </a:defRPr>
+            </a:lvl6pPr>
+            <a:lvl7pPr marL="2971800" indent="-228600" algn="l" defTabSz="914400" rtl="0" eaLnBrk="1" latinLnBrk="0" hangingPunct="1">
+              <a:lnSpc>
+                <a:spcPct val="90000"/>
+              </a:lnSpc>
+              <a:spcBef>
+                <a:spcPts val="500"/>
+              </a:spcBef>
+              <a:buFont typeface="Arial" panose="020B0604020202020204" pitchFamily="34" charset="0"/>
+              <a:buChar char="•"/>
+              <a:defRPr sz="1800" kern="1200">
+                <a:solidFill>
+                  <a:schemeClr val="tx1"/>
+                </a:solidFill>
+                <a:latin typeface="+mn-lt"/>
+                <a:ea typeface="+mn-ea"/>
+                <a:cs typeface="+mn-cs"/>
+              </a:defRPr>
+            </a:lvl7pPr>
+            <a:lvl8pPr marL="3429000" indent="-228600" algn="l" defTabSz="914400" rtl="0" eaLnBrk="1" latinLnBrk="0" hangingPunct="1">
+              <a:lnSpc>
+                <a:spcPct val="90000"/>
+              </a:lnSpc>
+              <a:spcBef>
+                <a:spcPts val="500"/>
+              </a:spcBef>
+              <a:buFont typeface="Arial" panose="020B0604020202020204" pitchFamily="34" charset="0"/>
+              <a:buChar char="•"/>
+              <a:defRPr sz="1800" kern="1200">
+                <a:solidFill>
+                  <a:schemeClr val="tx1"/>
+                </a:solidFill>
+                <a:latin typeface="+mn-lt"/>
+                <a:ea typeface="+mn-ea"/>
+                <a:cs typeface="+mn-cs"/>
+              </a:defRPr>
+            </a:lvl8pPr>
+            <a:lvl9pPr marL="3886200" indent="-228600" algn="l" defTabSz="914400" rtl="0" eaLnBrk="1" latinLnBrk="0" hangingPunct="1">
+              <a:lnSpc>
+                <a:spcPct val="90000"/>
+              </a:lnSpc>
+              <a:spcBef>
+                <a:spcPts val="500"/>
+              </a:spcBef>
+              <a:buFont typeface="Arial" panose="020B0604020202020204" pitchFamily="34" charset="0"/>
+              <a:buChar char="•"/>
+              <a:defRPr sz="1800" kern="1200">
+                <a:solidFill>
+                  <a:schemeClr val="tx1"/>
+                </a:solidFill>
+                <a:latin typeface="+mn-lt"/>
+                <a:ea typeface="+mn-ea"/>
+                <a:cs typeface="+mn-cs"/>
+              </a:defRPr>
+            </a:lvl9pPr>
+          </a:lstStyle>
+          <a:p>
+            <a:pPr marL="0" indent="0">
+              <a:buNone/>
+            </a:pPr>
+            <a:endParaRPr lang="pt-BR" sz="1100" dirty="0">
+              <a:latin typeface="Times New Roman" panose="02020603050405020304" pitchFamily="18" charset="0"/>
+              <a:cs typeface="Times New Roman" panose="02020603050405020304" pitchFamily="18" charset="0"/>
+            </a:endParaRPr>
+          </a:p>
+          <a:p>
+            <a:pPr marL="0" indent="0">
+              <a:buNone/>
+            </a:pPr>
+            <a:r>
+              <a:rPr lang="pt-BR" sz="1100" dirty="0">
+                <a:latin typeface="Times New Roman" panose="02020603050405020304" pitchFamily="18" charset="0"/>
+                <a:cs typeface="Times New Roman" panose="02020603050405020304" pitchFamily="18" charset="0"/>
+              </a:rPr>
+              <a:t>Resultado Esperado:</a:t>
+            </a:r>
+          </a:p>
+          <a:p>
+            <a:pPr marL="0" indent="0">
+              <a:buNone/>
+            </a:pPr>
+            <a:r>
+              <a:rPr lang="pt-BR" sz="1100" dirty="0">
+                <a:latin typeface="Times New Roman" panose="02020603050405020304" pitchFamily="18" charset="0"/>
+                <a:cs typeface="Times New Roman" panose="02020603050405020304" pitchFamily="18" charset="0"/>
+              </a:rPr>
+              <a:t>O cliente deve ser redirecionado para tela de finalizar pedido onde contém os campos vazios “empresa, Nome e endereço” também deve conter o resumo do pedido com os produtos selecionados sua quantidade e seu preço total, com botões para voltar as categorias, adicionar um novo item e uma forma de pagamento, contem também o “botão de finalizar pedido”</a:t>
+            </a:r>
+          </a:p>
+          <a:p>
+            <a:pPr marL="0" indent="0">
+              <a:buNone/>
+            </a:pPr>
+            <a:endParaRPr lang="pt-BR" sz="1100" dirty="0">
+              <a:latin typeface="Times New Roman" panose="02020603050405020304" pitchFamily="18" charset="0"/>
+              <a:cs typeface="Times New Roman" panose="02020603050405020304" pitchFamily="18" charset="0"/>
+            </a:endParaRPr>
+          </a:p>
+          <a:p>
+            <a:pPr marL="0" indent="0">
+              <a:buNone/>
+            </a:pPr>
+            <a:r>
+              <a:rPr lang="pt-BR" sz="1100" dirty="0">
+                <a:latin typeface="Times New Roman" panose="02020603050405020304" pitchFamily="18" charset="0"/>
+                <a:cs typeface="Times New Roman" panose="02020603050405020304" pitchFamily="18" charset="0"/>
+              </a:rPr>
+              <a:t>Critérios de sucesso:</a:t>
+            </a:r>
+          </a:p>
+          <a:p>
+            <a:pPr marL="0" indent="0">
+              <a:buNone/>
+            </a:pPr>
+            <a:r>
+              <a:rPr lang="pt-BR" sz="1100" dirty="0">
+                <a:latin typeface="Times New Roman" panose="02020603050405020304" pitchFamily="18" charset="0"/>
+                <a:cs typeface="Times New Roman" panose="02020603050405020304" pitchFamily="18" charset="0"/>
+              </a:rPr>
+              <a:t>O cliente deve ser capaz de adicionar pedido ao carrinho e ser redirecionado a tela “finalizar pedido” </a:t>
+            </a:r>
+          </a:p>
+          <a:p>
+            <a:pPr marL="0" indent="0">
+              <a:buNone/>
+            </a:pPr>
+            <a:r>
+              <a:rPr lang="pt-BR" sz="1100" dirty="0">
+                <a:latin typeface="Times New Roman" panose="02020603050405020304" pitchFamily="18" charset="0"/>
+                <a:cs typeface="Times New Roman" panose="02020603050405020304" pitchFamily="18" charset="0"/>
+              </a:rPr>
+              <a:t>Notas de teste:</a:t>
+            </a:r>
+          </a:p>
+          <a:p>
+            <a:pPr marL="0" indent="0">
+              <a:buNone/>
+            </a:pPr>
+            <a:r>
+              <a:rPr lang="pt-BR" sz="1100" dirty="0">
+                <a:latin typeface="Times New Roman" panose="02020603050405020304" pitchFamily="18" charset="0"/>
+                <a:cs typeface="Times New Roman" panose="02020603050405020304" pitchFamily="18" charset="0"/>
+              </a:rPr>
+              <a:t>Durante a execução do teste, nenhum comportamento anormal ou inesperado foi detectado.</a:t>
+            </a:r>
+          </a:p>
+          <a:p>
+            <a:pPr marL="0" indent="0">
+              <a:buNone/>
+            </a:pPr>
+            <a:r>
+              <a:rPr lang="pt-BR" sz="1100" dirty="0">
+                <a:latin typeface="Times New Roman" panose="02020603050405020304" pitchFamily="18" charset="0"/>
+                <a:cs typeface="Times New Roman" panose="02020603050405020304" pitchFamily="18" charset="0"/>
+              </a:rPr>
+              <a:t>Teste realizado em 05/05/23 as 14:30 PM</a:t>
+            </a:r>
+          </a:p>
+          <a:p>
+            <a:pPr marL="0" indent="0">
+              <a:buFont typeface="Arial" panose="020B0604020202020204" pitchFamily="34" charset="0"/>
+              <a:buNone/>
+            </a:pPr>
+            <a:endParaRPr lang="pt-BR" sz="1000" dirty="0">
+              <a:latin typeface="Times New Roman" panose="02020603050405020304" pitchFamily="18" charset="0"/>
+              <a:cs typeface="Times New Roman" panose="02020603050405020304" pitchFamily="18" charset="0"/>
+            </a:endParaRPr>
           </a:p>
         </p:txBody>
       </p:sp>
-      <p:cxnSp>
-        <p:nvCxnSpPr>
-          <p:cNvPr id="5" name="Conector de Seta Reta 4"/>
-          <p:cNvCxnSpPr/>
-          <p:nvPr/>
-        </p:nvCxnSpPr>
-        <p:spPr>
-          <a:xfrm flipH="1" flipV="1">
-            <a:off x="3079530" y="3440832"/>
-            <a:ext cx="446690" cy="402009"/>
-          </a:xfrm>
-          <a:prstGeom prst="straightConnector1">
-            <a:avLst/>
-          </a:prstGeom>
-          <a:ln>
-            <a:tailEnd type="triangle"/>
-          </a:ln>
-        </p:spPr>
-        <p:style>
-          <a:lnRef idx="1">
-            <a:schemeClr val="accent2"/>
-          </a:lnRef>
-          <a:fillRef idx="0">
-            <a:schemeClr val="accent2"/>
-          </a:fillRef>
-          <a:effectRef idx="0">
-            <a:schemeClr val="accent2"/>
-          </a:effectRef>
-          <a:fontRef idx="minor">
-            <a:schemeClr val="tx1"/>
-          </a:fontRef>
-        </p:style>
-      </p:cxnSp>
     </p:spTree>
     <p:extLst>
       <p:ext uri="{BB962C8B-B14F-4D97-AF65-F5344CB8AC3E}">
-        <p14:creationId xmlns:p14="http://schemas.microsoft.com/office/powerpoint/2010/main" val="3725604293"/>
+        <p14:creationId xmlns:p14="http://schemas.microsoft.com/office/powerpoint/2010/main" val="4228905998"/>
       </p:ext>
     </p:extLst>
   </p:cSld>
@@ -6496,7 +5897,7 @@
       </p:grpSpPr>
       <p:pic>
         <p:nvPicPr>
-          <p:cNvPr id="3" name="Imagem 2"/>
+          <p:cNvPr id="4" name="Imagem 3"/>
           <p:cNvPicPr>
             <a:picLocks noChangeAspect="1"/>
           </p:cNvPicPr>
@@ -6510,8 +5911,8 @@
         </p:blipFill>
         <p:spPr>
           <a:xfrm>
-            <a:off x="1500488" y="994926"/>
-            <a:ext cx="3158084" cy="5695830"/>
+            <a:off x="1120462" y="857703"/>
+            <a:ext cx="3016658" cy="5637689"/>
           </a:xfrm>
           <a:prstGeom prst="rect">
             <a:avLst/>
@@ -6540,7 +5941,7 @@
           <a:p>
             <a:r>
               <a:rPr lang="pt-BR" dirty="0" smtClean="0"/>
-              <a:t>RN n.5 Botão “Adicionar Pedido”</a:t>
+              <a:t>RN n.6 Informações do Cliente</a:t>
             </a:r>
             <a:endParaRPr lang="pt-BR" dirty="0"/>
           </a:p>
@@ -6553,9 +5954,75 @@
           <p:nvPr/>
         </p:nvCxnSpPr>
         <p:spPr>
-          <a:xfrm flipV="1">
-            <a:off x="1726462" y="3440832"/>
-            <a:ext cx="365097" cy="567328"/>
+          <a:xfrm flipH="1" flipV="1">
+            <a:off x="3432229" y="2987225"/>
+            <a:ext cx="763300" cy="575022"/>
+          </a:xfrm>
+          <a:prstGeom prst="straightConnector1">
+            <a:avLst/>
+          </a:prstGeom>
+          <a:ln>
+            <a:tailEnd type="triangle"/>
+          </a:ln>
+        </p:spPr>
+        <p:style>
+          <a:lnRef idx="1">
+            <a:schemeClr val="accent2"/>
+          </a:lnRef>
+          <a:fillRef idx="0">
+            <a:schemeClr val="accent2"/>
+          </a:fillRef>
+          <a:effectRef idx="0">
+            <a:schemeClr val="accent2"/>
+          </a:effectRef>
+          <a:fontRef idx="minor">
+            <a:schemeClr val="tx1"/>
+          </a:fontRef>
+        </p:style>
+      </p:cxnSp>
+      <p:cxnSp>
+        <p:nvCxnSpPr>
+          <p:cNvPr id="5" name="Conector de Seta Reta 4"/>
+          <p:cNvCxnSpPr/>
+          <p:nvPr/>
+        </p:nvCxnSpPr>
+        <p:spPr>
+          <a:xfrm flipH="1">
+            <a:off x="3490639" y="2597045"/>
+            <a:ext cx="802933" cy="0"/>
+          </a:xfrm>
+          <a:prstGeom prst="straightConnector1">
+            <a:avLst/>
+          </a:prstGeom>
+          <a:ln>
+            <a:tailEnd type="triangle"/>
+          </a:ln>
+        </p:spPr>
+        <p:style>
+          <a:lnRef idx="1">
+            <a:schemeClr val="accent2"/>
+          </a:lnRef>
+          <a:fillRef idx="0">
+            <a:schemeClr val="accent2"/>
+          </a:fillRef>
+          <a:effectRef idx="0">
+            <a:schemeClr val="accent2"/>
+          </a:effectRef>
+          <a:fontRef idx="minor">
+            <a:schemeClr val="tx1"/>
+          </a:fontRef>
+        </p:style>
+      </p:cxnSp>
+      <p:cxnSp>
+        <p:nvCxnSpPr>
+          <p:cNvPr id="12" name="Conector de Seta Reta 11"/>
+          <p:cNvCxnSpPr/>
+          <p:nvPr/>
+        </p:nvCxnSpPr>
+        <p:spPr>
+          <a:xfrm flipH="1">
+            <a:off x="3490639" y="2061668"/>
+            <a:ext cx="646481" cy="219432"/>
           </a:xfrm>
           <a:prstGeom prst="straightConnector1">
             <a:avLst/>
@@ -6581,13 +6048,13 @@
       </p:cxnSp>
       <p:sp>
         <p:nvSpPr>
-          <p:cNvPr id="31" name="CaixaDeTexto 30"/>
+          <p:cNvPr id="15" name="CaixaDeTexto 14"/>
           <p:cNvSpPr txBox="1"/>
           <p:nvPr/>
         </p:nvSpPr>
         <p:spPr>
           <a:xfrm>
-            <a:off x="5321176" y="1557606"/>
+            <a:off x="5289645" y="1600003"/>
             <a:ext cx="5073555" cy="923330"/>
           </a:xfrm>
           <a:prstGeom prst="rect">
@@ -6603,49 +6070,16 @@
           <a:p>
             <a:r>
               <a:rPr lang="pt-BR" dirty="0" smtClean="0"/>
-              <a:t>O cliente deve ser capaz de adicionar o produto desejado ao carrinho do cardápio, para depois finalizar o pedido.</a:t>
+              <a:t>Tela Exibida após adicionar um produto ao carrinho, possibilita o cliente a adicionar seus dados pessoais, antes de finalizar o pedido. </a:t>
             </a:r>
             <a:endParaRPr lang="pt-BR" dirty="0"/>
           </a:p>
         </p:txBody>
       </p:sp>
-      <p:cxnSp>
-        <p:nvCxnSpPr>
-          <p:cNvPr id="5" name="Conector de Seta Reta 4"/>
-          <p:cNvCxnSpPr/>
-          <p:nvPr/>
-        </p:nvCxnSpPr>
-        <p:spPr>
-          <a:xfrm flipH="1" flipV="1">
-            <a:off x="2711669" y="3440832"/>
-            <a:ext cx="194441" cy="567329"/>
-          </a:xfrm>
-          <a:prstGeom prst="straightConnector1">
-            <a:avLst/>
-          </a:prstGeom>
-          <a:ln>
-            <a:tailEnd type="triangle"/>
-          </a:ln>
-        </p:spPr>
-        <p:style>
-          <a:lnRef idx="1">
-            <a:schemeClr val="accent2"/>
-          </a:lnRef>
-          <a:fillRef idx="0">
-            <a:schemeClr val="accent2"/>
-          </a:fillRef>
-          <a:effectRef idx="0">
-            <a:schemeClr val="accent2"/>
-          </a:effectRef>
-          <a:fontRef idx="minor">
-            <a:schemeClr val="tx1"/>
-          </a:fontRef>
-        </p:style>
-      </p:cxnSp>
     </p:spTree>
     <p:extLst>
       <p:ext uri="{BB962C8B-B14F-4D97-AF65-F5344CB8AC3E}">
-        <p14:creationId xmlns:p14="http://schemas.microsoft.com/office/powerpoint/2010/main" val="1341508339"/>
+        <p14:creationId xmlns:p14="http://schemas.microsoft.com/office/powerpoint/2010/main" val="634971598"/>
       </p:ext>
     </p:extLst>
   </p:cSld>
@@ -6679,6 +6113,30 @@
           <a:chExt cx="0" cy="0"/>
         </a:xfrm>
       </p:grpSpPr>
+      <p:pic>
+        <p:nvPicPr>
+          <p:cNvPr id="3" name="Imagem 2"/>
+          <p:cNvPicPr>
+            <a:picLocks noChangeAspect="1"/>
+          </p:cNvPicPr>
+          <p:nvPr/>
+        </p:nvPicPr>
+        <p:blipFill>
+          <a:blip r:embed="rId2"/>
+          <a:stretch>
+            <a:fillRect/>
+          </a:stretch>
+        </p:blipFill>
+        <p:spPr>
+          <a:xfrm>
+            <a:off x="1370286" y="1027906"/>
+            <a:ext cx="2812831" cy="5632911"/>
+          </a:xfrm>
+          <a:prstGeom prst="rect">
+            <a:avLst/>
+          </a:prstGeom>
+        </p:spPr>
+      </p:pic>
       <p:sp>
         <p:nvSpPr>
           <p:cNvPr id="2" name="Título 1"/>
@@ -6689,492 +6147,186 @@
             <p:ph type="title"/>
           </p:nvPr>
         </p:nvSpPr>
-        <p:spPr>
-          <a:xfrm>
-            <a:off x="94593" y="0"/>
-            <a:ext cx="13074868" cy="1325563"/>
-          </a:xfrm>
-        </p:spPr>
+        <p:spPr/>
         <p:txBody>
-          <a:bodyPr>
-            <a:normAutofit/>
-          </a:bodyPr>
+          <a:bodyPr/>
           <a:lstStyle/>
           <a:p>
             <a:r>
-              <a:rPr lang="pt-BR" sz="3600" dirty="0" smtClean="0">
+              <a:rPr lang="pt-BR" dirty="0" smtClean="0">
                 <a:latin typeface="Times New Roman" panose="02020603050405020304" pitchFamily="18" charset="0"/>
                 <a:cs typeface="Times New Roman" panose="02020603050405020304" pitchFamily="18" charset="0"/>
               </a:rPr>
-              <a:t>RN n.5 Adicionar Pedido</a:t>
-            </a:r>
-            <a:endParaRPr lang="pt-BR" sz="3600" dirty="0">
+              <a:t>RN n.7 </a:t>
+            </a:r>
+            <a:r>
+              <a:rPr lang="pt-BR" dirty="0">
+                <a:latin typeface="Times New Roman" panose="02020603050405020304" pitchFamily="18" charset="0"/>
+                <a:cs typeface="Times New Roman" panose="02020603050405020304" pitchFamily="18" charset="0"/>
+              </a:rPr>
+              <a:t>Resumo do pedido</a:t>
+            </a:r>
+            <a:br>
+              <a:rPr lang="pt-BR" dirty="0">
+                <a:latin typeface="Times New Roman" panose="02020603050405020304" pitchFamily="18" charset="0"/>
+                <a:cs typeface="Times New Roman" panose="02020603050405020304" pitchFamily="18" charset="0"/>
+              </a:rPr>
+            </a:br>
+            <a:endParaRPr lang="pt-BR" dirty="0">
               <a:latin typeface="Times New Roman" panose="02020603050405020304" pitchFamily="18" charset="0"/>
               <a:cs typeface="Times New Roman" panose="02020603050405020304" pitchFamily="18" charset="0"/>
             </a:endParaRPr>
           </a:p>
         </p:txBody>
       </p:sp>
+      <p:cxnSp>
+        <p:nvCxnSpPr>
+          <p:cNvPr id="6" name="Conector de Seta Reta 5"/>
+          <p:cNvCxnSpPr/>
+          <p:nvPr/>
+        </p:nvCxnSpPr>
+        <p:spPr>
+          <a:xfrm>
+            <a:off x="1545021" y="3226676"/>
+            <a:ext cx="231227" cy="262758"/>
+          </a:xfrm>
+          <a:prstGeom prst="straightConnector1">
+            <a:avLst/>
+          </a:prstGeom>
+          <a:ln>
+            <a:tailEnd type="triangle"/>
+          </a:ln>
+        </p:spPr>
+        <p:style>
+          <a:lnRef idx="3">
+            <a:schemeClr val="accent2"/>
+          </a:lnRef>
+          <a:fillRef idx="0">
+            <a:schemeClr val="accent2"/>
+          </a:fillRef>
+          <a:effectRef idx="2">
+            <a:schemeClr val="accent2"/>
+          </a:effectRef>
+          <a:fontRef idx="minor">
+            <a:schemeClr val="tx1"/>
+          </a:fontRef>
+        </p:style>
+      </p:cxnSp>
+      <p:cxnSp>
+        <p:nvCxnSpPr>
+          <p:cNvPr id="7" name="Conector de Seta Reta 6"/>
+          <p:cNvCxnSpPr/>
+          <p:nvPr/>
+        </p:nvCxnSpPr>
+        <p:spPr>
+          <a:xfrm flipH="1">
+            <a:off x="3368566" y="3520965"/>
+            <a:ext cx="446689" cy="423243"/>
+          </a:xfrm>
+          <a:prstGeom prst="straightConnector1">
+            <a:avLst/>
+          </a:prstGeom>
+          <a:ln>
+            <a:tailEnd type="triangle"/>
+          </a:ln>
+        </p:spPr>
+        <p:style>
+          <a:lnRef idx="3">
+            <a:schemeClr val="accent2"/>
+          </a:lnRef>
+          <a:fillRef idx="0">
+            <a:schemeClr val="accent2"/>
+          </a:fillRef>
+          <a:effectRef idx="2">
+            <a:schemeClr val="accent2"/>
+          </a:effectRef>
+          <a:fontRef idx="minor">
+            <a:schemeClr val="tx1"/>
+          </a:fontRef>
+        </p:style>
+      </p:cxnSp>
+      <p:cxnSp>
+        <p:nvCxnSpPr>
+          <p:cNvPr id="9" name="Conector de Seta Reta 8"/>
+          <p:cNvCxnSpPr/>
+          <p:nvPr/>
+        </p:nvCxnSpPr>
+        <p:spPr>
+          <a:xfrm flipV="1">
+            <a:off x="1457653" y="4309242"/>
+            <a:ext cx="405962" cy="357353"/>
+          </a:xfrm>
+          <a:prstGeom prst="straightConnector1">
+            <a:avLst/>
+          </a:prstGeom>
+          <a:ln>
+            <a:tailEnd type="triangle"/>
+          </a:ln>
+        </p:spPr>
+        <p:style>
+          <a:lnRef idx="3">
+            <a:schemeClr val="accent2"/>
+          </a:lnRef>
+          <a:fillRef idx="0">
+            <a:schemeClr val="accent2"/>
+          </a:fillRef>
+          <a:effectRef idx="2">
+            <a:schemeClr val="accent2"/>
+          </a:effectRef>
+          <a:fontRef idx="minor">
+            <a:schemeClr val="tx1"/>
+          </a:fontRef>
+        </p:style>
+      </p:cxnSp>
       <p:sp>
         <p:nvSpPr>
-          <p:cNvPr id="3" name="Espaço Reservado para Conteúdo 2"/>
-          <p:cNvSpPr>
-            <a:spLocks noGrp="1"/>
-          </p:cNvSpPr>
-          <p:nvPr>
-            <p:ph idx="1"/>
-          </p:nvPr>
-        </p:nvSpPr>
-        <p:spPr>
-          <a:xfrm>
-            <a:off x="302172" y="1490992"/>
-            <a:ext cx="4784835" cy="4351338"/>
-          </a:xfrm>
-        </p:spPr>
-        <p:txBody>
-          <a:bodyPr>
-            <a:normAutofit fontScale="32500" lnSpcReduction="20000"/>
-          </a:bodyPr>
-          <a:lstStyle/>
-          <a:p>
-            <a:r>
-              <a:rPr lang="pt-BR" b="1" dirty="0"/>
-              <a:t>Identificação: </a:t>
-            </a:r>
-            <a:endParaRPr lang="pt-BR" dirty="0"/>
-          </a:p>
-          <a:p>
-            <a:r>
-              <a:rPr lang="pt-BR" b="1" dirty="0"/>
-              <a:t>Nome: Teste de adicionar pedido </a:t>
-            </a:r>
-            <a:endParaRPr lang="pt-BR" dirty="0"/>
-          </a:p>
-          <a:p>
-            <a:r>
-              <a:rPr lang="pt-BR" b="1" dirty="0"/>
-              <a:t>ID: RN </a:t>
-            </a:r>
-            <a:r>
-              <a:rPr lang="pt-BR" b="1" dirty="0" smtClean="0"/>
-              <a:t>n.5</a:t>
-            </a:r>
-            <a:endParaRPr lang="pt-BR" dirty="0"/>
-          </a:p>
-          <a:p>
-            <a:r>
-              <a:rPr lang="pt-BR" b="1" dirty="0"/>
-              <a:t>Data de criação: 05/05/2023 14:15 PM.</a:t>
-            </a:r>
-            <a:endParaRPr lang="pt-BR" dirty="0"/>
-          </a:p>
-          <a:p>
-            <a:r>
-              <a:rPr lang="pt-BR" b="1" dirty="0"/>
-              <a:t>Autor: Pedro Marcelo</a:t>
-            </a:r>
-            <a:endParaRPr lang="pt-BR" dirty="0"/>
-          </a:p>
-          <a:p>
-            <a:r>
-              <a:rPr lang="pt-BR" b="1" dirty="0"/>
-              <a:t> </a:t>
-            </a:r>
-            <a:endParaRPr lang="pt-BR" dirty="0"/>
-          </a:p>
-          <a:p>
-            <a:r>
-              <a:rPr lang="pt-BR" b="1" dirty="0"/>
-              <a:t>Descrição: caso de teste para confirmar um produto no carrinho de compras</a:t>
-            </a:r>
-            <a:endParaRPr lang="pt-BR" dirty="0"/>
-          </a:p>
-          <a:p>
-            <a:r>
-              <a:rPr lang="pt-BR" b="1" dirty="0"/>
-              <a:t> </a:t>
-            </a:r>
-            <a:endParaRPr lang="pt-BR" dirty="0"/>
-          </a:p>
-          <a:p>
-            <a:r>
-              <a:rPr lang="pt-BR" dirty="0"/>
-              <a:t> </a:t>
-            </a:r>
-            <a:r>
-              <a:rPr lang="pt-BR" b="1" dirty="0"/>
-              <a:t>Pré-requisitos:</a:t>
-            </a:r>
-            <a:endParaRPr lang="pt-BR" dirty="0"/>
-          </a:p>
-          <a:p>
-            <a:r>
-              <a:rPr lang="pt-BR" b="1" dirty="0"/>
-              <a:t> </a:t>
-            </a:r>
-            <a:endParaRPr lang="pt-BR" dirty="0"/>
-          </a:p>
-          <a:p>
-            <a:r>
-              <a:rPr lang="pt-BR" b="1" dirty="0"/>
-              <a:t>1.Acesso ao cardápio da empresa selecionada</a:t>
-            </a:r>
-            <a:endParaRPr lang="pt-BR" dirty="0"/>
-          </a:p>
-          <a:p>
-            <a:r>
-              <a:rPr lang="pt-BR" b="1" dirty="0"/>
-              <a:t> </a:t>
-            </a:r>
-            <a:endParaRPr lang="pt-BR" dirty="0"/>
-          </a:p>
-          <a:p>
-            <a:r>
-              <a:rPr lang="pt-BR" b="1" dirty="0"/>
-              <a:t>Etapas de teste:</a:t>
-            </a:r>
-            <a:endParaRPr lang="pt-BR" dirty="0"/>
-          </a:p>
-          <a:p>
-            <a:r>
-              <a:rPr lang="pt-BR" b="1" dirty="0"/>
-              <a:t>1.acesso a tela principal do cardápio</a:t>
-            </a:r>
-            <a:endParaRPr lang="pt-BR" dirty="0"/>
-          </a:p>
-          <a:p>
-            <a:r>
-              <a:rPr lang="pt-BR" b="1" dirty="0"/>
-              <a:t>2.Selecionar a categoria desejada</a:t>
-            </a:r>
-            <a:endParaRPr lang="pt-BR" dirty="0"/>
-          </a:p>
-          <a:p>
-            <a:r>
-              <a:rPr lang="pt-BR" b="1" dirty="0"/>
-              <a:t>3.escolher o produto e quantidade desejado a partir da lista de produtos disponíveis</a:t>
-            </a:r>
-            <a:endParaRPr lang="pt-BR" dirty="0"/>
-          </a:p>
-          <a:p>
-            <a:r>
-              <a:rPr lang="pt-BR" b="1" dirty="0"/>
-              <a:t>4.cliclar no botão “adicionar </a:t>
-            </a:r>
-            <a:r>
-              <a:rPr lang="pt-BR" b="1" dirty="0" smtClean="0"/>
-              <a:t>pedido”</a:t>
-            </a:r>
-            <a:endParaRPr lang="pt-BR" sz="1000" dirty="0">
-              <a:latin typeface="Times New Roman" panose="02020603050405020304" pitchFamily="18" charset="0"/>
-              <a:cs typeface="Times New Roman" panose="02020603050405020304" pitchFamily="18" charset="0"/>
-            </a:endParaRPr>
-          </a:p>
-        </p:txBody>
-      </p:sp>
-      <p:sp>
-        <p:nvSpPr>
-          <p:cNvPr id="4" name="Espaço Reservado para Conteúdo 2"/>
-          <p:cNvSpPr txBox="1">
-            <a:spLocks/>
-          </p:cNvSpPr>
+          <p:cNvPr id="15" name="Retângulo 14"/>
+          <p:cNvSpPr/>
           <p:nvPr/>
         </p:nvSpPr>
         <p:spPr>
           <a:xfrm>
-            <a:off x="6032937" y="1489515"/>
-            <a:ext cx="4784835" cy="4351338"/>
+            <a:off x="5121479" y="1690688"/>
+            <a:ext cx="6096000" cy="1200329"/>
           </a:xfrm>
           <a:prstGeom prst="rect">
             <a:avLst/>
           </a:prstGeom>
         </p:spPr>
         <p:txBody>
-          <a:bodyPr vert="horz" lIns="91440" tIns="45720" rIns="91440" bIns="45720" rtlCol="0">
-            <a:normAutofit/>
+          <a:bodyPr>
+            <a:spAutoFit/>
           </a:bodyPr>
-          <a:lstStyle>
-            <a:lvl1pPr marL="228600" indent="-228600" algn="l" defTabSz="914400" rtl="0" eaLnBrk="1" latinLnBrk="0" hangingPunct="1">
-              <a:lnSpc>
-                <a:spcPct val="90000"/>
-              </a:lnSpc>
-              <a:spcBef>
-                <a:spcPts val="1000"/>
-              </a:spcBef>
-              <a:buFont typeface="Arial" panose="020B0604020202020204" pitchFamily="34" charset="0"/>
-              <a:buChar char="•"/>
-              <a:defRPr sz="2800" kern="1200">
-                <a:solidFill>
-                  <a:schemeClr val="tx1"/>
-                </a:solidFill>
-                <a:latin typeface="+mn-lt"/>
-                <a:ea typeface="+mn-ea"/>
-                <a:cs typeface="+mn-cs"/>
-              </a:defRPr>
-            </a:lvl1pPr>
-            <a:lvl2pPr marL="685800" indent="-228600" algn="l" defTabSz="914400" rtl="0" eaLnBrk="1" latinLnBrk="0" hangingPunct="1">
-              <a:lnSpc>
-                <a:spcPct val="90000"/>
-              </a:lnSpc>
-              <a:spcBef>
-                <a:spcPts val="500"/>
-              </a:spcBef>
-              <a:buFont typeface="Arial" panose="020B0604020202020204" pitchFamily="34" charset="0"/>
-              <a:buChar char="•"/>
-              <a:defRPr sz="2400" kern="1200">
-                <a:solidFill>
-                  <a:schemeClr val="tx1"/>
-                </a:solidFill>
-                <a:latin typeface="+mn-lt"/>
-                <a:ea typeface="+mn-ea"/>
-                <a:cs typeface="+mn-cs"/>
-              </a:defRPr>
-            </a:lvl2pPr>
-            <a:lvl3pPr marL="1143000" indent="-228600" algn="l" defTabSz="914400" rtl="0" eaLnBrk="1" latinLnBrk="0" hangingPunct="1">
-              <a:lnSpc>
-                <a:spcPct val="90000"/>
-              </a:lnSpc>
-              <a:spcBef>
-                <a:spcPts val="500"/>
-              </a:spcBef>
-              <a:buFont typeface="Arial" panose="020B0604020202020204" pitchFamily="34" charset="0"/>
-              <a:buChar char="•"/>
-              <a:defRPr sz="2000" kern="1200">
-                <a:solidFill>
-                  <a:schemeClr val="tx1"/>
-                </a:solidFill>
-                <a:latin typeface="+mn-lt"/>
-                <a:ea typeface="+mn-ea"/>
-                <a:cs typeface="+mn-cs"/>
-              </a:defRPr>
-            </a:lvl3pPr>
-            <a:lvl4pPr marL="1600200" indent="-228600" algn="l" defTabSz="914400" rtl="0" eaLnBrk="1" latinLnBrk="0" hangingPunct="1">
-              <a:lnSpc>
-                <a:spcPct val="90000"/>
-              </a:lnSpc>
-              <a:spcBef>
-                <a:spcPts val="500"/>
-              </a:spcBef>
-              <a:buFont typeface="Arial" panose="020B0604020202020204" pitchFamily="34" charset="0"/>
-              <a:buChar char="•"/>
-              <a:defRPr sz="1800" kern="1200">
-                <a:solidFill>
-                  <a:schemeClr val="tx1"/>
-                </a:solidFill>
-                <a:latin typeface="+mn-lt"/>
-                <a:ea typeface="+mn-ea"/>
-                <a:cs typeface="+mn-cs"/>
-              </a:defRPr>
-            </a:lvl4pPr>
-            <a:lvl5pPr marL="2057400" indent="-228600" algn="l" defTabSz="914400" rtl="0" eaLnBrk="1" latinLnBrk="0" hangingPunct="1">
-              <a:lnSpc>
-                <a:spcPct val="90000"/>
-              </a:lnSpc>
-              <a:spcBef>
-                <a:spcPts val="500"/>
-              </a:spcBef>
-              <a:buFont typeface="Arial" panose="020B0604020202020204" pitchFamily="34" charset="0"/>
-              <a:buChar char="•"/>
-              <a:defRPr sz="1800" kern="1200">
-                <a:solidFill>
-                  <a:schemeClr val="tx1"/>
-                </a:solidFill>
-                <a:latin typeface="+mn-lt"/>
-                <a:ea typeface="+mn-ea"/>
-                <a:cs typeface="+mn-cs"/>
-              </a:defRPr>
-            </a:lvl5pPr>
-            <a:lvl6pPr marL="2514600" indent="-228600" algn="l" defTabSz="914400" rtl="0" eaLnBrk="1" latinLnBrk="0" hangingPunct="1">
-              <a:lnSpc>
-                <a:spcPct val="90000"/>
-              </a:lnSpc>
-              <a:spcBef>
-                <a:spcPts val="500"/>
-              </a:spcBef>
-              <a:buFont typeface="Arial" panose="020B0604020202020204" pitchFamily="34" charset="0"/>
-              <a:buChar char="•"/>
-              <a:defRPr sz="1800" kern="1200">
-                <a:solidFill>
-                  <a:schemeClr val="tx1"/>
-                </a:solidFill>
-                <a:latin typeface="+mn-lt"/>
-                <a:ea typeface="+mn-ea"/>
-                <a:cs typeface="+mn-cs"/>
-              </a:defRPr>
-            </a:lvl6pPr>
-            <a:lvl7pPr marL="2971800" indent="-228600" algn="l" defTabSz="914400" rtl="0" eaLnBrk="1" latinLnBrk="0" hangingPunct="1">
-              <a:lnSpc>
-                <a:spcPct val="90000"/>
-              </a:lnSpc>
-              <a:spcBef>
-                <a:spcPts val="500"/>
-              </a:spcBef>
-              <a:buFont typeface="Arial" panose="020B0604020202020204" pitchFamily="34" charset="0"/>
-              <a:buChar char="•"/>
-              <a:defRPr sz="1800" kern="1200">
-                <a:solidFill>
-                  <a:schemeClr val="tx1"/>
-                </a:solidFill>
-                <a:latin typeface="+mn-lt"/>
-                <a:ea typeface="+mn-ea"/>
-                <a:cs typeface="+mn-cs"/>
-              </a:defRPr>
-            </a:lvl7pPr>
-            <a:lvl8pPr marL="3429000" indent="-228600" algn="l" defTabSz="914400" rtl="0" eaLnBrk="1" latinLnBrk="0" hangingPunct="1">
-              <a:lnSpc>
-                <a:spcPct val="90000"/>
-              </a:lnSpc>
-              <a:spcBef>
-                <a:spcPts val="500"/>
-              </a:spcBef>
-              <a:buFont typeface="Arial" panose="020B0604020202020204" pitchFamily="34" charset="0"/>
-              <a:buChar char="•"/>
-              <a:defRPr sz="1800" kern="1200">
-                <a:solidFill>
-                  <a:schemeClr val="tx1"/>
-                </a:solidFill>
-                <a:latin typeface="+mn-lt"/>
-                <a:ea typeface="+mn-ea"/>
-                <a:cs typeface="+mn-cs"/>
-              </a:defRPr>
-            </a:lvl8pPr>
-            <a:lvl9pPr marL="3886200" indent="-228600" algn="l" defTabSz="914400" rtl="0" eaLnBrk="1" latinLnBrk="0" hangingPunct="1">
-              <a:lnSpc>
-                <a:spcPct val="90000"/>
-              </a:lnSpc>
-              <a:spcBef>
-                <a:spcPts val="500"/>
-              </a:spcBef>
-              <a:buFont typeface="Arial" panose="020B0604020202020204" pitchFamily="34" charset="0"/>
-              <a:buChar char="•"/>
-              <a:defRPr sz="1800" kern="1200">
-                <a:solidFill>
-                  <a:schemeClr val="tx1"/>
-                </a:solidFill>
-                <a:latin typeface="+mn-lt"/>
-                <a:ea typeface="+mn-ea"/>
-                <a:cs typeface="+mn-cs"/>
-              </a:defRPr>
-            </a:lvl9pPr>
-          </a:lstStyle>
-          <a:p>
-            <a:pPr marL="0" indent="0">
-              <a:buNone/>
-            </a:pPr>
-            <a:endParaRPr lang="pt-BR" sz="1100" dirty="0">
-              <a:latin typeface="Times New Roman" panose="02020603050405020304" pitchFamily="18" charset="0"/>
-              <a:cs typeface="Times New Roman" panose="02020603050405020304" pitchFamily="18" charset="0"/>
-            </a:endParaRPr>
-          </a:p>
-          <a:p>
-            <a:pPr marL="0" indent="0">
-              <a:buNone/>
-            </a:pPr>
-            <a:r>
-              <a:rPr lang="pt-BR" sz="1100" dirty="0">
+          <a:lstStyle/>
+          <a:p>
+            <a:r>
+              <a:rPr lang="pt-BR" dirty="0">
                 <a:latin typeface="Times New Roman" panose="02020603050405020304" pitchFamily="18" charset="0"/>
                 <a:cs typeface="Times New Roman" panose="02020603050405020304" pitchFamily="18" charset="0"/>
               </a:rPr>
-              <a:t>Resultado Esperado:</a:t>
-            </a:r>
-          </a:p>
-          <a:p>
-            <a:pPr marL="0" indent="0">
-              <a:buNone/>
-            </a:pPr>
-            <a:r>
-              <a:rPr lang="pt-BR" sz="1100" dirty="0">
+              <a:t>A parte de resumo do pedido mostra a quantidade, os produtos selecionados, o preço de cada item e o total do pedido, além </a:t>
+            </a:r>
+            <a:r>
+              <a:rPr lang="pt-BR" dirty="0" smtClean="0">
                 <a:latin typeface="Times New Roman" panose="02020603050405020304" pitchFamily="18" charset="0"/>
                 <a:cs typeface="Times New Roman" panose="02020603050405020304" pitchFamily="18" charset="0"/>
               </a:rPr>
-              <a:t>O cliente deve ser redirecionado para tela de finalizar pedido onde contém os campos vazios “empresa, Nome e endereço” também deve conter o resumo do pedido com os produtos selecionados sua quantidade e seu preço total, com botões para voltar as categorias, adicionar um novo item e uma forma de pagamento, contem também o “botão de finalizar pedido”</a:t>
-            </a:r>
-          </a:p>
-          <a:p>
-            <a:pPr marL="0" indent="0">
-              <a:buNone/>
-            </a:pPr>
-            <a:endParaRPr lang="pt-BR" sz="1100" dirty="0">
-              <a:latin typeface="Times New Roman" panose="02020603050405020304" pitchFamily="18" charset="0"/>
-              <a:cs typeface="Times New Roman" panose="02020603050405020304" pitchFamily="18" charset="0"/>
-            </a:endParaRPr>
-          </a:p>
-          <a:p>
-            <a:pPr marL="0" indent="0">
-              <a:buNone/>
-            </a:pPr>
-            <a:r>
-              <a:rPr lang="pt-BR" sz="1100" dirty="0">
+              <a:t>disso, a </a:t>
+            </a:r>
+            <a:r>
+              <a:rPr lang="pt-BR" dirty="0">
                 <a:latin typeface="Times New Roman" panose="02020603050405020304" pitchFamily="18" charset="0"/>
                 <a:cs typeface="Times New Roman" panose="02020603050405020304" pitchFamily="18" charset="0"/>
               </a:rPr>
-              <a:t>Critérios de sucesso:</a:t>
-            </a:r>
-          </a:p>
-          <a:p>
-            <a:pPr marL="0" indent="0">
-              <a:buNone/>
-            </a:pPr>
-            <a:r>
-              <a:rPr lang="pt-BR" sz="1100" dirty="0">
-                <a:latin typeface="Times New Roman" panose="02020603050405020304" pitchFamily="18" charset="0"/>
-                <a:cs typeface="Times New Roman" panose="02020603050405020304" pitchFamily="18" charset="0"/>
-              </a:rPr>
-              <a:t>O cliente deve ser capaz de adicionar pedido ao carrinho e ser redirecionado a tela “finalizar pedido” </a:t>
-            </a:r>
-          </a:p>
-          <a:p>
-            <a:pPr marL="0" indent="0">
-              <a:buNone/>
-            </a:pPr>
-            <a:r>
-              <a:rPr lang="pt-BR" sz="1100" dirty="0">
-                <a:latin typeface="Times New Roman" panose="02020603050405020304" pitchFamily="18" charset="0"/>
-                <a:cs typeface="Times New Roman" panose="02020603050405020304" pitchFamily="18" charset="0"/>
-              </a:rPr>
-              <a:t>Notas de teste:</a:t>
-            </a:r>
-          </a:p>
-          <a:p>
-            <a:pPr marL="0" indent="0">
-              <a:buNone/>
-            </a:pPr>
-            <a:r>
-              <a:rPr lang="pt-BR" sz="1100" dirty="0">
-                <a:latin typeface="Times New Roman" panose="02020603050405020304" pitchFamily="18" charset="0"/>
-                <a:cs typeface="Times New Roman" panose="02020603050405020304" pitchFamily="18" charset="0"/>
-              </a:rPr>
-              <a:t>Durante a execução do teste, nenhum comportamento anormal ou inesperado foi detectado.</a:t>
-            </a:r>
-          </a:p>
-          <a:p>
-            <a:pPr marL="0" indent="0">
-              <a:buNone/>
-            </a:pPr>
-            <a:r>
-              <a:rPr lang="pt-BR" sz="1100" dirty="0">
-                <a:latin typeface="Times New Roman" panose="02020603050405020304" pitchFamily="18" charset="0"/>
-                <a:cs typeface="Times New Roman" panose="02020603050405020304" pitchFamily="18" charset="0"/>
-              </a:rPr>
-              <a:t>Teste realizado em 05/05/23 as 14:30 PM</a:t>
-            </a:r>
-          </a:p>
-          <a:p>
-            <a:pPr marL="0" indent="0">
-              <a:buFont typeface="Arial" panose="020B0604020202020204" pitchFamily="34" charset="0"/>
-              <a:buNone/>
-            </a:pPr>
-            <a:endParaRPr lang="pt-BR" sz="1000" dirty="0">
-              <a:latin typeface="Times New Roman" panose="02020603050405020304" pitchFamily="18" charset="0"/>
-              <a:cs typeface="Times New Roman" panose="02020603050405020304" pitchFamily="18" charset="0"/>
-            </a:endParaRPr>
+              <a:t>caixa de Observação que facilita a comunicação entre o estabelecimento e o cliente.</a:t>
+            </a:r>
           </a:p>
         </p:txBody>
       </p:sp>
     </p:spTree>
     <p:extLst>
       <p:ext uri="{BB962C8B-B14F-4D97-AF65-F5344CB8AC3E}">
-        <p14:creationId xmlns:p14="http://schemas.microsoft.com/office/powerpoint/2010/main" val="4228905998"/>
+        <p14:creationId xmlns:p14="http://schemas.microsoft.com/office/powerpoint/2010/main" val="2066607591"/>
       </p:ext>
     </p:extLst>
   </p:cSld>
@@ -7208,9 +6360,43 @@
           <a:chExt cx="0" cy="0"/>
         </a:xfrm>
       </p:grpSpPr>
+      <p:sp>
+        <p:nvSpPr>
+          <p:cNvPr id="2" name="Título 1"/>
+          <p:cNvSpPr>
+            <a:spLocks noGrp="1"/>
+          </p:cNvSpPr>
+          <p:nvPr>
+            <p:ph type="title"/>
+          </p:nvPr>
+        </p:nvSpPr>
+        <p:spPr>
+          <a:xfrm>
+            <a:off x="197069" y="70652"/>
+            <a:ext cx="10515600" cy="1325563"/>
+          </a:xfrm>
+        </p:spPr>
+        <p:txBody>
+          <a:bodyPr/>
+          <a:lstStyle/>
+          <a:p>
+            <a:r>
+              <a:rPr lang="pt-BR" dirty="0" smtClean="0">
+                <a:latin typeface="Times New Roman" panose="02020603050405020304" pitchFamily="18" charset="0"/>
+                <a:cs typeface="Times New Roman" panose="02020603050405020304" pitchFamily="18" charset="0"/>
+              </a:rPr>
+              <a:t>RN n.8 Botão De Remover Item “X”</a:t>
+            </a:r>
+            <a:endParaRPr lang="pt-BR" dirty="0">
+              <a:latin typeface="Times New Roman" panose="02020603050405020304" pitchFamily="18" charset="0"/>
+              <a:cs typeface="Times New Roman" panose="02020603050405020304" pitchFamily="18" charset="0"/>
+            </a:endParaRPr>
+          </a:p>
+        </p:txBody>
+      </p:sp>
       <p:pic>
         <p:nvPicPr>
-          <p:cNvPr id="4" name="Imagem 3"/>
+          <p:cNvPr id="3" name="Imagem 2"/>
           <p:cNvPicPr>
             <a:picLocks noChangeAspect="1"/>
           </p:cNvPicPr>
@@ -7224,52 +6410,24 @@
         </p:blipFill>
         <p:spPr>
           <a:xfrm>
-            <a:off x="1120462" y="857703"/>
-            <a:ext cx="3016658" cy="5637689"/>
+            <a:off x="529869" y="1050817"/>
+            <a:ext cx="2758805" cy="5717845"/>
           </a:xfrm>
           <a:prstGeom prst="rect">
             <a:avLst/>
           </a:prstGeom>
         </p:spPr>
       </p:pic>
-      <p:sp>
-        <p:nvSpPr>
-          <p:cNvPr id="2" name="Título 1"/>
-          <p:cNvSpPr>
-            <a:spLocks noGrp="1"/>
-          </p:cNvSpPr>
-          <p:nvPr>
-            <p:ph type="title"/>
-          </p:nvPr>
-        </p:nvSpPr>
-        <p:spPr>
-          <a:xfrm>
-            <a:off x="160320" y="0"/>
-            <a:ext cx="10515600" cy="1325563"/>
-          </a:xfrm>
-        </p:spPr>
-        <p:txBody>
-          <a:bodyPr/>
-          <a:lstStyle/>
-          <a:p>
-            <a:r>
-              <a:rPr lang="pt-BR" dirty="0" smtClean="0"/>
-              <a:t>RN n.6 Informações do Cliente</a:t>
-            </a:r>
-            <a:endParaRPr lang="pt-BR" dirty="0"/>
-          </a:p>
-        </p:txBody>
-      </p:sp>
       <p:cxnSp>
         <p:nvCxnSpPr>
-          <p:cNvPr id="20" name="Conector de Seta Reta 19"/>
+          <p:cNvPr id="6" name="Conector de Seta Reta 5"/>
           <p:cNvCxnSpPr/>
           <p:nvPr/>
         </p:nvCxnSpPr>
         <p:spPr>
-          <a:xfrm flipH="1" flipV="1">
-            <a:off x="3432229" y="2987225"/>
-            <a:ext cx="763300" cy="575022"/>
+          <a:xfrm flipH="1">
+            <a:off x="3016469" y="3773214"/>
+            <a:ext cx="903890" cy="388883"/>
           </a:xfrm>
           <a:prstGeom prst="straightConnector1">
             <a:avLst/>
@@ -7295,47 +6453,14 @@
       </p:cxnSp>
       <p:cxnSp>
         <p:nvCxnSpPr>
-          <p:cNvPr id="5" name="Conector de Seta Reta 4"/>
+          <p:cNvPr id="8" name="Conector de Seta Reta 7"/>
           <p:cNvCxnSpPr/>
           <p:nvPr/>
         </p:nvCxnSpPr>
         <p:spPr>
-          <a:xfrm flipH="1">
-            <a:off x="3490639" y="2597045"/>
-            <a:ext cx="802933" cy="0"/>
-          </a:xfrm>
-          <a:prstGeom prst="straightConnector1">
-            <a:avLst/>
-          </a:prstGeom>
-          <a:ln>
-            <a:tailEnd type="triangle"/>
-          </a:ln>
-        </p:spPr>
-        <p:style>
-          <a:lnRef idx="1">
-            <a:schemeClr val="accent2"/>
-          </a:lnRef>
-          <a:fillRef idx="0">
-            <a:schemeClr val="accent2"/>
-          </a:fillRef>
-          <a:effectRef idx="0">
-            <a:schemeClr val="accent2"/>
-          </a:effectRef>
-          <a:fontRef idx="minor">
-            <a:schemeClr val="tx1"/>
-          </a:fontRef>
-        </p:style>
-      </p:cxnSp>
-      <p:cxnSp>
-        <p:nvCxnSpPr>
-          <p:cNvPr id="12" name="Conector de Seta Reta 11"/>
-          <p:cNvCxnSpPr/>
-          <p:nvPr/>
-        </p:nvCxnSpPr>
-        <p:spPr>
-          <a:xfrm flipH="1">
-            <a:off x="3490639" y="2061668"/>
-            <a:ext cx="646481" cy="219432"/>
+          <a:xfrm flipH="1" flipV="1">
+            <a:off x="3026979" y="4393324"/>
+            <a:ext cx="840828" cy="641131"/>
           </a:xfrm>
           <a:prstGeom prst="straightConnector1">
             <a:avLst/>
@@ -7361,14 +6486,14 @@
       </p:cxnSp>
       <p:sp>
         <p:nvSpPr>
-          <p:cNvPr id="15" name="CaixaDeTexto 14"/>
+          <p:cNvPr id="9" name="CaixaDeTexto 8"/>
           <p:cNvSpPr txBox="1"/>
           <p:nvPr/>
         </p:nvSpPr>
         <p:spPr>
           <a:xfrm>
-            <a:off x="5289645" y="1600003"/>
-            <a:ext cx="5073555" cy="923330"/>
+            <a:off x="4567076" y="1743056"/>
+            <a:ext cx="4639986" cy="923330"/>
           </a:xfrm>
           <a:prstGeom prst="rect">
             <a:avLst/>
@@ -7383,7 +6508,7 @@
           <a:p>
             <a:r>
               <a:rPr lang="pt-BR" dirty="0" smtClean="0"/>
-              <a:t>Tela Exibida após adicionar um produto ao carrinho, possibilita o cliente a adicionar seus dados pessoais, antes de finalizar o pedido. </a:t>
+              <a:t>O cliente deve ser capaz de clicar no botão “X” e ao clicar, o produto ao lado do botão será excluído do carrinho.</a:t>
             </a:r>
             <a:endParaRPr lang="pt-BR" dirty="0"/>
           </a:p>
@@ -7392,7 +6517,7 @@
     </p:spTree>
     <p:extLst>
       <p:ext uri="{BB962C8B-B14F-4D97-AF65-F5344CB8AC3E}">
-        <p14:creationId xmlns:p14="http://schemas.microsoft.com/office/powerpoint/2010/main" val="634971598"/>
+        <p14:creationId xmlns:p14="http://schemas.microsoft.com/office/powerpoint/2010/main" val="1976072078"/>
       </p:ext>
     </p:extLst>
   </p:cSld>
@@ -7426,6 +6551,53 @@
           <a:chExt cx="0" cy="0"/>
         </a:xfrm>
       </p:grpSpPr>
+      <p:sp>
+        <p:nvSpPr>
+          <p:cNvPr id="2" name="Título 1"/>
+          <p:cNvSpPr>
+            <a:spLocks noGrp="1"/>
+          </p:cNvSpPr>
+          <p:nvPr>
+            <p:ph type="title"/>
+          </p:nvPr>
+        </p:nvSpPr>
+        <p:spPr>
+          <a:xfrm>
+            <a:off x="186559" y="91856"/>
+            <a:ext cx="10515600" cy="1325563"/>
+          </a:xfrm>
+        </p:spPr>
+        <p:txBody>
+          <a:bodyPr/>
+          <a:lstStyle/>
+          <a:p>
+            <a:r>
+              <a:rPr lang="pt-BR" dirty="0" smtClean="0">
+                <a:latin typeface="Times New Roman" panose="02020603050405020304" pitchFamily="18" charset="0"/>
+                <a:cs typeface="Times New Roman" panose="02020603050405020304" pitchFamily="18" charset="0"/>
+              </a:rPr>
+              <a:t>RN n.9 “Forma de Pagamento”</a:t>
+            </a:r>
+            <a:r>
+              <a:rPr lang="pt-BR" dirty="0">
+                <a:latin typeface="Times New Roman" panose="02020603050405020304" pitchFamily="18" charset="0"/>
+                <a:cs typeface="Times New Roman" panose="02020603050405020304" pitchFamily="18" charset="0"/>
+              </a:rPr>
+              <a:t/>
+            </a:r>
+            <a:br>
+              <a:rPr lang="pt-BR" dirty="0">
+                <a:latin typeface="Times New Roman" panose="02020603050405020304" pitchFamily="18" charset="0"/>
+                <a:cs typeface="Times New Roman" panose="02020603050405020304" pitchFamily="18" charset="0"/>
+              </a:rPr>
+            </a:br>
+            <a:endParaRPr lang="pt-BR" dirty="0">
+              <a:latin typeface="Times New Roman" panose="02020603050405020304" pitchFamily="18" charset="0"/>
+              <a:cs typeface="Times New Roman" panose="02020603050405020304" pitchFamily="18" charset="0"/>
+            </a:endParaRPr>
+          </a:p>
+        </p:txBody>
+      </p:sp>
       <p:pic>
         <p:nvPicPr>
           <p:cNvPr id="3" name="Imagem 2"/>
@@ -7442,66 +6614,24 @@
         </p:blipFill>
         <p:spPr>
           <a:xfrm>
-            <a:off x="1370286" y="1027906"/>
-            <a:ext cx="2812831" cy="5632911"/>
+            <a:off x="666816" y="754636"/>
+            <a:ext cx="3043335" cy="6001705"/>
           </a:xfrm>
           <a:prstGeom prst="rect">
             <a:avLst/>
           </a:prstGeom>
         </p:spPr>
       </p:pic>
-      <p:sp>
-        <p:nvSpPr>
-          <p:cNvPr id="2" name="Título 1"/>
-          <p:cNvSpPr>
-            <a:spLocks noGrp="1"/>
-          </p:cNvSpPr>
-          <p:nvPr>
-            <p:ph type="title"/>
-          </p:nvPr>
-        </p:nvSpPr>
-        <p:spPr/>
-        <p:txBody>
-          <a:bodyPr/>
-          <a:lstStyle/>
-          <a:p>
-            <a:r>
-              <a:rPr lang="pt-BR" dirty="0" smtClean="0">
-                <a:latin typeface="Times New Roman" panose="02020603050405020304" pitchFamily="18" charset="0"/>
-                <a:cs typeface="Times New Roman" panose="02020603050405020304" pitchFamily="18" charset="0"/>
-              </a:rPr>
-              <a:t>RN n.7 </a:t>
-            </a:r>
-            <a:r>
-              <a:rPr lang="pt-BR" dirty="0">
-                <a:latin typeface="Times New Roman" panose="02020603050405020304" pitchFamily="18" charset="0"/>
-                <a:cs typeface="Times New Roman" panose="02020603050405020304" pitchFamily="18" charset="0"/>
-              </a:rPr>
-              <a:t>Resumo do pedido</a:t>
-            </a:r>
-            <a:br>
-              <a:rPr lang="pt-BR" dirty="0">
-                <a:latin typeface="Times New Roman" panose="02020603050405020304" pitchFamily="18" charset="0"/>
-                <a:cs typeface="Times New Roman" panose="02020603050405020304" pitchFamily="18" charset="0"/>
-              </a:rPr>
-            </a:br>
-            <a:endParaRPr lang="pt-BR" dirty="0">
-              <a:latin typeface="Times New Roman" panose="02020603050405020304" pitchFamily="18" charset="0"/>
-              <a:cs typeface="Times New Roman" panose="02020603050405020304" pitchFamily="18" charset="0"/>
-            </a:endParaRPr>
-          </a:p>
-        </p:txBody>
-      </p:sp>
       <p:cxnSp>
         <p:nvCxnSpPr>
-          <p:cNvPr id="6" name="Conector de Seta Reta 5"/>
+          <p:cNvPr id="7" name="Conector de Seta Reta 6"/>
           <p:cNvCxnSpPr/>
           <p:nvPr/>
         </p:nvCxnSpPr>
         <p:spPr>
-          <a:xfrm>
-            <a:off x="1545021" y="3226676"/>
-            <a:ext cx="231227" cy="262758"/>
+          <a:xfrm flipH="1">
+            <a:off x="3331779" y="5644055"/>
+            <a:ext cx="861849" cy="0"/>
           </a:xfrm>
           <a:prstGeom prst="straightConnector1">
             <a:avLst/>
@@ -7511,46 +6641,13 @@
           </a:ln>
         </p:spPr>
         <p:style>
-          <a:lnRef idx="3">
+          <a:lnRef idx="1">
             <a:schemeClr val="accent2"/>
           </a:lnRef>
           <a:fillRef idx="0">
             <a:schemeClr val="accent2"/>
           </a:fillRef>
-          <a:effectRef idx="2">
-            <a:schemeClr val="accent2"/>
-          </a:effectRef>
-          <a:fontRef idx="minor">
-            <a:schemeClr val="tx1"/>
-          </a:fontRef>
-        </p:style>
-      </p:cxnSp>
-      <p:cxnSp>
-        <p:nvCxnSpPr>
-          <p:cNvPr id="7" name="Conector de Seta Reta 6"/>
-          <p:cNvCxnSpPr/>
-          <p:nvPr/>
-        </p:nvCxnSpPr>
-        <p:spPr>
-          <a:xfrm flipH="1">
-            <a:off x="3368566" y="3520965"/>
-            <a:ext cx="446689" cy="423243"/>
-          </a:xfrm>
-          <a:prstGeom prst="straightConnector1">
-            <a:avLst/>
-          </a:prstGeom>
-          <a:ln>
-            <a:tailEnd type="triangle"/>
-          </a:ln>
-        </p:spPr>
-        <p:style>
-          <a:lnRef idx="3">
-            <a:schemeClr val="accent2"/>
-          </a:lnRef>
-          <a:fillRef idx="0">
-            <a:schemeClr val="accent2"/>
-          </a:fillRef>
-          <a:effectRef idx="2">
+          <a:effectRef idx="0">
             <a:schemeClr val="accent2"/>
           </a:effectRef>
           <a:fontRef idx="minor">
@@ -7566,8 +6663,8 @@
         </p:nvCxnSpPr>
         <p:spPr>
           <a:xfrm flipV="1">
-            <a:off x="1457653" y="4309242"/>
-            <a:ext cx="405962" cy="357353"/>
+            <a:off x="1870841" y="5812221"/>
+            <a:ext cx="252249" cy="693682"/>
           </a:xfrm>
           <a:prstGeom prst="straightConnector1">
             <a:avLst/>
@@ -7577,13 +6674,13 @@
           </a:ln>
         </p:spPr>
         <p:style>
-          <a:lnRef idx="3">
+          <a:lnRef idx="1">
             <a:schemeClr val="accent2"/>
           </a:lnRef>
           <a:fillRef idx="0">
             <a:schemeClr val="accent2"/>
           </a:fillRef>
-          <a:effectRef idx="2">
+          <a:effectRef idx="0">
             <a:schemeClr val="accent2"/>
           </a:effectRef>
           <a:fontRef idx="minor">
@@ -7593,53 +6690,38 @@
       </p:cxnSp>
       <p:sp>
         <p:nvSpPr>
-          <p:cNvPr id="15" name="Retângulo 14"/>
-          <p:cNvSpPr/>
+          <p:cNvPr id="10" name="CaixaDeTexto 9"/>
+          <p:cNvSpPr txBox="1"/>
           <p:nvPr/>
         </p:nvSpPr>
         <p:spPr>
           <a:xfrm>
-            <a:off x="5121479" y="1690688"/>
-            <a:ext cx="6096000" cy="1200329"/>
+            <a:off x="4487918" y="1417419"/>
+            <a:ext cx="4887310" cy="646331"/>
           </a:xfrm>
           <a:prstGeom prst="rect">
             <a:avLst/>
           </a:prstGeom>
+          <a:noFill/>
         </p:spPr>
         <p:txBody>
-          <a:bodyPr>
+          <a:bodyPr wrap="square" rtlCol="0">
             <a:spAutoFit/>
           </a:bodyPr>
           <a:lstStyle/>
           <a:p>
             <a:r>
-              <a:rPr lang="pt-BR" dirty="0">
-                <a:latin typeface="Times New Roman" panose="02020603050405020304" pitchFamily="18" charset="0"/>
-                <a:cs typeface="Times New Roman" panose="02020603050405020304" pitchFamily="18" charset="0"/>
-              </a:rPr>
-              <a:t>A parte de resumo do pedido mostra a quantidade, os produtos selecionados, o preço de cada item e o total do pedido, além </a:t>
-            </a:r>
-            <a:r>
-              <a:rPr lang="pt-BR" dirty="0" smtClean="0">
-                <a:latin typeface="Times New Roman" panose="02020603050405020304" pitchFamily="18" charset="0"/>
-                <a:cs typeface="Times New Roman" panose="02020603050405020304" pitchFamily="18" charset="0"/>
-              </a:rPr>
-              <a:t>disso, a </a:t>
-            </a:r>
-            <a:r>
-              <a:rPr lang="pt-BR" dirty="0">
-                <a:latin typeface="Times New Roman" panose="02020603050405020304" pitchFamily="18" charset="0"/>
-                <a:cs typeface="Times New Roman" panose="02020603050405020304" pitchFamily="18" charset="0"/>
-              </a:rPr>
-              <a:t>caixa de Observação que facilita a comunicação entre o estabelecimento e o cliente.</a:t>
-            </a:r>
+              <a:rPr lang="pt-BR" dirty="0" smtClean="0"/>
+              <a:t>O cliente deve ser capaz de selecionar a Forma de pagamento desejada para finalizar o pedido.</a:t>
+            </a:r>
+            <a:endParaRPr lang="pt-BR" dirty="0"/>
           </a:p>
         </p:txBody>
       </p:sp>
     </p:spTree>
     <p:extLst>
       <p:ext uri="{BB962C8B-B14F-4D97-AF65-F5344CB8AC3E}">
-        <p14:creationId xmlns:p14="http://schemas.microsoft.com/office/powerpoint/2010/main" val="2066607591"/>
+        <p14:creationId xmlns:p14="http://schemas.microsoft.com/office/powerpoint/2010/main" val="3703948991"/>
       </p:ext>
     </p:extLst>
   </p:cSld>
@@ -8269,7 +7351,7 @@
         </p:nvSpPr>
         <p:spPr>
           <a:xfrm>
-            <a:off x="197069" y="70652"/>
+            <a:off x="186559" y="91856"/>
             <a:ext cx="10515600" cy="1325563"/>
           </a:xfrm>
         </p:spPr>
@@ -8282,8 +7364,21 @@
                 <a:latin typeface="Times New Roman" panose="02020603050405020304" pitchFamily="18" charset="0"/>
                 <a:cs typeface="Times New Roman" panose="02020603050405020304" pitchFamily="18" charset="0"/>
               </a:rPr>
-              <a:t>RN n.8 Botão De Remover Item “X”</a:t>
-            </a:r>
+              <a:t>RN n.10 “Adicionar item”</a:t>
+            </a:r>
+            <a:r>
+              <a:rPr lang="pt-BR" dirty="0">
+                <a:latin typeface="Times New Roman" panose="02020603050405020304" pitchFamily="18" charset="0"/>
+                <a:cs typeface="Times New Roman" panose="02020603050405020304" pitchFamily="18" charset="0"/>
+              </a:rPr>
+              <a:t/>
+            </a:r>
+            <a:br>
+              <a:rPr lang="pt-BR" dirty="0">
+                <a:latin typeface="Times New Roman" panose="02020603050405020304" pitchFamily="18" charset="0"/>
+                <a:cs typeface="Times New Roman" panose="02020603050405020304" pitchFamily="18" charset="0"/>
+              </a:rPr>
+            </a:br>
             <a:endParaRPr lang="pt-BR" dirty="0">
               <a:latin typeface="Times New Roman" panose="02020603050405020304" pitchFamily="18" charset="0"/>
               <a:cs typeface="Times New Roman" panose="02020603050405020304" pitchFamily="18" charset="0"/>
@@ -8307,8 +7402,8 @@
         </p:blipFill>
         <p:spPr>
           <a:xfrm>
-            <a:off x="529869" y="1050817"/>
-            <a:ext cx="2758805" cy="5717845"/>
+            <a:off x="666816" y="754636"/>
+            <a:ext cx="3043335" cy="6001705"/>
           </a:xfrm>
           <a:prstGeom prst="rect">
             <a:avLst/>
@@ -8317,14 +7412,14 @@
       </p:pic>
       <p:cxnSp>
         <p:nvCxnSpPr>
-          <p:cNvPr id="6" name="Conector de Seta Reta 5"/>
+          <p:cNvPr id="7" name="Conector de Seta Reta 6"/>
           <p:cNvCxnSpPr/>
           <p:nvPr/>
         </p:nvCxnSpPr>
         <p:spPr>
           <a:xfrm flipH="1">
-            <a:off x="3016469" y="3773214"/>
-            <a:ext cx="903890" cy="388883"/>
+            <a:off x="3499945" y="6579476"/>
+            <a:ext cx="861849" cy="0"/>
           </a:xfrm>
           <a:prstGeom prst="straightConnector1">
             <a:avLst/>
@@ -8350,14 +7445,14 @@
       </p:cxnSp>
       <p:cxnSp>
         <p:nvCxnSpPr>
-          <p:cNvPr id="8" name="Conector de Seta Reta 7"/>
+          <p:cNvPr id="9" name="Conector de Seta Reta 8"/>
           <p:cNvCxnSpPr/>
           <p:nvPr/>
         </p:nvCxnSpPr>
         <p:spPr>
-          <a:xfrm flipH="1" flipV="1">
-            <a:off x="3026979" y="4393324"/>
-            <a:ext cx="840828" cy="641131"/>
+          <a:xfrm>
+            <a:off x="1599903" y="5896303"/>
+            <a:ext cx="588580" cy="493987"/>
           </a:xfrm>
           <a:prstGeom prst="straightConnector1">
             <a:avLst/>
@@ -8383,14 +7478,14 @@
       </p:cxnSp>
       <p:sp>
         <p:nvSpPr>
-          <p:cNvPr id="9" name="CaixaDeTexto 8"/>
+          <p:cNvPr id="10" name="CaixaDeTexto 9"/>
           <p:cNvSpPr txBox="1"/>
           <p:nvPr/>
         </p:nvSpPr>
         <p:spPr>
           <a:xfrm>
-            <a:off x="4567076" y="1743056"/>
-            <a:ext cx="4639986" cy="923330"/>
+            <a:off x="4487918" y="1417419"/>
+            <a:ext cx="5885792" cy="646331"/>
           </a:xfrm>
           <a:prstGeom prst="rect">
             <a:avLst/>
@@ -8405,7 +7500,7 @@
           <a:p>
             <a:r>
               <a:rPr lang="pt-BR" dirty="0" smtClean="0"/>
-              <a:t>O cliente deve ser capaz de clicar no botão “X” e ao clicar, o produto ao lado do botão será excluído do carrinho.</a:t>
+              <a:t>O cliente deve ser capaz de adicionar mais produtos ao carrinho de compras antes de finalizar o pedido.</a:t>
             </a:r>
             <a:endParaRPr lang="pt-BR" dirty="0"/>
           </a:p>
@@ -8414,7 +7509,7 @@
     </p:spTree>
     <p:extLst>
       <p:ext uri="{BB962C8B-B14F-4D97-AF65-F5344CB8AC3E}">
-        <p14:creationId xmlns:p14="http://schemas.microsoft.com/office/powerpoint/2010/main" val="1976072078"/>
+        <p14:creationId xmlns:p14="http://schemas.microsoft.com/office/powerpoint/2010/main" val="3268443779"/>
       </p:ext>
     </p:extLst>
   </p:cSld>
@@ -8458,12 +7553,7 @@
             <p:ph type="title"/>
           </p:nvPr>
         </p:nvSpPr>
-        <p:spPr>
-          <a:xfrm>
-            <a:off x="186559" y="91856"/>
-            <a:ext cx="10515600" cy="1325563"/>
-          </a:xfrm>
-        </p:spPr>
+        <p:spPr/>
         <p:txBody>
           <a:bodyPr/>
           <a:lstStyle/>
@@ -8473,14 +7563,14 @@
                 <a:latin typeface="Times New Roman" panose="02020603050405020304" pitchFamily="18" charset="0"/>
                 <a:cs typeface="Times New Roman" panose="02020603050405020304" pitchFamily="18" charset="0"/>
               </a:rPr>
-              <a:t>RN n.9 “Forma de Pagamento”</a:t>
+              <a:t>RN n.11 </a:t>
             </a:r>
             <a:r>
               <a:rPr lang="pt-BR" dirty="0">
                 <a:latin typeface="Times New Roman" panose="02020603050405020304" pitchFamily="18" charset="0"/>
                 <a:cs typeface="Times New Roman" panose="02020603050405020304" pitchFamily="18" charset="0"/>
               </a:rPr>
-              <a:t/>
+              <a:t>Botão “Finalizar pedido”</a:t>
             </a:r>
             <a:br>
               <a:rPr lang="pt-BR" dirty="0">
@@ -8511,8 +7601,8 @@
         </p:blipFill>
         <p:spPr>
           <a:xfrm>
-            <a:off x="666816" y="754636"/>
-            <a:ext cx="3043335" cy="6001705"/>
+            <a:off x="838200" y="1135626"/>
+            <a:ext cx="2808890" cy="5539358"/>
           </a:xfrm>
           <a:prstGeom prst="rect">
             <a:avLst/>
@@ -8526,9 +7616,9 @@
           <p:nvPr/>
         </p:nvCxnSpPr>
         <p:spPr>
-          <a:xfrm flipH="1">
-            <a:off x="3331779" y="5644055"/>
-            <a:ext cx="861849" cy="0"/>
+          <a:xfrm>
+            <a:off x="493986" y="5749159"/>
+            <a:ext cx="525517" cy="620110"/>
           </a:xfrm>
           <a:prstGeom prst="straightConnector1">
             <a:avLst/>
@@ -8559,9 +7649,9 @@
           <p:nvPr/>
         </p:nvCxnSpPr>
         <p:spPr>
-          <a:xfrm flipV="1">
-            <a:off x="1870841" y="5812221"/>
-            <a:ext cx="252249" cy="693682"/>
+          <a:xfrm>
+            <a:off x="1345324" y="5707117"/>
+            <a:ext cx="42042" cy="609600"/>
           </a:xfrm>
           <a:prstGeom prst="straightConnector1">
             <a:avLst/>
@@ -8593,409 +7683,6 @@
         </p:nvSpPr>
         <p:spPr>
           <a:xfrm>
-            <a:off x="4487918" y="1417419"/>
-            <a:ext cx="4887310" cy="646331"/>
-          </a:xfrm>
-          <a:prstGeom prst="rect">
-            <a:avLst/>
-          </a:prstGeom>
-          <a:noFill/>
-        </p:spPr>
-        <p:txBody>
-          <a:bodyPr wrap="square" rtlCol="0">
-            <a:spAutoFit/>
-          </a:bodyPr>
-          <a:lstStyle/>
-          <a:p>
-            <a:r>
-              <a:rPr lang="pt-BR" dirty="0" smtClean="0"/>
-              <a:t>O cliente deve ser capaz de selecionar a Forma de pagamento desejada para finalizar o pedido.</a:t>
-            </a:r>
-            <a:endParaRPr lang="pt-BR" dirty="0"/>
-          </a:p>
-        </p:txBody>
-      </p:sp>
-    </p:spTree>
-    <p:extLst>
-      <p:ext uri="{BB962C8B-B14F-4D97-AF65-F5344CB8AC3E}">
-        <p14:creationId xmlns:p14="http://schemas.microsoft.com/office/powerpoint/2010/main" val="3703948991"/>
-      </p:ext>
-    </p:extLst>
-  </p:cSld>
-  <p:clrMapOvr>
-    <a:masterClrMapping/>
-  </p:clrMapOvr>
-  <p:timing>
-    <p:tnLst>
-      <p:par>
-        <p:cTn id="1" dur="indefinite" restart="never" nodeType="tmRoot"/>
-      </p:par>
-    </p:tnLst>
-  </p:timing>
-</p:sld>
-</file>
-
-<file path=ppt/slides/slide22.xml><?xml version="1.0" encoding="utf-8"?>
-<p:sld xmlns:a="http://schemas.openxmlformats.org/drawingml/2006/main" xmlns:r="http://schemas.openxmlformats.org/officeDocument/2006/relationships" xmlns:p="http://schemas.openxmlformats.org/presentationml/2006/main">
-  <p:cSld>
-    <p:spTree>
-      <p:nvGrpSpPr>
-        <p:cNvPr id="1" name=""/>
-        <p:cNvGrpSpPr/>
-        <p:nvPr/>
-      </p:nvGrpSpPr>
-      <p:grpSpPr>
-        <a:xfrm>
-          <a:off x="0" y="0"/>
-          <a:ext cx="0" cy="0"/>
-          <a:chOff x="0" y="0"/>
-          <a:chExt cx="0" cy="0"/>
-        </a:xfrm>
-      </p:grpSpPr>
-      <p:sp>
-        <p:nvSpPr>
-          <p:cNvPr id="2" name="Título 1"/>
-          <p:cNvSpPr>
-            <a:spLocks noGrp="1"/>
-          </p:cNvSpPr>
-          <p:nvPr>
-            <p:ph type="title"/>
-          </p:nvPr>
-        </p:nvSpPr>
-        <p:spPr>
-          <a:xfrm>
-            <a:off x="186559" y="91856"/>
-            <a:ext cx="10515600" cy="1325563"/>
-          </a:xfrm>
-        </p:spPr>
-        <p:txBody>
-          <a:bodyPr/>
-          <a:lstStyle/>
-          <a:p>
-            <a:r>
-              <a:rPr lang="pt-BR" dirty="0" smtClean="0">
-                <a:latin typeface="Times New Roman" panose="02020603050405020304" pitchFamily="18" charset="0"/>
-                <a:cs typeface="Times New Roman" panose="02020603050405020304" pitchFamily="18" charset="0"/>
-              </a:rPr>
-              <a:t>RN n.10 “Adicionar item”</a:t>
-            </a:r>
-            <a:r>
-              <a:rPr lang="pt-BR" dirty="0">
-                <a:latin typeface="Times New Roman" panose="02020603050405020304" pitchFamily="18" charset="0"/>
-                <a:cs typeface="Times New Roman" panose="02020603050405020304" pitchFamily="18" charset="0"/>
-              </a:rPr>
-              <a:t/>
-            </a:r>
-            <a:br>
-              <a:rPr lang="pt-BR" dirty="0">
-                <a:latin typeface="Times New Roman" panose="02020603050405020304" pitchFamily="18" charset="0"/>
-                <a:cs typeface="Times New Roman" panose="02020603050405020304" pitchFamily="18" charset="0"/>
-              </a:rPr>
-            </a:br>
-            <a:endParaRPr lang="pt-BR" dirty="0">
-              <a:latin typeface="Times New Roman" panose="02020603050405020304" pitchFamily="18" charset="0"/>
-              <a:cs typeface="Times New Roman" panose="02020603050405020304" pitchFamily="18" charset="0"/>
-            </a:endParaRPr>
-          </a:p>
-        </p:txBody>
-      </p:sp>
-      <p:pic>
-        <p:nvPicPr>
-          <p:cNvPr id="3" name="Imagem 2"/>
-          <p:cNvPicPr>
-            <a:picLocks noChangeAspect="1"/>
-          </p:cNvPicPr>
-          <p:nvPr/>
-        </p:nvPicPr>
-        <p:blipFill>
-          <a:blip r:embed="rId2"/>
-          <a:stretch>
-            <a:fillRect/>
-          </a:stretch>
-        </p:blipFill>
-        <p:spPr>
-          <a:xfrm>
-            <a:off x="666816" y="754636"/>
-            <a:ext cx="3043335" cy="6001705"/>
-          </a:xfrm>
-          <a:prstGeom prst="rect">
-            <a:avLst/>
-          </a:prstGeom>
-        </p:spPr>
-      </p:pic>
-      <p:cxnSp>
-        <p:nvCxnSpPr>
-          <p:cNvPr id="7" name="Conector de Seta Reta 6"/>
-          <p:cNvCxnSpPr/>
-          <p:nvPr/>
-        </p:nvCxnSpPr>
-        <p:spPr>
-          <a:xfrm flipH="1">
-            <a:off x="3499945" y="6579476"/>
-            <a:ext cx="861849" cy="0"/>
-          </a:xfrm>
-          <a:prstGeom prst="straightConnector1">
-            <a:avLst/>
-          </a:prstGeom>
-          <a:ln>
-            <a:tailEnd type="triangle"/>
-          </a:ln>
-        </p:spPr>
-        <p:style>
-          <a:lnRef idx="1">
-            <a:schemeClr val="accent2"/>
-          </a:lnRef>
-          <a:fillRef idx="0">
-            <a:schemeClr val="accent2"/>
-          </a:fillRef>
-          <a:effectRef idx="0">
-            <a:schemeClr val="accent2"/>
-          </a:effectRef>
-          <a:fontRef idx="minor">
-            <a:schemeClr val="tx1"/>
-          </a:fontRef>
-        </p:style>
-      </p:cxnSp>
-      <p:cxnSp>
-        <p:nvCxnSpPr>
-          <p:cNvPr id="9" name="Conector de Seta Reta 8"/>
-          <p:cNvCxnSpPr/>
-          <p:nvPr/>
-        </p:nvCxnSpPr>
-        <p:spPr>
-          <a:xfrm>
-            <a:off x="1599903" y="5896303"/>
-            <a:ext cx="588580" cy="493987"/>
-          </a:xfrm>
-          <a:prstGeom prst="straightConnector1">
-            <a:avLst/>
-          </a:prstGeom>
-          <a:ln>
-            <a:tailEnd type="triangle"/>
-          </a:ln>
-        </p:spPr>
-        <p:style>
-          <a:lnRef idx="1">
-            <a:schemeClr val="accent2"/>
-          </a:lnRef>
-          <a:fillRef idx="0">
-            <a:schemeClr val="accent2"/>
-          </a:fillRef>
-          <a:effectRef idx="0">
-            <a:schemeClr val="accent2"/>
-          </a:effectRef>
-          <a:fontRef idx="minor">
-            <a:schemeClr val="tx1"/>
-          </a:fontRef>
-        </p:style>
-      </p:cxnSp>
-      <p:sp>
-        <p:nvSpPr>
-          <p:cNvPr id="10" name="CaixaDeTexto 9"/>
-          <p:cNvSpPr txBox="1"/>
-          <p:nvPr/>
-        </p:nvSpPr>
-        <p:spPr>
-          <a:xfrm>
-            <a:off x="4487918" y="1417419"/>
-            <a:ext cx="5885792" cy="646331"/>
-          </a:xfrm>
-          <a:prstGeom prst="rect">
-            <a:avLst/>
-          </a:prstGeom>
-          <a:noFill/>
-        </p:spPr>
-        <p:txBody>
-          <a:bodyPr wrap="square" rtlCol="0">
-            <a:spAutoFit/>
-          </a:bodyPr>
-          <a:lstStyle/>
-          <a:p>
-            <a:r>
-              <a:rPr lang="pt-BR" dirty="0" smtClean="0"/>
-              <a:t>O cliente deve ser capaz de adicionar mais produtos ao carrinho de compras antes de finalizar o pedido.</a:t>
-            </a:r>
-            <a:endParaRPr lang="pt-BR" dirty="0"/>
-          </a:p>
-        </p:txBody>
-      </p:sp>
-    </p:spTree>
-    <p:extLst>
-      <p:ext uri="{BB962C8B-B14F-4D97-AF65-F5344CB8AC3E}">
-        <p14:creationId xmlns:p14="http://schemas.microsoft.com/office/powerpoint/2010/main" val="3268443779"/>
-      </p:ext>
-    </p:extLst>
-  </p:cSld>
-  <p:clrMapOvr>
-    <a:masterClrMapping/>
-  </p:clrMapOvr>
-  <p:timing>
-    <p:tnLst>
-      <p:par>
-        <p:cTn id="1" dur="indefinite" restart="never" nodeType="tmRoot"/>
-      </p:par>
-    </p:tnLst>
-  </p:timing>
-</p:sld>
-</file>
-
-<file path=ppt/slides/slide23.xml><?xml version="1.0" encoding="utf-8"?>
-<p:sld xmlns:a="http://schemas.openxmlformats.org/drawingml/2006/main" xmlns:r="http://schemas.openxmlformats.org/officeDocument/2006/relationships" xmlns:p="http://schemas.openxmlformats.org/presentationml/2006/main">
-  <p:cSld>
-    <p:spTree>
-      <p:nvGrpSpPr>
-        <p:cNvPr id="1" name=""/>
-        <p:cNvGrpSpPr/>
-        <p:nvPr/>
-      </p:nvGrpSpPr>
-      <p:grpSpPr>
-        <a:xfrm>
-          <a:off x="0" y="0"/>
-          <a:ext cx="0" cy="0"/>
-          <a:chOff x="0" y="0"/>
-          <a:chExt cx="0" cy="0"/>
-        </a:xfrm>
-      </p:grpSpPr>
-      <p:sp>
-        <p:nvSpPr>
-          <p:cNvPr id="2" name="Título 1"/>
-          <p:cNvSpPr>
-            <a:spLocks noGrp="1"/>
-          </p:cNvSpPr>
-          <p:nvPr>
-            <p:ph type="title"/>
-          </p:nvPr>
-        </p:nvSpPr>
-        <p:spPr/>
-        <p:txBody>
-          <a:bodyPr/>
-          <a:lstStyle/>
-          <a:p>
-            <a:r>
-              <a:rPr lang="pt-BR" dirty="0" smtClean="0">
-                <a:latin typeface="Times New Roman" panose="02020603050405020304" pitchFamily="18" charset="0"/>
-                <a:cs typeface="Times New Roman" panose="02020603050405020304" pitchFamily="18" charset="0"/>
-              </a:rPr>
-              <a:t>RN n.11 </a:t>
-            </a:r>
-            <a:r>
-              <a:rPr lang="pt-BR" dirty="0">
-                <a:latin typeface="Times New Roman" panose="02020603050405020304" pitchFamily="18" charset="0"/>
-                <a:cs typeface="Times New Roman" panose="02020603050405020304" pitchFamily="18" charset="0"/>
-              </a:rPr>
-              <a:t>Botão “Finalizar pedido”</a:t>
-            </a:r>
-            <a:br>
-              <a:rPr lang="pt-BR" dirty="0">
-                <a:latin typeface="Times New Roman" panose="02020603050405020304" pitchFamily="18" charset="0"/>
-                <a:cs typeface="Times New Roman" panose="02020603050405020304" pitchFamily="18" charset="0"/>
-              </a:rPr>
-            </a:br>
-            <a:endParaRPr lang="pt-BR" dirty="0">
-              <a:latin typeface="Times New Roman" panose="02020603050405020304" pitchFamily="18" charset="0"/>
-              <a:cs typeface="Times New Roman" panose="02020603050405020304" pitchFamily="18" charset="0"/>
-            </a:endParaRPr>
-          </a:p>
-        </p:txBody>
-      </p:sp>
-      <p:pic>
-        <p:nvPicPr>
-          <p:cNvPr id="3" name="Imagem 2"/>
-          <p:cNvPicPr>
-            <a:picLocks noChangeAspect="1"/>
-          </p:cNvPicPr>
-          <p:nvPr/>
-        </p:nvPicPr>
-        <p:blipFill>
-          <a:blip r:embed="rId2"/>
-          <a:stretch>
-            <a:fillRect/>
-          </a:stretch>
-        </p:blipFill>
-        <p:spPr>
-          <a:xfrm>
-            <a:off x="838200" y="1135626"/>
-            <a:ext cx="2808890" cy="5539358"/>
-          </a:xfrm>
-          <a:prstGeom prst="rect">
-            <a:avLst/>
-          </a:prstGeom>
-        </p:spPr>
-      </p:pic>
-      <p:cxnSp>
-        <p:nvCxnSpPr>
-          <p:cNvPr id="7" name="Conector de Seta Reta 6"/>
-          <p:cNvCxnSpPr/>
-          <p:nvPr/>
-        </p:nvCxnSpPr>
-        <p:spPr>
-          <a:xfrm>
-            <a:off x="493986" y="5749159"/>
-            <a:ext cx="525517" cy="620110"/>
-          </a:xfrm>
-          <a:prstGeom prst="straightConnector1">
-            <a:avLst/>
-          </a:prstGeom>
-          <a:ln>
-            <a:tailEnd type="triangle"/>
-          </a:ln>
-        </p:spPr>
-        <p:style>
-          <a:lnRef idx="1">
-            <a:schemeClr val="accent2"/>
-          </a:lnRef>
-          <a:fillRef idx="0">
-            <a:schemeClr val="accent2"/>
-          </a:fillRef>
-          <a:effectRef idx="0">
-            <a:schemeClr val="accent2"/>
-          </a:effectRef>
-          <a:fontRef idx="minor">
-            <a:schemeClr val="tx1"/>
-          </a:fontRef>
-        </p:style>
-      </p:cxnSp>
-      <p:cxnSp>
-        <p:nvCxnSpPr>
-          <p:cNvPr id="9" name="Conector de Seta Reta 8"/>
-          <p:cNvCxnSpPr/>
-          <p:nvPr/>
-        </p:nvCxnSpPr>
-        <p:spPr>
-          <a:xfrm>
-            <a:off x="1345324" y="5707117"/>
-            <a:ext cx="42042" cy="609600"/>
-          </a:xfrm>
-          <a:prstGeom prst="straightConnector1">
-            <a:avLst/>
-          </a:prstGeom>
-          <a:ln>
-            <a:tailEnd type="triangle"/>
-          </a:ln>
-        </p:spPr>
-        <p:style>
-          <a:lnRef idx="1">
-            <a:schemeClr val="accent2"/>
-          </a:lnRef>
-          <a:fillRef idx="0">
-            <a:schemeClr val="accent2"/>
-          </a:fillRef>
-          <a:effectRef idx="0">
-            <a:schemeClr val="accent2"/>
-          </a:effectRef>
-          <a:fontRef idx="minor">
-            <a:schemeClr val="tx1"/>
-          </a:fontRef>
-        </p:style>
-      </p:cxnSp>
-      <p:sp>
-        <p:nvSpPr>
-          <p:cNvPr id="10" name="CaixaDeTexto 9"/>
-          <p:cNvSpPr txBox="1"/>
-          <p:nvPr/>
-        </p:nvSpPr>
-        <p:spPr>
-          <a:xfrm>
             <a:off x="3991304" y="1367522"/>
             <a:ext cx="6306207" cy="923330"/>
           </a:xfrm>
@@ -9062,7 +7749,7 @@
 </p:sld>
 </file>
 
-<file path=ppt/slides/slide24.xml><?xml version="1.0" encoding="utf-8"?>
+<file path=ppt/slides/slide22.xml><?xml version="1.0" encoding="utf-8"?>
 <p:sld xmlns:a="http://schemas.openxmlformats.org/drawingml/2006/main" xmlns:r="http://schemas.openxmlformats.org/officeDocument/2006/relationships" xmlns:p="http://schemas.openxmlformats.org/presentationml/2006/main">
   <p:cSld>
     <p:spTree>
@@ -10274,21 +8961,21 @@
       </p:grpSpPr>
       <p:graphicFrame>
         <p:nvGraphicFramePr>
-          <p:cNvPr id="4" name="Tabela 3"/>
+          <p:cNvPr id="5" name="Tabela 4"/>
           <p:cNvGraphicFramePr>
             <a:graphicFrameLocks noGrp="1"/>
           </p:cNvGraphicFramePr>
           <p:nvPr>
             <p:extLst>
               <p:ext uri="{D42A27DB-BD31-4B8C-83A1-F6EECF244321}">
-                <p14:modId xmlns:p14="http://schemas.microsoft.com/office/powerpoint/2010/main" val="1440988299"/>
+                <p14:modId xmlns:p14="http://schemas.microsoft.com/office/powerpoint/2010/main" val="2596541966"/>
               </p:ext>
             </p:extLst>
           </p:nvPr>
         </p:nvGraphicFramePr>
         <p:xfrm>
-          <a:off x="1138842" y="1352865"/>
-          <a:ext cx="10540540" cy="3784381"/>
+          <a:off x="762000" y="998575"/>
+          <a:ext cx="10540540" cy="5126652"/>
         </p:xfrm>
         <a:graphic>
           <a:graphicData uri="http://schemas.openxmlformats.org/drawingml/2006/table">
@@ -10333,7 +9020,7 @@
                   </a:extLst>
                 </a:gridCol>
               </a:tblGrid>
-              <a:tr h="363650">
+              <a:tr h="382407">
                 <a:tc>
                   <a:txBody>
                     <a:bodyPr/>
@@ -10406,1429 +9093,7 @@
                   </a:ext>
                 </a:extLst>
               </a:tr>
-              <a:tr h="634233">
-                <a:tc>
-                  <a:txBody>
-                    <a:bodyPr/>
-                    <a:lstStyle/>
-                    <a:p>
-                      <a:r>
-                        <a:rPr lang="pt-BR" dirty="0" smtClean="0"/>
-                        <a:t>01</a:t>
-                      </a:r>
-                      <a:endParaRPr lang="pt-BR" dirty="0"/>
-                    </a:p>
-                  </a:txBody>
-                  <a:tcPr/>
-                </a:tc>
-                <a:tc>
-                  <a:txBody>
-                    <a:bodyPr/>
-                    <a:lstStyle/>
-                    <a:p>
-                      <a:r>
-                        <a:rPr lang="pt-BR" dirty="0" smtClean="0"/>
-                        <a:t>EMPRESAID</a:t>
-                      </a:r>
-                      <a:endParaRPr lang="pt-BR" dirty="0"/>
-                    </a:p>
-                  </a:txBody>
-                  <a:tcPr/>
-                </a:tc>
-                <a:tc>
-                  <a:txBody>
-                    <a:bodyPr/>
-                    <a:lstStyle/>
-                    <a:p>
-                      <a:r>
-                        <a:rPr lang="pt-BR" dirty="0" smtClean="0"/>
-                        <a:t>INT</a:t>
-                      </a:r>
-                      <a:endParaRPr lang="pt-BR" dirty="0"/>
-                    </a:p>
-                  </a:txBody>
-                  <a:tcPr/>
-                </a:tc>
-                <a:tc>
-                  <a:txBody>
-                    <a:bodyPr/>
-                    <a:lstStyle/>
-                    <a:p>
-                      <a:r>
-                        <a:rPr lang="pt-BR" dirty="0" smtClean="0"/>
-                        <a:t>FK</a:t>
-                      </a:r>
-                      <a:endParaRPr lang="pt-BR" dirty="0"/>
-                    </a:p>
-                  </a:txBody>
-                  <a:tcPr/>
-                </a:tc>
-                <a:tc>
-                  <a:txBody>
-                    <a:bodyPr/>
-                    <a:lstStyle/>
-                    <a:p>
-                      <a:endParaRPr lang="pt-BR" dirty="0"/>
-                    </a:p>
-                  </a:txBody>
-                  <a:tcPr/>
-                </a:tc>
-                <a:extLst>
-                  <a:ext uri="{0D108BD9-81ED-4DB2-BD59-A6C34878D82A}">
-                    <a16:rowId xmlns:a16="http://schemas.microsoft.com/office/drawing/2014/main" val="3813626191"/>
-                  </a:ext>
-                </a:extLst>
-              </a:tr>
-              <a:tr h="773442">
-                <a:tc>
-                  <a:txBody>
-                    <a:bodyPr/>
-                    <a:lstStyle/>
-                    <a:p>
-                      <a:r>
-                        <a:rPr lang="pt-BR" dirty="0" smtClean="0"/>
-                        <a:t>02</a:t>
-                      </a:r>
-                      <a:endParaRPr lang="pt-BR" dirty="0"/>
-                    </a:p>
-                  </a:txBody>
-                  <a:tcPr/>
-                </a:tc>
-                <a:tc>
-                  <a:txBody>
-                    <a:bodyPr/>
-                    <a:lstStyle/>
-                    <a:p>
-                      <a:r>
-                        <a:rPr lang="pt-BR" sz="1800" b="0" i="0" kern="1200" dirty="0" smtClean="0">
-                          <a:solidFill>
-                            <a:schemeClr val="dk1"/>
-                          </a:solidFill>
-                          <a:effectLst/>
-                          <a:latin typeface="+mn-lt"/>
-                          <a:ea typeface="+mn-ea"/>
-                          <a:cs typeface="+mn-cs"/>
-                        </a:rPr>
-                        <a:t>PRODUTOID</a:t>
-                      </a:r>
-                      <a:endParaRPr lang="pt-BR" dirty="0"/>
-                    </a:p>
-                  </a:txBody>
-                  <a:tcPr/>
-                </a:tc>
-                <a:tc>
-                  <a:txBody>
-                    <a:bodyPr/>
-                    <a:lstStyle/>
-                    <a:p>
-                      <a:r>
-                        <a:rPr lang="pt-BR" dirty="0" smtClean="0"/>
-                        <a:t>INT</a:t>
-                      </a:r>
-                      <a:endParaRPr lang="pt-BR" dirty="0"/>
-                    </a:p>
-                  </a:txBody>
-                  <a:tcPr/>
-                </a:tc>
-                <a:tc>
-                  <a:txBody>
-                    <a:bodyPr/>
-                    <a:lstStyle/>
-                    <a:p>
-                      <a:r>
-                        <a:rPr lang="pt-BR" dirty="0" smtClean="0"/>
-                        <a:t>FK</a:t>
-                      </a:r>
-                      <a:endParaRPr lang="pt-BR" dirty="0"/>
-                    </a:p>
-                  </a:txBody>
-                  <a:tcPr/>
-                </a:tc>
-                <a:tc>
-                  <a:txBody>
-                    <a:bodyPr/>
-                    <a:lstStyle/>
-                    <a:p>
-                      <a:endParaRPr lang="pt-BR" dirty="0"/>
-                    </a:p>
-                  </a:txBody>
-                  <a:tcPr/>
-                </a:tc>
-                <a:extLst>
-                  <a:ext uri="{0D108BD9-81ED-4DB2-BD59-A6C34878D82A}">
-                    <a16:rowId xmlns:a16="http://schemas.microsoft.com/office/drawing/2014/main" val="2412232111"/>
-                  </a:ext>
-                </a:extLst>
-              </a:tr>
-              <a:tr h="1005473">
-                <a:tc>
-                  <a:txBody>
-                    <a:bodyPr/>
-                    <a:lstStyle/>
-                    <a:p>
-                      <a:r>
-                        <a:rPr lang="pt-BR" dirty="0" smtClean="0"/>
-                        <a:t>03</a:t>
-                      </a:r>
-                      <a:endParaRPr lang="pt-BR" dirty="0"/>
-                    </a:p>
-                  </a:txBody>
-                  <a:tcPr/>
-                </a:tc>
-                <a:tc>
-                  <a:txBody>
-                    <a:bodyPr/>
-                    <a:lstStyle/>
-                    <a:p>
-                      <a:r>
-                        <a:rPr lang="pt-BR" sz="1800" b="0" i="0" kern="1200" dirty="0" smtClean="0">
-                          <a:solidFill>
-                            <a:schemeClr val="dk1"/>
-                          </a:solidFill>
-                          <a:effectLst/>
-                          <a:latin typeface="+mn-lt"/>
-                          <a:ea typeface="+mn-ea"/>
-                          <a:cs typeface="+mn-cs"/>
-                        </a:rPr>
-                        <a:t>CATEGORIAID </a:t>
-                      </a:r>
-                      <a:endParaRPr lang="pt-BR" dirty="0"/>
-                    </a:p>
-                  </a:txBody>
-                  <a:tcPr/>
-                </a:tc>
-                <a:tc>
-                  <a:txBody>
-                    <a:bodyPr/>
-                    <a:lstStyle/>
-                    <a:p>
-                      <a:r>
-                        <a:rPr lang="pt-BR" dirty="0" smtClean="0"/>
-                        <a:t>INT</a:t>
-                      </a:r>
-                      <a:endParaRPr lang="pt-BR" dirty="0"/>
-                    </a:p>
-                  </a:txBody>
-                  <a:tcPr/>
-                </a:tc>
-                <a:tc>
-                  <a:txBody>
-                    <a:bodyPr/>
-                    <a:lstStyle/>
-                    <a:p>
-                      <a:r>
-                        <a:rPr lang="pt-BR" dirty="0" smtClean="0"/>
-                        <a:t>FK</a:t>
-                      </a:r>
-                      <a:endParaRPr lang="pt-BR" dirty="0"/>
-                    </a:p>
-                  </a:txBody>
-                  <a:tcPr/>
-                </a:tc>
-                <a:tc>
-                  <a:txBody>
-                    <a:bodyPr/>
-                    <a:lstStyle/>
-                    <a:p>
-                      <a:endParaRPr lang="pt-BR" dirty="0"/>
-                    </a:p>
-                  </a:txBody>
-                  <a:tcPr/>
-                </a:tc>
-                <a:extLst>
-                  <a:ext uri="{0D108BD9-81ED-4DB2-BD59-A6C34878D82A}">
-                    <a16:rowId xmlns:a16="http://schemas.microsoft.com/office/drawing/2014/main" val="3214216491"/>
-                  </a:ext>
-                </a:extLst>
-              </a:tr>
-              <a:tr h="1005473">
-                <a:tc>
-                  <a:txBody>
-                    <a:bodyPr/>
-                    <a:lstStyle/>
-                    <a:p>
-                      <a:endParaRPr lang="pt-BR" dirty="0"/>
-                    </a:p>
-                  </a:txBody>
-                  <a:tcPr/>
-                </a:tc>
-                <a:tc>
-                  <a:txBody>
-                    <a:bodyPr/>
-                    <a:lstStyle/>
-                    <a:p>
-                      <a:endParaRPr lang="pt-BR" dirty="0"/>
-                    </a:p>
-                  </a:txBody>
-                  <a:tcPr/>
-                </a:tc>
-                <a:tc>
-                  <a:txBody>
-                    <a:bodyPr/>
-                    <a:lstStyle/>
-                    <a:p>
-                      <a:endParaRPr lang="pt-BR" dirty="0"/>
-                    </a:p>
-                  </a:txBody>
-                  <a:tcPr/>
-                </a:tc>
-                <a:tc>
-                  <a:txBody>
-                    <a:bodyPr/>
-                    <a:lstStyle/>
-                    <a:p>
-                      <a:endParaRPr lang="pt-BR" dirty="0"/>
-                    </a:p>
-                  </a:txBody>
-                  <a:tcPr/>
-                </a:tc>
-                <a:tc>
-                  <a:txBody>
-                    <a:bodyPr/>
-                    <a:lstStyle/>
-                    <a:p>
-                      <a:endParaRPr lang="pt-BR" dirty="0"/>
-                    </a:p>
-                  </a:txBody>
-                  <a:tcPr/>
-                </a:tc>
-                <a:extLst>
-                  <a:ext uri="{0D108BD9-81ED-4DB2-BD59-A6C34878D82A}">
-                    <a16:rowId xmlns:a16="http://schemas.microsoft.com/office/drawing/2014/main" val="1308079806"/>
-                  </a:ext>
-                </a:extLst>
-              </a:tr>
-            </a:tbl>
-          </a:graphicData>
-        </a:graphic>
-      </p:graphicFrame>
-      <p:sp>
-        <p:nvSpPr>
-          <p:cNvPr id="5" name="Retângulo 4"/>
-          <p:cNvSpPr/>
-          <p:nvPr/>
-        </p:nvSpPr>
-        <p:spPr>
-          <a:xfrm>
-            <a:off x="689956" y="324196"/>
-            <a:ext cx="1754306" cy="714895"/>
-          </a:xfrm>
-          <a:prstGeom prst="rect">
-            <a:avLst/>
-          </a:prstGeom>
-        </p:spPr>
-        <p:style>
-          <a:lnRef idx="2">
-            <a:schemeClr val="dk1"/>
-          </a:lnRef>
-          <a:fillRef idx="1">
-            <a:schemeClr val="lt1"/>
-          </a:fillRef>
-          <a:effectRef idx="0">
-            <a:schemeClr val="dk1"/>
-          </a:effectRef>
-          <a:fontRef idx="minor">
-            <a:schemeClr val="dk1"/>
-          </a:fontRef>
-        </p:style>
-        <p:txBody>
-          <a:bodyPr rtlCol="0" anchor="ctr"/>
-          <a:lstStyle/>
-          <a:p>
-            <a:pPr algn="ctr"/>
-            <a:r>
-              <a:rPr lang="pt-BR" sz="2800" dirty="0" smtClean="0"/>
-              <a:t>PRODUTOEMPRESA</a:t>
-            </a:r>
-            <a:endParaRPr lang="pt-BR" sz="2800" dirty="0"/>
-          </a:p>
-        </p:txBody>
-      </p:sp>
-    </p:spTree>
-    <p:extLst>
-      <p:ext uri="{BB962C8B-B14F-4D97-AF65-F5344CB8AC3E}">
-        <p14:creationId xmlns:p14="http://schemas.microsoft.com/office/powerpoint/2010/main" val="2112346503"/>
-      </p:ext>
-    </p:extLst>
-  </p:cSld>
-  <p:clrMapOvr>
-    <a:masterClrMapping/>
-  </p:clrMapOvr>
-  <p:timing>
-    <p:tnLst>
-      <p:par>
-        <p:cTn id="1" dur="indefinite" restart="never" nodeType="tmRoot"/>
-      </p:par>
-    </p:tnLst>
-  </p:timing>
-</p:sld>
-</file>
-
-<file path=ppt/slides/slide5.xml><?xml version="1.0" encoding="utf-8"?>
-<p:sld xmlns:a="http://schemas.openxmlformats.org/drawingml/2006/main" xmlns:r="http://schemas.openxmlformats.org/officeDocument/2006/relationships" xmlns:p="http://schemas.openxmlformats.org/presentationml/2006/main">
-  <p:cSld>
-    <p:spTree>
-      <p:nvGrpSpPr>
-        <p:cNvPr id="1" name=""/>
-        <p:cNvGrpSpPr/>
-        <p:nvPr/>
-      </p:nvGrpSpPr>
-      <p:grpSpPr>
-        <a:xfrm>
-          <a:off x="0" y="0"/>
-          <a:ext cx="0" cy="0"/>
-          <a:chOff x="0" y="0"/>
-          <a:chExt cx="0" cy="0"/>
-        </a:xfrm>
-      </p:grpSpPr>
-      <p:graphicFrame>
-        <p:nvGraphicFramePr>
-          <p:cNvPr id="4" name="Tabela 3"/>
-          <p:cNvGraphicFramePr>
-            <a:graphicFrameLocks noGrp="1"/>
-          </p:cNvGraphicFramePr>
-          <p:nvPr>
-            <p:extLst>
-              <p:ext uri="{D42A27DB-BD31-4B8C-83A1-F6EECF244321}">
-                <p14:modId xmlns:p14="http://schemas.microsoft.com/office/powerpoint/2010/main" val="2586228525"/>
-              </p:ext>
-            </p:extLst>
-          </p:nvPr>
-        </p:nvGraphicFramePr>
-        <p:xfrm>
-          <a:off x="943816" y="1068299"/>
-          <a:ext cx="10553965" cy="5716678"/>
-        </p:xfrm>
-        <a:graphic>
-          <a:graphicData uri="http://schemas.openxmlformats.org/drawingml/2006/table">
-            <a:tbl>
-              <a:tblPr firstRow="1" bandRow="1">
-                <a:tableStyleId>{5C22544A-7EE6-4342-B048-85BDC9FD1C3A}</a:tableStyleId>
-              </a:tblPr>
-              <a:tblGrid>
-                <a:gridCol w="2110793">
-                  <a:extLst>
-                    <a:ext uri="{9D8B030D-6E8A-4147-A177-3AD203B41FA5}">
-                      <a16:colId xmlns:a16="http://schemas.microsoft.com/office/drawing/2014/main" val="264937062"/>
-                    </a:ext>
-                  </a:extLst>
-                </a:gridCol>
-                <a:gridCol w="2110793">
-                  <a:extLst>
-                    <a:ext uri="{9D8B030D-6E8A-4147-A177-3AD203B41FA5}">
-                      <a16:colId xmlns:a16="http://schemas.microsoft.com/office/drawing/2014/main" val="3229167417"/>
-                    </a:ext>
-                  </a:extLst>
-                </a:gridCol>
-                <a:gridCol w="2110793">
-                  <a:extLst>
-                    <a:ext uri="{9D8B030D-6E8A-4147-A177-3AD203B41FA5}">
-                      <a16:colId xmlns:a16="http://schemas.microsoft.com/office/drawing/2014/main" val="1868414819"/>
-                    </a:ext>
-                  </a:extLst>
-                </a:gridCol>
-                <a:gridCol w="2110793">
-                  <a:extLst>
-                    <a:ext uri="{9D8B030D-6E8A-4147-A177-3AD203B41FA5}">
-                      <a16:colId xmlns:a16="http://schemas.microsoft.com/office/drawing/2014/main" val="2177546931"/>
-                    </a:ext>
-                  </a:extLst>
-                </a:gridCol>
-                <a:gridCol w="2110793">
-                  <a:extLst>
-                    <a:ext uri="{9D8B030D-6E8A-4147-A177-3AD203B41FA5}">
-                      <a16:colId xmlns:a16="http://schemas.microsoft.com/office/drawing/2014/main" val="3228809551"/>
-                    </a:ext>
-                  </a:extLst>
-                </a:gridCol>
-              </a:tblGrid>
-              <a:tr h="306069">
-                <a:tc>
-                  <a:txBody>
-                    <a:bodyPr/>
-                    <a:lstStyle/>
-                    <a:p>
-                      <a:endParaRPr lang="pt-BR" dirty="0"/>
-                    </a:p>
-                  </a:txBody>
-                  <a:tcPr/>
-                </a:tc>
-                <a:tc>
-                  <a:txBody>
-                    <a:bodyPr/>
-                    <a:lstStyle/>
-                    <a:p>
-                      <a:r>
-                        <a:rPr lang="pt-BR" dirty="0" smtClean="0"/>
-                        <a:t>CAMPO</a:t>
-                      </a:r>
-                      <a:endParaRPr lang="pt-BR" dirty="0"/>
-                    </a:p>
-                  </a:txBody>
-                  <a:tcPr/>
-                </a:tc>
-                <a:tc>
-                  <a:txBody>
-                    <a:bodyPr/>
-                    <a:lstStyle/>
-                    <a:p>
-                      <a:r>
-                        <a:rPr lang="pt-BR" dirty="0" smtClean="0"/>
-                        <a:t>TIPO</a:t>
-                      </a:r>
-                      <a:endParaRPr lang="pt-BR" dirty="0"/>
-                    </a:p>
-                  </a:txBody>
-                  <a:tcPr/>
-                </a:tc>
-                <a:tc>
-                  <a:txBody>
-                    <a:bodyPr/>
-                    <a:lstStyle/>
-                    <a:p>
-                      <a:r>
-                        <a:rPr lang="pt-BR" dirty="0" smtClean="0"/>
-                        <a:t>RESTRIÇÃO</a:t>
-                      </a:r>
-                      <a:endParaRPr lang="pt-BR" dirty="0"/>
-                    </a:p>
-                  </a:txBody>
-                  <a:tcPr/>
-                </a:tc>
-                <a:tc>
-                  <a:txBody>
-                    <a:bodyPr/>
-                    <a:lstStyle/>
-                    <a:p>
-                      <a:r>
-                        <a:rPr lang="pt-BR" dirty="0" smtClean="0"/>
-                        <a:t>OBS</a:t>
-                      </a:r>
-                      <a:endParaRPr lang="pt-BR" dirty="0"/>
-                    </a:p>
-                  </a:txBody>
-                  <a:tcPr/>
-                </a:tc>
-                <a:extLst>
-                  <a:ext uri="{0D108BD9-81ED-4DB2-BD59-A6C34878D82A}">
-                    <a16:rowId xmlns:a16="http://schemas.microsoft.com/office/drawing/2014/main" val="1653599076"/>
-                  </a:ext>
-                </a:extLst>
-              </a:tr>
-              <a:tr h="765172">
-                <a:tc>
-                  <a:txBody>
-                    <a:bodyPr/>
-                    <a:lstStyle/>
-                    <a:p>
-                      <a:r>
-                        <a:rPr lang="pt-BR" dirty="0" smtClean="0"/>
-                        <a:t>01</a:t>
-                      </a:r>
-                      <a:endParaRPr lang="pt-BR" dirty="0"/>
-                    </a:p>
-                  </a:txBody>
-                  <a:tcPr/>
-                </a:tc>
-                <a:tc>
-                  <a:txBody>
-                    <a:bodyPr/>
-                    <a:lstStyle/>
-                    <a:p>
-                      <a:r>
-                        <a:rPr lang="pt-BR" dirty="0" smtClean="0"/>
-                        <a:t>PEDIDOID</a:t>
-                      </a:r>
-                      <a:endParaRPr lang="pt-BR" dirty="0"/>
-                    </a:p>
-                  </a:txBody>
-                  <a:tcPr/>
-                </a:tc>
-                <a:tc>
-                  <a:txBody>
-                    <a:bodyPr/>
-                    <a:lstStyle/>
-                    <a:p>
-                      <a:r>
-                        <a:rPr lang="pt-BR" dirty="0" smtClean="0"/>
-                        <a:t>INT</a:t>
-                      </a:r>
-                      <a:endParaRPr lang="pt-BR" dirty="0"/>
-                    </a:p>
-                  </a:txBody>
-                  <a:tcPr/>
-                </a:tc>
-                <a:tc>
-                  <a:txBody>
-                    <a:bodyPr/>
-                    <a:lstStyle/>
-                    <a:p>
-                      <a:r>
-                        <a:rPr lang="pt-BR" dirty="0" smtClean="0"/>
-                        <a:t>PK</a:t>
-                      </a:r>
-                      <a:endParaRPr lang="pt-BR" dirty="0"/>
-                    </a:p>
-                  </a:txBody>
-                  <a:tcPr/>
-                </a:tc>
-                <a:tc>
-                  <a:txBody>
-                    <a:bodyPr/>
-                    <a:lstStyle/>
-                    <a:p>
-                      <a:pPr marL="0" marR="0" lvl="0" indent="0" algn="l" defTabSz="914400" rtl="0" eaLnBrk="1" fontAlgn="auto" latinLnBrk="0" hangingPunct="1">
-                        <a:lnSpc>
-                          <a:spcPct val="100000"/>
-                        </a:lnSpc>
-                        <a:spcBef>
-                          <a:spcPts val="0"/>
-                        </a:spcBef>
-                        <a:spcAft>
-                          <a:spcPts val="0"/>
-                        </a:spcAft>
-                        <a:buClrTx/>
-                        <a:buSzTx/>
-                        <a:buFontTx/>
-                        <a:buNone/>
-                        <a:tabLst/>
-                        <a:defRPr/>
-                      </a:pPr>
-                      <a:r>
-                        <a:rPr lang="pt-BR" dirty="0" smtClean="0"/>
-                        <a:t>Numeração automática</a:t>
-                      </a:r>
-                    </a:p>
-                    <a:p>
-                      <a:endParaRPr lang="pt-BR" dirty="0"/>
-                    </a:p>
-                  </a:txBody>
-                  <a:tcPr/>
-                </a:tc>
-                <a:extLst>
-                  <a:ext uri="{0D108BD9-81ED-4DB2-BD59-A6C34878D82A}">
-                    <a16:rowId xmlns:a16="http://schemas.microsoft.com/office/drawing/2014/main" val="3813626191"/>
-                  </a:ext>
-                </a:extLst>
-              </a:tr>
-              <a:tr h="439259">
-                <a:tc>
-                  <a:txBody>
-                    <a:bodyPr/>
-                    <a:lstStyle/>
-                    <a:p>
-                      <a:r>
-                        <a:rPr lang="pt-BR" dirty="0" smtClean="0"/>
-                        <a:t>02</a:t>
-                      </a:r>
-                      <a:endParaRPr lang="pt-BR" dirty="0"/>
-                    </a:p>
-                  </a:txBody>
-                  <a:tcPr/>
-                </a:tc>
-                <a:tc>
-                  <a:txBody>
-                    <a:bodyPr/>
-                    <a:lstStyle/>
-                    <a:p>
-                      <a:r>
-                        <a:rPr lang="pt-BR" sz="1800" b="0" i="0" kern="1200" dirty="0" smtClean="0">
-                          <a:solidFill>
-                            <a:schemeClr val="dk1"/>
-                          </a:solidFill>
-                          <a:effectLst/>
-                          <a:latin typeface="+mn-lt"/>
-                          <a:ea typeface="+mn-ea"/>
-                          <a:cs typeface="+mn-cs"/>
-                        </a:rPr>
-                        <a:t>DATAPEDIDO</a:t>
-                      </a:r>
-                      <a:endParaRPr lang="pt-BR" dirty="0"/>
-                    </a:p>
-                  </a:txBody>
-                  <a:tcPr/>
-                </a:tc>
-                <a:tc>
-                  <a:txBody>
-                    <a:bodyPr/>
-                    <a:lstStyle/>
-                    <a:p>
-                      <a:r>
-                        <a:rPr lang="pt-BR" dirty="0" smtClean="0"/>
-                        <a:t>TIMESTAMP</a:t>
-                      </a:r>
-                      <a:endParaRPr lang="pt-BR" dirty="0"/>
-                    </a:p>
-                  </a:txBody>
-                  <a:tcPr/>
-                </a:tc>
-                <a:tc>
-                  <a:txBody>
-                    <a:bodyPr/>
-                    <a:lstStyle/>
-                    <a:p>
-                      <a:endParaRPr lang="pt-BR" dirty="0"/>
-                    </a:p>
-                  </a:txBody>
-                  <a:tcPr/>
-                </a:tc>
-                <a:tc>
-                  <a:txBody>
-                    <a:bodyPr/>
-                    <a:lstStyle/>
-                    <a:p>
-                      <a:endParaRPr lang="pt-BR" dirty="0"/>
-                    </a:p>
-                  </a:txBody>
-                  <a:tcPr/>
-                </a:tc>
-                <a:extLst>
-                  <a:ext uri="{0D108BD9-81ED-4DB2-BD59-A6C34878D82A}">
-                    <a16:rowId xmlns:a16="http://schemas.microsoft.com/office/drawing/2014/main" val="2412232111"/>
-                  </a:ext>
-                </a:extLst>
-              </a:tr>
-              <a:tr h="571037">
-                <a:tc>
-                  <a:txBody>
-                    <a:bodyPr/>
-                    <a:lstStyle/>
-                    <a:p>
-                      <a:r>
-                        <a:rPr lang="pt-BR" dirty="0" smtClean="0"/>
-                        <a:t>03</a:t>
-                      </a:r>
-                      <a:endParaRPr lang="pt-BR" dirty="0"/>
-                    </a:p>
-                  </a:txBody>
-                  <a:tcPr/>
-                </a:tc>
-                <a:tc>
-                  <a:txBody>
-                    <a:bodyPr/>
-                    <a:lstStyle/>
-                    <a:p>
-                      <a:r>
-                        <a:rPr lang="pt-BR" sz="1800" b="0" i="0" kern="1200" dirty="0" smtClean="0">
-                          <a:solidFill>
-                            <a:schemeClr val="dk1"/>
-                          </a:solidFill>
-                          <a:effectLst/>
-                          <a:latin typeface="+mn-lt"/>
-                          <a:ea typeface="+mn-ea"/>
-                          <a:cs typeface="+mn-cs"/>
-                        </a:rPr>
-                        <a:t>NOMEC</a:t>
-                      </a:r>
-                      <a:endParaRPr lang="pt-BR" dirty="0"/>
-                    </a:p>
-                  </a:txBody>
-                  <a:tcPr/>
-                </a:tc>
-                <a:tc>
-                  <a:txBody>
-                    <a:bodyPr/>
-                    <a:lstStyle/>
-                    <a:p>
-                      <a:r>
-                        <a:rPr lang="pt-BR" dirty="0" smtClean="0"/>
-                        <a:t>TEXTO(250)</a:t>
-                      </a:r>
-                      <a:endParaRPr lang="pt-BR" dirty="0"/>
-                    </a:p>
-                  </a:txBody>
-                  <a:tcPr/>
-                </a:tc>
-                <a:tc>
-                  <a:txBody>
-                    <a:bodyPr/>
-                    <a:lstStyle/>
-                    <a:p>
-                      <a:endParaRPr lang="pt-BR" dirty="0"/>
-                    </a:p>
-                  </a:txBody>
-                  <a:tcPr/>
-                </a:tc>
-                <a:tc>
-                  <a:txBody>
-                    <a:bodyPr/>
-                    <a:lstStyle/>
-                    <a:p>
-                      <a:r>
-                        <a:rPr lang="pt-BR" dirty="0" smtClean="0"/>
-                        <a:t>Não aceita nulo</a:t>
-                      </a:r>
-                      <a:endParaRPr lang="pt-BR" dirty="0"/>
-                    </a:p>
-                  </a:txBody>
-                  <a:tcPr/>
-                </a:tc>
-                <a:extLst>
-                  <a:ext uri="{0D108BD9-81ED-4DB2-BD59-A6C34878D82A}">
-                    <a16:rowId xmlns:a16="http://schemas.microsoft.com/office/drawing/2014/main" val="3214216491"/>
-                  </a:ext>
-                </a:extLst>
-              </a:tr>
-              <a:tr h="571037">
-                <a:tc>
-                  <a:txBody>
-                    <a:bodyPr/>
-                    <a:lstStyle/>
-                    <a:p>
-                      <a:r>
-                        <a:rPr lang="pt-BR" dirty="0" smtClean="0"/>
-                        <a:t>04</a:t>
-                      </a:r>
-                      <a:endParaRPr lang="pt-BR" dirty="0"/>
-                    </a:p>
-                  </a:txBody>
-                  <a:tcPr/>
-                </a:tc>
-                <a:tc>
-                  <a:txBody>
-                    <a:bodyPr/>
-                    <a:lstStyle/>
-                    <a:p>
-                      <a:r>
-                        <a:rPr lang="pt-BR" dirty="0" smtClean="0"/>
-                        <a:t>ENDEREÇO</a:t>
-                      </a:r>
-                      <a:endParaRPr lang="pt-BR" dirty="0"/>
-                    </a:p>
-                  </a:txBody>
-                  <a:tcPr/>
-                </a:tc>
-                <a:tc>
-                  <a:txBody>
-                    <a:bodyPr/>
-                    <a:lstStyle/>
-                    <a:p>
-                      <a:r>
-                        <a:rPr lang="pt-BR" dirty="0" smtClean="0"/>
-                        <a:t>TEXTO(250)</a:t>
-                      </a:r>
-                      <a:endParaRPr lang="pt-BR" dirty="0"/>
-                    </a:p>
-                  </a:txBody>
-                  <a:tcPr/>
-                </a:tc>
-                <a:tc>
-                  <a:txBody>
-                    <a:bodyPr/>
-                    <a:lstStyle/>
-                    <a:p>
-                      <a:endParaRPr lang="pt-BR" dirty="0"/>
-                    </a:p>
-                  </a:txBody>
-                  <a:tcPr/>
-                </a:tc>
-                <a:tc>
-                  <a:txBody>
-                    <a:bodyPr/>
-                    <a:lstStyle/>
-                    <a:p>
-                      <a:r>
-                        <a:rPr lang="pt-BR" dirty="0" smtClean="0"/>
-                        <a:t>Não aceita nulo</a:t>
-                      </a:r>
-                      <a:endParaRPr lang="pt-BR" dirty="0"/>
-                    </a:p>
-                  </a:txBody>
-                  <a:tcPr/>
-                </a:tc>
-                <a:extLst>
-                  <a:ext uri="{0D108BD9-81ED-4DB2-BD59-A6C34878D82A}">
-                    <a16:rowId xmlns:a16="http://schemas.microsoft.com/office/drawing/2014/main" val="1308079806"/>
-                  </a:ext>
-                </a:extLst>
-              </a:tr>
-              <a:tr h="571037">
-                <a:tc>
-                  <a:txBody>
-                    <a:bodyPr/>
-                    <a:lstStyle/>
-                    <a:p>
-                      <a:r>
-                        <a:rPr lang="pt-BR" dirty="0" smtClean="0"/>
-                        <a:t>05</a:t>
-                      </a:r>
-                      <a:endParaRPr lang="pt-BR" dirty="0"/>
-                    </a:p>
-                  </a:txBody>
-                  <a:tcPr/>
-                </a:tc>
-                <a:tc>
-                  <a:txBody>
-                    <a:bodyPr/>
-                    <a:lstStyle/>
-                    <a:p>
-                      <a:r>
-                        <a:rPr lang="pt-BR" dirty="0" smtClean="0"/>
-                        <a:t>COMPLEMENTO</a:t>
-                      </a:r>
-                      <a:endParaRPr lang="pt-BR" dirty="0"/>
-                    </a:p>
-                  </a:txBody>
-                  <a:tcPr/>
-                </a:tc>
-                <a:tc>
-                  <a:txBody>
-                    <a:bodyPr/>
-                    <a:lstStyle/>
-                    <a:p>
-                      <a:r>
-                        <a:rPr lang="pt-BR" dirty="0" smtClean="0"/>
-                        <a:t>TEXTO(100)</a:t>
-                      </a:r>
-                      <a:endParaRPr lang="pt-BR" dirty="0"/>
-                    </a:p>
-                  </a:txBody>
-                  <a:tcPr/>
-                </a:tc>
-                <a:tc>
-                  <a:txBody>
-                    <a:bodyPr/>
-                    <a:lstStyle/>
-                    <a:p>
-                      <a:endParaRPr lang="pt-BR" dirty="0"/>
-                    </a:p>
-                  </a:txBody>
-                  <a:tcPr/>
-                </a:tc>
-                <a:tc>
-                  <a:txBody>
-                    <a:bodyPr/>
-                    <a:lstStyle/>
-                    <a:p>
-                      <a:r>
-                        <a:rPr lang="pt-BR" dirty="0" smtClean="0"/>
-                        <a:t>Aceita nulo</a:t>
-                      </a:r>
-                      <a:endParaRPr lang="pt-BR" dirty="0"/>
-                    </a:p>
-                  </a:txBody>
-                  <a:tcPr/>
-                </a:tc>
-                <a:extLst>
-                  <a:ext uri="{0D108BD9-81ED-4DB2-BD59-A6C34878D82A}">
-                    <a16:rowId xmlns:a16="http://schemas.microsoft.com/office/drawing/2014/main" val="2947596734"/>
-                  </a:ext>
-                </a:extLst>
-              </a:tr>
-              <a:tr h="571037">
-                <a:tc>
-                  <a:txBody>
-                    <a:bodyPr/>
-                    <a:lstStyle/>
-                    <a:p>
-                      <a:r>
-                        <a:rPr lang="pt-BR" dirty="0" smtClean="0"/>
-                        <a:t>06</a:t>
-                      </a:r>
-                      <a:endParaRPr lang="pt-BR" dirty="0"/>
-                    </a:p>
-                  </a:txBody>
-                  <a:tcPr/>
-                </a:tc>
-                <a:tc>
-                  <a:txBody>
-                    <a:bodyPr/>
-                    <a:lstStyle/>
-                    <a:p>
-                      <a:r>
-                        <a:rPr lang="pt-BR" dirty="0" smtClean="0"/>
-                        <a:t>TELEFONE</a:t>
-                      </a:r>
-                      <a:endParaRPr lang="pt-BR" dirty="0"/>
-                    </a:p>
-                  </a:txBody>
-                  <a:tcPr/>
-                </a:tc>
-                <a:tc>
-                  <a:txBody>
-                    <a:bodyPr/>
-                    <a:lstStyle/>
-                    <a:p>
-                      <a:r>
-                        <a:rPr lang="pt-BR" dirty="0" smtClean="0"/>
-                        <a:t>TEXTO(11)</a:t>
-                      </a:r>
-                      <a:endParaRPr lang="pt-BR" dirty="0"/>
-                    </a:p>
-                  </a:txBody>
-                  <a:tcPr/>
-                </a:tc>
-                <a:tc>
-                  <a:txBody>
-                    <a:bodyPr/>
-                    <a:lstStyle/>
-                    <a:p>
-                      <a:endParaRPr lang="pt-BR" dirty="0"/>
-                    </a:p>
-                  </a:txBody>
-                  <a:tcPr/>
-                </a:tc>
-                <a:tc>
-                  <a:txBody>
-                    <a:bodyPr/>
-                    <a:lstStyle/>
-                    <a:p>
-                      <a:r>
-                        <a:rPr lang="pt-BR" dirty="0" smtClean="0"/>
-                        <a:t>Não aceita nulo</a:t>
-                      </a:r>
-                      <a:endParaRPr lang="pt-BR" dirty="0"/>
-                    </a:p>
-                  </a:txBody>
-                  <a:tcPr/>
-                </a:tc>
-                <a:extLst>
-                  <a:ext uri="{0D108BD9-81ED-4DB2-BD59-A6C34878D82A}">
-                    <a16:rowId xmlns:a16="http://schemas.microsoft.com/office/drawing/2014/main" val="3259540718"/>
-                  </a:ext>
-                </a:extLst>
-              </a:tr>
-              <a:tr h="571037">
-                <a:tc>
-                  <a:txBody>
-                    <a:bodyPr/>
-                    <a:lstStyle/>
-                    <a:p>
-                      <a:r>
-                        <a:rPr lang="pt-BR" dirty="0" smtClean="0"/>
-                        <a:t>07</a:t>
-                      </a:r>
-                      <a:endParaRPr lang="pt-BR" dirty="0"/>
-                    </a:p>
-                  </a:txBody>
-                  <a:tcPr/>
-                </a:tc>
-                <a:tc>
-                  <a:txBody>
-                    <a:bodyPr/>
-                    <a:lstStyle/>
-                    <a:p>
-                      <a:r>
-                        <a:rPr lang="pt-BR" dirty="0" smtClean="0"/>
-                        <a:t>TAMANHOPEDIDO</a:t>
-                      </a:r>
-                      <a:endParaRPr lang="pt-BR" dirty="0"/>
-                    </a:p>
-                  </a:txBody>
-                  <a:tcPr/>
-                </a:tc>
-                <a:tc>
-                  <a:txBody>
-                    <a:bodyPr/>
-                    <a:lstStyle/>
-                    <a:p>
-                      <a:r>
-                        <a:rPr lang="pt-BR" dirty="0" smtClean="0"/>
-                        <a:t>TEXTO(50)</a:t>
-                      </a:r>
-                      <a:endParaRPr lang="pt-BR" dirty="0"/>
-                    </a:p>
-                  </a:txBody>
-                  <a:tcPr/>
-                </a:tc>
-                <a:tc>
-                  <a:txBody>
-                    <a:bodyPr/>
-                    <a:lstStyle/>
-                    <a:p>
-                      <a:endParaRPr lang="pt-BR" dirty="0"/>
-                    </a:p>
-                  </a:txBody>
-                  <a:tcPr/>
-                </a:tc>
-                <a:tc>
-                  <a:txBody>
-                    <a:bodyPr/>
-                    <a:lstStyle/>
-                    <a:p>
-                      <a:r>
-                        <a:rPr lang="pt-BR" dirty="0" smtClean="0"/>
-                        <a:t>Aceita nulo </a:t>
-                      </a:r>
-                      <a:endParaRPr lang="pt-BR" dirty="0"/>
-                    </a:p>
-                  </a:txBody>
-                  <a:tcPr/>
-                </a:tc>
-                <a:extLst>
-                  <a:ext uri="{0D108BD9-81ED-4DB2-BD59-A6C34878D82A}">
-                    <a16:rowId xmlns:a16="http://schemas.microsoft.com/office/drawing/2014/main" val="2935541487"/>
-                  </a:ext>
-                </a:extLst>
-              </a:tr>
-              <a:tr h="571037">
-                <a:tc>
-                  <a:txBody>
-                    <a:bodyPr/>
-                    <a:lstStyle/>
-                    <a:p>
-                      <a:r>
-                        <a:rPr lang="pt-BR" dirty="0" smtClean="0"/>
-                        <a:t>08</a:t>
-                      </a:r>
-                      <a:endParaRPr lang="pt-BR" dirty="0"/>
-                    </a:p>
-                  </a:txBody>
-                  <a:tcPr/>
-                </a:tc>
-                <a:tc>
-                  <a:txBody>
-                    <a:bodyPr/>
-                    <a:lstStyle/>
-                    <a:p>
-                      <a:r>
-                        <a:rPr lang="pt-BR" dirty="0" smtClean="0"/>
-                        <a:t>SABORESPEDIDO</a:t>
-                      </a:r>
-                      <a:endParaRPr lang="pt-BR" dirty="0"/>
-                    </a:p>
-                  </a:txBody>
-                  <a:tcPr/>
-                </a:tc>
-                <a:tc>
-                  <a:txBody>
-                    <a:bodyPr/>
-                    <a:lstStyle/>
-                    <a:p>
-                      <a:r>
-                        <a:rPr lang="pt-BR" dirty="0" smtClean="0"/>
-                        <a:t>TEXTO(100)</a:t>
-                      </a:r>
-                      <a:endParaRPr lang="pt-BR" dirty="0"/>
-                    </a:p>
-                  </a:txBody>
-                  <a:tcPr/>
-                </a:tc>
-                <a:tc>
-                  <a:txBody>
-                    <a:bodyPr/>
-                    <a:lstStyle/>
-                    <a:p>
-                      <a:endParaRPr lang="pt-BR" dirty="0"/>
-                    </a:p>
-                  </a:txBody>
-                  <a:tcPr/>
-                </a:tc>
-                <a:tc>
-                  <a:txBody>
-                    <a:bodyPr/>
-                    <a:lstStyle/>
-                    <a:p>
-                      <a:r>
-                        <a:rPr lang="pt-BR" dirty="0" smtClean="0"/>
-                        <a:t>Aceita nulo </a:t>
-                      </a:r>
-                      <a:endParaRPr lang="pt-BR" dirty="0"/>
-                    </a:p>
-                  </a:txBody>
-                  <a:tcPr/>
-                </a:tc>
-                <a:extLst>
-                  <a:ext uri="{0D108BD9-81ED-4DB2-BD59-A6C34878D82A}">
-                    <a16:rowId xmlns:a16="http://schemas.microsoft.com/office/drawing/2014/main" val="3612155923"/>
-                  </a:ext>
-                </a:extLst>
-              </a:tr>
-              <a:tr h="571037">
-                <a:tc>
-                  <a:txBody>
-                    <a:bodyPr/>
-                    <a:lstStyle/>
-                    <a:p>
-                      <a:r>
-                        <a:rPr lang="pt-BR" dirty="0" smtClean="0"/>
-                        <a:t>09</a:t>
-                      </a:r>
-                      <a:endParaRPr lang="pt-BR" dirty="0"/>
-                    </a:p>
-                  </a:txBody>
-                  <a:tcPr/>
-                </a:tc>
-                <a:tc>
-                  <a:txBody>
-                    <a:bodyPr/>
-                    <a:lstStyle/>
-                    <a:p>
-                      <a:r>
-                        <a:rPr lang="pt-BR" dirty="0" smtClean="0"/>
-                        <a:t>OBSERVAÇÃO</a:t>
-                      </a:r>
-                      <a:endParaRPr lang="pt-BR" dirty="0"/>
-                    </a:p>
-                  </a:txBody>
-                  <a:tcPr/>
-                </a:tc>
-                <a:tc>
-                  <a:txBody>
-                    <a:bodyPr/>
-                    <a:lstStyle/>
-                    <a:p>
-                      <a:r>
-                        <a:rPr lang="pt-BR" dirty="0" smtClean="0"/>
-                        <a:t>TEXTO(250)</a:t>
-                      </a:r>
-                      <a:endParaRPr lang="pt-BR" dirty="0"/>
-                    </a:p>
-                  </a:txBody>
-                  <a:tcPr/>
-                </a:tc>
-                <a:tc>
-                  <a:txBody>
-                    <a:bodyPr/>
-                    <a:lstStyle/>
-                    <a:p>
-                      <a:endParaRPr lang="pt-BR" dirty="0"/>
-                    </a:p>
-                  </a:txBody>
-                  <a:tcPr/>
-                </a:tc>
-                <a:tc>
-                  <a:txBody>
-                    <a:bodyPr/>
-                    <a:lstStyle/>
-                    <a:p>
-                      <a:r>
-                        <a:rPr lang="pt-BR" dirty="0" smtClean="0"/>
-                        <a:t>Aceita</a:t>
-                      </a:r>
-                      <a:r>
-                        <a:rPr lang="pt-BR" baseline="0" dirty="0" smtClean="0"/>
-                        <a:t> nulo </a:t>
-                      </a:r>
-                      <a:endParaRPr lang="pt-BR" dirty="0"/>
-                    </a:p>
-                  </a:txBody>
-                  <a:tcPr/>
-                </a:tc>
-                <a:extLst>
-                  <a:ext uri="{0D108BD9-81ED-4DB2-BD59-A6C34878D82A}">
-                    <a16:rowId xmlns:a16="http://schemas.microsoft.com/office/drawing/2014/main" val="2223797666"/>
-                  </a:ext>
-                </a:extLst>
-              </a:tr>
-            </a:tbl>
-          </a:graphicData>
-        </a:graphic>
-      </p:graphicFrame>
-      <p:sp>
-        <p:nvSpPr>
-          <p:cNvPr id="5" name="Retângulo 4"/>
-          <p:cNvSpPr/>
-          <p:nvPr/>
-        </p:nvSpPr>
-        <p:spPr>
-          <a:xfrm>
-            <a:off x="606828" y="182880"/>
-            <a:ext cx="1754306" cy="714895"/>
-          </a:xfrm>
-          <a:prstGeom prst="rect">
-            <a:avLst/>
-          </a:prstGeom>
-        </p:spPr>
-        <p:style>
-          <a:lnRef idx="2">
-            <a:schemeClr val="dk1"/>
-          </a:lnRef>
-          <a:fillRef idx="1">
-            <a:schemeClr val="lt1"/>
-          </a:fillRef>
-          <a:effectRef idx="0">
-            <a:schemeClr val="dk1"/>
-          </a:effectRef>
-          <a:fontRef idx="minor">
-            <a:schemeClr val="dk1"/>
-          </a:fontRef>
-        </p:style>
-        <p:txBody>
-          <a:bodyPr rtlCol="0" anchor="ctr"/>
-          <a:lstStyle/>
-          <a:p>
-            <a:pPr algn="ctr"/>
-            <a:r>
-              <a:rPr lang="pt-BR" sz="2800" dirty="0" smtClean="0"/>
-              <a:t>FINALIZAR PEDIDO</a:t>
-            </a:r>
-            <a:endParaRPr lang="pt-BR" sz="2800" dirty="0"/>
-          </a:p>
-        </p:txBody>
-      </p:sp>
-    </p:spTree>
-    <p:extLst>
-      <p:ext uri="{BB962C8B-B14F-4D97-AF65-F5344CB8AC3E}">
-        <p14:creationId xmlns:p14="http://schemas.microsoft.com/office/powerpoint/2010/main" val="2198299945"/>
-      </p:ext>
-    </p:extLst>
-  </p:cSld>
-  <p:clrMapOvr>
-    <a:masterClrMapping/>
-  </p:clrMapOvr>
-  <p:timing>
-    <p:tnLst>
-      <p:par>
-        <p:cTn id="1" dur="indefinite" restart="never" nodeType="tmRoot"/>
-      </p:par>
-    </p:tnLst>
-  </p:timing>
-</p:sld>
-</file>
-
-<file path=ppt/slides/slide6.xml><?xml version="1.0" encoding="utf-8"?>
-<p:sld xmlns:a="http://schemas.openxmlformats.org/drawingml/2006/main" xmlns:r="http://schemas.openxmlformats.org/officeDocument/2006/relationships" xmlns:p="http://schemas.openxmlformats.org/presentationml/2006/main">
-  <p:cSld>
-    <p:spTree>
-      <p:nvGrpSpPr>
-        <p:cNvPr id="1" name=""/>
-        <p:cNvGrpSpPr/>
-        <p:nvPr/>
-      </p:nvGrpSpPr>
-      <p:grpSpPr>
-        <a:xfrm>
-          <a:off x="0" y="0"/>
-          <a:ext cx="0" cy="0"/>
-          <a:chOff x="0" y="0"/>
-          <a:chExt cx="0" cy="0"/>
-        </a:xfrm>
-      </p:grpSpPr>
-      <p:graphicFrame>
-        <p:nvGraphicFramePr>
-          <p:cNvPr id="5" name="Tabela 4"/>
-          <p:cNvGraphicFramePr>
-            <a:graphicFrameLocks noGrp="1"/>
-          </p:cNvGraphicFramePr>
-          <p:nvPr>
-            <p:extLst>
-              <p:ext uri="{D42A27DB-BD31-4B8C-83A1-F6EECF244321}">
-                <p14:modId xmlns:p14="http://schemas.microsoft.com/office/powerpoint/2010/main" val="1448921815"/>
-              </p:ext>
-            </p:extLst>
-          </p:nvPr>
-        </p:nvGraphicFramePr>
-        <p:xfrm>
-          <a:off x="725185" y="782506"/>
-          <a:ext cx="10540540" cy="6075494"/>
-        </p:xfrm>
-        <a:graphic>
-          <a:graphicData uri="http://schemas.openxmlformats.org/drawingml/2006/table">
-            <a:tbl>
-              <a:tblPr firstRow="1" bandRow="1">
-                <a:tableStyleId>{5C22544A-7EE6-4342-B048-85BDC9FD1C3A}</a:tableStyleId>
-              </a:tblPr>
-              <a:tblGrid>
-                <a:gridCol w="2108108">
-                  <a:extLst>
-                    <a:ext uri="{9D8B030D-6E8A-4147-A177-3AD203B41FA5}">
-                      <a16:colId xmlns:a16="http://schemas.microsoft.com/office/drawing/2014/main" val="264937062"/>
-                    </a:ext>
-                  </a:extLst>
-                </a:gridCol>
-                <a:gridCol w="2108108">
-                  <a:extLst>
-                    <a:ext uri="{9D8B030D-6E8A-4147-A177-3AD203B41FA5}">
-                      <a16:colId xmlns:a16="http://schemas.microsoft.com/office/drawing/2014/main" val="3229167417"/>
-                    </a:ext>
-                  </a:extLst>
-                </a:gridCol>
-                <a:gridCol w="2108108">
-                  <a:extLst>
-                    <a:ext uri="{9D8B030D-6E8A-4147-A177-3AD203B41FA5}">
-                      <a16:colId xmlns:a16="http://schemas.microsoft.com/office/drawing/2014/main" val="1868414819"/>
-                    </a:ext>
-                  </a:extLst>
-                </a:gridCol>
-                <a:gridCol w="2108108">
-                  <a:extLst>
-                    <a:ext uri="{9D8B030D-6E8A-4147-A177-3AD203B41FA5}">
-                      <a16:colId xmlns:a16="http://schemas.microsoft.com/office/drawing/2014/main" val="2177546931"/>
-                    </a:ext>
-                  </a:extLst>
-                </a:gridCol>
-                <a:gridCol w="2108108">
-                  <a:extLst>
-                    <a:ext uri="{9D8B030D-6E8A-4147-A177-3AD203B41FA5}">
-                      <a16:colId xmlns:a16="http://schemas.microsoft.com/office/drawing/2014/main" val="3228809551"/>
-                    </a:ext>
-                  </a:extLst>
-                </a:gridCol>
-              </a:tblGrid>
-              <a:tr h="363650">
-                <a:tc>
-                  <a:txBody>
-                    <a:bodyPr/>
-                    <a:lstStyle/>
-                    <a:p>
-                      <a:endParaRPr lang="pt-BR" dirty="0"/>
-                    </a:p>
-                  </a:txBody>
-                  <a:tcPr/>
-                </a:tc>
-                <a:tc>
-                  <a:txBody>
-                    <a:bodyPr/>
-                    <a:lstStyle/>
-                    <a:p>
-                      <a:r>
-                        <a:rPr lang="pt-BR" dirty="0" smtClean="0"/>
-                        <a:t>CAMPO</a:t>
-                      </a:r>
-                      <a:endParaRPr lang="pt-BR" dirty="0"/>
-                    </a:p>
-                  </a:txBody>
-                  <a:tcPr/>
-                </a:tc>
-                <a:tc>
-                  <a:txBody>
-                    <a:bodyPr/>
-                    <a:lstStyle/>
-                    <a:p>
-                      <a:r>
-                        <a:rPr lang="pt-BR" dirty="0" smtClean="0"/>
-                        <a:t>TIPO</a:t>
-                      </a:r>
-                      <a:endParaRPr lang="pt-BR" dirty="0"/>
-                    </a:p>
-                  </a:txBody>
-                  <a:tcPr/>
-                </a:tc>
-                <a:tc>
-                  <a:txBody>
-                    <a:bodyPr/>
-                    <a:lstStyle/>
-                    <a:p>
-                      <a:r>
-                        <a:rPr lang="pt-BR" dirty="0" smtClean="0"/>
-                        <a:t>RESTRIÇÃO</a:t>
-                      </a:r>
-                      <a:endParaRPr lang="pt-BR" dirty="0"/>
-                    </a:p>
-                  </a:txBody>
-                  <a:tcPr/>
-                </a:tc>
-                <a:tc>
-                  <a:txBody>
-                    <a:bodyPr/>
-                    <a:lstStyle/>
-                    <a:p>
-                      <a:r>
-                        <a:rPr lang="pt-BR" dirty="0" smtClean="0"/>
-                        <a:t>OBS</a:t>
-                      </a:r>
-                      <a:endParaRPr lang="pt-BR" dirty="0"/>
-                    </a:p>
-                  </a:txBody>
-                  <a:tcPr/>
-                </a:tc>
-                <a:extLst>
-                  <a:ext uri="{0D108BD9-81ED-4DB2-BD59-A6C34878D82A}">
-                    <a16:rowId xmlns:a16="http://schemas.microsoft.com/office/drawing/2014/main" val="1653599076"/>
-                  </a:ext>
-                </a:extLst>
-              </a:tr>
-              <a:tr h="634233">
+              <a:tr h="956017">
                 <a:tc>
                   <a:txBody>
                     <a:bodyPr/>
@@ -11924,7 +9189,7 @@
                   </a:ext>
                 </a:extLst>
               </a:tr>
-              <a:tr h="773442">
+              <a:tr h="474758">
                 <a:tc>
                   <a:txBody>
                     <a:bodyPr/>
@@ -12017,7 +9282,7 @@
                   </a:ext>
                 </a:extLst>
               </a:tr>
-              <a:tr h="1005473">
+              <a:tr h="669212">
                 <a:tc>
                   <a:txBody>
                     <a:bodyPr/>
@@ -12117,7 +9382,7 @@
                   </a:ext>
                 </a:extLst>
               </a:tr>
-              <a:tr h="1005473">
+              <a:tr h="594805">
                 <a:tc>
                   <a:txBody>
                     <a:bodyPr/>
@@ -12190,7 +9455,7 @@
                   </a:ext>
                 </a:extLst>
               </a:tr>
-              <a:tr h="1005473">
+              <a:tr h="669212">
                 <a:tc>
                   <a:txBody>
                     <a:bodyPr/>
@@ -12282,7 +9547,7 @@
                   </a:ext>
                 </a:extLst>
               </a:tr>
-              <a:tr h="1005473">
+              <a:tr h="716362">
                 <a:tc>
                   <a:txBody>
                     <a:bodyPr/>
@@ -12303,8 +9568,8 @@
                     <a:lstStyle/>
                     <a:p>
                       <a:r>
-                        <a:rPr lang="pt-BR" dirty="0" err="1" smtClean="0"/>
-                        <a:t>CATEGORIAProduto</a:t>
+                        <a:rPr lang="pt-BR" dirty="0" smtClean="0"/>
+                        <a:t>CategoriaID</a:t>
                       </a:r>
                       <a:endParaRPr lang="pt-BR" dirty="0"/>
                     </a:p>
@@ -12359,6 +9624,83 @@
                   </a:ext>
                 </a:extLst>
               </a:tr>
+              <a:tr h="663879">
+                <a:tc>
+                  <a:txBody>
+                    <a:bodyPr/>
+                    <a:lstStyle/>
+                    <a:p>
+                      <a:r>
+                        <a:rPr lang="pt-BR" dirty="0" smtClean="0"/>
+                        <a:t>07</a:t>
+                      </a:r>
+                      <a:endParaRPr lang="pt-BR" dirty="0"/>
+                    </a:p>
+                  </a:txBody>
+                  <a:tcPr/>
+                </a:tc>
+                <a:tc>
+                  <a:txBody>
+                    <a:bodyPr/>
+                    <a:lstStyle/>
+                    <a:p>
+                      <a:r>
+                        <a:rPr lang="pt-BR" dirty="0" smtClean="0"/>
+                        <a:t>EmpresaID</a:t>
+                      </a:r>
+                      <a:endParaRPr lang="pt-BR" dirty="0"/>
+                    </a:p>
+                  </a:txBody>
+                  <a:tcPr/>
+                </a:tc>
+                <a:tc>
+                  <a:txBody>
+                    <a:bodyPr/>
+                    <a:lstStyle/>
+                    <a:p>
+                      <a:r>
+                        <a:rPr lang="pt-BR" dirty="0" smtClean="0"/>
+                        <a:t>INT</a:t>
+                      </a:r>
+                      <a:endParaRPr lang="pt-BR" dirty="0"/>
+                    </a:p>
+                  </a:txBody>
+                  <a:tcPr/>
+                </a:tc>
+                <a:tc>
+                  <a:txBody>
+                    <a:bodyPr/>
+                    <a:lstStyle/>
+                    <a:p>
+                      <a:r>
+                        <a:rPr lang="pt-BR" dirty="0" smtClean="0"/>
+                        <a:t>FK</a:t>
+                      </a:r>
+                      <a:endParaRPr lang="pt-BR" dirty="0"/>
+                    </a:p>
+                  </a:txBody>
+                  <a:tcPr/>
+                </a:tc>
+                <a:tc>
+                  <a:txBody>
+                    <a:bodyPr/>
+                    <a:lstStyle/>
+                    <a:p>
+                      <a:r>
+                        <a:rPr lang="pt-BR" dirty="0" smtClean="0"/>
+                        <a:t>Aceita nulo</a:t>
+                      </a:r>
+                      <a:endParaRPr lang="pt-BR" dirty="0"/>
+                    </a:p>
+                  </a:txBody>
+                  <a:tcPr/>
+                </a:tc>
+                <a:extLst>
+                  <a:ext uri="{0D108BD9-81ED-4DB2-BD59-A6C34878D82A}">
+                    <a16:rowId xmlns:a16="http://schemas.microsoft.com/office/drawing/2014/main" val="860053562"/>
+                  </a:ext>
+                </a:extLst>
+              </a:tr>
             </a:tbl>
           </a:graphicData>
         </a:graphic>
@@ -12425,7 +9767,7 @@
 </p:sld>
 </file>
 
-<file path=ppt/slides/slide7.xml><?xml version="1.0" encoding="utf-8"?>
+<file path=ppt/slides/slide5.xml><?xml version="1.0" encoding="utf-8"?>
 <p:sld xmlns:a="http://schemas.openxmlformats.org/drawingml/2006/main" xmlns:r="http://schemas.openxmlformats.org/officeDocument/2006/relationships" xmlns:p="http://schemas.openxmlformats.org/presentationml/2006/main">
   <p:cSld>
     <p:spTree>
@@ -12486,7 +9828,7 @@
 </p:sld>
 </file>
 
-<file path=ppt/slides/slide8.xml><?xml version="1.0" encoding="utf-8"?>
+<file path=ppt/slides/slide6.xml><?xml version="1.0" encoding="utf-8"?>
 <p:sld xmlns:a="http://schemas.openxmlformats.org/drawingml/2006/main" xmlns:r="http://schemas.openxmlformats.org/officeDocument/2006/relationships" xmlns:p="http://schemas.openxmlformats.org/presentationml/2006/main">
   <p:cSld>
     <p:spTree>
@@ -15838,7 +13180,7 @@
 </p:sld>
 </file>
 
-<file path=ppt/slides/slide9.xml><?xml version="1.0" encoding="utf-8"?>
+<file path=ppt/slides/slide7.xml><?xml version="1.0" encoding="utf-8"?>
 <p:sld xmlns:a="http://schemas.openxmlformats.org/drawingml/2006/main" xmlns:r="http://schemas.openxmlformats.org/officeDocument/2006/relationships" xmlns:p="http://schemas.openxmlformats.org/presentationml/2006/main">
   <p:cSld>
     <p:spTree>
@@ -16696,6 +14038,946 @@
 </p:sld>
 </file>
 
+<file path=ppt/slides/slide8.xml><?xml version="1.0" encoding="utf-8"?>
+<p:sld xmlns:a="http://schemas.openxmlformats.org/drawingml/2006/main" xmlns:r="http://schemas.openxmlformats.org/officeDocument/2006/relationships" xmlns:p="http://schemas.openxmlformats.org/presentationml/2006/main">
+  <p:cSld>
+    <p:spTree>
+      <p:nvGrpSpPr>
+        <p:cNvPr id="1" name=""/>
+        <p:cNvGrpSpPr/>
+        <p:nvPr/>
+      </p:nvGrpSpPr>
+      <p:grpSpPr>
+        <a:xfrm>
+          <a:off x="0" y="0"/>
+          <a:ext cx="0" cy="0"/>
+          <a:chOff x="0" y="0"/>
+          <a:chExt cx="0" cy="0"/>
+        </a:xfrm>
+      </p:grpSpPr>
+      <p:sp>
+        <p:nvSpPr>
+          <p:cNvPr id="2" name="Título 1"/>
+          <p:cNvSpPr>
+            <a:spLocks noGrp="1"/>
+          </p:cNvSpPr>
+          <p:nvPr>
+            <p:ph type="title"/>
+          </p:nvPr>
+        </p:nvSpPr>
+        <p:spPr>
+          <a:xfrm>
+            <a:off x="419100" y="365125"/>
+            <a:ext cx="11353800" cy="1325563"/>
+          </a:xfrm>
+        </p:spPr>
+        <p:txBody>
+          <a:bodyPr/>
+          <a:lstStyle/>
+          <a:p>
+            <a:r>
+              <a:rPr lang="pt-BR" dirty="0" smtClean="0">
+                <a:latin typeface="Times New Roman" panose="02020603050405020304" pitchFamily="18" charset="0"/>
+                <a:cs typeface="Times New Roman" panose="02020603050405020304" pitchFamily="18" charset="0"/>
+              </a:rPr>
+              <a:t>RN n.1 Categorias</a:t>
+            </a:r>
+            <a:endParaRPr lang="pt-BR" dirty="0">
+              <a:latin typeface="Times New Roman" panose="02020603050405020304" pitchFamily="18" charset="0"/>
+              <a:cs typeface="Times New Roman" panose="02020603050405020304" pitchFamily="18" charset="0"/>
+            </a:endParaRPr>
+          </a:p>
+        </p:txBody>
+      </p:sp>
+      <p:sp>
+        <p:nvSpPr>
+          <p:cNvPr id="3" name="Espaço Reservado para Conteúdo 2"/>
+          <p:cNvSpPr>
+            <a:spLocks noGrp="1"/>
+          </p:cNvSpPr>
+          <p:nvPr>
+            <p:ph idx="1"/>
+          </p:nvPr>
+        </p:nvSpPr>
+        <p:spPr>
+          <a:xfrm>
+            <a:off x="838200" y="1825625"/>
+            <a:ext cx="5068614" cy="4351338"/>
+          </a:xfrm>
+        </p:spPr>
+        <p:txBody>
+          <a:bodyPr/>
+          <a:lstStyle/>
+          <a:p>
+            <a:r>
+              <a:rPr lang="pt-BR" dirty="0" smtClean="0">
+                <a:latin typeface="Times New Roman" panose="02020603050405020304" pitchFamily="18" charset="0"/>
+                <a:cs typeface="Times New Roman" panose="02020603050405020304" pitchFamily="18" charset="0"/>
+              </a:rPr>
+              <a:t>Ao entrar no cardápio da empresa é exibido as categorias que existe produtos vinculados.</a:t>
+            </a:r>
+          </a:p>
+          <a:p>
+            <a:endParaRPr lang="pt-BR" dirty="0">
+              <a:latin typeface="Times New Roman" panose="02020603050405020304" pitchFamily="18" charset="0"/>
+              <a:cs typeface="Times New Roman" panose="02020603050405020304" pitchFamily="18" charset="0"/>
+            </a:endParaRPr>
+          </a:p>
+          <a:p>
+            <a:endParaRPr lang="pt-BR" dirty="0" smtClean="0">
+              <a:latin typeface="Times New Roman" panose="02020603050405020304" pitchFamily="18" charset="0"/>
+              <a:cs typeface="Times New Roman" panose="02020603050405020304" pitchFamily="18" charset="0"/>
+            </a:endParaRPr>
+          </a:p>
+          <a:p>
+            <a:endParaRPr lang="pt-BR" dirty="0"/>
+          </a:p>
+        </p:txBody>
+      </p:sp>
+      <p:pic>
+        <p:nvPicPr>
+          <p:cNvPr id="4" name="Imagem 3"/>
+          <p:cNvPicPr>
+            <a:picLocks noChangeAspect="1"/>
+          </p:cNvPicPr>
+          <p:nvPr/>
+        </p:nvPicPr>
+        <p:blipFill>
+          <a:blip r:embed="rId2"/>
+          <a:stretch>
+            <a:fillRect/>
+          </a:stretch>
+        </p:blipFill>
+        <p:spPr>
+          <a:xfrm>
+            <a:off x="7363812" y="589486"/>
+            <a:ext cx="3009899" cy="5879631"/>
+          </a:xfrm>
+          <a:prstGeom prst="rect">
+            <a:avLst/>
+          </a:prstGeom>
+        </p:spPr>
+      </p:pic>
+      <p:cxnSp>
+        <p:nvCxnSpPr>
+          <p:cNvPr id="5" name="Conector de Seta Reta 4"/>
+          <p:cNvCxnSpPr/>
+          <p:nvPr/>
+        </p:nvCxnSpPr>
+        <p:spPr>
+          <a:xfrm>
+            <a:off x="6586046" y="2060029"/>
+            <a:ext cx="777766" cy="441434"/>
+          </a:xfrm>
+          <a:prstGeom prst="straightConnector1">
+            <a:avLst/>
+          </a:prstGeom>
+          <a:ln>
+            <a:tailEnd type="triangle"/>
+          </a:ln>
+        </p:spPr>
+        <p:style>
+          <a:lnRef idx="1">
+            <a:schemeClr val="accent2"/>
+          </a:lnRef>
+          <a:fillRef idx="0">
+            <a:schemeClr val="accent2"/>
+          </a:fillRef>
+          <a:effectRef idx="0">
+            <a:schemeClr val="accent2"/>
+          </a:effectRef>
+          <a:fontRef idx="minor">
+            <a:schemeClr val="tx1"/>
+          </a:fontRef>
+        </p:style>
+      </p:cxnSp>
+      <p:cxnSp>
+        <p:nvCxnSpPr>
+          <p:cNvPr id="6" name="Conector de Seta Reta 5"/>
+          <p:cNvCxnSpPr/>
+          <p:nvPr/>
+        </p:nvCxnSpPr>
+        <p:spPr>
+          <a:xfrm>
+            <a:off x="6312777" y="3174125"/>
+            <a:ext cx="1051035" cy="21020"/>
+          </a:xfrm>
+          <a:prstGeom prst="straightConnector1">
+            <a:avLst/>
+          </a:prstGeom>
+          <a:ln>
+            <a:tailEnd type="triangle"/>
+          </a:ln>
+        </p:spPr>
+        <p:style>
+          <a:lnRef idx="1">
+            <a:schemeClr val="accent2"/>
+          </a:lnRef>
+          <a:fillRef idx="0">
+            <a:schemeClr val="accent2"/>
+          </a:fillRef>
+          <a:effectRef idx="0">
+            <a:schemeClr val="accent2"/>
+          </a:effectRef>
+          <a:fontRef idx="minor">
+            <a:schemeClr val="tx1"/>
+          </a:fontRef>
+        </p:style>
+      </p:cxnSp>
+      <p:cxnSp>
+        <p:nvCxnSpPr>
+          <p:cNvPr id="7" name="Conector de Seta Reta 6"/>
+          <p:cNvCxnSpPr/>
+          <p:nvPr/>
+        </p:nvCxnSpPr>
+        <p:spPr>
+          <a:xfrm flipV="1">
+            <a:off x="6302267" y="3930869"/>
+            <a:ext cx="1061545" cy="94594"/>
+          </a:xfrm>
+          <a:prstGeom prst="straightConnector1">
+            <a:avLst/>
+          </a:prstGeom>
+          <a:ln>
+            <a:tailEnd type="triangle"/>
+          </a:ln>
+        </p:spPr>
+        <p:style>
+          <a:lnRef idx="1">
+            <a:schemeClr val="accent2"/>
+          </a:lnRef>
+          <a:fillRef idx="0">
+            <a:schemeClr val="accent2"/>
+          </a:fillRef>
+          <a:effectRef idx="0">
+            <a:schemeClr val="accent2"/>
+          </a:effectRef>
+          <a:fontRef idx="minor">
+            <a:schemeClr val="tx1"/>
+          </a:fontRef>
+        </p:style>
+      </p:cxnSp>
+      <p:sp>
+        <p:nvSpPr>
+          <p:cNvPr id="8" name="Retângulo 7"/>
+          <p:cNvSpPr/>
+          <p:nvPr/>
+        </p:nvSpPr>
+        <p:spPr>
+          <a:xfrm>
+            <a:off x="1085910" y="3440418"/>
+            <a:ext cx="2445566" cy="980902"/>
+          </a:xfrm>
+          <a:prstGeom prst="rect">
+            <a:avLst/>
+          </a:prstGeom>
+        </p:spPr>
+        <p:style>
+          <a:lnRef idx="2">
+            <a:schemeClr val="dk1"/>
+          </a:lnRef>
+          <a:fillRef idx="1">
+            <a:schemeClr val="lt1"/>
+          </a:fillRef>
+          <a:effectRef idx="0">
+            <a:schemeClr val="dk1"/>
+          </a:effectRef>
+          <a:fontRef idx="minor">
+            <a:schemeClr val="dk1"/>
+          </a:fontRef>
+        </p:style>
+        <p:txBody>
+          <a:bodyPr rtlCol="0" anchor="ctr"/>
+          <a:lstStyle/>
+          <a:p>
+            <a:pPr algn="ctr"/>
+            <a:r>
+              <a:rPr lang="pt-BR" dirty="0" smtClean="0"/>
+              <a:t>Categoria</a:t>
+            </a:r>
+            <a:endParaRPr lang="pt-BR" dirty="0"/>
+          </a:p>
+        </p:txBody>
+      </p:sp>
+    </p:spTree>
+    <p:extLst>
+      <p:ext uri="{BB962C8B-B14F-4D97-AF65-F5344CB8AC3E}">
+        <p14:creationId xmlns:p14="http://schemas.microsoft.com/office/powerpoint/2010/main" val="1350709950"/>
+      </p:ext>
+    </p:extLst>
+  </p:cSld>
+  <p:clrMapOvr>
+    <a:masterClrMapping/>
+  </p:clrMapOvr>
+  <p:timing>
+    <p:tnLst>
+      <p:par>
+        <p:cTn id="1" dur="indefinite" restart="never" nodeType="tmRoot"/>
+      </p:par>
+    </p:tnLst>
+  </p:timing>
+</p:sld>
+</file>
+
+<file path=ppt/slides/slide9.xml><?xml version="1.0" encoding="utf-8"?>
+<p:sld xmlns:a="http://schemas.openxmlformats.org/drawingml/2006/main" xmlns:r="http://schemas.openxmlformats.org/officeDocument/2006/relationships" xmlns:p="http://schemas.openxmlformats.org/presentationml/2006/main">
+  <p:cSld>
+    <p:spTree>
+      <p:nvGrpSpPr>
+        <p:cNvPr id="1" name=""/>
+        <p:cNvGrpSpPr/>
+        <p:nvPr/>
+      </p:nvGrpSpPr>
+      <p:grpSpPr>
+        <a:xfrm>
+          <a:off x="0" y="0"/>
+          <a:ext cx="0" cy="0"/>
+          <a:chOff x="0" y="0"/>
+          <a:chExt cx="0" cy="0"/>
+        </a:xfrm>
+      </p:grpSpPr>
+      <p:sp>
+        <p:nvSpPr>
+          <p:cNvPr id="2" name="Título 1"/>
+          <p:cNvSpPr>
+            <a:spLocks noGrp="1"/>
+          </p:cNvSpPr>
+          <p:nvPr>
+            <p:ph type="title"/>
+          </p:nvPr>
+        </p:nvSpPr>
+        <p:spPr>
+          <a:xfrm>
+            <a:off x="94593" y="0"/>
+            <a:ext cx="13074868" cy="1325563"/>
+          </a:xfrm>
+        </p:spPr>
+        <p:txBody>
+          <a:bodyPr>
+            <a:normAutofit/>
+          </a:bodyPr>
+          <a:lstStyle/>
+          <a:p>
+            <a:r>
+              <a:rPr lang="pt-BR" sz="3600" dirty="0" smtClean="0">
+                <a:latin typeface="Times New Roman" panose="02020603050405020304" pitchFamily="18" charset="0"/>
+                <a:cs typeface="Times New Roman" panose="02020603050405020304" pitchFamily="18" charset="0"/>
+              </a:rPr>
+              <a:t>RN n.1 Caso de teste</a:t>
+            </a:r>
+            <a:r>
+              <a:rPr lang="pt-BR" sz="3600" dirty="0">
+                <a:latin typeface="Times New Roman" panose="02020603050405020304" pitchFamily="18" charset="0"/>
+                <a:cs typeface="Times New Roman" panose="02020603050405020304" pitchFamily="18" charset="0"/>
+              </a:rPr>
+              <a:t>:</a:t>
+            </a:r>
+            <a:r>
+              <a:rPr lang="pt-BR" sz="3600" dirty="0" smtClean="0">
+                <a:latin typeface="Times New Roman" panose="02020603050405020304" pitchFamily="18" charset="0"/>
+                <a:cs typeface="Times New Roman" panose="02020603050405020304" pitchFamily="18" charset="0"/>
+              </a:rPr>
+              <a:t> Categorias</a:t>
+            </a:r>
+            <a:endParaRPr lang="pt-BR" sz="3600" dirty="0">
+              <a:latin typeface="Times New Roman" panose="02020603050405020304" pitchFamily="18" charset="0"/>
+              <a:cs typeface="Times New Roman" panose="02020603050405020304" pitchFamily="18" charset="0"/>
+            </a:endParaRPr>
+          </a:p>
+        </p:txBody>
+      </p:sp>
+      <p:sp>
+        <p:nvSpPr>
+          <p:cNvPr id="3" name="Espaço Reservado para Conteúdo 2"/>
+          <p:cNvSpPr>
+            <a:spLocks noGrp="1"/>
+          </p:cNvSpPr>
+          <p:nvPr>
+            <p:ph idx="1"/>
+          </p:nvPr>
+        </p:nvSpPr>
+        <p:spPr>
+          <a:xfrm>
+            <a:off x="302172" y="1490992"/>
+            <a:ext cx="4784835" cy="4351338"/>
+          </a:xfrm>
+        </p:spPr>
+        <p:txBody>
+          <a:bodyPr>
+            <a:normAutofit/>
+          </a:bodyPr>
+          <a:lstStyle/>
+          <a:p>
+            <a:pPr marL="0" indent="0">
+              <a:buNone/>
+            </a:pPr>
+            <a:r>
+              <a:rPr lang="pt-BR" sz="1100" dirty="0">
+                <a:latin typeface="Times New Roman" panose="02020603050405020304" pitchFamily="18" charset="0"/>
+                <a:cs typeface="Times New Roman" panose="02020603050405020304" pitchFamily="18" charset="0"/>
+              </a:rPr>
+              <a:t>Identificação: </a:t>
+            </a:r>
+          </a:p>
+          <a:p>
+            <a:pPr marL="0" indent="0">
+              <a:buNone/>
+            </a:pPr>
+            <a:r>
+              <a:rPr lang="pt-BR" sz="1100" dirty="0">
+                <a:latin typeface="Times New Roman" panose="02020603050405020304" pitchFamily="18" charset="0"/>
+                <a:cs typeface="Times New Roman" panose="02020603050405020304" pitchFamily="18" charset="0"/>
+              </a:rPr>
+              <a:t>Nome: Teste de </a:t>
+            </a:r>
+            <a:r>
+              <a:rPr lang="pt-BR" sz="1100" dirty="0" smtClean="0">
+                <a:latin typeface="Times New Roman" panose="02020603050405020304" pitchFamily="18" charset="0"/>
+                <a:cs typeface="Times New Roman" panose="02020603050405020304" pitchFamily="18" charset="0"/>
+              </a:rPr>
+              <a:t>Visualizar Categorias </a:t>
+            </a:r>
+            <a:endParaRPr lang="pt-BR" sz="1100" dirty="0">
+              <a:latin typeface="Times New Roman" panose="02020603050405020304" pitchFamily="18" charset="0"/>
+              <a:cs typeface="Times New Roman" panose="02020603050405020304" pitchFamily="18" charset="0"/>
+            </a:endParaRPr>
+          </a:p>
+          <a:p>
+            <a:pPr marL="0" indent="0">
+              <a:buNone/>
+            </a:pPr>
+            <a:r>
+              <a:rPr lang="pt-BR" sz="1100" dirty="0">
+                <a:latin typeface="Times New Roman" panose="02020603050405020304" pitchFamily="18" charset="0"/>
+                <a:cs typeface="Times New Roman" panose="02020603050405020304" pitchFamily="18" charset="0"/>
+              </a:rPr>
+              <a:t>ID: RN n.1 </a:t>
+            </a:r>
+          </a:p>
+          <a:p>
+            <a:pPr marL="0" indent="0">
+              <a:buNone/>
+            </a:pPr>
+            <a:r>
+              <a:rPr lang="pt-BR" sz="1100" dirty="0">
+                <a:latin typeface="Times New Roman" panose="02020603050405020304" pitchFamily="18" charset="0"/>
+                <a:cs typeface="Times New Roman" panose="02020603050405020304" pitchFamily="18" charset="0"/>
+              </a:rPr>
+              <a:t>Data de criação: </a:t>
+            </a:r>
+            <a:r>
+              <a:rPr lang="pt-BR" sz="1100" dirty="0" smtClean="0">
+                <a:latin typeface="Times New Roman" panose="02020603050405020304" pitchFamily="18" charset="0"/>
+                <a:cs typeface="Times New Roman" panose="02020603050405020304" pitchFamily="18" charset="0"/>
+              </a:rPr>
+              <a:t>10/05/2023 15:20 </a:t>
+            </a:r>
+            <a:r>
+              <a:rPr lang="pt-BR" sz="1100" dirty="0">
+                <a:latin typeface="Times New Roman" panose="02020603050405020304" pitchFamily="18" charset="0"/>
+                <a:cs typeface="Times New Roman" panose="02020603050405020304" pitchFamily="18" charset="0"/>
+              </a:rPr>
+              <a:t>PM.</a:t>
+            </a:r>
+          </a:p>
+          <a:p>
+            <a:pPr marL="0" indent="0">
+              <a:buNone/>
+            </a:pPr>
+            <a:r>
+              <a:rPr lang="pt-BR" sz="1100" dirty="0">
+                <a:latin typeface="Times New Roman" panose="02020603050405020304" pitchFamily="18" charset="0"/>
+                <a:cs typeface="Times New Roman" panose="02020603050405020304" pitchFamily="18" charset="0"/>
+              </a:rPr>
+              <a:t>Autor: Pedro </a:t>
+            </a:r>
+            <a:r>
+              <a:rPr lang="pt-BR" sz="1100" dirty="0" smtClean="0">
+                <a:latin typeface="Times New Roman" panose="02020603050405020304" pitchFamily="18" charset="0"/>
+                <a:cs typeface="Times New Roman" panose="02020603050405020304" pitchFamily="18" charset="0"/>
+              </a:rPr>
+              <a:t>Marcelo</a:t>
+            </a:r>
+          </a:p>
+          <a:p>
+            <a:pPr marL="0" indent="0">
+              <a:buNone/>
+            </a:pPr>
+            <a:endParaRPr lang="pt-BR" sz="1100" dirty="0">
+              <a:latin typeface="Times New Roman" panose="02020603050405020304" pitchFamily="18" charset="0"/>
+              <a:cs typeface="Times New Roman" panose="02020603050405020304" pitchFamily="18" charset="0"/>
+            </a:endParaRPr>
+          </a:p>
+          <a:p>
+            <a:pPr marL="0" indent="0">
+              <a:buNone/>
+            </a:pPr>
+            <a:r>
+              <a:rPr lang="pt-BR" sz="1100" dirty="0">
+                <a:latin typeface="Times New Roman" panose="02020603050405020304" pitchFamily="18" charset="0"/>
+                <a:cs typeface="Times New Roman" panose="02020603050405020304" pitchFamily="18" charset="0"/>
+              </a:rPr>
+              <a:t>Descrição: </a:t>
+            </a:r>
+            <a:r>
+              <a:rPr lang="pt-BR" sz="1100" dirty="0" smtClean="0">
+                <a:latin typeface="Times New Roman" panose="02020603050405020304" pitchFamily="18" charset="0"/>
+                <a:cs typeface="Times New Roman" panose="02020603050405020304" pitchFamily="18" charset="0"/>
+              </a:rPr>
+              <a:t>caso de teste para visualizar as categorias</a:t>
+            </a:r>
+            <a:endParaRPr lang="pt-BR" sz="1100" dirty="0">
+              <a:latin typeface="Times New Roman" panose="02020603050405020304" pitchFamily="18" charset="0"/>
+              <a:cs typeface="Times New Roman" panose="02020603050405020304" pitchFamily="18" charset="0"/>
+            </a:endParaRPr>
+          </a:p>
+          <a:p>
+            <a:pPr marL="0" indent="0">
+              <a:buNone/>
+            </a:pPr>
+            <a:r>
+              <a:rPr lang="pt-BR" sz="1100" dirty="0">
+                <a:latin typeface="Times New Roman" panose="02020603050405020304" pitchFamily="18" charset="0"/>
+                <a:cs typeface="Times New Roman" panose="02020603050405020304" pitchFamily="18" charset="0"/>
+              </a:rPr>
+              <a:t> Pré-requisitos:</a:t>
+            </a:r>
+          </a:p>
+          <a:p>
+            <a:pPr marL="0" indent="0">
+              <a:buNone/>
+            </a:pPr>
+            <a:endParaRPr lang="pt-BR" sz="1100" dirty="0">
+              <a:latin typeface="Times New Roman" panose="02020603050405020304" pitchFamily="18" charset="0"/>
+              <a:cs typeface="Times New Roman" panose="02020603050405020304" pitchFamily="18" charset="0"/>
+            </a:endParaRPr>
+          </a:p>
+          <a:p>
+            <a:pPr marL="0" indent="0">
+              <a:buNone/>
+            </a:pPr>
+            <a:r>
+              <a:rPr lang="pt-BR" sz="1100" dirty="0">
+                <a:latin typeface="Times New Roman" panose="02020603050405020304" pitchFamily="18" charset="0"/>
+                <a:cs typeface="Times New Roman" panose="02020603050405020304" pitchFamily="18" charset="0"/>
+              </a:rPr>
+              <a:t>1.Acesso ao cardápio da empresa selecionada</a:t>
+            </a:r>
+          </a:p>
+          <a:p>
+            <a:pPr marL="0" indent="0">
+              <a:buNone/>
+            </a:pPr>
+            <a:endParaRPr lang="pt-BR" sz="1100" dirty="0">
+              <a:latin typeface="Times New Roman" panose="02020603050405020304" pitchFamily="18" charset="0"/>
+              <a:cs typeface="Times New Roman" panose="02020603050405020304" pitchFamily="18" charset="0"/>
+            </a:endParaRPr>
+          </a:p>
+          <a:p>
+            <a:pPr marL="0" indent="0">
+              <a:buNone/>
+            </a:pPr>
+            <a:r>
+              <a:rPr lang="pt-BR" sz="1100" dirty="0">
+                <a:latin typeface="Times New Roman" panose="02020603050405020304" pitchFamily="18" charset="0"/>
+                <a:cs typeface="Times New Roman" panose="02020603050405020304" pitchFamily="18" charset="0"/>
+              </a:rPr>
+              <a:t>Etapas de teste:</a:t>
+            </a:r>
+          </a:p>
+          <a:p>
+            <a:pPr marL="0" indent="0">
+              <a:buNone/>
+            </a:pPr>
+            <a:r>
+              <a:rPr lang="pt-BR" sz="1100" dirty="0" smtClean="0">
+                <a:latin typeface="Times New Roman" panose="02020603050405020304" pitchFamily="18" charset="0"/>
+                <a:cs typeface="Times New Roman" panose="02020603050405020304" pitchFamily="18" charset="0"/>
+              </a:rPr>
+              <a:t>1.acesse </a:t>
+            </a:r>
+            <a:r>
+              <a:rPr lang="pt-BR" sz="1100" dirty="0">
+                <a:latin typeface="Times New Roman" panose="02020603050405020304" pitchFamily="18" charset="0"/>
+                <a:cs typeface="Times New Roman" panose="02020603050405020304" pitchFamily="18" charset="0"/>
+              </a:rPr>
+              <a:t>a tela principal do cardápio</a:t>
+            </a:r>
+          </a:p>
+          <a:p>
+            <a:pPr marL="0" indent="0">
+              <a:buNone/>
+            </a:pPr>
+            <a:endParaRPr lang="pt-BR" sz="1000" dirty="0">
+              <a:latin typeface="Times New Roman" panose="02020603050405020304" pitchFamily="18" charset="0"/>
+              <a:cs typeface="Times New Roman" panose="02020603050405020304" pitchFamily="18" charset="0"/>
+            </a:endParaRPr>
+          </a:p>
+        </p:txBody>
+      </p:sp>
+      <p:sp>
+        <p:nvSpPr>
+          <p:cNvPr id="4" name="Espaço Reservado para Conteúdo 2"/>
+          <p:cNvSpPr txBox="1">
+            <a:spLocks/>
+          </p:cNvSpPr>
+          <p:nvPr/>
+        </p:nvSpPr>
+        <p:spPr>
+          <a:xfrm>
+            <a:off x="6032937" y="1489515"/>
+            <a:ext cx="4784835" cy="4351338"/>
+          </a:xfrm>
+          <a:prstGeom prst="rect">
+            <a:avLst/>
+          </a:prstGeom>
+        </p:spPr>
+        <p:txBody>
+          <a:bodyPr vert="horz" lIns="91440" tIns="45720" rIns="91440" bIns="45720" rtlCol="0">
+            <a:normAutofit/>
+          </a:bodyPr>
+          <a:lstStyle>
+            <a:lvl1pPr marL="228600" indent="-228600" algn="l" defTabSz="914400" rtl="0" eaLnBrk="1" latinLnBrk="0" hangingPunct="1">
+              <a:lnSpc>
+                <a:spcPct val="90000"/>
+              </a:lnSpc>
+              <a:spcBef>
+                <a:spcPts val="1000"/>
+              </a:spcBef>
+              <a:buFont typeface="Arial" panose="020B0604020202020204" pitchFamily="34" charset="0"/>
+              <a:buChar char="•"/>
+              <a:defRPr sz="2800" kern="1200">
+                <a:solidFill>
+                  <a:schemeClr val="tx1"/>
+                </a:solidFill>
+                <a:latin typeface="+mn-lt"/>
+                <a:ea typeface="+mn-ea"/>
+                <a:cs typeface="+mn-cs"/>
+              </a:defRPr>
+            </a:lvl1pPr>
+            <a:lvl2pPr marL="685800" indent="-228600" algn="l" defTabSz="914400" rtl="0" eaLnBrk="1" latinLnBrk="0" hangingPunct="1">
+              <a:lnSpc>
+                <a:spcPct val="90000"/>
+              </a:lnSpc>
+              <a:spcBef>
+                <a:spcPts val="500"/>
+              </a:spcBef>
+              <a:buFont typeface="Arial" panose="020B0604020202020204" pitchFamily="34" charset="0"/>
+              <a:buChar char="•"/>
+              <a:defRPr sz="2400" kern="1200">
+                <a:solidFill>
+                  <a:schemeClr val="tx1"/>
+                </a:solidFill>
+                <a:latin typeface="+mn-lt"/>
+                <a:ea typeface="+mn-ea"/>
+                <a:cs typeface="+mn-cs"/>
+              </a:defRPr>
+            </a:lvl2pPr>
+            <a:lvl3pPr marL="1143000" indent="-228600" algn="l" defTabSz="914400" rtl="0" eaLnBrk="1" latinLnBrk="0" hangingPunct="1">
+              <a:lnSpc>
+                <a:spcPct val="90000"/>
+              </a:lnSpc>
+              <a:spcBef>
+                <a:spcPts val="500"/>
+              </a:spcBef>
+              <a:buFont typeface="Arial" panose="020B0604020202020204" pitchFamily="34" charset="0"/>
+              <a:buChar char="•"/>
+              <a:defRPr sz="2000" kern="1200">
+                <a:solidFill>
+                  <a:schemeClr val="tx1"/>
+                </a:solidFill>
+                <a:latin typeface="+mn-lt"/>
+                <a:ea typeface="+mn-ea"/>
+                <a:cs typeface="+mn-cs"/>
+              </a:defRPr>
+            </a:lvl3pPr>
+            <a:lvl4pPr marL="1600200" indent="-228600" algn="l" defTabSz="914400" rtl="0" eaLnBrk="1" latinLnBrk="0" hangingPunct="1">
+              <a:lnSpc>
+                <a:spcPct val="90000"/>
+              </a:lnSpc>
+              <a:spcBef>
+                <a:spcPts val="500"/>
+              </a:spcBef>
+              <a:buFont typeface="Arial" panose="020B0604020202020204" pitchFamily="34" charset="0"/>
+              <a:buChar char="•"/>
+              <a:defRPr sz="1800" kern="1200">
+                <a:solidFill>
+                  <a:schemeClr val="tx1"/>
+                </a:solidFill>
+                <a:latin typeface="+mn-lt"/>
+                <a:ea typeface="+mn-ea"/>
+                <a:cs typeface="+mn-cs"/>
+              </a:defRPr>
+            </a:lvl4pPr>
+            <a:lvl5pPr marL="2057400" indent="-228600" algn="l" defTabSz="914400" rtl="0" eaLnBrk="1" latinLnBrk="0" hangingPunct="1">
+              <a:lnSpc>
+                <a:spcPct val="90000"/>
+              </a:lnSpc>
+              <a:spcBef>
+                <a:spcPts val="500"/>
+              </a:spcBef>
+              <a:buFont typeface="Arial" panose="020B0604020202020204" pitchFamily="34" charset="0"/>
+              <a:buChar char="•"/>
+              <a:defRPr sz="1800" kern="1200">
+                <a:solidFill>
+                  <a:schemeClr val="tx1"/>
+                </a:solidFill>
+                <a:latin typeface="+mn-lt"/>
+                <a:ea typeface="+mn-ea"/>
+                <a:cs typeface="+mn-cs"/>
+              </a:defRPr>
+            </a:lvl5pPr>
+            <a:lvl6pPr marL="2514600" indent="-228600" algn="l" defTabSz="914400" rtl="0" eaLnBrk="1" latinLnBrk="0" hangingPunct="1">
+              <a:lnSpc>
+                <a:spcPct val="90000"/>
+              </a:lnSpc>
+              <a:spcBef>
+                <a:spcPts val="500"/>
+              </a:spcBef>
+              <a:buFont typeface="Arial" panose="020B0604020202020204" pitchFamily="34" charset="0"/>
+              <a:buChar char="•"/>
+              <a:defRPr sz="1800" kern="1200">
+                <a:solidFill>
+                  <a:schemeClr val="tx1"/>
+                </a:solidFill>
+                <a:latin typeface="+mn-lt"/>
+                <a:ea typeface="+mn-ea"/>
+                <a:cs typeface="+mn-cs"/>
+              </a:defRPr>
+            </a:lvl6pPr>
+            <a:lvl7pPr marL="2971800" indent="-228600" algn="l" defTabSz="914400" rtl="0" eaLnBrk="1" latinLnBrk="0" hangingPunct="1">
+              <a:lnSpc>
+                <a:spcPct val="90000"/>
+              </a:lnSpc>
+              <a:spcBef>
+                <a:spcPts val="500"/>
+              </a:spcBef>
+              <a:buFont typeface="Arial" panose="020B0604020202020204" pitchFamily="34" charset="0"/>
+              <a:buChar char="•"/>
+              <a:defRPr sz="1800" kern="1200">
+                <a:solidFill>
+                  <a:schemeClr val="tx1"/>
+                </a:solidFill>
+                <a:latin typeface="+mn-lt"/>
+                <a:ea typeface="+mn-ea"/>
+                <a:cs typeface="+mn-cs"/>
+              </a:defRPr>
+            </a:lvl7pPr>
+            <a:lvl8pPr marL="3429000" indent="-228600" algn="l" defTabSz="914400" rtl="0" eaLnBrk="1" latinLnBrk="0" hangingPunct="1">
+              <a:lnSpc>
+                <a:spcPct val="90000"/>
+              </a:lnSpc>
+              <a:spcBef>
+                <a:spcPts val="500"/>
+              </a:spcBef>
+              <a:buFont typeface="Arial" panose="020B0604020202020204" pitchFamily="34" charset="0"/>
+              <a:buChar char="•"/>
+              <a:defRPr sz="1800" kern="1200">
+                <a:solidFill>
+                  <a:schemeClr val="tx1"/>
+                </a:solidFill>
+                <a:latin typeface="+mn-lt"/>
+                <a:ea typeface="+mn-ea"/>
+                <a:cs typeface="+mn-cs"/>
+              </a:defRPr>
+            </a:lvl8pPr>
+            <a:lvl9pPr marL="3886200" indent="-228600" algn="l" defTabSz="914400" rtl="0" eaLnBrk="1" latinLnBrk="0" hangingPunct="1">
+              <a:lnSpc>
+                <a:spcPct val="90000"/>
+              </a:lnSpc>
+              <a:spcBef>
+                <a:spcPts val="500"/>
+              </a:spcBef>
+              <a:buFont typeface="Arial" panose="020B0604020202020204" pitchFamily="34" charset="0"/>
+              <a:buChar char="•"/>
+              <a:defRPr sz="1800" kern="1200">
+                <a:solidFill>
+                  <a:schemeClr val="tx1"/>
+                </a:solidFill>
+                <a:latin typeface="+mn-lt"/>
+                <a:ea typeface="+mn-ea"/>
+                <a:cs typeface="+mn-cs"/>
+              </a:defRPr>
+            </a:lvl9pPr>
+          </a:lstStyle>
+          <a:p>
+            <a:pPr marL="0" indent="0">
+              <a:buNone/>
+            </a:pPr>
+            <a:r>
+              <a:rPr lang="pt-BR" sz="1100" dirty="0">
+                <a:latin typeface="Times New Roman" panose="02020603050405020304" pitchFamily="18" charset="0"/>
+                <a:cs typeface="Times New Roman" panose="02020603050405020304" pitchFamily="18" charset="0"/>
+              </a:rPr>
+              <a:t>Resultado Esperado:</a:t>
+            </a:r>
+          </a:p>
+          <a:p>
+            <a:pPr marL="0" indent="0">
+              <a:buNone/>
+            </a:pPr>
+            <a:r>
+              <a:rPr lang="pt-BR" sz="1100" dirty="0">
+                <a:latin typeface="Times New Roman" panose="02020603050405020304" pitchFamily="18" charset="0"/>
+                <a:cs typeface="Times New Roman" panose="02020603050405020304" pitchFamily="18" charset="0"/>
+              </a:rPr>
+              <a:t>O cliente deve ser redirecionado para tela </a:t>
+            </a:r>
+            <a:r>
+              <a:rPr lang="pt-BR" sz="1100" dirty="0" smtClean="0">
+                <a:latin typeface="Times New Roman" panose="02020603050405020304" pitchFamily="18" charset="0"/>
+                <a:cs typeface="Times New Roman" panose="02020603050405020304" pitchFamily="18" charset="0"/>
+              </a:rPr>
+              <a:t>inicial do cardápio e visualizar as categorias disponíveis.</a:t>
+            </a:r>
+            <a:endParaRPr lang="pt-BR" sz="1100" dirty="0">
+              <a:latin typeface="Times New Roman" panose="02020603050405020304" pitchFamily="18" charset="0"/>
+              <a:cs typeface="Times New Roman" panose="02020603050405020304" pitchFamily="18" charset="0"/>
+            </a:endParaRPr>
+          </a:p>
+          <a:p>
+            <a:pPr marL="0" indent="0">
+              <a:buNone/>
+            </a:pPr>
+            <a:r>
+              <a:rPr lang="pt-BR" sz="1100" dirty="0">
+                <a:latin typeface="Times New Roman" panose="02020603050405020304" pitchFamily="18" charset="0"/>
+                <a:cs typeface="Times New Roman" panose="02020603050405020304" pitchFamily="18" charset="0"/>
+              </a:rPr>
+              <a:t> </a:t>
+            </a:r>
+          </a:p>
+          <a:p>
+            <a:pPr marL="0" indent="0">
+              <a:buNone/>
+            </a:pPr>
+            <a:r>
+              <a:rPr lang="pt-BR" sz="1100" dirty="0">
+                <a:latin typeface="Times New Roman" panose="02020603050405020304" pitchFamily="18" charset="0"/>
+                <a:cs typeface="Times New Roman" panose="02020603050405020304" pitchFamily="18" charset="0"/>
+              </a:rPr>
+              <a:t>Critérios de sucesso:</a:t>
+            </a:r>
+          </a:p>
+          <a:p>
+            <a:pPr marL="0" indent="0">
+              <a:buNone/>
+            </a:pPr>
+            <a:r>
+              <a:rPr lang="pt-BR" sz="1100" dirty="0">
+                <a:latin typeface="Times New Roman" panose="02020603050405020304" pitchFamily="18" charset="0"/>
+                <a:cs typeface="Times New Roman" panose="02020603050405020304" pitchFamily="18" charset="0"/>
+              </a:rPr>
+              <a:t>O cliente deve ser capaz de </a:t>
+            </a:r>
+            <a:r>
+              <a:rPr lang="pt-BR" sz="1100" dirty="0" smtClean="0">
+                <a:latin typeface="Times New Roman" panose="02020603050405020304" pitchFamily="18" charset="0"/>
+                <a:cs typeface="Times New Roman" panose="02020603050405020304" pitchFamily="18" charset="0"/>
+              </a:rPr>
+              <a:t>visualizar as categorias colocadas pela empresa no cardápio.</a:t>
+            </a:r>
+            <a:endParaRPr lang="pt-BR" sz="1100" dirty="0">
+              <a:latin typeface="Times New Roman" panose="02020603050405020304" pitchFamily="18" charset="0"/>
+              <a:cs typeface="Times New Roman" panose="02020603050405020304" pitchFamily="18" charset="0"/>
+            </a:endParaRPr>
+          </a:p>
+          <a:p>
+            <a:pPr marL="0" indent="0">
+              <a:buNone/>
+            </a:pPr>
+            <a:r>
+              <a:rPr lang="pt-BR" sz="1100" dirty="0">
+                <a:latin typeface="Times New Roman" panose="02020603050405020304" pitchFamily="18" charset="0"/>
+                <a:cs typeface="Times New Roman" panose="02020603050405020304" pitchFamily="18" charset="0"/>
+              </a:rPr>
+              <a:t>Notas de teste:</a:t>
+            </a:r>
+          </a:p>
+          <a:p>
+            <a:pPr marL="0" indent="0">
+              <a:buNone/>
+            </a:pPr>
+            <a:r>
+              <a:rPr lang="pt-BR" sz="1100" dirty="0">
+                <a:latin typeface="Times New Roman" panose="02020603050405020304" pitchFamily="18" charset="0"/>
+                <a:cs typeface="Times New Roman" panose="02020603050405020304" pitchFamily="18" charset="0"/>
+              </a:rPr>
+              <a:t>Durante a execução do teste, nenhum comportamento anormal ou inesperado foi detectado.</a:t>
+            </a:r>
+          </a:p>
+          <a:p>
+            <a:pPr marL="0" indent="0">
+              <a:buNone/>
+            </a:pPr>
+            <a:r>
+              <a:rPr lang="pt-BR" sz="1100" dirty="0">
+                <a:latin typeface="Times New Roman" panose="02020603050405020304" pitchFamily="18" charset="0"/>
+                <a:cs typeface="Times New Roman" panose="02020603050405020304" pitchFamily="18" charset="0"/>
+              </a:rPr>
+              <a:t>Teste realizado em </a:t>
+            </a:r>
+            <a:r>
+              <a:rPr lang="pt-BR" sz="1100" dirty="0" smtClean="0">
+                <a:latin typeface="Times New Roman" panose="02020603050405020304" pitchFamily="18" charset="0"/>
+                <a:cs typeface="Times New Roman" panose="02020603050405020304" pitchFamily="18" charset="0"/>
+              </a:rPr>
+              <a:t>10/05/23 </a:t>
+            </a:r>
+            <a:r>
+              <a:rPr lang="pt-BR" sz="1100" dirty="0">
+                <a:latin typeface="Times New Roman" panose="02020603050405020304" pitchFamily="18" charset="0"/>
+                <a:cs typeface="Times New Roman" panose="02020603050405020304" pitchFamily="18" charset="0"/>
+              </a:rPr>
+              <a:t>as </a:t>
+            </a:r>
+            <a:r>
+              <a:rPr lang="pt-BR" sz="1100" dirty="0" smtClean="0">
+                <a:latin typeface="Times New Roman" panose="02020603050405020304" pitchFamily="18" charset="0"/>
+                <a:cs typeface="Times New Roman" panose="02020603050405020304" pitchFamily="18" charset="0"/>
+              </a:rPr>
+              <a:t>15:32 </a:t>
+            </a:r>
+            <a:r>
+              <a:rPr lang="pt-BR" sz="1100" dirty="0">
+                <a:latin typeface="Times New Roman" panose="02020603050405020304" pitchFamily="18" charset="0"/>
+                <a:cs typeface="Times New Roman" panose="02020603050405020304" pitchFamily="18" charset="0"/>
+              </a:rPr>
+              <a:t>PM</a:t>
+            </a:r>
+          </a:p>
+          <a:p>
+            <a:pPr marL="0" indent="0">
+              <a:buFont typeface="Arial" panose="020B0604020202020204" pitchFamily="34" charset="0"/>
+              <a:buNone/>
+            </a:pPr>
+            <a:endParaRPr lang="pt-BR" sz="1000" dirty="0">
+              <a:latin typeface="Times New Roman" panose="02020603050405020304" pitchFamily="18" charset="0"/>
+              <a:cs typeface="Times New Roman" panose="02020603050405020304" pitchFamily="18" charset="0"/>
+            </a:endParaRPr>
+          </a:p>
+        </p:txBody>
+      </p:sp>
+    </p:spTree>
+    <p:extLst>
+      <p:ext uri="{BB962C8B-B14F-4D97-AF65-F5344CB8AC3E}">
+        <p14:creationId xmlns:p14="http://schemas.microsoft.com/office/powerpoint/2010/main" val="1685159737"/>
+      </p:ext>
+    </p:extLst>
+  </p:cSld>
+  <p:clrMapOvr>
+    <a:masterClrMapping/>
+  </p:clrMapOvr>
+  <p:timing>
+    <p:tnLst>
+      <p:par>
+        <p:cTn id="1" dur="indefinite" restart="never" nodeType="tmRoot"/>
+      </p:par>
+    </p:tnLst>
+  </p:timing>
+</p:sld>
+</file>
+
 <file path=ppt/theme/theme1.xml><?xml version="1.0" encoding="utf-8"?>
 <a:theme xmlns:a="http://schemas.openxmlformats.org/drawingml/2006/main" name="Tema do Office">
   <a:themeElements>

--- a/Cardápio/Documentação/Documentação Cardapio.pptx
+++ b/Cardápio/Documentação/Documentação Cardapio.pptx
@@ -5,7 +5,7 @@
     <p:sldMasterId id="2147483648" r:id="rId1"/>
   </p:sldMasterIdLst>
   <p:notesMasterIdLst>
-    <p:notesMasterId r:id="rId24"/>
+    <p:notesMasterId r:id="rId31"/>
   </p:notesMasterIdLst>
   <p:sldIdLst>
     <p:sldId id="260" r:id="rId2"/>
@@ -15,21 +15,28 @@
     <p:sldId id="294" r:id="rId6"/>
     <p:sldId id="295" r:id="rId7"/>
     <p:sldId id="267" r:id="rId8"/>
-    <p:sldId id="268" r:id="rId9"/>
-    <p:sldId id="269" r:id="rId10"/>
-    <p:sldId id="287" r:id="rId11"/>
-    <p:sldId id="288" r:id="rId12"/>
-    <p:sldId id="278" r:id="rId13"/>
-    <p:sldId id="286" r:id="rId14"/>
-    <p:sldId id="289" r:id="rId15"/>
-    <p:sldId id="293" r:id="rId16"/>
-    <p:sldId id="290" r:id="rId17"/>
-    <p:sldId id="282" r:id="rId18"/>
-    <p:sldId id="283" r:id="rId19"/>
-    <p:sldId id="284" r:id="rId20"/>
-    <p:sldId id="291" r:id="rId21"/>
-    <p:sldId id="285" r:id="rId22"/>
-    <p:sldId id="292" r:id="rId23"/>
+    <p:sldId id="297" r:id="rId9"/>
+    <p:sldId id="268" r:id="rId10"/>
+    <p:sldId id="269" r:id="rId11"/>
+    <p:sldId id="287" r:id="rId12"/>
+    <p:sldId id="288" r:id="rId13"/>
+    <p:sldId id="278" r:id="rId14"/>
+    <p:sldId id="286" r:id="rId15"/>
+    <p:sldId id="289" r:id="rId16"/>
+    <p:sldId id="293" r:id="rId17"/>
+    <p:sldId id="290" r:id="rId18"/>
+    <p:sldId id="282" r:id="rId19"/>
+    <p:sldId id="283" r:id="rId20"/>
+    <p:sldId id="284" r:id="rId21"/>
+    <p:sldId id="291" r:id="rId22"/>
+    <p:sldId id="285" r:id="rId23"/>
+    <p:sldId id="292" r:id="rId24"/>
+    <p:sldId id="296" r:id="rId25"/>
+    <p:sldId id="298" r:id="rId26"/>
+    <p:sldId id="299" r:id="rId27"/>
+    <p:sldId id="300" r:id="rId28"/>
+    <p:sldId id="301" r:id="rId29"/>
+    <p:sldId id="302" r:id="rId30"/>
   </p:sldIdLst>
   <p:sldSz cx="12192000" cy="6858000"/>
   <p:notesSz cx="6858000" cy="9144000"/>
@@ -218,7 +225,7 @@
           <a:p>
             <a:fld id="{90075476-0A5F-4725-AEDC-6B3686DF1DF9}" type="datetimeFigureOut">
               <a:rPr lang="pt-BR" smtClean="0"/>
-              <a:t>16/05/2023</a:t>
+              <a:t>17/05/2023</a:t>
             </a:fld>
             <a:endParaRPr lang="pt-BR" dirty="0"/>
           </a:p>
@@ -617,7 +624,7 @@
           <a:p>
             <a:fld id="{2CB57E7D-422E-4C11-AC48-44668C5C76E3}" type="datetimeFigureOut">
               <a:rPr lang="pt-BR" smtClean="0"/>
-              <a:t>16/05/2023</a:t>
+              <a:t>17/05/2023</a:t>
             </a:fld>
             <a:endParaRPr lang="pt-BR" dirty="0"/>
           </a:p>
@@ -787,7 +794,7 @@
           <a:p>
             <a:fld id="{2CB57E7D-422E-4C11-AC48-44668C5C76E3}" type="datetimeFigureOut">
               <a:rPr lang="pt-BR" smtClean="0"/>
-              <a:t>16/05/2023</a:t>
+              <a:t>17/05/2023</a:t>
             </a:fld>
             <a:endParaRPr lang="pt-BR" dirty="0"/>
           </a:p>
@@ -967,7 +974,7 @@
           <a:p>
             <a:fld id="{2CB57E7D-422E-4C11-AC48-44668C5C76E3}" type="datetimeFigureOut">
               <a:rPr lang="pt-BR" smtClean="0"/>
-              <a:t>16/05/2023</a:t>
+              <a:t>17/05/2023</a:t>
             </a:fld>
             <a:endParaRPr lang="pt-BR" dirty="0"/>
           </a:p>
@@ -1137,7 +1144,7 @@
           <a:p>
             <a:fld id="{2CB57E7D-422E-4C11-AC48-44668C5C76E3}" type="datetimeFigureOut">
               <a:rPr lang="pt-BR" smtClean="0"/>
-              <a:t>16/05/2023</a:t>
+              <a:t>17/05/2023</a:t>
             </a:fld>
             <a:endParaRPr lang="pt-BR" dirty="0"/>
           </a:p>
@@ -1383,7 +1390,7 @@
           <a:p>
             <a:fld id="{2CB57E7D-422E-4C11-AC48-44668C5C76E3}" type="datetimeFigureOut">
               <a:rPr lang="pt-BR" smtClean="0"/>
-              <a:t>16/05/2023</a:t>
+              <a:t>17/05/2023</a:t>
             </a:fld>
             <a:endParaRPr lang="pt-BR" dirty="0"/>
           </a:p>
@@ -1615,7 +1622,7 @@
           <a:p>
             <a:fld id="{2CB57E7D-422E-4C11-AC48-44668C5C76E3}" type="datetimeFigureOut">
               <a:rPr lang="pt-BR" smtClean="0"/>
-              <a:t>16/05/2023</a:t>
+              <a:t>17/05/2023</a:t>
             </a:fld>
             <a:endParaRPr lang="pt-BR" dirty="0"/>
           </a:p>
@@ -1982,7 +1989,7 @@
           <a:p>
             <a:fld id="{2CB57E7D-422E-4C11-AC48-44668C5C76E3}" type="datetimeFigureOut">
               <a:rPr lang="pt-BR" smtClean="0"/>
-              <a:t>16/05/2023</a:t>
+              <a:t>17/05/2023</a:t>
             </a:fld>
             <a:endParaRPr lang="pt-BR" dirty="0"/>
           </a:p>
@@ -2100,7 +2107,7 @@
           <a:p>
             <a:fld id="{2CB57E7D-422E-4C11-AC48-44668C5C76E3}" type="datetimeFigureOut">
               <a:rPr lang="pt-BR" smtClean="0"/>
-              <a:t>16/05/2023</a:t>
+              <a:t>17/05/2023</a:t>
             </a:fld>
             <a:endParaRPr lang="pt-BR" dirty="0"/>
           </a:p>
@@ -2195,7 +2202,7 @@
           <a:p>
             <a:fld id="{2CB57E7D-422E-4C11-AC48-44668C5C76E3}" type="datetimeFigureOut">
               <a:rPr lang="pt-BR" smtClean="0"/>
-              <a:t>16/05/2023</a:t>
+              <a:t>17/05/2023</a:t>
             </a:fld>
             <a:endParaRPr lang="pt-BR" dirty="0"/>
           </a:p>
@@ -2472,7 +2479,7 @@
           <a:p>
             <a:fld id="{2CB57E7D-422E-4C11-AC48-44668C5C76E3}" type="datetimeFigureOut">
               <a:rPr lang="pt-BR" smtClean="0"/>
-              <a:t>16/05/2023</a:t>
+              <a:t>17/05/2023</a:t>
             </a:fld>
             <a:endParaRPr lang="pt-BR" dirty="0"/>
           </a:p>
@@ -2725,7 +2732,7 @@
           <a:p>
             <a:fld id="{2CB57E7D-422E-4C11-AC48-44668C5C76E3}" type="datetimeFigureOut">
               <a:rPr lang="pt-BR" smtClean="0"/>
-              <a:t>16/05/2023</a:t>
+              <a:t>17/05/2023</a:t>
             </a:fld>
             <a:endParaRPr lang="pt-BR" dirty="0"/>
           </a:p>
@@ -2938,7 +2945,7 @@
           <a:p>
             <a:fld id="{2CB57E7D-422E-4C11-AC48-44668C5C76E3}" type="datetimeFigureOut">
               <a:rPr lang="pt-BR" smtClean="0"/>
-              <a:t>16/05/2023</a:t>
+              <a:t>17/05/2023</a:t>
             </a:fld>
             <a:endParaRPr lang="pt-BR" dirty="0"/>
           </a:p>
@@ -3794,9 +3801,668 @@
           <a:chExt cx="0" cy="0"/>
         </a:xfrm>
       </p:grpSpPr>
+      <p:sp>
+        <p:nvSpPr>
+          <p:cNvPr id="2" name="Título 1"/>
+          <p:cNvSpPr>
+            <a:spLocks noGrp="1"/>
+          </p:cNvSpPr>
+          <p:nvPr>
+            <p:ph type="title"/>
+          </p:nvPr>
+        </p:nvSpPr>
+        <p:spPr>
+          <a:xfrm>
+            <a:off x="94593" y="0"/>
+            <a:ext cx="13074868" cy="1325563"/>
+          </a:xfrm>
+        </p:spPr>
+        <p:txBody>
+          <a:bodyPr>
+            <a:normAutofit/>
+          </a:bodyPr>
+          <a:lstStyle/>
+          <a:p>
+            <a:r>
+              <a:rPr lang="pt-BR" sz="3600" dirty="0" smtClean="0">
+                <a:latin typeface="Times New Roman" panose="02020603050405020304" pitchFamily="18" charset="0"/>
+                <a:cs typeface="Times New Roman" panose="02020603050405020304" pitchFamily="18" charset="0"/>
+              </a:rPr>
+              <a:t>RN n.1 Caso de teste</a:t>
+            </a:r>
+            <a:r>
+              <a:rPr lang="pt-BR" sz="3600" dirty="0">
+                <a:latin typeface="Times New Roman" panose="02020603050405020304" pitchFamily="18" charset="0"/>
+                <a:cs typeface="Times New Roman" panose="02020603050405020304" pitchFamily="18" charset="0"/>
+              </a:rPr>
+              <a:t>:</a:t>
+            </a:r>
+            <a:r>
+              <a:rPr lang="pt-BR" sz="3600" dirty="0" smtClean="0">
+                <a:latin typeface="Times New Roman" panose="02020603050405020304" pitchFamily="18" charset="0"/>
+                <a:cs typeface="Times New Roman" panose="02020603050405020304" pitchFamily="18" charset="0"/>
+              </a:rPr>
+              <a:t> Categorias</a:t>
+            </a:r>
+            <a:endParaRPr lang="pt-BR" sz="3600" dirty="0">
+              <a:latin typeface="Times New Roman" panose="02020603050405020304" pitchFamily="18" charset="0"/>
+              <a:cs typeface="Times New Roman" panose="02020603050405020304" pitchFamily="18" charset="0"/>
+            </a:endParaRPr>
+          </a:p>
+        </p:txBody>
+      </p:sp>
+      <p:sp>
+        <p:nvSpPr>
+          <p:cNvPr id="3" name="Espaço Reservado para Conteúdo 2"/>
+          <p:cNvSpPr>
+            <a:spLocks noGrp="1"/>
+          </p:cNvSpPr>
+          <p:nvPr>
+            <p:ph idx="1"/>
+          </p:nvPr>
+        </p:nvSpPr>
+        <p:spPr>
+          <a:xfrm>
+            <a:off x="302172" y="1490992"/>
+            <a:ext cx="4784835" cy="4351338"/>
+          </a:xfrm>
+        </p:spPr>
+        <p:txBody>
+          <a:bodyPr>
+            <a:normAutofit/>
+          </a:bodyPr>
+          <a:lstStyle/>
+          <a:p>
+            <a:pPr marL="0" indent="0">
+              <a:buNone/>
+            </a:pPr>
+            <a:r>
+              <a:rPr lang="pt-BR" sz="1100" dirty="0">
+                <a:latin typeface="Times New Roman" panose="02020603050405020304" pitchFamily="18" charset="0"/>
+                <a:cs typeface="Times New Roman" panose="02020603050405020304" pitchFamily="18" charset="0"/>
+              </a:rPr>
+              <a:t>Identificação: </a:t>
+            </a:r>
+          </a:p>
+          <a:p>
+            <a:pPr marL="0" indent="0">
+              <a:buNone/>
+            </a:pPr>
+            <a:r>
+              <a:rPr lang="pt-BR" sz="1100" dirty="0">
+                <a:latin typeface="Times New Roman" panose="02020603050405020304" pitchFamily="18" charset="0"/>
+                <a:cs typeface="Times New Roman" panose="02020603050405020304" pitchFamily="18" charset="0"/>
+              </a:rPr>
+              <a:t>Nome: Teste de </a:t>
+            </a:r>
+            <a:r>
+              <a:rPr lang="pt-BR" sz="1100" dirty="0" smtClean="0">
+                <a:latin typeface="Times New Roman" panose="02020603050405020304" pitchFamily="18" charset="0"/>
+                <a:cs typeface="Times New Roman" panose="02020603050405020304" pitchFamily="18" charset="0"/>
+              </a:rPr>
+              <a:t>Visualizar Categorias </a:t>
+            </a:r>
+            <a:endParaRPr lang="pt-BR" sz="1100" dirty="0">
+              <a:latin typeface="Times New Roman" panose="02020603050405020304" pitchFamily="18" charset="0"/>
+              <a:cs typeface="Times New Roman" panose="02020603050405020304" pitchFamily="18" charset="0"/>
+            </a:endParaRPr>
+          </a:p>
+          <a:p>
+            <a:pPr marL="0" indent="0">
+              <a:buNone/>
+            </a:pPr>
+            <a:r>
+              <a:rPr lang="pt-BR" sz="1100" dirty="0">
+                <a:latin typeface="Times New Roman" panose="02020603050405020304" pitchFamily="18" charset="0"/>
+                <a:cs typeface="Times New Roman" panose="02020603050405020304" pitchFamily="18" charset="0"/>
+              </a:rPr>
+              <a:t>ID: RN n.1 </a:t>
+            </a:r>
+          </a:p>
+          <a:p>
+            <a:pPr marL="0" indent="0">
+              <a:buNone/>
+            </a:pPr>
+            <a:r>
+              <a:rPr lang="pt-BR" sz="1100" dirty="0">
+                <a:latin typeface="Times New Roman" panose="02020603050405020304" pitchFamily="18" charset="0"/>
+                <a:cs typeface="Times New Roman" panose="02020603050405020304" pitchFamily="18" charset="0"/>
+              </a:rPr>
+              <a:t>Data de criação: </a:t>
+            </a:r>
+            <a:r>
+              <a:rPr lang="pt-BR" sz="1100" dirty="0" smtClean="0">
+                <a:latin typeface="Times New Roman" panose="02020603050405020304" pitchFamily="18" charset="0"/>
+                <a:cs typeface="Times New Roman" panose="02020603050405020304" pitchFamily="18" charset="0"/>
+              </a:rPr>
+              <a:t>10/05/2023 15:20 </a:t>
+            </a:r>
+            <a:r>
+              <a:rPr lang="pt-BR" sz="1100" dirty="0">
+                <a:latin typeface="Times New Roman" panose="02020603050405020304" pitchFamily="18" charset="0"/>
+                <a:cs typeface="Times New Roman" panose="02020603050405020304" pitchFamily="18" charset="0"/>
+              </a:rPr>
+              <a:t>PM.</a:t>
+            </a:r>
+          </a:p>
+          <a:p>
+            <a:pPr marL="0" indent="0">
+              <a:buNone/>
+            </a:pPr>
+            <a:r>
+              <a:rPr lang="pt-BR" sz="1100" dirty="0">
+                <a:latin typeface="Times New Roman" panose="02020603050405020304" pitchFamily="18" charset="0"/>
+                <a:cs typeface="Times New Roman" panose="02020603050405020304" pitchFamily="18" charset="0"/>
+              </a:rPr>
+              <a:t>Autor: Pedro </a:t>
+            </a:r>
+            <a:r>
+              <a:rPr lang="pt-BR" sz="1100" dirty="0" smtClean="0">
+                <a:latin typeface="Times New Roman" panose="02020603050405020304" pitchFamily="18" charset="0"/>
+                <a:cs typeface="Times New Roman" panose="02020603050405020304" pitchFamily="18" charset="0"/>
+              </a:rPr>
+              <a:t>Marcelo</a:t>
+            </a:r>
+          </a:p>
+          <a:p>
+            <a:pPr marL="0" indent="0">
+              <a:buNone/>
+            </a:pPr>
+            <a:endParaRPr lang="pt-BR" sz="1100" dirty="0">
+              <a:latin typeface="Times New Roman" panose="02020603050405020304" pitchFamily="18" charset="0"/>
+              <a:cs typeface="Times New Roman" panose="02020603050405020304" pitchFamily="18" charset="0"/>
+            </a:endParaRPr>
+          </a:p>
+          <a:p>
+            <a:pPr marL="0" indent="0">
+              <a:buNone/>
+            </a:pPr>
+            <a:r>
+              <a:rPr lang="pt-BR" sz="1100" dirty="0">
+                <a:latin typeface="Times New Roman" panose="02020603050405020304" pitchFamily="18" charset="0"/>
+                <a:cs typeface="Times New Roman" panose="02020603050405020304" pitchFamily="18" charset="0"/>
+              </a:rPr>
+              <a:t>Descrição: </a:t>
+            </a:r>
+            <a:r>
+              <a:rPr lang="pt-BR" sz="1100" dirty="0" smtClean="0">
+                <a:latin typeface="Times New Roman" panose="02020603050405020304" pitchFamily="18" charset="0"/>
+                <a:cs typeface="Times New Roman" panose="02020603050405020304" pitchFamily="18" charset="0"/>
+              </a:rPr>
+              <a:t>caso de teste para visualizar as categorias</a:t>
+            </a:r>
+            <a:endParaRPr lang="pt-BR" sz="1100" dirty="0">
+              <a:latin typeface="Times New Roman" panose="02020603050405020304" pitchFamily="18" charset="0"/>
+              <a:cs typeface="Times New Roman" panose="02020603050405020304" pitchFamily="18" charset="0"/>
+            </a:endParaRPr>
+          </a:p>
+          <a:p>
+            <a:pPr marL="0" indent="0">
+              <a:buNone/>
+            </a:pPr>
+            <a:r>
+              <a:rPr lang="pt-BR" sz="1100" dirty="0">
+                <a:latin typeface="Times New Roman" panose="02020603050405020304" pitchFamily="18" charset="0"/>
+                <a:cs typeface="Times New Roman" panose="02020603050405020304" pitchFamily="18" charset="0"/>
+              </a:rPr>
+              <a:t> Pré-requisitos:</a:t>
+            </a:r>
+          </a:p>
+          <a:p>
+            <a:pPr marL="0" indent="0">
+              <a:buNone/>
+            </a:pPr>
+            <a:endParaRPr lang="pt-BR" sz="1100" dirty="0">
+              <a:latin typeface="Times New Roman" panose="02020603050405020304" pitchFamily="18" charset="0"/>
+              <a:cs typeface="Times New Roman" panose="02020603050405020304" pitchFamily="18" charset="0"/>
+            </a:endParaRPr>
+          </a:p>
+          <a:p>
+            <a:pPr marL="0" indent="0">
+              <a:buNone/>
+            </a:pPr>
+            <a:r>
+              <a:rPr lang="pt-BR" sz="1100" dirty="0">
+                <a:latin typeface="Times New Roman" panose="02020603050405020304" pitchFamily="18" charset="0"/>
+                <a:cs typeface="Times New Roman" panose="02020603050405020304" pitchFamily="18" charset="0"/>
+              </a:rPr>
+              <a:t>1.Acesso ao cardápio da empresa selecionada</a:t>
+            </a:r>
+          </a:p>
+          <a:p>
+            <a:pPr marL="0" indent="0">
+              <a:buNone/>
+            </a:pPr>
+            <a:endParaRPr lang="pt-BR" sz="1100" dirty="0">
+              <a:latin typeface="Times New Roman" panose="02020603050405020304" pitchFamily="18" charset="0"/>
+              <a:cs typeface="Times New Roman" panose="02020603050405020304" pitchFamily="18" charset="0"/>
+            </a:endParaRPr>
+          </a:p>
+          <a:p>
+            <a:pPr marL="0" indent="0">
+              <a:buNone/>
+            </a:pPr>
+            <a:r>
+              <a:rPr lang="pt-BR" sz="1100" dirty="0">
+                <a:latin typeface="Times New Roman" panose="02020603050405020304" pitchFamily="18" charset="0"/>
+                <a:cs typeface="Times New Roman" panose="02020603050405020304" pitchFamily="18" charset="0"/>
+              </a:rPr>
+              <a:t>Etapas de teste:</a:t>
+            </a:r>
+          </a:p>
+          <a:p>
+            <a:pPr marL="0" indent="0">
+              <a:buNone/>
+            </a:pPr>
+            <a:r>
+              <a:rPr lang="pt-BR" sz="1100" dirty="0" smtClean="0">
+                <a:latin typeface="Times New Roman" panose="02020603050405020304" pitchFamily="18" charset="0"/>
+                <a:cs typeface="Times New Roman" panose="02020603050405020304" pitchFamily="18" charset="0"/>
+              </a:rPr>
+              <a:t>1.acesse </a:t>
+            </a:r>
+            <a:r>
+              <a:rPr lang="pt-BR" sz="1100" dirty="0">
+                <a:latin typeface="Times New Roman" panose="02020603050405020304" pitchFamily="18" charset="0"/>
+                <a:cs typeface="Times New Roman" panose="02020603050405020304" pitchFamily="18" charset="0"/>
+              </a:rPr>
+              <a:t>a tela principal do cardápio</a:t>
+            </a:r>
+          </a:p>
+          <a:p>
+            <a:pPr marL="0" indent="0">
+              <a:buNone/>
+            </a:pPr>
+            <a:endParaRPr lang="pt-BR" sz="1000" dirty="0">
+              <a:latin typeface="Times New Roman" panose="02020603050405020304" pitchFamily="18" charset="0"/>
+              <a:cs typeface="Times New Roman" panose="02020603050405020304" pitchFamily="18" charset="0"/>
+            </a:endParaRPr>
+          </a:p>
+        </p:txBody>
+      </p:sp>
+      <p:sp>
+        <p:nvSpPr>
+          <p:cNvPr id="4" name="Espaço Reservado para Conteúdo 2"/>
+          <p:cNvSpPr txBox="1">
+            <a:spLocks/>
+          </p:cNvSpPr>
+          <p:nvPr/>
+        </p:nvSpPr>
+        <p:spPr>
+          <a:xfrm>
+            <a:off x="6032937" y="1489515"/>
+            <a:ext cx="4784835" cy="4351338"/>
+          </a:xfrm>
+          <a:prstGeom prst="rect">
+            <a:avLst/>
+          </a:prstGeom>
+        </p:spPr>
+        <p:txBody>
+          <a:bodyPr vert="horz" lIns="91440" tIns="45720" rIns="91440" bIns="45720" rtlCol="0">
+            <a:normAutofit/>
+          </a:bodyPr>
+          <a:lstStyle>
+            <a:lvl1pPr marL="228600" indent="-228600" algn="l" defTabSz="914400" rtl="0" eaLnBrk="1" latinLnBrk="0" hangingPunct="1">
+              <a:lnSpc>
+                <a:spcPct val="90000"/>
+              </a:lnSpc>
+              <a:spcBef>
+                <a:spcPts val="1000"/>
+              </a:spcBef>
+              <a:buFont typeface="Arial" panose="020B0604020202020204" pitchFamily="34" charset="0"/>
+              <a:buChar char="•"/>
+              <a:defRPr sz="2800" kern="1200">
+                <a:solidFill>
+                  <a:schemeClr val="tx1"/>
+                </a:solidFill>
+                <a:latin typeface="+mn-lt"/>
+                <a:ea typeface="+mn-ea"/>
+                <a:cs typeface="+mn-cs"/>
+              </a:defRPr>
+            </a:lvl1pPr>
+            <a:lvl2pPr marL="685800" indent="-228600" algn="l" defTabSz="914400" rtl="0" eaLnBrk="1" latinLnBrk="0" hangingPunct="1">
+              <a:lnSpc>
+                <a:spcPct val="90000"/>
+              </a:lnSpc>
+              <a:spcBef>
+                <a:spcPts val="500"/>
+              </a:spcBef>
+              <a:buFont typeface="Arial" panose="020B0604020202020204" pitchFamily="34" charset="0"/>
+              <a:buChar char="•"/>
+              <a:defRPr sz="2400" kern="1200">
+                <a:solidFill>
+                  <a:schemeClr val="tx1"/>
+                </a:solidFill>
+                <a:latin typeface="+mn-lt"/>
+                <a:ea typeface="+mn-ea"/>
+                <a:cs typeface="+mn-cs"/>
+              </a:defRPr>
+            </a:lvl2pPr>
+            <a:lvl3pPr marL="1143000" indent="-228600" algn="l" defTabSz="914400" rtl="0" eaLnBrk="1" latinLnBrk="0" hangingPunct="1">
+              <a:lnSpc>
+                <a:spcPct val="90000"/>
+              </a:lnSpc>
+              <a:spcBef>
+                <a:spcPts val="500"/>
+              </a:spcBef>
+              <a:buFont typeface="Arial" panose="020B0604020202020204" pitchFamily="34" charset="0"/>
+              <a:buChar char="•"/>
+              <a:defRPr sz="2000" kern="1200">
+                <a:solidFill>
+                  <a:schemeClr val="tx1"/>
+                </a:solidFill>
+                <a:latin typeface="+mn-lt"/>
+                <a:ea typeface="+mn-ea"/>
+                <a:cs typeface="+mn-cs"/>
+              </a:defRPr>
+            </a:lvl3pPr>
+            <a:lvl4pPr marL="1600200" indent="-228600" algn="l" defTabSz="914400" rtl="0" eaLnBrk="1" latinLnBrk="0" hangingPunct="1">
+              <a:lnSpc>
+                <a:spcPct val="90000"/>
+              </a:lnSpc>
+              <a:spcBef>
+                <a:spcPts val="500"/>
+              </a:spcBef>
+              <a:buFont typeface="Arial" panose="020B0604020202020204" pitchFamily="34" charset="0"/>
+              <a:buChar char="•"/>
+              <a:defRPr sz="1800" kern="1200">
+                <a:solidFill>
+                  <a:schemeClr val="tx1"/>
+                </a:solidFill>
+                <a:latin typeface="+mn-lt"/>
+                <a:ea typeface="+mn-ea"/>
+                <a:cs typeface="+mn-cs"/>
+              </a:defRPr>
+            </a:lvl4pPr>
+            <a:lvl5pPr marL="2057400" indent="-228600" algn="l" defTabSz="914400" rtl="0" eaLnBrk="1" latinLnBrk="0" hangingPunct="1">
+              <a:lnSpc>
+                <a:spcPct val="90000"/>
+              </a:lnSpc>
+              <a:spcBef>
+                <a:spcPts val="500"/>
+              </a:spcBef>
+              <a:buFont typeface="Arial" panose="020B0604020202020204" pitchFamily="34" charset="0"/>
+              <a:buChar char="•"/>
+              <a:defRPr sz="1800" kern="1200">
+                <a:solidFill>
+                  <a:schemeClr val="tx1"/>
+                </a:solidFill>
+                <a:latin typeface="+mn-lt"/>
+                <a:ea typeface="+mn-ea"/>
+                <a:cs typeface="+mn-cs"/>
+              </a:defRPr>
+            </a:lvl5pPr>
+            <a:lvl6pPr marL="2514600" indent="-228600" algn="l" defTabSz="914400" rtl="0" eaLnBrk="1" latinLnBrk="0" hangingPunct="1">
+              <a:lnSpc>
+                <a:spcPct val="90000"/>
+              </a:lnSpc>
+              <a:spcBef>
+                <a:spcPts val="500"/>
+              </a:spcBef>
+              <a:buFont typeface="Arial" panose="020B0604020202020204" pitchFamily="34" charset="0"/>
+              <a:buChar char="•"/>
+              <a:defRPr sz="1800" kern="1200">
+                <a:solidFill>
+                  <a:schemeClr val="tx1"/>
+                </a:solidFill>
+                <a:latin typeface="+mn-lt"/>
+                <a:ea typeface="+mn-ea"/>
+                <a:cs typeface="+mn-cs"/>
+              </a:defRPr>
+            </a:lvl6pPr>
+            <a:lvl7pPr marL="2971800" indent="-228600" algn="l" defTabSz="914400" rtl="0" eaLnBrk="1" latinLnBrk="0" hangingPunct="1">
+              <a:lnSpc>
+                <a:spcPct val="90000"/>
+              </a:lnSpc>
+              <a:spcBef>
+                <a:spcPts val="500"/>
+              </a:spcBef>
+              <a:buFont typeface="Arial" panose="020B0604020202020204" pitchFamily="34" charset="0"/>
+              <a:buChar char="•"/>
+              <a:defRPr sz="1800" kern="1200">
+                <a:solidFill>
+                  <a:schemeClr val="tx1"/>
+                </a:solidFill>
+                <a:latin typeface="+mn-lt"/>
+                <a:ea typeface="+mn-ea"/>
+                <a:cs typeface="+mn-cs"/>
+              </a:defRPr>
+            </a:lvl7pPr>
+            <a:lvl8pPr marL="3429000" indent="-228600" algn="l" defTabSz="914400" rtl="0" eaLnBrk="1" latinLnBrk="0" hangingPunct="1">
+              <a:lnSpc>
+                <a:spcPct val="90000"/>
+              </a:lnSpc>
+              <a:spcBef>
+                <a:spcPts val="500"/>
+              </a:spcBef>
+              <a:buFont typeface="Arial" panose="020B0604020202020204" pitchFamily="34" charset="0"/>
+              <a:buChar char="•"/>
+              <a:defRPr sz="1800" kern="1200">
+                <a:solidFill>
+                  <a:schemeClr val="tx1"/>
+                </a:solidFill>
+                <a:latin typeface="+mn-lt"/>
+                <a:ea typeface="+mn-ea"/>
+                <a:cs typeface="+mn-cs"/>
+              </a:defRPr>
+            </a:lvl8pPr>
+            <a:lvl9pPr marL="3886200" indent="-228600" algn="l" defTabSz="914400" rtl="0" eaLnBrk="1" latinLnBrk="0" hangingPunct="1">
+              <a:lnSpc>
+                <a:spcPct val="90000"/>
+              </a:lnSpc>
+              <a:spcBef>
+                <a:spcPts val="500"/>
+              </a:spcBef>
+              <a:buFont typeface="Arial" panose="020B0604020202020204" pitchFamily="34" charset="0"/>
+              <a:buChar char="•"/>
+              <a:defRPr sz="1800" kern="1200">
+                <a:solidFill>
+                  <a:schemeClr val="tx1"/>
+                </a:solidFill>
+                <a:latin typeface="+mn-lt"/>
+                <a:ea typeface="+mn-ea"/>
+                <a:cs typeface="+mn-cs"/>
+              </a:defRPr>
+            </a:lvl9pPr>
+          </a:lstStyle>
+          <a:p>
+            <a:pPr marL="0" indent="0">
+              <a:buNone/>
+            </a:pPr>
+            <a:r>
+              <a:rPr lang="pt-BR" sz="1100" dirty="0">
+                <a:latin typeface="Times New Roman" panose="02020603050405020304" pitchFamily="18" charset="0"/>
+                <a:cs typeface="Times New Roman" panose="02020603050405020304" pitchFamily="18" charset="0"/>
+              </a:rPr>
+              <a:t>Resultado Esperado:</a:t>
+            </a:r>
+          </a:p>
+          <a:p>
+            <a:pPr marL="0" indent="0">
+              <a:buNone/>
+            </a:pPr>
+            <a:r>
+              <a:rPr lang="pt-BR" sz="1100" dirty="0">
+                <a:latin typeface="Times New Roman" panose="02020603050405020304" pitchFamily="18" charset="0"/>
+                <a:cs typeface="Times New Roman" panose="02020603050405020304" pitchFamily="18" charset="0"/>
+              </a:rPr>
+              <a:t>O cliente deve ser redirecionado para tela </a:t>
+            </a:r>
+            <a:r>
+              <a:rPr lang="pt-BR" sz="1100" dirty="0" smtClean="0">
+                <a:latin typeface="Times New Roman" panose="02020603050405020304" pitchFamily="18" charset="0"/>
+                <a:cs typeface="Times New Roman" panose="02020603050405020304" pitchFamily="18" charset="0"/>
+              </a:rPr>
+              <a:t>inicial do cardápio e visualizar as categorias disponíveis.</a:t>
+            </a:r>
+            <a:endParaRPr lang="pt-BR" sz="1100" dirty="0">
+              <a:latin typeface="Times New Roman" panose="02020603050405020304" pitchFamily="18" charset="0"/>
+              <a:cs typeface="Times New Roman" panose="02020603050405020304" pitchFamily="18" charset="0"/>
+            </a:endParaRPr>
+          </a:p>
+          <a:p>
+            <a:pPr marL="0" indent="0">
+              <a:buNone/>
+            </a:pPr>
+            <a:r>
+              <a:rPr lang="pt-BR" sz="1100" dirty="0">
+                <a:latin typeface="Times New Roman" panose="02020603050405020304" pitchFamily="18" charset="0"/>
+                <a:cs typeface="Times New Roman" panose="02020603050405020304" pitchFamily="18" charset="0"/>
+              </a:rPr>
+              <a:t> </a:t>
+            </a:r>
+          </a:p>
+          <a:p>
+            <a:pPr marL="0" indent="0">
+              <a:buNone/>
+            </a:pPr>
+            <a:r>
+              <a:rPr lang="pt-BR" sz="1100" dirty="0">
+                <a:latin typeface="Times New Roman" panose="02020603050405020304" pitchFamily="18" charset="0"/>
+                <a:cs typeface="Times New Roman" panose="02020603050405020304" pitchFamily="18" charset="0"/>
+              </a:rPr>
+              <a:t>Critérios de sucesso:</a:t>
+            </a:r>
+          </a:p>
+          <a:p>
+            <a:pPr marL="0" indent="0">
+              <a:buNone/>
+            </a:pPr>
+            <a:r>
+              <a:rPr lang="pt-BR" sz="1100" dirty="0">
+                <a:latin typeface="Times New Roman" panose="02020603050405020304" pitchFamily="18" charset="0"/>
+                <a:cs typeface="Times New Roman" panose="02020603050405020304" pitchFamily="18" charset="0"/>
+              </a:rPr>
+              <a:t>O cliente deve ser capaz de </a:t>
+            </a:r>
+            <a:r>
+              <a:rPr lang="pt-BR" sz="1100" dirty="0" smtClean="0">
+                <a:latin typeface="Times New Roman" panose="02020603050405020304" pitchFamily="18" charset="0"/>
+                <a:cs typeface="Times New Roman" panose="02020603050405020304" pitchFamily="18" charset="0"/>
+              </a:rPr>
+              <a:t>visualizar as categorias colocadas pela empresa no cardápio.</a:t>
+            </a:r>
+            <a:endParaRPr lang="pt-BR" sz="1100" dirty="0">
+              <a:latin typeface="Times New Roman" panose="02020603050405020304" pitchFamily="18" charset="0"/>
+              <a:cs typeface="Times New Roman" panose="02020603050405020304" pitchFamily="18" charset="0"/>
+            </a:endParaRPr>
+          </a:p>
+          <a:p>
+            <a:pPr marL="0" indent="0">
+              <a:buNone/>
+            </a:pPr>
+            <a:r>
+              <a:rPr lang="pt-BR" sz="1100" dirty="0">
+                <a:latin typeface="Times New Roman" panose="02020603050405020304" pitchFamily="18" charset="0"/>
+                <a:cs typeface="Times New Roman" panose="02020603050405020304" pitchFamily="18" charset="0"/>
+              </a:rPr>
+              <a:t>Notas de teste:</a:t>
+            </a:r>
+          </a:p>
+          <a:p>
+            <a:pPr marL="0" indent="0">
+              <a:buNone/>
+            </a:pPr>
+            <a:r>
+              <a:rPr lang="pt-BR" sz="1100" dirty="0">
+                <a:latin typeface="Times New Roman" panose="02020603050405020304" pitchFamily="18" charset="0"/>
+                <a:cs typeface="Times New Roman" panose="02020603050405020304" pitchFamily="18" charset="0"/>
+              </a:rPr>
+              <a:t>Durante a execução do teste, nenhum comportamento anormal ou inesperado foi detectado.</a:t>
+            </a:r>
+          </a:p>
+          <a:p>
+            <a:pPr marL="0" indent="0">
+              <a:buNone/>
+            </a:pPr>
+            <a:r>
+              <a:rPr lang="pt-BR" sz="1100" dirty="0">
+                <a:latin typeface="Times New Roman" panose="02020603050405020304" pitchFamily="18" charset="0"/>
+                <a:cs typeface="Times New Roman" panose="02020603050405020304" pitchFamily="18" charset="0"/>
+              </a:rPr>
+              <a:t>Teste realizado em </a:t>
+            </a:r>
+            <a:r>
+              <a:rPr lang="pt-BR" sz="1100" dirty="0" smtClean="0">
+                <a:latin typeface="Times New Roman" panose="02020603050405020304" pitchFamily="18" charset="0"/>
+                <a:cs typeface="Times New Roman" panose="02020603050405020304" pitchFamily="18" charset="0"/>
+              </a:rPr>
+              <a:t>10/05/23 </a:t>
+            </a:r>
+            <a:r>
+              <a:rPr lang="pt-BR" sz="1100" dirty="0">
+                <a:latin typeface="Times New Roman" panose="02020603050405020304" pitchFamily="18" charset="0"/>
+                <a:cs typeface="Times New Roman" panose="02020603050405020304" pitchFamily="18" charset="0"/>
+              </a:rPr>
+              <a:t>as </a:t>
+            </a:r>
+            <a:r>
+              <a:rPr lang="pt-BR" sz="1100" dirty="0" smtClean="0">
+                <a:latin typeface="Times New Roman" panose="02020603050405020304" pitchFamily="18" charset="0"/>
+                <a:cs typeface="Times New Roman" panose="02020603050405020304" pitchFamily="18" charset="0"/>
+              </a:rPr>
+              <a:t>15:32 </a:t>
+            </a:r>
+            <a:r>
+              <a:rPr lang="pt-BR" sz="1100" dirty="0">
+                <a:latin typeface="Times New Roman" panose="02020603050405020304" pitchFamily="18" charset="0"/>
+                <a:cs typeface="Times New Roman" panose="02020603050405020304" pitchFamily="18" charset="0"/>
+              </a:rPr>
+              <a:t>PM</a:t>
+            </a:r>
+          </a:p>
+          <a:p>
+            <a:pPr marL="0" indent="0">
+              <a:buFont typeface="Arial" panose="020B0604020202020204" pitchFamily="34" charset="0"/>
+              <a:buNone/>
+            </a:pPr>
+            <a:endParaRPr lang="pt-BR" sz="1000" dirty="0">
+              <a:latin typeface="Times New Roman" panose="02020603050405020304" pitchFamily="18" charset="0"/>
+              <a:cs typeface="Times New Roman" panose="02020603050405020304" pitchFamily="18" charset="0"/>
+            </a:endParaRPr>
+          </a:p>
+        </p:txBody>
+      </p:sp>
+    </p:spTree>
+    <p:extLst>
+      <p:ext uri="{BB962C8B-B14F-4D97-AF65-F5344CB8AC3E}">
+        <p14:creationId xmlns:p14="http://schemas.microsoft.com/office/powerpoint/2010/main" val="1685159737"/>
+      </p:ext>
+    </p:extLst>
+  </p:cSld>
+  <p:clrMapOvr>
+    <a:masterClrMapping/>
+  </p:clrMapOvr>
+  <p:timing>
+    <p:tnLst>
+      <p:par>
+        <p:cTn id="1" dur="indefinite" restart="never" nodeType="tmRoot"/>
+      </p:par>
+    </p:tnLst>
+  </p:timing>
+</p:sld>
+</file>
+
+<file path=ppt/slides/slide11.xml><?xml version="1.0" encoding="utf-8"?>
+<p:sld xmlns:a="http://schemas.openxmlformats.org/drawingml/2006/main" xmlns:r="http://schemas.openxmlformats.org/officeDocument/2006/relationships" xmlns:p="http://schemas.openxmlformats.org/presentationml/2006/main">
+  <p:cSld>
+    <p:spTree>
+      <p:nvGrpSpPr>
+        <p:cNvPr id="1" name=""/>
+        <p:cNvGrpSpPr/>
+        <p:nvPr/>
+      </p:nvGrpSpPr>
+      <p:grpSpPr>
+        <a:xfrm>
+          <a:off x="0" y="0"/>
+          <a:ext cx="0" cy="0"/>
+          <a:chOff x="0" y="0"/>
+          <a:chExt cx="0" cy="0"/>
+        </a:xfrm>
+      </p:grpSpPr>
       <p:pic>
         <p:nvPicPr>
-          <p:cNvPr id="10" name="Imagem 9"/>
+          <p:cNvPr id="2" name="Imagem 1"/>
           <p:cNvPicPr>
             <a:picLocks noChangeAspect="1"/>
           </p:cNvPicPr>
@@ -3810,8 +4476,8 @@
         </p:blipFill>
         <p:spPr>
           <a:xfrm>
-            <a:off x="1744419" y="1270171"/>
-            <a:ext cx="3012396" cy="5433071"/>
+            <a:off x="1475743" y="922166"/>
+            <a:ext cx="3458981" cy="5747500"/>
           </a:xfrm>
           <a:prstGeom prst="rect">
             <a:avLst/>
@@ -3881,7 +4547,7 @@
         </p:nvCxnSpPr>
         <p:spPr>
           <a:xfrm>
-            <a:off x="584639" y="2448912"/>
+            <a:off x="243438" y="2448911"/>
             <a:ext cx="1296713" cy="557047"/>
           </a:xfrm>
           <a:prstGeom prst="straightConnector1">
@@ -3914,7 +4580,7 @@
         </p:nvCxnSpPr>
         <p:spPr>
           <a:xfrm flipV="1">
-            <a:off x="311370" y="3394841"/>
+            <a:off x="-56579" y="4370201"/>
             <a:ext cx="1664575" cy="168167"/>
           </a:xfrm>
           <a:prstGeom prst="straightConnector1">
@@ -3947,7 +4613,7 @@
         </p:nvCxnSpPr>
         <p:spPr>
           <a:xfrm flipH="1">
-            <a:off x="3825766" y="2890347"/>
+            <a:off x="3464815" y="5475051"/>
             <a:ext cx="1174589" cy="220715"/>
           </a:xfrm>
           <a:prstGeom prst="straightConnector1">
@@ -4064,7 +4730,7 @@
 </p:sld>
 </file>
 
-<file path=ppt/slides/slide11.xml><?xml version="1.0" encoding="utf-8"?>
+<file path=ppt/slides/slide12.xml><?xml version="1.0" encoding="utf-8"?>
 <p:sld xmlns:a="http://schemas.openxmlformats.org/drawingml/2006/main" xmlns:r="http://schemas.openxmlformats.org/officeDocument/2006/relationships" xmlns:p="http://schemas.openxmlformats.org/presentationml/2006/main">
   <p:cSld>
     <p:spTree>
@@ -4794,7 +5460,7 @@
 </p:sld>
 </file>
 
-<file path=ppt/slides/slide12.xml><?xml version="1.0" encoding="utf-8"?>
+<file path=ppt/slides/slide13.xml><?xml version="1.0" encoding="utf-8"?>
 <p:sld xmlns:a="http://schemas.openxmlformats.org/drawingml/2006/main" xmlns:r="http://schemas.openxmlformats.org/officeDocument/2006/relationships" xmlns:p="http://schemas.openxmlformats.org/presentationml/2006/main">
   <p:cSld>
     <p:spTree>
@@ -4813,7 +5479,7 @@
       </p:grpSpPr>
       <p:pic>
         <p:nvPicPr>
-          <p:cNvPr id="6" name="Imagem 5"/>
+          <p:cNvPr id="3" name="Imagem 2"/>
           <p:cNvPicPr>
             <a:picLocks noChangeAspect="1"/>
           </p:cNvPicPr>
@@ -4827,8 +5493,8 @@
         </p:blipFill>
         <p:spPr>
           <a:xfrm>
-            <a:off x="865007" y="872359"/>
-            <a:ext cx="3251889" cy="5865014"/>
+            <a:off x="722875" y="1040733"/>
+            <a:ext cx="3394020" cy="5639559"/>
           </a:xfrm>
           <a:prstGeom prst="rect">
             <a:avLst/>
@@ -4870,9 +5536,9 @@
           <p:nvPr/>
         </p:nvCxnSpPr>
         <p:spPr>
-          <a:xfrm>
-            <a:off x="2490952" y="5896304"/>
-            <a:ext cx="562303" cy="335462"/>
+          <a:xfrm flipV="1">
+            <a:off x="254883" y="1415208"/>
+            <a:ext cx="656292" cy="467039"/>
           </a:xfrm>
           <a:prstGeom prst="straightConnector1">
             <a:avLst/>
@@ -4934,8 +5600,8 @@
         </p:nvCxnSpPr>
         <p:spPr>
           <a:xfrm>
-            <a:off x="3268717" y="5612524"/>
-            <a:ext cx="31531" cy="546538"/>
+            <a:off x="349195" y="1052294"/>
+            <a:ext cx="467669" cy="142522"/>
           </a:xfrm>
           <a:prstGeom prst="straightConnector1">
             <a:avLst/>
@@ -4963,191 +5629,6 @@
     <p:extLst>
       <p:ext uri="{BB962C8B-B14F-4D97-AF65-F5344CB8AC3E}">
         <p14:creationId xmlns:p14="http://schemas.microsoft.com/office/powerpoint/2010/main" val="1665742779"/>
-      </p:ext>
-    </p:extLst>
-  </p:cSld>
-  <p:clrMapOvr>
-    <a:masterClrMapping/>
-  </p:clrMapOvr>
-  <p:timing>
-    <p:tnLst>
-      <p:par>
-        <p:cTn id="1" dur="indefinite" restart="never" nodeType="tmRoot"/>
-      </p:par>
-    </p:tnLst>
-  </p:timing>
-</p:sld>
-</file>
-
-<file path=ppt/slides/slide13.xml><?xml version="1.0" encoding="utf-8"?>
-<p:sld xmlns:a="http://schemas.openxmlformats.org/drawingml/2006/main" xmlns:r="http://schemas.openxmlformats.org/officeDocument/2006/relationships" xmlns:p="http://schemas.openxmlformats.org/presentationml/2006/main">
-  <p:cSld>
-    <p:spTree>
-      <p:nvGrpSpPr>
-        <p:cNvPr id="1" name=""/>
-        <p:cNvGrpSpPr/>
-        <p:nvPr/>
-      </p:nvGrpSpPr>
-      <p:grpSpPr>
-        <a:xfrm>
-          <a:off x="0" y="0"/>
-          <a:ext cx="0" cy="0"/>
-          <a:chOff x="0" y="0"/>
-          <a:chExt cx="0" cy="0"/>
-        </a:xfrm>
-      </p:grpSpPr>
-      <p:pic>
-        <p:nvPicPr>
-          <p:cNvPr id="7" name="Imagem 6"/>
-          <p:cNvPicPr>
-            <a:picLocks noChangeAspect="1"/>
-          </p:cNvPicPr>
-          <p:nvPr/>
-        </p:nvPicPr>
-        <p:blipFill>
-          <a:blip r:embed="rId2"/>
-          <a:stretch>
-            <a:fillRect/>
-          </a:stretch>
-        </p:blipFill>
-        <p:spPr>
-          <a:xfrm>
-            <a:off x="1036578" y="1083932"/>
-            <a:ext cx="3171503" cy="5720031"/>
-          </a:xfrm>
-          <a:prstGeom prst="rect">
-            <a:avLst/>
-          </a:prstGeom>
-        </p:spPr>
-      </p:pic>
-      <p:sp>
-        <p:nvSpPr>
-          <p:cNvPr id="2" name="Título 1"/>
-          <p:cNvSpPr>
-            <a:spLocks noGrp="1"/>
-          </p:cNvSpPr>
-          <p:nvPr>
-            <p:ph type="title"/>
-          </p:nvPr>
-        </p:nvSpPr>
-        <p:spPr>
-          <a:xfrm>
-            <a:off x="160320" y="0"/>
-            <a:ext cx="10515600" cy="1325563"/>
-          </a:xfrm>
-        </p:spPr>
-        <p:txBody>
-          <a:bodyPr/>
-          <a:lstStyle/>
-          <a:p>
-            <a:r>
-              <a:rPr lang="pt-BR" dirty="0" smtClean="0"/>
-              <a:t>RN n.4 Botão “Seleção de Quantidade”</a:t>
-            </a:r>
-            <a:endParaRPr lang="pt-BR" dirty="0"/>
-          </a:p>
-        </p:txBody>
-      </p:sp>
-      <p:cxnSp>
-        <p:nvCxnSpPr>
-          <p:cNvPr id="20" name="Conector de Seta Reta 19"/>
-          <p:cNvCxnSpPr/>
-          <p:nvPr/>
-        </p:nvCxnSpPr>
-        <p:spPr>
-          <a:xfrm flipV="1">
-            <a:off x="2522482" y="3440832"/>
-            <a:ext cx="199697" cy="503116"/>
-          </a:xfrm>
-          <a:prstGeom prst="straightConnector1">
-            <a:avLst/>
-          </a:prstGeom>
-          <a:ln>
-            <a:tailEnd type="triangle"/>
-          </a:ln>
-        </p:spPr>
-        <p:style>
-          <a:lnRef idx="1">
-            <a:schemeClr val="accent2"/>
-          </a:lnRef>
-          <a:fillRef idx="0">
-            <a:schemeClr val="accent2"/>
-          </a:fillRef>
-          <a:effectRef idx="0">
-            <a:schemeClr val="accent2"/>
-          </a:effectRef>
-          <a:fontRef idx="minor">
-            <a:schemeClr val="tx1"/>
-          </a:fontRef>
-        </p:style>
-      </p:cxnSp>
-      <p:sp>
-        <p:nvSpPr>
-          <p:cNvPr id="31" name="CaixaDeTexto 30"/>
-          <p:cNvSpPr txBox="1"/>
-          <p:nvPr/>
-        </p:nvSpPr>
-        <p:spPr>
-          <a:xfrm>
-            <a:off x="4565432" y="1459867"/>
-            <a:ext cx="5073555" cy="646331"/>
-          </a:xfrm>
-          <a:prstGeom prst="rect">
-            <a:avLst/>
-          </a:prstGeom>
-          <a:noFill/>
-        </p:spPr>
-        <p:txBody>
-          <a:bodyPr wrap="square" rtlCol="0">
-            <a:spAutoFit/>
-          </a:bodyPr>
-          <a:lstStyle/>
-          <a:p>
-            <a:r>
-              <a:rPr lang="pt-BR" dirty="0" smtClean="0"/>
-              <a:t>O cliente deve ser capaz de selecionar a quantidade de 1 a 5, do produto que ele deseja pedir.</a:t>
-            </a:r>
-            <a:endParaRPr lang="pt-BR" dirty="0"/>
-          </a:p>
-        </p:txBody>
-      </p:sp>
-      <p:cxnSp>
-        <p:nvCxnSpPr>
-          <p:cNvPr id="5" name="Conector de Seta Reta 4"/>
-          <p:cNvCxnSpPr/>
-          <p:nvPr/>
-        </p:nvCxnSpPr>
-        <p:spPr>
-          <a:xfrm flipH="1" flipV="1">
-            <a:off x="3079530" y="3440832"/>
-            <a:ext cx="446690" cy="402009"/>
-          </a:xfrm>
-          <a:prstGeom prst="straightConnector1">
-            <a:avLst/>
-          </a:prstGeom>
-          <a:ln>
-            <a:tailEnd type="triangle"/>
-          </a:ln>
-        </p:spPr>
-        <p:style>
-          <a:lnRef idx="1">
-            <a:schemeClr val="accent2"/>
-          </a:lnRef>
-          <a:fillRef idx="0">
-            <a:schemeClr val="accent2"/>
-          </a:fillRef>
-          <a:effectRef idx="0">
-            <a:schemeClr val="accent2"/>
-          </a:effectRef>
-          <a:fontRef idx="minor">
-            <a:schemeClr val="tx1"/>
-          </a:fontRef>
-        </p:style>
-      </p:cxnSp>
-    </p:spTree>
-    <p:extLst>
-      <p:ext uri="{BB962C8B-B14F-4D97-AF65-F5344CB8AC3E}">
-        <p14:creationId xmlns:p14="http://schemas.microsoft.com/office/powerpoint/2010/main" val="3725604293"/>
       </p:ext>
     </p:extLst>
   </p:cSld>
@@ -5197,8 +5678,8 @@
         </p:blipFill>
         <p:spPr>
           <a:xfrm>
-            <a:off x="1500488" y="994926"/>
-            <a:ext cx="3158084" cy="5695830"/>
+            <a:off x="771643" y="1138969"/>
+            <a:ext cx="3049295" cy="5066759"/>
           </a:xfrm>
           <a:prstGeom prst="rect">
             <a:avLst/>
@@ -5227,7 +5708,7 @@
           <a:p>
             <a:r>
               <a:rPr lang="pt-BR" dirty="0" smtClean="0"/>
-              <a:t>RN n.5 Botão “Adicionar Pedido”</a:t>
+              <a:t>RN n.4 Botão “Seleção de Quantidade”</a:t>
             </a:r>
             <a:endParaRPr lang="pt-BR" dirty="0"/>
           </a:p>
@@ -5241,8 +5722,193 @@
         </p:nvCxnSpPr>
         <p:spPr>
           <a:xfrm flipV="1">
-            <a:off x="1726462" y="3440832"/>
-            <a:ext cx="365097" cy="567328"/>
+            <a:off x="2319509" y="3881201"/>
+            <a:ext cx="199697" cy="503116"/>
+          </a:xfrm>
+          <a:prstGeom prst="straightConnector1">
+            <a:avLst/>
+          </a:prstGeom>
+          <a:ln>
+            <a:tailEnd type="triangle"/>
+          </a:ln>
+        </p:spPr>
+        <p:style>
+          <a:lnRef idx="1">
+            <a:schemeClr val="accent2"/>
+          </a:lnRef>
+          <a:fillRef idx="0">
+            <a:schemeClr val="accent2"/>
+          </a:fillRef>
+          <a:effectRef idx="0">
+            <a:schemeClr val="accent2"/>
+          </a:effectRef>
+          <a:fontRef idx="minor">
+            <a:schemeClr val="tx1"/>
+          </a:fontRef>
+        </p:style>
+      </p:cxnSp>
+      <p:sp>
+        <p:nvSpPr>
+          <p:cNvPr id="31" name="CaixaDeTexto 30"/>
+          <p:cNvSpPr txBox="1"/>
+          <p:nvPr/>
+        </p:nvSpPr>
+        <p:spPr>
+          <a:xfrm>
+            <a:off x="4565432" y="1459867"/>
+            <a:ext cx="5073555" cy="646331"/>
+          </a:xfrm>
+          <a:prstGeom prst="rect">
+            <a:avLst/>
+          </a:prstGeom>
+          <a:noFill/>
+        </p:spPr>
+        <p:txBody>
+          <a:bodyPr wrap="square" rtlCol="0">
+            <a:spAutoFit/>
+          </a:bodyPr>
+          <a:lstStyle/>
+          <a:p>
+            <a:r>
+              <a:rPr lang="pt-BR" dirty="0" smtClean="0"/>
+              <a:t>O cliente deve ser capaz de selecionar a quantidade de 1 a 5, do produto que ele deseja pedir.</a:t>
+            </a:r>
+            <a:endParaRPr lang="pt-BR" dirty="0"/>
+          </a:p>
+        </p:txBody>
+      </p:sp>
+      <p:cxnSp>
+        <p:nvCxnSpPr>
+          <p:cNvPr id="5" name="Conector de Seta Reta 4"/>
+          <p:cNvCxnSpPr/>
+          <p:nvPr/>
+        </p:nvCxnSpPr>
+        <p:spPr>
+          <a:xfrm flipH="1" flipV="1">
+            <a:off x="2824868" y="3742943"/>
+            <a:ext cx="446690" cy="402009"/>
+          </a:xfrm>
+          <a:prstGeom prst="straightConnector1">
+            <a:avLst/>
+          </a:prstGeom>
+          <a:ln>
+            <a:tailEnd type="triangle"/>
+          </a:ln>
+        </p:spPr>
+        <p:style>
+          <a:lnRef idx="1">
+            <a:schemeClr val="accent2"/>
+          </a:lnRef>
+          <a:fillRef idx="0">
+            <a:schemeClr val="accent2"/>
+          </a:fillRef>
+          <a:effectRef idx="0">
+            <a:schemeClr val="accent2"/>
+          </a:effectRef>
+          <a:fontRef idx="minor">
+            <a:schemeClr val="tx1"/>
+          </a:fontRef>
+        </p:style>
+      </p:cxnSp>
+    </p:spTree>
+    <p:extLst>
+      <p:ext uri="{BB962C8B-B14F-4D97-AF65-F5344CB8AC3E}">
+        <p14:creationId xmlns:p14="http://schemas.microsoft.com/office/powerpoint/2010/main" val="3725604293"/>
+      </p:ext>
+    </p:extLst>
+  </p:cSld>
+  <p:clrMapOvr>
+    <a:masterClrMapping/>
+  </p:clrMapOvr>
+  <p:timing>
+    <p:tnLst>
+      <p:par>
+        <p:cTn id="1" dur="indefinite" restart="never" nodeType="tmRoot"/>
+      </p:par>
+    </p:tnLst>
+  </p:timing>
+</p:sld>
+</file>
+
+<file path=ppt/slides/slide15.xml><?xml version="1.0" encoding="utf-8"?>
+<p:sld xmlns:a="http://schemas.openxmlformats.org/drawingml/2006/main" xmlns:r="http://schemas.openxmlformats.org/officeDocument/2006/relationships" xmlns:p="http://schemas.openxmlformats.org/presentationml/2006/main">
+  <p:cSld>
+    <p:spTree>
+      <p:nvGrpSpPr>
+        <p:cNvPr id="1" name=""/>
+        <p:cNvGrpSpPr/>
+        <p:nvPr/>
+      </p:nvGrpSpPr>
+      <p:grpSpPr>
+        <a:xfrm>
+          <a:off x="0" y="0"/>
+          <a:ext cx="0" cy="0"/>
+          <a:chOff x="0" y="0"/>
+          <a:chExt cx="0" cy="0"/>
+        </a:xfrm>
+      </p:grpSpPr>
+      <p:pic>
+        <p:nvPicPr>
+          <p:cNvPr id="4" name="Imagem 3"/>
+          <p:cNvPicPr>
+            <a:picLocks noChangeAspect="1"/>
+          </p:cNvPicPr>
+          <p:nvPr/>
+        </p:nvPicPr>
+        <p:blipFill>
+          <a:blip r:embed="rId2"/>
+          <a:stretch>
+            <a:fillRect/>
+          </a:stretch>
+        </p:blipFill>
+        <p:spPr>
+          <a:xfrm>
+            <a:off x="759402" y="916629"/>
+            <a:ext cx="3461927" cy="5752395"/>
+          </a:xfrm>
+          <a:prstGeom prst="rect">
+            <a:avLst/>
+          </a:prstGeom>
+        </p:spPr>
+      </p:pic>
+      <p:sp>
+        <p:nvSpPr>
+          <p:cNvPr id="2" name="Título 1"/>
+          <p:cNvSpPr>
+            <a:spLocks noGrp="1"/>
+          </p:cNvSpPr>
+          <p:nvPr>
+            <p:ph type="title"/>
+          </p:nvPr>
+        </p:nvSpPr>
+        <p:spPr>
+          <a:xfrm>
+            <a:off x="160320" y="0"/>
+            <a:ext cx="10515600" cy="1325563"/>
+          </a:xfrm>
+        </p:spPr>
+        <p:txBody>
+          <a:bodyPr/>
+          <a:lstStyle/>
+          <a:p>
+            <a:r>
+              <a:rPr lang="pt-BR" dirty="0" smtClean="0"/>
+              <a:t>RN n.5 Botão “Adicionar Pedido”</a:t>
+            </a:r>
+            <a:endParaRPr lang="pt-BR" dirty="0"/>
+          </a:p>
+        </p:txBody>
+      </p:sp>
+      <p:cxnSp>
+        <p:nvCxnSpPr>
+          <p:cNvPr id="20" name="Conector de Seta Reta 19"/>
+          <p:cNvCxnSpPr/>
+          <p:nvPr/>
+        </p:nvCxnSpPr>
+        <p:spPr>
+          <a:xfrm flipV="1">
+            <a:off x="451104" y="4065313"/>
+            <a:ext cx="616597" cy="341935"/>
           </a:xfrm>
           <a:prstGeom prst="straightConnector1">
             <a:avLst/>
@@ -5304,7 +5970,7 @@
         </p:nvCxnSpPr>
         <p:spPr>
           <a:xfrm flipH="1" flipV="1">
-            <a:off x="2711669" y="3440832"/>
+            <a:off x="2421676" y="4123584"/>
             <a:ext cx="194441" cy="567329"/>
           </a:xfrm>
           <a:prstGeom prst="straightConnector1">
@@ -5349,7 +6015,7 @@
 </p:sld>
 </file>
 
-<file path=ppt/slides/slide15.xml><?xml version="1.0" encoding="utf-8"?>
+<file path=ppt/slides/slide16.xml><?xml version="1.0" encoding="utf-8"?>
 <p:sld xmlns:a="http://schemas.openxmlformats.org/drawingml/2006/main" xmlns:r="http://schemas.openxmlformats.org/officeDocument/2006/relationships" xmlns:p="http://schemas.openxmlformats.org/presentationml/2006/main">
   <p:cSld>
     <p:spTree>
@@ -5862,224 +6528,6 @@
     <p:extLst>
       <p:ext uri="{BB962C8B-B14F-4D97-AF65-F5344CB8AC3E}">
         <p14:creationId xmlns:p14="http://schemas.microsoft.com/office/powerpoint/2010/main" val="4228905998"/>
-      </p:ext>
-    </p:extLst>
-  </p:cSld>
-  <p:clrMapOvr>
-    <a:masterClrMapping/>
-  </p:clrMapOvr>
-  <p:timing>
-    <p:tnLst>
-      <p:par>
-        <p:cTn id="1" dur="indefinite" restart="never" nodeType="tmRoot"/>
-      </p:par>
-    </p:tnLst>
-  </p:timing>
-</p:sld>
-</file>
-
-<file path=ppt/slides/slide16.xml><?xml version="1.0" encoding="utf-8"?>
-<p:sld xmlns:a="http://schemas.openxmlformats.org/drawingml/2006/main" xmlns:r="http://schemas.openxmlformats.org/officeDocument/2006/relationships" xmlns:p="http://schemas.openxmlformats.org/presentationml/2006/main">
-  <p:cSld>
-    <p:spTree>
-      <p:nvGrpSpPr>
-        <p:cNvPr id="1" name=""/>
-        <p:cNvGrpSpPr/>
-        <p:nvPr/>
-      </p:nvGrpSpPr>
-      <p:grpSpPr>
-        <a:xfrm>
-          <a:off x="0" y="0"/>
-          <a:ext cx="0" cy="0"/>
-          <a:chOff x="0" y="0"/>
-          <a:chExt cx="0" cy="0"/>
-        </a:xfrm>
-      </p:grpSpPr>
-      <p:pic>
-        <p:nvPicPr>
-          <p:cNvPr id="4" name="Imagem 3"/>
-          <p:cNvPicPr>
-            <a:picLocks noChangeAspect="1"/>
-          </p:cNvPicPr>
-          <p:nvPr/>
-        </p:nvPicPr>
-        <p:blipFill>
-          <a:blip r:embed="rId2"/>
-          <a:stretch>
-            <a:fillRect/>
-          </a:stretch>
-        </p:blipFill>
-        <p:spPr>
-          <a:xfrm>
-            <a:off x="1120462" y="857703"/>
-            <a:ext cx="3016658" cy="5637689"/>
-          </a:xfrm>
-          <a:prstGeom prst="rect">
-            <a:avLst/>
-          </a:prstGeom>
-        </p:spPr>
-      </p:pic>
-      <p:sp>
-        <p:nvSpPr>
-          <p:cNvPr id="2" name="Título 1"/>
-          <p:cNvSpPr>
-            <a:spLocks noGrp="1"/>
-          </p:cNvSpPr>
-          <p:nvPr>
-            <p:ph type="title"/>
-          </p:nvPr>
-        </p:nvSpPr>
-        <p:spPr>
-          <a:xfrm>
-            <a:off x="160320" y="0"/>
-            <a:ext cx="10515600" cy="1325563"/>
-          </a:xfrm>
-        </p:spPr>
-        <p:txBody>
-          <a:bodyPr/>
-          <a:lstStyle/>
-          <a:p>
-            <a:r>
-              <a:rPr lang="pt-BR" dirty="0" smtClean="0"/>
-              <a:t>RN n.6 Informações do Cliente</a:t>
-            </a:r>
-            <a:endParaRPr lang="pt-BR" dirty="0"/>
-          </a:p>
-        </p:txBody>
-      </p:sp>
-      <p:cxnSp>
-        <p:nvCxnSpPr>
-          <p:cNvPr id="20" name="Conector de Seta Reta 19"/>
-          <p:cNvCxnSpPr/>
-          <p:nvPr/>
-        </p:nvCxnSpPr>
-        <p:spPr>
-          <a:xfrm flipH="1" flipV="1">
-            <a:off x="3432229" y="2987225"/>
-            <a:ext cx="763300" cy="575022"/>
-          </a:xfrm>
-          <a:prstGeom prst="straightConnector1">
-            <a:avLst/>
-          </a:prstGeom>
-          <a:ln>
-            <a:tailEnd type="triangle"/>
-          </a:ln>
-        </p:spPr>
-        <p:style>
-          <a:lnRef idx="1">
-            <a:schemeClr val="accent2"/>
-          </a:lnRef>
-          <a:fillRef idx="0">
-            <a:schemeClr val="accent2"/>
-          </a:fillRef>
-          <a:effectRef idx="0">
-            <a:schemeClr val="accent2"/>
-          </a:effectRef>
-          <a:fontRef idx="minor">
-            <a:schemeClr val="tx1"/>
-          </a:fontRef>
-        </p:style>
-      </p:cxnSp>
-      <p:cxnSp>
-        <p:nvCxnSpPr>
-          <p:cNvPr id="5" name="Conector de Seta Reta 4"/>
-          <p:cNvCxnSpPr/>
-          <p:nvPr/>
-        </p:nvCxnSpPr>
-        <p:spPr>
-          <a:xfrm flipH="1">
-            <a:off x="3490639" y="2597045"/>
-            <a:ext cx="802933" cy="0"/>
-          </a:xfrm>
-          <a:prstGeom prst="straightConnector1">
-            <a:avLst/>
-          </a:prstGeom>
-          <a:ln>
-            <a:tailEnd type="triangle"/>
-          </a:ln>
-        </p:spPr>
-        <p:style>
-          <a:lnRef idx="1">
-            <a:schemeClr val="accent2"/>
-          </a:lnRef>
-          <a:fillRef idx="0">
-            <a:schemeClr val="accent2"/>
-          </a:fillRef>
-          <a:effectRef idx="0">
-            <a:schemeClr val="accent2"/>
-          </a:effectRef>
-          <a:fontRef idx="minor">
-            <a:schemeClr val="tx1"/>
-          </a:fontRef>
-        </p:style>
-      </p:cxnSp>
-      <p:cxnSp>
-        <p:nvCxnSpPr>
-          <p:cNvPr id="12" name="Conector de Seta Reta 11"/>
-          <p:cNvCxnSpPr/>
-          <p:nvPr/>
-        </p:nvCxnSpPr>
-        <p:spPr>
-          <a:xfrm flipH="1">
-            <a:off x="3490639" y="2061668"/>
-            <a:ext cx="646481" cy="219432"/>
-          </a:xfrm>
-          <a:prstGeom prst="straightConnector1">
-            <a:avLst/>
-          </a:prstGeom>
-          <a:ln>
-            <a:tailEnd type="triangle"/>
-          </a:ln>
-        </p:spPr>
-        <p:style>
-          <a:lnRef idx="1">
-            <a:schemeClr val="accent2"/>
-          </a:lnRef>
-          <a:fillRef idx="0">
-            <a:schemeClr val="accent2"/>
-          </a:fillRef>
-          <a:effectRef idx="0">
-            <a:schemeClr val="accent2"/>
-          </a:effectRef>
-          <a:fontRef idx="minor">
-            <a:schemeClr val="tx1"/>
-          </a:fontRef>
-        </p:style>
-      </p:cxnSp>
-      <p:sp>
-        <p:nvSpPr>
-          <p:cNvPr id="15" name="CaixaDeTexto 14"/>
-          <p:cNvSpPr txBox="1"/>
-          <p:nvPr/>
-        </p:nvSpPr>
-        <p:spPr>
-          <a:xfrm>
-            <a:off x="5289645" y="1600003"/>
-            <a:ext cx="5073555" cy="923330"/>
-          </a:xfrm>
-          <a:prstGeom prst="rect">
-            <a:avLst/>
-          </a:prstGeom>
-          <a:noFill/>
-        </p:spPr>
-        <p:txBody>
-          <a:bodyPr wrap="square" rtlCol="0">
-            <a:spAutoFit/>
-          </a:bodyPr>
-          <a:lstStyle/>
-          <a:p>
-            <a:r>
-              <a:rPr lang="pt-BR" dirty="0" smtClean="0"/>
-              <a:t>Tela Exibida após adicionar um produto ao carrinho, possibilita o cliente a adicionar seus dados pessoais, antes de finalizar o pedido. </a:t>
-            </a:r>
-            <a:endParaRPr lang="pt-BR" dirty="0"/>
-          </a:p>
-        </p:txBody>
-      </p:sp>
-    </p:spTree>
-    <p:extLst>
-      <p:ext uri="{BB962C8B-B14F-4D97-AF65-F5344CB8AC3E}">
-        <p14:creationId xmlns:p14="http://schemas.microsoft.com/office/powerpoint/2010/main" val="634971598"/>
       </p:ext>
     </p:extLst>
   </p:cSld>
@@ -6129,8 +6577,226 @@
         </p:blipFill>
         <p:spPr>
           <a:xfrm>
-            <a:off x="1370286" y="1027906"/>
-            <a:ext cx="2812831" cy="5632911"/>
+            <a:off x="631397" y="903869"/>
+            <a:ext cx="3413434" cy="5789539"/>
+          </a:xfrm>
+          <a:prstGeom prst="rect">
+            <a:avLst/>
+          </a:prstGeom>
+        </p:spPr>
+      </p:pic>
+      <p:sp>
+        <p:nvSpPr>
+          <p:cNvPr id="2" name="Título 1"/>
+          <p:cNvSpPr>
+            <a:spLocks noGrp="1"/>
+          </p:cNvSpPr>
+          <p:nvPr>
+            <p:ph type="title"/>
+          </p:nvPr>
+        </p:nvSpPr>
+        <p:spPr>
+          <a:xfrm>
+            <a:off x="160320" y="0"/>
+            <a:ext cx="10515600" cy="1325563"/>
+          </a:xfrm>
+        </p:spPr>
+        <p:txBody>
+          <a:bodyPr/>
+          <a:lstStyle/>
+          <a:p>
+            <a:r>
+              <a:rPr lang="pt-BR" dirty="0" smtClean="0"/>
+              <a:t>RN n.6 Informações do Cliente</a:t>
+            </a:r>
+            <a:endParaRPr lang="pt-BR" dirty="0"/>
+          </a:p>
+        </p:txBody>
+      </p:sp>
+      <p:cxnSp>
+        <p:nvCxnSpPr>
+          <p:cNvPr id="20" name="Conector de Seta Reta 19"/>
+          <p:cNvCxnSpPr/>
+          <p:nvPr/>
+        </p:nvCxnSpPr>
+        <p:spPr>
+          <a:xfrm flipH="1" flipV="1">
+            <a:off x="3530272" y="3552582"/>
+            <a:ext cx="763300" cy="575022"/>
+          </a:xfrm>
+          <a:prstGeom prst="straightConnector1">
+            <a:avLst/>
+          </a:prstGeom>
+          <a:ln>
+            <a:tailEnd type="triangle"/>
+          </a:ln>
+        </p:spPr>
+        <p:style>
+          <a:lnRef idx="1">
+            <a:schemeClr val="accent2"/>
+          </a:lnRef>
+          <a:fillRef idx="0">
+            <a:schemeClr val="accent2"/>
+          </a:fillRef>
+          <a:effectRef idx="0">
+            <a:schemeClr val="accent2"/>
+          </a:effectRef>
+          <a:fontRef idx="minor">
+            <a:schemeClr val="tx1"/>
+          </a:fontRef>
+        </p:style>
+      </p:cxnSp>
+      <p:cxnSp>
+        <p:nvCxnSpPr>
+          <p:cNvPr id="5" name="Conector de Seta Reta 4"/>
+          <p:cNvCxnSpPr/>
+          <p:nvPr/>
+        </p:nvCxnSpPr>
+        <p:spPr>
+          <a:xfrm flipH="1">
+            <a:off x="3643364" y="3121301"/>
+            <a:ext cx="802933" cy="0"/>
+          </a:xfrm>
+          <a:prstGeom prst="straightConnector1">
+            <a:avLst/>
+          </a:prstGeom>
+          <a:ln>
+            <a:tailEnd type="triangle"/>
+          </a:ln>
+        </p:spPr>
+        <p:style>
+          <a:lnRef idx="1">
+            <a:schemeClr val="accent2"/>
+          </a:lnRef>
+          <a:fillRef idx="0">
+            <a:schemeClr val="accent2"/>
+          </a:fillRef>
+          <a:effectRef idx="0">
+            <a:schemeClr val="accent2"/>
+          </a:effectRef>
+          <a:fontRef idx="minor">
+            <a:schemeClr val="tx1"/>
+          </a:fontRef>
+        </p:style>
+      </p:cxnSp>
+      <p:cxnSp>
+        <p:nvCxnSpPr>
+          <p:cNvPr id="12" name="Conector de Seta Reta 11"/>
+          <p:cNvCxnSpPr/>
+          <p:nvPr/>
+        </p:nvCxnSpPr>
+        <p:spPr>
+          <a:xfrm flipH="1">
+            <a:off x="3643364" y="2435221"/>
+            <a:ext cx="646481" cy="219432"/>
+          </a:xfrm>
+          <a:prstGeom prst="straightConnector1">
+            <a:avLst/>
+          </a:prstGeom>
+          <a:ln>
+            <a:tailEnd type="triangle"/>
+          </a:ln>
+        </p:spPr>
+        <p:style>
+          <a:lnRef idx="1">
+            <a:schemeClr val="accent2"/>
+          </a:lnRef>
+          <a:fillRef idx="0">
+            <a:schemeClr val="accent2"/>
+          </a:fillRef>
+          <a:effectRef idx="0">
+            <a:schemeClr val="accent2"/>
+          </a:effectRef>
+          <a:fontRef idx="minor">
+            <a:schemeClr val="tx1"/>
+          </a:fontRef>
+        </p:style>
+      </p:cxnSp>
+      <p:sp>
+        <p:nvSpPr>
+          <p:cNvPr id="15" name="CaixaDeTexto 14"/>
+          <p:cNvSpPr txBox="1"/>
+          <p:nvPr/>
+        </p:nvSpPr>
+        <p:spPr>
+          <a:xfrm>
+            <a:off x="5289645" y="1600003"/>
+            <a:ext cx="5073555" cy="923330"/>
+          </a:xfrm>
+          <a:prstGeom prst="rect">
+            <a:avLst/>
+          </a:prstGeom>
+          <a:noFill/>
+        </p:spPr>
+        <p:txBody>
+          <a:bodyPr wrap="square" rtlCol="0">
+            <a:spAutoFit/>
+          </a:bodyPr>
+          <a:lstStyle/>
+          <a:p>
+            <a:r>
+              <a:rPr lang="pt-BR" dirty="0" smtClean="0"/>
+              <a:t>Tela Exibida após adicionar um produto ao carrinho, possibilita o cliente a adicionar seus dados pessoais, antes de finalizar o pedido. </a:t>
+            </a:r>
+            <a:endParaRPr lang="pt-BR" dirty="0"/>
+          </a:p>
+        </p:txBody>
+      </p:sp>
+    </p:spTree>
+    <p:extLst>
+      <p:ext uri="{BB962C8B-B14F-4D97-AF65-F5344CB8AC3E}">
+        <p14:creationId xmlns:p14="http://schemas.microsoft.com/office/powerpoint/2010/main" val="634971598"/>
+      </p:ext>
+    </p:extLst>
+  </p:cSld>
+  <p:clrMapOvr>
+    <a:masterClrMapping/>
+  </p:clrMapOvr>
+  <p:timing>
+    <p:tnLst>
+      <p:par>
+        <p:cTn id="1" dur="indefinite" restart="never" nodeType="tmRoot"/>
+      </p:par>
+    </p:tnLst>
+  </p:timing>
+</p:sld>
+</file>
+
+<file path=ppt/slides/slide18.xml><?xml version="1.0" encoding="utf-8"?>
+<p:sld xmlns:a="http://schemas.openxmlformats.org/drawingml/2006/main" xmlns:r="http://schemas.openxmlformats.org/officeDocument/2006/relationships" xmlns:p="http://schemas.openxmlformats.org/presentationml/2006/main">
+  <p:cSld>
+    <p:spTree>
+      <p:nvGrpSpPr>
+        <p:cNvPr id="1" name=""/>
+        <p:cNvGrpSpPr/>
+        <p:nvPr/>
+      </p:nvGrpSpPr>
+      <p:grpSpPr>
+        <a:xfrm>
+          <a:off x="0" y="0"/>
+          <a:ext cx="0" cy="0"/>
+          <a:chOff x="0" y="0"/>
+          <a:chExt cx="0" cy="0"/>
+        </a:xfrm>
+      </p:grpSpPr>
+      <p:pic>
+        <p:nvPicPr>
+          <p:cNvPr id="4" name="Imagem 3"/>
+          <p:cNvPicPr>
+            <a:picLocks noChangeAspect="1"/>
+          </p:cNvPicPr>
+          <p:nvPr/>
+        </p:nvPicPr>
+        <p:blipFill>
+          <a:blip r:embed="rId2"/>
+          <a:stretch>
+            <a:fillRect/>
+          </a:stretch>
+        </p:blipFill>
+        <p:spPr>
+          <a:xfrm>
+            <a:off x="1203960" y="1116494"/>
+            <a:ext cx="3334364" cy="5655427"/>
           </a:xfrm>
           <a:prstGeom prst="rect">
             <a:avLst/>
@@ -6187,7 +6853,7 @@
         </p:nvCxnSpPr>
         <p:spPr>
           <a:xfrm>
-            <a:off x="1545021" y="3226676"/>
+            <a:off x="1862013" y="4193838"/>
             <a:ext cx="231227" cy="262758"/>
           </a:xfrm>
           <a:prstGeom prst="straightConnector1">
@@ -6220,7 +6886,7 @@
         </p:nvCxnSpPr>
         <p:spPr>
           <a:xfrm flipH="1">
-            <a:off x="3368566" y="3520965"/>
+            <a:off x="3648982" y="4276296"/>
             <a:ext cx="446689" cy="423243"/>
           </a:xfrm>
           <a:prstGeom prst="straightConnector1">
@@ -6253,7 +6919,7 @@
         </p:nvCxnSpPr>
         <p:spPr>
           <a:xfrm flipV="1">
-            <a:off x="1457653" y="4309242"/>
+            <a:off x="895376" y="5187066"/>
             <a:ext cx="405962" cy="357353"/>
           </a:xfrm>
           <a:prstGeom prst="straightConnector1">
@@ -6343,7 +7009,7 @@
 </p:sld>
 </file>
 
-<file path=ppt/slides/slide18.xml><?xml version="1.0" encoding="utf-8"?>
+<file path=ppt/slides/slide19.xml><?xml version="1.0" encoding="utf-8"?>
 <p:sld xmlns:a="http://schemas.openxmlformats.org/drawingml/2006/main" xmlns:r="http://schemas.openxmlformats.org/officeDocument/2006/relationships" xmlns:p="http://schemas.openxmlformats.org/presentationml/2006/main">
   <p:cSld>
     <p:spTree>
@@ -6360,6 +7026,30 @@
           <a:chExt cx="0" cy="0"/>
         </a:xfrm>
       </p:grpSpPr>
+      <p:pic>
+        <p:nvPicPr>
+          <p:cNvPr id="4" name="Imagem 3"/>
+          <p:cNvPicPr>
+            <a:picLocks noChangeAspect="1"/>
+          </p:cNvPicPr>
+          <p:nvPr/>
+        </p:nvPicPr>
+        <p:blipFill>
+          <a:blip r:embed="rId2"/>
+          <a:stretch>
+            <a:fillRect/>
+          </a:stretch>
+        </p:blipFill>
+        <p:spPr>
+          <a:xfrm>
+            <a:off x="639775" y="1043162"/>
+            <a:ext cx="3219203" cy="5460103"/>
+          </a:xfrm>
+          <a:prstGeom prst="rect">
+            <a:avLst/>
+          </a:prstGeom>
+        </p:spPr>
+      </p:pic>
       <p:sp>
         <p:nvSpPr>
           <p:cNvPr id="2" name="Título 1"/>
@@ -6394,30 +7084,6 @@
           </a:p>
         </p:txBody>
       </p:sp>
-      <p:pic>
-        <p:nvPicPr>
-          <p:cNvPr id="3" name="Imagem 2"/>
-          <p:cNvPicPr>
-            <a:picLocks noChangeAspect="1"/>
-          </p:cNvPicPr>
-          <p:nvPr/>
-        </p:nvPicPr>
-        <p:blipFill>
-          <a:blip r:embed="rId2"/>
-          <a:stretch>
-            <a:fillRect/>
-          </a:stretch>
-        </p:blipFill>
-        <p:spPr>
-          <a:xfrm>
-            <a:off x="529869" y="1050817"/>
-            <a:ext cx="2758805" cy="5717845"/>
-          </a:xfrm>
-          <a:prstGeom prst="rect">
-            <a:avLst/>
-          </a:prstGeom>
-        </p:spPr>
-      </p:pic>
       <p:cxnSp>
         <p:nvCxnSpPr>
           <p:cNvPr id="6" name="Conector de Seta Reta 5"/>
@@ -6426,7 +7092,7 @@
         </p:nvCxnSpPr>
         <p:spPr>
           <a:xfrm flipH="1">
-            <a:off x="3016469" y="3773214"/>
+            <a:off x="3407033" y="4133345"/>
             <a:ext cx="903890" cy="388883"/>
           </a:xfrm>
           <a:prstGeom prst="straightConnector1">
@@ -6459,7 +7125,7 @@
         </p:nvCxnSpPr>
         <p:spPr>
           <a:xfrm flipH="1" flipV="1">
-            <a:off x="3026979" y="4393324"/>
+            <a:off x="3372199" y="4814041"/>
             <a:ext cx="840828" cy="641131"/>
           </a:xfrm>
           <a:prstGeom prst="straightConnector1">
@@ -6518,210 +7184,6 @@
     <p:extLst>
       <p:ext uri="{BB962C8B-B14F-4D97-AF65-F5344CB8AC3E}">
         <p14:creationId xmlns:p14="http://schemas.microsoft.com/office/powerpoint/2010/main" val="1976072078"/>
-      </p:ext>
-    </p:extLst>
-  </p:cSld>
-  <p:clrMapOvr>
-    <a:masterClrMapping/>
-  </p:clrMapOvr>
-  <p:timing>
-    <p:tnLst>
-      <p:par>
-        <p:cTn id="1" dur="indefinite" restart="never" nodeType="tmRoot"/>
-      </p:par>
-    </p:tnLst>
-  </p:timing>
-</p:sld>
-</file>
-
-<file path=ppt/slides/slide19.xml><?xml version="1.0" encoding="utf-8"?>
-<p:sld xmlns:a="http://schemas.openxmlformats.org/drawingml/2006/main" xmlns:r="http://schemas.openxmlformats.org/officeDocument/2006/relationships" xmlns:p="http://schemas.openxmlformats.org/presentationml/2006/main">
-  <p:cSld>
-    <p:spTree>
-      <p:nvGrpSpPr>
-        <p:cNvPr id="1" name=""/>
-        <p:cNvGrpSpPr/>
-        <p:nvPr/>
-      </p:nvGrpSpPr>
-      <p:grpSpPr>
-        <a:xfrm>
-          <a:off x="0" y="0"/>
-          <a:ext cx="0" cy="0"/>
-          <a:chOff x="0" y="0"/>
-          <a:chExt cx="0" cy="0"/>
-        </a:xfrm>
-      </p:grpSpPr>
-      <p:sp>
-        <p:nvSpPr>
-          <p:cNvPr id="2" name="Título 1"/>
-          <p:cNvSpPr>
-            <a:spLocks noGrp="1"/>
-          </p:cNvSpPr>
-          <p:nvPr>
-            <p:ph type="title"/>
-          </p:nvPr>
-        </p:nvSpPr>
-        <p:spPr>
-          <a:xfrm>
-            <a:off x="186559" y="91856"/>
-            <a:ext cx="10515600" cy="1325563"/>
-          </a:xfrm>
-        </p:spPr>
-        <p:txBody>
-          <a:bodyPr/>
-          <a:lstStyle/>
-          <a:p>
-            <a:r>
-              <a:rPr lang="pt-BR" dirty="0" smtClean="0">
-                <a:latin typeface="Times New Roman" panose="02020603050405020304" pitchFamily="18" charset="0"/>
-                <a:cs typeface="Times New Roman" panose="02020603050405020304" pitchFamily="18" charset="0"/>
-              </a:rPr>
-              <a:t>RN n.9 “Forma de Pagamento”</a:t>
-            </a:r>
-            <a:r>
-              <a:rPr lang="pt-BR" dirty="0">
-                <a:latin typeface="Times New Roman" panose="02020603050405020304" pitchFamily="18" charset="0"/>
-                <a:cs typeface="Times New Roman" panose="02020603050405020304" pitchFamily="18" charset="0"/>
-              </a:rPr>
-              <a:t/>
-            </a:r>
-            <a:br>
-              <a:rPr lang="pt-BR" dirty="0">
-                <a:latin typeface="Times New Roman" panose="02020603050405020304" pitchFamily="18" charset="0"/>
-                <a:cs typeface="Times New Roman" panose="02020603050405020304" pitchFamily="18" charset="0"/>
-              </a:rPr>
-            </a:br>
-            <a:endParaRPr lang="pt-BR" dirty="0">
-              <a:latin typeface="Times New Roman" panose="02020603050405020304" pitchFamily="18" charset="0"/>
-              <a:cs typeface="Times New Roman" panose="02020603050405020304" pitchFamily="18" charset="0"/>
-            </a:endParaRPr>
-          </a:p>
-        </p:txBody>
-      </p:sp>
-      <p:pic>
-        <p:nvPicPr>
-          <p:cNvPr id="3" name="Imagem 2"/>
-          <p:cNvPicPr>
-            <a:picLocks noChangeAspect="1"/>
-          </p:cNvPicPr>
-          <p:nvPr/>
-        </p:nvPicPr>
-        <p:blipFill>
-          <a:blip r:embed="rId2"/>
-          <a:stretch>
-            <a:fillRect/>
-          </a:stretch>
-        </p:blipFill>
-        <p:spPr>
-          <a:xfrm>
-            <a:off x="666816" y="754636"/>
-            <a:ext cx="3043335" cy="6001705"/>
-          </a:xfrm>
-          <a:prstGeom prst="rect">
-            <a:avLst/>
-          </a:prstGeom>
-        </p:spPr>
-      </p:pic>
-      <p:cxnSp>
-        <p:nvCxnSpPr>
-          <p:cNvPr id="7" name="Conector de Seta Reta 6"/>
-          <p:cNvCxnSpPr/>
-          <p:nvPr/>
-        </p:nvCxnSpPr>
-        <p:spPr>
-          <a:xfrm flipH="1">
-            <a:off x="3331779" y="5644055"/>
-            <a:ext cx="861849" cy="0"/>
-          </a:xfrm>
-          <a:prstGeom prst="straightConnector1">
-            <a:avLst/>
-          </a:prstGeom>
-          <a:ln>
-            <a:tailEnd type="triangle"/>
-          </a:ln>
-        </p:spPr>
-        <p:style>
-          <a:lnRef idx="1">
-            <a:schemeClr val="accent2"/>
-          </a:lnRef>
-          <a:fillRef idx="0">
-            <a:schemeClr val="accent2"/>
-          </a:fillRef>
-          <a:effectRef idx="0">
-            <a:schemeClr val="accent2"/>
-          </a:effectRef>
-          <a:fontRef idx="minor">
-            <a:schemeClr val="tx1"/>
-          </a:fontRef>
-        </p:style>
-      </p:cxnSp>
-      <p:cxnSp>
-        <p:nvCxnSpPr>
-          <p:cNvPr id="9" name="Conector de Seta Reta 8"/>
-          <p:cNvCxnSpPr/>
-          <p:nvPr/>
-        </p:nvCxnSpPr>
-        <p:spPr>
-          <a:xfrm flipV="1">
-            <a:off x="1870841" y="5812221"/>
-            <a:ext cx="252249" cy="693682"/>
-          </a:xfrm>
-          <a:prstGeom prst="straightConnector1">
-            <a:avLst/>
-          </a:prstGeom>
-          <a:ln>
-            <a:tailEnd type="triangle"/>
-          </a:ln>
-        </p:spPr>
-        <p:style>
-          <a:lnRef idx="1">
-            <a:schemeClr val="accent2"/>
-          </a:lnRef>
-          <a:fillRef idx="0">
-            <a:schemeClr val="accent2"/>
-          </a:fillRef>
-          <a:effectRef idx="0">
-            <a:schemeClr val="accent2"/>
-          </a:effectRef>
-          <a:fontRef idx="minor">
-            <a:schemeClr val="tx1"/>
-          </a:fontRef>
-        </p:style>
-      </p:cxnSp>
-      <p:sp>
-        <p:nvSpPr>
-          <p:cNvPr id="10" name="CaixaDeTexto 9"/>
-          <p:cNvSpPr txBox="1"/>
-          <p:nvPr/>
-        </p:nvSpPr>
-        <p:spPr>
-          <a:xfrm>
-            <a:off x="4487918" y="1417419"/>
-            <a:ext cx="4887310" cy="646331"/>
-          </a:xfrm>
-          <a:prstGeom prst="rect">
-            <a:avLst/>
-          </a:prstGeom>
-          <a:noFill/>
-        </p:spPr>
-        <p:txBody>
-          <a:bodyPr wrap="square" rtlCol="0">
-            <a:spAutoFit/>
-          </a:bodyPr>
-          <a:lstStyle/>
-          <a:p>
-            <a:r>
-              <a:rPr lang="pt-BR" dirty="0" smtClean="0"/>
-              <a:t>O cliente deve ser capaz de selecionar a Forma de pagamento desejada para finalizar o pedido.</a:t>
-            </a:r>
-            <a:endParaRPr lang="pt-BR" dirty="0"/>
-          </a:p>
-        </p:txBody>
-      </p:sp>
-    </p:spTree>
-    <p:extLst>
-      <p:ext uri="{BB962C8B-B14F-4D97-AF65-F5344CB8AC3E}">
-        <p14:creationId xmlns:p14="http://schemas.microsoft.com/office/powerpoint/2010/main" val="3703948991"/>
       </p:ext>
     </p:extLst>
   </p:cSld>
@@ -7339,6 +7801,30 @@
           <a:chExt cx="0" cy="0"/>
         </a:xfrm>
       </p:grpSpPr>
+      <p:pic>
+        <p:nvPicPr>
+          <p:cNvPr id="4" name="Imagem 3"/>
+          <p:cNvPicPr>
+            <a:picLocks noChangeAspect="1"/>
+          </p:cNvPicPr>
+          <p:nvPr/>
+        </p:nvPicPr>
+        <p:blipFill>
+          <a:blip r:embed="rId2"/>
+          <a:stretch>
+            <a:fillRect/>
+          </a:stretch>
+        </p:blipFill>
+        <p:spPr>
+          <a:xfrm>
+            <a:off x="698491" y="717220"/>
+            <a:ext cx="3467955" cy="5788683"/>
+          </a:xfrm>
+          <a:prstGeom prst="rect">
+            <a:avLst/>
+          </a:prstGeom>
+        </p:spPr>
+      </p:pic>
       <p:sp>
         <p:nvSpPr>
           <p:cNvPr id="2" name="Título 1"/>
@@ -7364,7 +7850,7 @@
                 <a:latin typeface="Times New Roman" panose="02020603050405020304" pitchFamily="18" charset="0"/>
                 <a:cs typeface="Times New Roman" panose="02020603050405020304" pitchFamily="18" charset="0"/>
               </a:rPr>
-              <a:t>RN n.10 “Adicionar item”</a:t>
+              <a:t>RN n.9 “Forma de Pagamento”</a:t>
             </a:r>
             <a:r>
               <a:rPr lang="pt-BR" dirty="0">
@@ -7386,9 +7872,142 @@
           </a:p>
         </p:txBody>
       </p:sp>
+      <p:cxnSp>
+        <p:nvCxnSpPr>
+          <p:cNvPr id="7" name="Conector de Seta Reta 6"/>
+          <p:cNvCxnSpPr/>
+          <p:nvPr/>
+        </p:nvCxnSpPr>
+        <p:spPr>
+          <a:xfrm flipH="1">
+            <a:off x="3502467" y="5534327"/>
+            <a:ext cx="861849" cy="0"/>
+          </a:xfrm>
+          <a:prstGeom prst="straightConnector1">
+            <a:avLst/>
+          </a:prstGeom>
+          <a:ln>
+            <a:tailEnd type="triangle"/>
+          </a:ln>
+        </p:spPr>
+        <p:style>
+          <a:lnRef idx="1">
+            <a:schemeClr val="accent2"/>
+          </a:lnRef>
+          <a:fillRef idx="0">
+            <a:schemeClr val="accent2"/>
+          </a:fillRef>
+          <a:effectRef idx="0">
+            <a:schemeClr val="accent2"/>
+          </a:effectRef>
+          <a:fontRef idx="minor">
+            <a:schemeClr val="tx1"/>
+          </a:fontRef>
+        </p:style>
+      </p:cxnSp>
+      <p:cxnSp>
+        <p:nvCxnSpPr>
+          <p:cNvPr id="9" name="Conector de Seta Reta 8"/>
+          <p:cNvCxnSpPr/>
+          <p:nvPr/>
+        </p:nvCxnSpPr>
+        <p:spPr>
+          <a:xfrm flipV="1">
+            <a:off x="1919609" y="5726877"/>
+            <a:ext cx="252249" cy="693682"/>
+          </a:xfrm>
+          <a:prstGeom prst="straightConnector1">
+            <a:avLst/>
+          </a:prstGeom>
+          <a:ln>
+            <a:tailEnd type="triangle"/>
+          </a:ln>
+        </p:spPr>
+        <p:style>
+          <a:lnRef idx="1">
+            <a:schemeClr val="accent2"/>
+          </a:lnRef>
+          <a:fillRef idx="0">
+            <a:schemeClr val="accent2"/>
+          </a:fillRef>
+          <a:effectRef idx="0">
+            <a:schemeClr val="accent2"/>
+          </a:effectRef>
+          <a:fontRef idx="minor">
+            <a:schemeClr val="tx1"/>
+          </a:fontRef>
+        </p:style>
+      </p:cxnSp>
+      <p:sp>
+        <p:nvSpPr>
+          <p:cNvPr id="10" name="CaixaDeTexto 9"/>
+          <p:cNvSpPr txBox="1"/>
+          <p:nvPr/>
+        </p:nvSpPr>
+        <p:spPr>
+          <a:xfrm>
+            <a:off x="4487918" y="1417419"/>
+            <a:ext cx="4887310" cy="646331"/>
+          </a:xfrm>
+          <a:prstGeom prst="rect">
+            <a:avLst/>
+          </a:prstGeom>
+          <a:noFill/>
+        </p:spPr>
+        <p:txBody>
+          <a:bodyPr wrap="square" rtlCol="0">
+            <a:spAutoFit/>
+          </a:bodyPr>
+          <a:lstStyle/>
+          <a:p>
+            <a:r>
+              <a:rPr lang="pt-BR" dirty="0" smtClean="0"/>
+              <a:t>O cliente deve ser capaz de selecionar a Forma de pagamento desejada para finalizar o pedido.</a:t>
+            </a:r>
+            <a:endParaRPr lang="pt-BR" dirty="0"/>
+          </a:p>
+        </p:txBody>
+      </p:sp>
+    </p:spTree>
+    <p:extLst>
+      <p:ext uri="{BB962C8B-B14F-4D97-AF65-F5344CB8AC3E}">
+        <p14:creationId xmlns:p14="http://schemas.microsoft.com/office/powerpoint/2010/main" val="3703948991"/>
+      </p:ext>
+    </p:extLst>
+  </p:cSld>
+  <p:clrMapOvr>
+    <a:masterClrMapping/>
+  </p:clrMapOvr>
+  <p:timing>
+    <p:tnLst>
+      <p:par>
+        <p:cTn id="1" dur="indefinite" restart="never" nodeType="tmRoot"/>
+      </p:par>
+    </p:tnLst>
+  </p:timing>
+</p:sld>
+</file>
+
+<file path=ppt/slides/slide21.xml><?xml version="1.0" encoding="utf-8"?>
+<p:sld xmlns:a="http://schemas.openxmlformats.org/drawingml/2006/main" xmlns:r="http://schemas.openxmlformats.org/officeDocument/2006/relationships" xmlns:p="http://schemas.openxmlformats.org/presentationml/2006/main">
+  <p:cSld>
+    <p:spTree>
+      <p:nvGrpSpPr>
+        <p:cNvPr id="1" name=""/>
+        <p:cNvGrpSpPr/>
+        <p:nvPr/>
+      </p:nvGrpSpPr>
+      <p:grpSpPr>
+        <a:xfrm>
+          <a:off x="0" y="0"/>
+          <a:ext cx="0" cy="0"/>
+          <a:chOff x="0" y="0"/>
+          <a:chExt cx="0" cy="0"/>
+        </a:xfrm>
+      </p:grpSpPr>
       <p:pic>
         <p:nvPicPr>
-          <p:cNvPr id="3" name="Imagem 2"/>
+          <p:cNvPr id="4" name="Imagem 3"/>
           <p:cNvPicPr>
             <a:picLocks noChangeAspect="1"/>
           </p:cNvPicPr>
@@ -7402,14 +8021,61 @@
         </p:blipFill>
         <p:spPr>
           <a:xfrm>
-            <a:off x="666816" y="754636"/>
-            <a:ext cx="3043335" cy="6001705"/>
+            <a:off x="796868" y="797278"/>
+            <a:ext cx="3630931" cy="6060722"/>
           </a:xfrm>
           <a:prstGeom prst="rect">
             <a:avLst/>
           </a:prstGeom>
         </p:spPr>
       </p:pic>
+      <p:sp>
+        <p:nvSpPr>
+          <p:cNvPr id="2" name="Título 1"/>
+          <p:cNvSpPr>
+            <a:spLocks noGrp="1"/>
+          </p:cNvSpPr>
+          <p:nvPr>
+            <p:ph type="title"/>
+          </p:nvPr>
+        </p:nvSpPr>
+        <p:spPr>
+          <a:xfrm>
+            <a:off x="186559" y="91856"/>
+            <a:ext cx="10515600" cy="1325563"/>
+          </a:xfrm>
+        </p:spPr>
+        <p:txBody>
+          <a:bodyPr/>
+          <a:lstStyle/>
+          <a:p>
+            <a:r>
+              <a:rPr lang="pt-BR" dirty="0" smtClean="0">
+                <a:latin typeface="Times New Roman" panose="02020603050405020304" pitchFamily="18" charset="0"/>
+                <a:cs typeface="Times New Roman" panose="02020603050405020304" pitchFamily="18" charset="0"/>
+              </a:rPr>
+              <a:t>RN n.10 “Adicionar item”</a:t>
+            </a:r>
+            <a:r>
+              <a:rPr lang="pt-BR" dirty="0">
+                <a:latin typeface="Times New Roman" panose="02020603050405020304" pitchFamily="18" charset="0"/>
+                <a:cs typeface="Times New Roman" panose="02020603050405020304" pitchFamily="18" charset="0"/>
+              </a:rPr>
+              <a:t/>
+            </a:r>
+            <a:br>
+              <a:rPr lang="pt-BR" dirty="0">
+                <a:latin typeface="Times New Roman" panose="02020603050405020304" pitchFamily="18" charset="0"/>
+                <a:cs typeface="Times New Roman" panose="02020603050405020304" pitchFamily="18" charset="0"/>
+              </a:rPr>
+            </a:br>
+            <a:endParaRPr lang="pt-BR" dirty="0">
+              <a:latin typeface="Times New Roman" panose="02020603050405020304" pitchFamily="18" charset="0"/>
+              <a:cs typeface="Times New Roman" panose="02020603050405020304" pitchFamily="18" charset="0"/>
+            </a:endParaRPr>
+          </a:p>
+        </p:txBody>
+      </p:sp>
       <p:cxnSp>
         <p:nvCxnSpPr>
           <p:cNvPr id="7" name="Conector de Seta Reta 6"/>
@@ -7418,7 +8084,7 @@
         </p:nvCxnSpPr>
         <p:spPr>
           <a:xfrm flipH="1">
-            <a:off x="3499945" y="6579476"/>
+            <a:off x="4056993" y="6591668"/>
             <a:ext cx="861849" cy="0"/>
           </a:xfrm>
           <a:prstGeom prst="straightConnector1">
@@ -7451,7 +8117,7 @@
         </p:nvCxnSpPr>
         <p:spPr>
           <a:xfrm>
-            <a:off x="1599903" y="5896303"/>
+            <a:off x="2160735" y="5859727"/>
             <a:ext cx="588580" cy="493987"/>
           </a:xfrm>
           <a:prstGeom prst="straightConnector1">
@@ -7526,7 +8192,7 @@
 </p:sld>
 </file>
 
-<file path=ppt/slides/slide21.xml><?xml version="1.0" encoding="utf-8"?>
+<file path=ppt/slides/slide22.xml><?xml version="1.0" encoding="utf-8"?>
 <p:sld xmlns:a="http://schemas.openxmlformats.org/drawingml/2006/main" xmlns:r="http://schemas.openxmlformats.org/officeDocument/2006/relationships" xmlns:p="http://schemas.openxmlformats.org/presentationml/2006/main">
   <p:cSld>
     <p:spTree>
@@ -7543,6 +8209,30 @@
           <a:chExt cx="0" cy="0"/>
         </a:xfrm>
       </p:grpSpPr>
+      <p:pic>
+        <p:nvPicPr>
+          <p:cNvPr id="4" name="Imagem 3"/>
+          <p:cNvPicPr>
+            <a:picLocks noChangeAspect="1"/>
+          </p:cNvPicPr>
+          <p:nvPr/>
+        </p:nvPicPr>
+        <p:blipFill>
+          <a:blip r:embed="rId2"/>
+          <a:stretch>
+            <a:fillRect/>
+          </a:stretch>
+        </p:blipFill>
+        <p:spPr>
+          <a:xfrm>
+            <a:off x="493986" y="1027906"/>
+            <a:ext cx="3428213" cy="5722346"/>
+          </a:xfrm>
+          <a:prstGeom prst="rect">
+            <a:avLst/>
+          </a:prstGeom>
+        </p:spPr>
+      </p:pic>
       <p:sp>
         <p:nvSpPr>
           <p:cNvPr id="2" name="Título 1"/>
@@ -7585,30 +8275,6 @@
           </a:p>
         </p:txBody>
       </p:sp>
-      <p:pic>
-        <p:nvPicPr>
-          <p:cNvPr id="3" name="Imagem 2"/>
-          <p:cNvPicPr>
-            <a:picLocks noChangeAspect="1"/>
-          </p:cNvPicPr>
-          <p:nvPr/>
-        </p:nvPicPr>
-        <p:blipFill>
-          <a:blip r:embed="rId2"/>
-          <a:stretch>
-            <a:fillRect/>
-          </a:stretch>
-        </p:blipFill>
-        <p:spPr>
-          <a:xfrm>
-            <a:off x="838200" y="1135626"/>
-            <a:ext cx="2808890" cy="5539358"/>
-          </a:xfrm>
-          <a:prstGeom prst="rect">
-            <a:avLst/>
-          </a:prstGeom>
-        </p:spPr>
-      </p:pic>
       <p:cxnSp>
         <p:nvCxnSpPr>
           <p:cNvPr id="7" name="Conector de Seta Reta 6"/>
@@ -7749,7 +8415,7 @@
 </p:sld>
 </file>
 
-<file path=ppt/slides/slide22.xml><?xml version="1.0" encoding="utf-8"?>
+<file path=ppt/slides/slide23.xml><?xml version="1.0" encoding="utf-8"?>
 <p:sld xmlns:a="http://schemas.openxmlformats.org/drawingml/2006/main" xmlns:r="http://schemas.openxmlformats.org/officeDocument/2006/relationships" xmlns:p="http://schemas.openxmlformats.org/presentationml/2006/main">
   <p:cSld>
     <p:spTree>
@@ -8325,6 +8991,3210 @@
     <p:extLst>
       <p:ext uri="{BB962C8B-B14F-4D97-AF65-F5344CB8AC3E}">
         <p14:creationId xmlns:p14="http://schemas.microsoft.com/office/powerpoint/2010/main" val="1358975171"/>
+      </p:ext>
+    </p:extLst>
+  </p:cSld>
+  <p:clrMapOvr>
+    <a:masterClrMapping/>
+  </p:clrMapOvr>
+  <p:timing>
+    <p:tnLst>
+      <p:par>
+        <p:cTn id="1" dur="indefinite" restart="never" nodeType="tmRoot"/>
+      </p:par>
+    </p:tnLst>
+  </p:timing>
+</p:sld>
+</file>
+
+<file path=ppt/slides/slide24.xml><?xml version="1.0" encoding="utf-8"?>
+<p:sld xmlns:a="http://schemas.openxmlformats.org/drawingml/2006/main" xmlns:r="http://schemas.openxmlformats.org/officeDocument/2006/relationships" xmlns:p="http://schemas.openxmlformats.org/presentationml/2006/main">
+  <p:cSld>
+    <p:spTree>
+      <p:nvGrpSpPr>
+        <p:cNvPr id="1" name=""/>
+        <p:cNvGrpSpPr/>
+        <p:nvPr/>
+      </p:nvGrpSpPr>
+      <p:grpSpPr>
+        <a:xfrm>
+          <a:off x="0" y="0"/>
+          <a:ext cx="0" cy="0"/>
+          <a:chOff x="0" y="0"/>
+          <a:chExt cx="0" cy="0"/>
+        </a:xfrm>
+      </p:grpSpPr>
+      <p:sp>
+        <p:nvSpPr>
+          <p:cNvPr id="2" name="Título 1"/>
+          <p:cNvSpPr>
+            <a:spLocks noGrp="1"/>
+          </p:cNvSpPr>
+          <p:nvPr>
+            <p:ph type="title"/>
+          </p:nvPr>
+        </p:nvSpPr>
+        <p:spPr>
+          <a:xfrm>
+            <a:off x="94593" y="0"/>
+            <a:ext cx="13074868" cy="1325563"/>
+          </a:xfrm>
+        </p:spPr>
+        <p:txBody>
+          <a:bodyPr>
+            <a:normAutofit/>
+          </a:bodyPr>
+          <a:lstStyle/>
+          <a:p>
+            <a:r>
+              <a:rPr lang="pt-BR" sz="3600" dirty="0">
+                <a:latin typeface="Times New Roman" panose="02020603050405020304" pitchFamily="18" charset="0"/>
+                <a:cs typeface="Times New Roman" panose="02020603050405020304" pitchFamily="18" charset="0"/>
+              </a:rPr>
+              <a:t>RN </a:t>
+            </a:r>
+            <a:r>
+              <a:rPr lang="pt-BR" sz="3600" dirty="0" smtClean="0">
+                <a:latin typeface="Times New Roman" panose="02020603050405020304" pitchFamily="18" charset="0"/>
+                <a:cs typeface="Times New Roman" panose="02020603050405020304" pitchFamily="18" charset="0"/>
+              </a:rPr>
+              <a:t>n.12 Tela de “Cadastro”</a:t>
+            </a:r>
+            <a:r>
+              <a:rPr lang="pt-BR" sz="3600" dirty="0">
+                <a:latin typeface="Times New Roman" panose="02020603050405020304" pitchFamily="18" charset="0"/>
+                <a:cs typeface="Times New Roman" panose="02020603050405020304" pitchFamily="18" charset="0"/>
+              </a:rPr>
+              <a:t/>
+            </a:r>
+            <a:br>
+              <a:rPr lang="pt-BR" sz="3600" dirty="0">
+                <a:latin typeface="Times New Roman" panose="02020603050405020304" pitchFamily="18" charset="0"/>
+                <a:cs typeface="Times New Roman" panose="02020603050405020304" pitchFamily="18" charset="0"/>
+              </a:rPr>
+            </a:br>
+            <a:endParaRPr lang="pt-BR" sz="3600" dirty="0">
+              <a:latin typeface="Times New Roman" panose="02020603050405020304" pitchFamily="18" charset="0"/>
+              <a:cs typeface="Times New Roman" panose="02020603050405020304" pitchFamily="18" charset="0"/>
+            </a:endParaRPr>
+          </a:p>
+        </p:txBody>
+      </p:sp>
+      <p:pic>
+        <p:nvPicPr>
+          <p:cNvPr id="6" name="Imagem 5"/>
+          <p:cNvPicPr>
+            <a:picLocks noChangeAspect="1"/>
+          </p:cNvPicPr>
+          <p:nvPr/>
+        </p:nvPicPr>
+        <p:blipFill>
+          <a:blip r:embed="rId2"/>
+          <a:stretch>
+            <a:fillRect/>
+          </a:stretch>
+        </p:blipFill>
+        <p:spPr>
+          <a:xfrm>
+            <a:off x="545697" y="927735"/>
+            <a:ext cx="5448567" cy="5192649"/>
+          </a:xfrm>
+          <a:prstGeom prst="rect">
+            <a:avLst/>
+          </a:prstGeom>
+        </p:spPr>
+      </p:pic>
+      <p:sp>
+        <p:nvSpPr>
+          <p:cNvPr id="7" name="CaixaDeTexto 6"/>
+          <p:cNvSpPr txBox="1"/>
+          <p:nvPr/>
+        </p:nvSpPr>
+        <p:spPr>
+          <a:xfrm>
+            <a:off x="6445368" y="1414272"/>
+            <a:ext cx="3621024" cy="646331"/>
+          </a:xfrm>
+          <a:prstGeom prst="rect">
+            <a:avLst/>
+          </a:prstGeom>
+          <a:noFill/>
+        </p:spPr>
+        <p:txBody>
+          <a:bodyPr wrap="square" rtlCol="0">
+            <a:spAutoFit/>
+          </a:bodyPr>
+          <a:lstStyle/>
+          <a:p>
+            <a:r>
+              <a:rPr lang="pt-BR" dirty="0" smtClean="0"/>
+              <a:t>Tela feita para a empresa cadastrar seus dados no sistema.</a:t>
+            </a:r>
+            <a:endParaRPr lang="pt-BR" dirty="0"/>
+          </a:p>
+        </p:txBody>
+      </p:sp>
+    </p:spTree>
+    <p:extLst>
+      <p:ext uri="{BB962C8B-B14F-4D97-AF65-F5344CB8AC3E}">
+        <p14:creationId xmlns:p14="http://schemas.microsoft.com/office/powerpoint/2010/main" val="2945649556"/>
+      </p:ext>
+    </p:extLst>
+  </p:cSld>
+  <p:clrMapOvr>
+    <a:masterClrMapping/>
+  </p:clrMapOvr>
+  <p:timing>
+    <p:tnLst>
+      <p:par>
+        <p:cTn id="1" dur="indefinite" restart="never" nodeType="tmRoot"/>
+      </p:par>
+    </p:tnLst>
+  </p:timing>
+</p:sld>
+</file>
+
+<file path=ppt/slides/slide25.xml><?xml version="1.0" encoding="utf-8"?>
+<p:sld xmlns:a="http://schemas.openxmlformats.org/drawingml/2006/main" xmlns:r="http://schemas.openxmlformats.org/officeDocument/2006/relationships" xmlns:p="http://schemas.openxmlformats.org/presentationml/2006/main">
+  <p:cSld>
+    <p:spTree>
+      <p:nvGrpSpPr>
+        <p:cNvPr id="1" name=""/>
+        <p:cNvGrpSpPr/>
+        <p:nvPr/>
+      </p:nvGrpSpPr>
+      <p:grpSpPr>
+        <a:xfrm>
+          <a:off x="0" y="0"/>
+          <a:ext cx="0" cy="0"/>
+          <a:chOff x="0" y="0"/>
+          <a:chExt cx="0" cy="0"/>
+        </a:xfrm>
+      </p:grpSpPr>
+      <p:sp>
+        <p:nvSpPr>
+          <p:cNvPr id="2" name="Título 1"/>
+          <p:cNvSpPr>
+            <a:spLocks noGrp="1"/>
+          </p:cNvSpPr>
+          <p:nvPr>
+            <p:ph type="title"/>
+          </p:nvPr>
+        </p:nvSpPr>
+        <p:spPr>
+          <a:xfrm>
+            <a:off x="94593" y="0"/>
+            <a:ext cx="13074868" cy="1325563"/>
+          </a:xfrm>
+        </p:spPr>
+        <p:txBody>
+          <a:bodyPr>
+            <a:normAutofit/>
+          </a:bodyPr>
+          <a:lstStyle/>
+          <a:p>
+            <a:r>
+              <a:rPr lang="pt-BR" sz="3600" dirty="0" smtClean="0">
+                <a:latin typeface="Times New Roman" panose="02020603050405020304" pitchFamily="18" charset="0"/>
+                <a:cs typeface="Times New Roman" panose="02020603050405020304" pitchFamily="18" charset="0"/>
+              </a:rPr>
+              <a:t>RN n.12 Caso de teste: Acesso a tela de cadastro</a:t>
+            </a:r>
+            <a:endParaRPr lang="pt-BR" sz="3600" dirty="0">
+              <a:latin typeface="Times New Roman" panose="02020603050405020304" pitchFamily="18" charset="0"/>
+              <a:cs typeface="Times New Roman" panose="02020603050405020304" pitchFamily="18" charset="0"/>
+            </a:endParaRPr>
+          </a:p>
+        </p:txBody>
+      </p:sp>
+      <p:sp>
+        <p:nvSpPr>
+          <p:cNvPr id="4" name="Espaço Reservado para Conteúdo 2"/>
+          <p:cNvSpPr txBox="1">
+            <a:spLocks/>
+          </p:cNvSpPr>
+          <p:nvPr/>
+        </p:nvSpPr>
+        <p:spPr>
+          <a:xfrm>
+            <a:off x="6032937" y="1489515"/>
+            <a:ext cx="4784835" cy="4351338"/>
+          </a:xfrm>
+          <a:prstGeom prst="rect">
+            <a:avLst/>
+          </a:prstGeom>
+        </p:spPr>
+        <p:txBody>
+          <a:bodyPr vert="horz" lIns="91440" tIns="45720" rIns="91440" bIns="45720" rtlCol="0">
+            <a:normAutofit/>
+          </a:bodyPr>
+          <a:lstStyle>
+            <a:lvl1pPr marL="228600" indent="-228600" algn="l" defTabSz="914400" rtl="0" eaLnBrk="1" latinLnBrk="0" hangingPunct="1">
+              <a:lnSpc>
+                <a:spcPct val="90000"/>
+              </a:lnSpc>
+              <a:spcBef>
+                <a:spcPts val="1000"/>
+              </a:spcBef>
+              <a:buFont typeface="Arial" panose="020B0604020202020204" pitchFamily="34" charset="0"/>
+              <a:buChar char="•"/>
+              <a:defRPr sz="2800" kern="1200">
+                <a:solidFill>
+                  <a:schemeClr val="tx1"/>
+                </a:solidFill>
+                <a:latin typeface="+mn-lt"/>
+                <a:ea typeface="+mn-ea"/>
+                <a:cs typeface="+mn-cs"/>
+              </a:defRPr>
+            </a:lvl1pPr>
+            <a:lvl2pPr marL="685800" indent="-228600" algn="l" defTabSz="914400" rtl="0" eaLnBrk="1" latinLnBrk="0" hangingPunct="1">
+              <a:lnSpc>
+                <a:spcPct val="90000"/>
+              </a:lnSpc>
+              <a:spcBef>
+                <a:spcPts val="500"/>
+              </a:spcBef>
+              <a:buFont typeface="Arial" panose="020B0604020202020204" pitchFamily="34" charset="0"/>
+              <a:buChar char="•"/>
+              <a:defRPr sz="2400" kern="1200">
+                <a:solidFill>
+                  <a:schemeClr val="tx1"/>
+                </a:solidFill>
+                <a:latin typeface="+mn-lt"/>
+                <a:ea typeface="+mn-ea"/>
+                <a:cs typeface="+mn-cs"/>
+              </a:defRPr>
+            </a:lvl2pPr>
+            <a:lvl3pPr marL="1143000" indent="-228600" algn="l" defTabSz="914400" rtl="0" eaLnBrk="1" latinLnBrk="0" hangingPunct="1">
+              <a:lnSpc>
+                <a:spcPct val="90000"/>
+              </a:lnSpc>
+              <a:spcBef>
+                <a:spcPts val="500"/>
+              </a:spcBef>
+              <a:buFont typeface="Arial" panose="020B0604020202020204" pitchFamily="34" charset="0"/>
+              <a:buChar char="•"/>
+              <a:defRPr sz="2000" kern="1200">
+                <a:solidFill>
+                  <a:schemeClr val="tx1"/>
+                </a:solidFill>
+                <a:latin typeface="+mn-lt"/>
+                <a:ea typeface="+mn-ea"/>
+                <a:cs typeface="+mn-cs"/>
+              </a:defRPr>
+            </a:lvl3pPr>
+            <a:lvl4pPr marL="1600200" indent="-228600" algn="l" defTabSz="914400" rtl="0" eaLnBrk="1" latinLnBrk="0" hangingPunct="1">
+              <a:lnSpc>
+                <a:spcPct val="90000"/>
+              </a:lnSpc>
+              <a:spcBef>
+                <a:spcPts val="500"/>
+              </a:spcBef>
+              <a:buFont typeface="Arial" panose="020B0604020202020204" pitchFamily="34" charset="0"/>
+              <a:buChar char="•"/>
+              <a:defRPr sz="1800" kern="1200">
+                <a:solidFill>
+                  <a:schemeClr val="tx1"/>
+                </a:solidFill>
+                <a:latin typeface="+mn-lt"/>
+                <a:ea typeface="+mn-ea"/>
+                <a:cs typeface="+mn-cs"/>
+              </a:defRPr>
+            </a:lvl4pPr>
+            <a:lvl5pPr marL="2057400" indent="-228600" algn="l" defTabSz="914400" rtl="0" eaLnBrk="1" latinLnBrk="0" hangingPunct="1">
+              <a:lnSpc>
+                <a:spcPct val="90000"/>
+              </a:lnSpc>
+              <a:spcBef>
+                <a:spcPts val="500"/>
+              </a:spcBef>
+              <a:buFont typeface="Arial" panose="020B0604020202020204" pitchFamily="34" charset="0"/>
+              <a:buChar char="•"/>
+              <a:defRPr sz="1800" kern="1200">
+                <a:solidFill>
+                  <a:schemeClr val="tx1"/>
+                </a:solidFill>
+                <a:latin typeface="+mn-lt"/>
+                <a:ea typeface="+mn-ea"/>
+                <a:cs typeface="+mn-cs"/>
+              </a:defRPr>
+            </a:lvl5pPr>
+            <a:lvl6pPr marL="2514600" indent="-228600" algn="l" defTabSz="914400" rtl="0" eaLnBrk="1" latinLnBrk="0" hangingPunct="1">
+              <a:lnSpc>
+                <a:spcPct val="90000"/>
+              </a:lnSpc>
+              <a:spcBef>
+                <a:spcPts val="500"/>
+              </a:spcBef>
+              <a:buFont typeface="Arial" panose="020B0604020202020204" pitchFamily="34" charset="0"/>
+              <a:buChar char="•"/>
+              <a:defRPr sz="1800" kern="1200">
+                <a:solidFill>
+                  <a:schemeClr val="tx1"/>
+                </a:solidFill>
+                <a:latin typeface="+mn-lt"/>
+                <a:ea typeface="+mn-ea"/>
+                <a:cs typeface="+mn-cs"/>
+              </a:defRPr>
+            </a:lvl6pPr>
+            <a:lvl7pPr marL="2971800" indent="-228600" algn="l" defTabSz="914400" rtl="0" eaLnBrk="1" latinLnBrk="0" hangingPunct="1">
+              <a:lnSpc>
+                <a:spcPct val="90000"/>
+              </a:lnSpc>
+              <a:spcBef>
+                <a:spcPts val="500"/>
+              </a:spcBef>
+              <a:buFont typeface="Arial" panose="020B0604020202020204" pitchFamily="34" charset="0"/>
+              <a:buChar char="•"/>
+              <a:defRPr sz="1800" kern="1200">
+                <a:solidFill>
+                  <a:schemeClr val="tx1"/>
+                </a:solidFill>
+                <a:latin typeface="+mn-lt"/>
+                <a:ea typeface="+mn-ea"/>
+                <a:cs typeface="+mn-cs"/>
+              </a:defRPr>
+            </a:lvl7pPr>
+            <a:lvl8pPr marL="3429000" indent="-228600" algn="l" defTabSz="914400" rtl="0" eaLnBrk="1" latinLnBrk="0" hangingPunct="1">
+              <a:lnSpc>
+                <a:spcPct val="90000"/>
+              </a:lnSpc>
+              <a:spcBef>
+                <a:spcPts val="500"/>
+              </a:spcBef>
+              <a:buFont typeface="Arial" panose="020B0604020202020204" pitchFamily="34" charset="0"/>
+              <a:buChar char="•"/>
+              <a:defRPr sz="1800" kern="1200">
+                <a:solidFill>
+                  <a:schemeClr val="tx1"/>
+                </a:solidFill>
+                <a:latin typeface="+mn-lt"/>
+                <a:ea typeface="+mn-ea"/>
+                <a:cs typeface="+mn-cs"/>
+              </a:defRPr>
+            </a:lvl8pPr>
+            <a:lvl9pPr marL="3886200" indent="-228600" algn="l" defTabSz="914400" rtl="0" eaLnBrk="1" latinLnBrk="0" hangingPunct="1">
+              <a:lnSpc>
+                <a:spcPct val="90000"/>
+              </a:lnSpc>
+              <a:spcBef>
+                <a:spcPts val="500"/>
+              </a:spcBef>
+              <a:buFont typeface="Arial" panose="020B0604020202020204" pitchFamily="34" charset="0"/>
+              <a:buChar char="•"/>
+              <a:defRPr sz="1800" kern="1200">
+                <a:solidFill>
+                  <a:schemeClr val="tx1"/>
+                </a:solidFill>
+                <a:latin typeface="+mn-lt"/>
+                <a:ea typeface="+mn-ea"/>
+                <a:cs typeface="+mn-cs"/>
+              </a:defRPr>
+            </a:lvl9pPr>
+          </a:lstStyle>
+          <a:p>
+            <a:pPr marL="0" indent="0">
+              <a:buNone/>
+            </a:pPr>
+            <a:endParaRPr lang="pt-BR" sz="1100" dirty="0">
+              <a:latin typeface="Times New Roman" panose="02020603050405020304" pitchFamily="18" charset="0"/>
+              <a:cs typeface="Times New Roman" panose="02020603050405020304" pitchFamily="18" charset="0"/>
+            </a:endParaRPr>
+          </a:p>
+        </p:txBody>
+      </p:sp>
+      <p:sp>
+        <p:nvSpPr>
+          <p:cNvPr id="5" name="Espaço Reservado para Conteúdo 2"/>
+          <p:cNvSpPr txBox="1">
+            <a:spLocks/>
+          </p:cNvSpPr>
+          <p:nvPr/>
+        </p:nvSpPr>
+        <p:spPr>
+          <a:xfrm>
+            <a:off x="6148236" y="1489515"/>
+            <a:ext cx="4784835" cy="5263376"/>
+          </a:xfrm>
+          <a:prstGeom prst="rect">
+            <a:avLst/>
+          </a:prstGeom>
+        </p:spPr>
+        <p:txBody>
+          <a:bodyPr vert="horz" lIns="91440" tIns="45720" rIns="91440" bIns="45720" rtlCol="0">
+            <a:normAutofit/>
+          </a:bodyPr>
+          <a:lstStyle>
+            <a:lvl1pPr marL="228600" indent="-228600" algn="l" defTabSz="914400" rtl="0" eaLnBrk="1" latinLnBrk="0" hangingPunct="1">
+              <a:lnSpc>
+                <a:spcPct val="90000"/>
+              </a:lnSpc>
+              <a:spcBef>
+                <a:spcPts val="1000"/>
+              </a:spcBef>
+              <a:buFont typeface="Arial" panose="020B0604020202020204" pitchFamily="34" charset="0"/>
+              <a:buChar char="•"/>
+              <a:defRPr sz="2800" kern="1200">
+                <a:solidFill>
+                  <a:schemeClr val="tx1"/>
+                </a:solidFill>
+                <a:latin typeface="+mn-lt"/>
+                <a:ea typeface="+mn-ea"/>
+                <a:cs typeface="+mn-cs"/>
+              </a:defRPr>
+            </a:lvl1pPr>
+            <a:lvl2pPr marL="685800" indent="-228600" algn="l" defTabSz="914400" rtl="0" eaLnBrk="1" latinLnBrk="0" hangingPunct="1">
+              <a:lnSpc>
+                <a:spcPct val="90000"/>
+              </a:lnSpc>
+              <a:spcBef>
+                <a:spcPts val="500"/>
+              </a:spcBef>
+              <a:buFont typeface="Arial" panose="020B0604020202020204" pitchFamily="34" charset="0"/>
+              <a:buChar char="•"/>
+              <a:defRPr sz="2400" kern="1200">
+                <a:solidFill>
+                  <a:schemeClr val="tx1"/>
+                </a:solidFill>
+                <a:latin typeface="+mn-lt"/>
+                <a:ea typeface="+mn-ea"/>
+                <a:cs typeface="+mn-cs"/>
+              </a:defRPr>
+            </a:lvl2pPr>
+            <a:lvl3pPr marL="1143000" indent="-228600" algn="l" defTabSz="914400" rtl="0" eaLnBrk="1" latinLnBrk="0" hangingPunct="1">
+              <a:lnSpc>
+                <a:spcPct val="90000"/>
+              </a:lnSpc>
+              <a:spcBef>
+                <a:spcPts val="500"/>
+              </a:spcBef>
+              <a:buFont typeface="Arial" panose="020B0604020202020204" pitchFamily="34" charset="0"/>
+              <a:buChar char="•"/>
+              <a:defRPr sz="2000" kern="1200">
+                <a:solidFill>
+                  <a:schemeClr val="tx1"/>
+                </a:solidFill>
+                <a:latin typeface="+mn-lt"/>
+                <a:ea typeface="+mn-ea"/>
+                <a:cs typeface="+mn-cs"/>
+              </a:defRPr>
+            </a:lvl3pPr>
+            <a:lvl4pPr marL="1600200" indent="-228600" algn="l" defTabSz="914400" rtl="0" eaLnBrk="1" latinLnBrk="0" hangingPunct="1">
+              <a:lnSpc>
+                <a:spcPct val="90000"/>
+              </a:lnSpc>
+              <a:spcBef>
+                <a:spcPts val="500"/>
+              </a:spcBef>
+              <a:buFont typeface="Arial" panose="020B0604020202020204" pitchFamily="34" charset="0"/>
+              <a:buChar char="•"/>
+              <a:defRPr sz="1800" kern="1200">
+                <a:solidFill>
+                  <a:schemeClr val="tx1"/>
+                </a:solidFill>
+                <a:latin typeface="+mn-lt"/>
+                <a:ea typeface="+mn-ea"/>
+                <a:cs typeface="+mn-cs"/>
+              </a:defRPr>
+            </a:lvl4pPr>
+            <a:lvl5pPr marL="2057400" indent="-228600" algn="l" defTabSz="914400" rtl="0" eaLnBrk="1" latinLnBrk="0" hangingPunct="1">
+              <a:lnSpc>
+                <a:spcPct val="90000"/>
+              </a:lnSpc>
+              <a:spcBef>
+                <a:spcPts val="500"/>
+              </a:spcBef>
+              <a:buFont typeface="Arial" panose="020B0604020202020204" pitchFamily="34" charset="0"/>
+              <a:buChar char="•"/>
+              <a:defRPr sz="1800" kern="1200">
+                <a:solidFill>
+                  <a:schemeClr val="tx1"/>
+                </a:solidFill>
+                <a:latin typeface="+mn-lt"/>
+                <a:ea typeface="+mn-ea"/>
+                <a:cs typeface="+mn-cs"/>
+              </a:defRPr>
+            </a:lvl5pPr>
+            <a:lvl6pPr marL="2514600" indent="-228600" algn="l" defTabSz="914400" rtl="0" eaLnBrk="1" latinLnBrk="0" hangingPunct="1">
+              <a:lnSpc>
+                <a:spcPct val="90000"/>
+              </a:lnSpc>
+              <a:spcBef>
+                <a:spcPts val="500"/>
+              </a:spcBef>
+              <a:buFont typeface="Arial" panose="020B0604020202020204" pitchFamily="34" charset="0"/>
+              <a:buChar char="•"/>
+              <a:defRPr sz="1800" kern="1200">
+                <a:solidFill>
+                  <a:schemeClr val="tx1"/>
+                </a:solidFill>
+                <a:latin typeface="+mn-lt"/>
+                <a:ea typeface="+mn-ea"/>
+                <a:cs typeface="+mn-cs"/>
+              </a:defRPr>
+            </a:lvl6pPr>
+            <a:lvl7pPr marL="2971800" indent="-228600" algn="l" defTabSz="914400" rtl="0" eaLnBrk="1" latinLnBrk="0" hangingPunct="1">
+              <a:lnSpc>
+                <a:spcPct val="90000"/>
+              </a:lnSpc>
+              <a:spcBef>
+                <a:spcPts val="500"/>
+              </a:spcBef>
+              <a:buFont typeface="Arial" panose="020B0604020202020204" pitchFamily="34" charset="0"/>
+              <a:buChar char="•"/>
+              <a:defRPr sz="1800" kern="1200">
+                <a:solidFill>
+                  <a:schemeClr val="tx1"/>
+                </a:solidFill>
+                <a:latin typeface="+mn-lt"/>
+                <a:ea typeface="+mn-ea"/>
+                <a:cs typeface="+mn-cs"/>
+              </a:defRPr>
+            </a:lvl7pPr>
+            <a:lvl8pPr marL="3429000" indent="-228600" algn="l" defTabSz="914400" rtl="0" eaLnBrk="1" latinLnBrk="0" hangingPunct="1">
+              <a:lnSpc>
+                <a:spcPct val="90000"/>
+              </a:lnSpc>
+              <a:spcBef>
+                <a:spcPts val="500"/>
+              </a:spcBef>
+              <a:buFont typeface="Arial" panose="020B0604020202020204" pitchFamily="34" charset="0"/>
+              <a:buChar char="•"/>
+              <a:defRPr sz="1800" kern="1200">
+                <a:solidFill>
+                  <a:schemeClr val="tx1"/>
+                </a:solidFill>
+                <a:latin typeface="+mn-lt"/>
+                <a:ea typeface="+mn-ea"/>
+                <a:cs typeface="+mn-cs"/>
+              </a:defRPr>
+            </a:lvl8pPr>
+            <a:lvl9pPr marL="3886200" indent="-228600" algn="l" defTabSz="914400" rtl="0" eaLnBrk="1" latinLnBrk="0" hangingPunct="1">
+              <a:lnSpc>
+                <a:spcPct val="90000"/>
+              </a:lnSpc>
+              <a:spcBef>
+                <a:spcPts val="500"/>
+              </a:spcBef>
+              <a:buFont typeface="Arial" panose="020B0604020202020204" pitchFamily="34" charset="0"/>
+              <a:buChar char="•"/>
+              <a:defRPr sz="1800" kern="1200">
+                <a:solidFill>
+                  <a:schemeClr val="tx1"/>
+                </a:solidFill>
+                <a:latin typeface="+mn-lt"/>
+                <a:ea typeface="+mn-ea"/>
+                <a:cs typeface="+mn-cs"/>
+              </a:defRPr>
+            </a:lvl9pPr>
+          </a:lstStyle>
+          <a:p>
+            <a:pPr marL="0" indent="0">
+              <a:buNone/>
+            </a:pPr>
+            <a:r>
+              <a:rPr lang="pt-BR" sz="1300" dirty="0"/>
+              <a:t>Resultado Esperado:</a:t>
+            </a:r>
+          </a:p>
+          <a:p>
+            <a:pPr marL="0" indent="0">
+              <a:buNone/>
+            </a:pPr>
+            <a:r>
+              <a:rPr lang="pt-BR" sz="1300" dirty="0"/>
+              <a:t>O cliente ao clicar no botão de Confirmar será redirecionado para a tela de Login, para assim colocar os dados cadastrados e efetuar o login no cardápio como empresa.</a:t>
+            </a:r>
+          </a:p>
+          <a:p>
+            <a:pPr marL="0" indent="0">
+              <a:buNone/>
+            </a:pPr>
+            <a:r>
+              <a:rPr lang="pt-BR" sz="1300" dirty="0"/>
+              <a:t>Critérios de sucesso:</a:t>
+            </a:r>
+          </a:p>
+          <a:p>
+            <a:pPr marL="0" indent="0">
+              <a:buNone/>
+            </a:pPr>
+            <a:r>
+              <a:rPr lang="pt-BR" sz="1300" dirty="0"/>
+              <a:t>O cliente deve ser capaz de clicar no botão de Confirmar e ser redirecionado para a tela de login.</a:t>
+            </a:r>
+          </a:p>
+          <a:p>
+            <a:pPr marL="0" indent="0">
+              <a:buNone/>
+            </a:pPr>
+            <a:r>
+              <a:rPr lang="pt-BR" sz="1300" dirty="0"/>
+              <a:t>Notas de teste:</a:t>
+            </a:r>
+          </a:p>
+          <a:p>
+            <a:pPr marL="0" indent="0">
+              <a:buNone/>
+            </a:pPr>
+            <a:r>
+              <a:rPr lang="pt-BR" sz="1300" dirty="0"/>
+              <a:t>Durante a execução do teste, nenhum comportamento anormal ou inesperado foi detectado.</a:t>
+            </a:r>
+          </a:p>
+          <a:p>
+            <a:pPr marL="0" indent="0">
+              <a:buNone/>
+            </a:pPr>
+            <a:r>
+              <a:rPr lang="pt-BR" sz="1300" dirty="0"/>
+              <a:t>Teste realizado em 05/05/23 as 15:37 PM</a:t>
+            </a:r>
+          </a:p>
+          <a:p>
+            <a:pPr marL="0" indent="0">
+              <a:buNone/>
+            </a:pPr>
+            <a:r>
+              <a:rPr lang="pt-BR" sz="1300" dirty="0"/>
+              <a:t> </a:t>
+            </a:r>
+          </a:p>
+          <a:p>
+            <a:endParaRPr lang="pt-BR" sz="3600" dirty="0" smtClean="0"/>
+          </a:p>
+          <a:p>
+            <a:pPr marL="0" indent="0">
+              <a:buFont typeface="Arial" panose="020B0604020202020204" pitchFamily="34" charset="0"/>
+              <a:buNone/>
+            </a:pPr>
+            <a:endParaRPr lang="pt-BR" sz="1000" dirty="0">
+              <a:latin typeface="Times New Roman" panose="02020603050405020304" pitchFamily="18" charset="0"/>
+              <a:cs typeface="Times New Roman" panose="02020603050405020304" pitchFamily="18" charset="0"/>
+            </a:endParaRPr>
+          </a:p>
+        </p:txBody>
+      </p:sp>
+      <p:sp>
+        <p:nvSpPr>
+          <p:cNvPr id="6" name="Espaço Reservado para Conteúdo 2"/>
+          <p:cNvSpPr txBox="1">
+            <a:spLocks/>
+          </p:cNvSpPr>
+          <p:nvPr/>
+        </p:nvSpPr>
+        <p:spPr>
+          <a:xfrm>
+            <a:off x="454572" y="1643392"/>
+            <a:ext cx="4784835" cy="5263376"/>
+          </a:xfrm>
+          <a:prstGeom prst="rect">
+            <a:avLst/>
+          </a:prstGeom>
+        </p:spPr>
+        <p:txBody>
+          <a:bodyPr vert="horz" lIns="91440" tIns="45720" rIns="91440" bIns="45720" rtlCol="0">
+            <a:normAutofit fontScale="47500" lnSpcReduction="20000"/>
+          </a:bodyPr>
+          <a:lstStyle>
+            <a:lvl1pPr marL="228600" indent="-228600" algn="l" defTabSz="914400" rtl="0" eaLnBrk="1" latinLnBrk="0" hangingPunct="1">
+              <a:lnSpc>
+                <a:spcPct val="90000"/>
+              </a:lnSpc>
+              <a:spcBef>
+                <a:spcPts val="1000"/>
+              </a:spcBef>
+              <a:buFont typeface="Arial" panose="020B0604020202020204" pitchFamily="34" charset="0"/>
+              <a:buChar char="•"/>
+              <a:defRPr sz="2800" kern="1200">
+                <a:solidFill>
+                  <a:schemeClr val="tx1"/>
+                </a:solidFill>
+                <a:latin typeface="+mn-lt"/>
+                <a:ea typeface="+mn-ea"/>
+                <a:cs typeface="+mn-cs"/>
+              </a:defRPr>
+            </a:lvl1pPr>
+            <a:lvl2pPr marL="685800" indent="-228600" algn="l" defTabSz="914400" rtl="0" eaLnBrk="1" latinLnBrk="0" hangingPunct="1">
+              <a:lnSpc>
+                <a:spcPct val="90000"/>
+              </a:lnSpc>
+              <a:spcBef>
+                <a:spcPts val="500"/>
+              </a:spcBef>
+              <a:buFont typeface="Arial" panose="020B0604020202020204" pitchFamily="34" charset="0"/>
+              <a:buChar char="•"/>
+              <a:defRPr sz="2400" kern="1200">
+                <a:solidFill>
+                  <a:schemeClr val="tx1"/>
+                </a:solidFill>
+                <a:latin typeface="+mn-lt"/>
+                <a:ea typeface="+mn-ea"/>
+                <a:cs typeface="+mn-cs"/>
+              </a:defRPr>
+            </a:lvl2pPr>
+            <a:lvl3pPr marL="1143000" indent="-228600" algn="l" defTabSz="914400" rtl="0" eaLnBrk="1" latinLnBrk="0" hangingPunct="1">
+              <a:lnSpc>
+                <a:spcPct val="90000"/>
+              </a:lnSpc>
+              <a:spcBef>
+                <a:spcPts val="500"/>
+              </a:spcBef>
+              <a:buFont typeface="Arial" panose="020B0604020202020204" pitchFamily="34" charset="0"/>
+              <a:buChar char="•"/>
+              <a:defRPr sz="2000" kern="1200">
+                <a:solidFill>
+                  <a:schemeClr val="tx1"/>
+                </a:solidFill>
+                <a:latin typeface="+mn-lt"/>
+                <a:ea typeface="+mn-ea"/>
+                <a:cs typeface="+mn-cs"/>
+              </a:defRPr>
+            </a:lvl3pPr>
+            <a:lvl4pPr marL="1600200" indent="-228600" algn="l" defTabSz="914400" rtl="0" eaLnBrk="1" latinLnBrk="0" hangingPunct="1">
+              <a:lnSpc>
+                <a:spcPct val="90000"/>
+              </a:lnSpc>
+              <a:spcBef>
+                <a:spcPts val="500"/>
+              </a:spcBef>
+              <a:buFont typeface="Arial" panose="020B0604020202020204" pitchFamily="34" charset="0"/>
+              <a:buChar char="•"/>
+              <a:defRPr sz="1800" kern="1200">
+                <a:solidFill>
+                  <a:schemeClr val="tx1"/>
+                </a:solidFill>
+                <a:latin typeface="+mn-lt"/>
+                <a:ea typeface="+mn-ea"/>
+                <a:cs typeface="+mn-cs"/>
+              </a:defRPr>
+            </a:lvl4pPr>
+            <a:lvl5pPr marL="2057400" indent="-228600" algn="l" defTabSz="914400" rtl="0" eaLnBrk="1" latinLnBrk="0" hangingPunct="1">
+              <a:lnSpc>
+                <a:spcPct val="90000"/>
+              </a:lnSpc>
+              <a:spcBef>
+                <a:spcPts val="500"/>
+              </a:spcBef>
+              <a:buFont typeface="Arial" panose="020B0604020202020204" pitchFamily="34" charset="0"/>
+              <a:buChar char="•"/>
+              <a:defRPr sz="1800" kern="1200">
+                <a:solidFill>
+                  <a:schemeClr val="tx1"/>
+                </a:solidFill>
+                <a:latin typeface="+mn-lt"/>
+                <a:ea typeface="+mn-ea"/>
+                <a:cs typeface="+mn-cs"/>
+              </a:defRPr>
+            </a:lvl5pPr>
+            <a:lvl6pPr marL="2514600" indent="-228600" algn="l" defTabSz="914400" rtl="0" eaLnBrk="1" latinLnBrk="0" hangingPunct="1">
+              <a:lnSpc>
+                <a:spcPct val="90000"/>
+              </a:lnSpc>
+              <a:spcBef>
+                <a:spcPts val="500"/>
+              </a:spcBef>
+              <a:buFont typeface="Arial" panose="020B0604020202020204" pitchFamily="34" charset="0"/>
+              <a:buChar char="•"/>
+              <a:defRPr sz="1800" kern="1200">
+                <a:solidFill>
+                  <a:schemeClr val="tx1"/>
+                </a:solidFill>
+                <a:latin typeface="+mn-lt"/>
+                <a:ea typeface="+mn-ea"/>
+                <a:cs typeface="+mn-cs"/>
+              </a:defRPr>
+            </a:lvl6pPr>
+            <a:lvl7pPr marL="2971800" indent="-228600" algn="l" defTabSz="914400" rtl="0" eaLnBrk="1" latinLnBrk="0" hangingPunct="1">
+              <a:lnSpc>
+                <a:spcPct val="90000"/>
+              </a:lnSpc>
+              <a:spcBef>
+                <a:spcPts val="500"/>
+              </a:spcBef>
+              <a:buFont typeface="Arial" panose="020B0604020202020204" pitchFamily="34" charset="0"/>
+              <a:buChar char="•"/>
+              <a:defRPr sz="1800" kern="1200">
+                <a:solidFill>
+                  <a:schemeClr val="tx1"/>
+                </a:solidFill>
+                <a:latin typeface="+mn-lt"/>
+                <a:ea typeface="+mn-ea"/>
+                <a:cs typeface="+mn-cs"/>
+              </a:defRPr>
+            </a:lvl7pPr>
+            <a:lvl8pPr marL="3429000" indent="-228600" algn="l" defTabSz="914400" rtl="0" eaLnBrk="1" latinLnBrk="0" hangingPunct="1">
+              <a:lnSpc>
+                <a:spcPct val="90000"/>
+              </a:lnSpc>
+              <a:spcBef>
+                <a:spcPts val="500"/>
+              </a:spcBef>
+              <a:buFont typeface="Arial" panose="020B0604020202020204" pitchFamily="34" charset="0"/>
+              <a:buChar char="•"/>
+              <a:defRPr sz="1800" kern="1200">
+                <a:solidFill>
+                  <a:schemeClr val="tx1"/>
+                </a:solidFill>
+                <a:latin typeface="+mn-lt"/>
+                <a:ea typeface="+mn-ea"/>
+                <a:cs typeface="+mn-cs"/>
+              </a:defRPr>
+            </a:lvl8pPr>
+            <a:lvl9pPr marL="3886200" indent="-228600" algn="l" defTabSz="914400" rtl="0" eaLnBrk="1" latinLnBrk="0" hangingPunct="1">
+              <a:lnSpc>
+                <a:spcPct val="90000"/>
+              </a:lnSpc>
+              <a:spcBef>
+                <a:spcPts val="500"/>
+              </a:spcBef>
+              <a:buFont typeface="Arial" panose="020B0604020202020204" pitchFamily="34" charset="0"/>
+              <a:buChar char="•"/>
+              <a:defRPr sz="1800" kern="1200">
+                <a:solidFill>
+                  <a:schemeClr val="tx1"/>
+                </a:solidFill>
+                <a:latin typeface="+mn-lt"/>
+                <a:ea typeface="+mn-ea"/>
+                <a:cs typeface="+mn-cs"/>
+              </a:defRPr>
+            </a:lvl9pPr>
+          </a:lstStyle>
+          <a:p>
+            <a:pPr marL="0" indent="0">
+              <a:buNone/>
+            </a:pPr>
+            <a:r>
+              <a:rPr lang="pt-BR" sz="3600" dirty="0" smtClean="0"/>
+              <a:t>Identificação</a:t>
+            </a:r>
+          </a:p>
+          <a:p>
+            <a:pPr marL="0" indent="0">
+              <a:buNone/>
+            </a:pPr>
+            <a:r>
+              <a:rPr lang="pt-BR" sz="3600" dirty="0" smtClean="0"/>
+              <a:t>Nome: Teste de cadastro de empresa</a:t>
+            </a:r>
+          </a:p>
+          <a:p>
+            <a:pPr marL="0" indent="0">
+              <a:buNone/>
+            </a:pPr>
+            <a:r>
+              <a:rPr lang="pt-BR" sz="3600" dirty="0" smtClean="0"/>
+              <a:t>ID: OP3 </a:t>
+            </a:r>
+          </a:p>
+          <a:p>
+            <a:pPr marL="0" indent="0">
+              <a:buNone/>
+            </a:pPr>
+            <a:r>
+              <a:rPr lang="pt-BR" sz="3600" dirty="0" smtClean="0"/>
+              <a:t>Data de criação: 05/05/2023 15:30 PM.</a:t>
+            </a:r>
+          </a:p>
+          <a:p>
+            <a:pPr marL="0" indent="0">
+              <a:buNone/>
+            </a:pPr>
+            <a:r>
+              <a:rPr lang="pt-BR" sz="3600" dirty="0" smtClean="0"/>
+              <a:t>Autor: Mário César</a:t>
+            </a:r>
+          </a:p>
+          <a:p>
+            <a:pPr marL="0" indent="0">
+              <a:buNone/>
+            </a:pPr>
+            <a:r>
+              <a:rPr lang="pt-BR" sz="3600" dirty="0" smtClean="0"/>
+              <a:t>Descrição: caso de teste para cadastro de empresa </a:t>
+            </a:r>
+          </a:p>
+          <a:p>
+            <a:pPr marL="0" indent="0">
+              <a:buNone/>
+            </a:pPr>
+            <a:r>
+              <a:rPr lang="pt-BR" sz="3600" dirty="0" smtClean="0"/>
+              <a:t> </a:t>
+            </a:r>
+          </a:p>
+          <a:p>
+            <a:pPr marL="0" indent="0">
+              <a:buNone/>
+            </a:pPr>
+            <a:r>
+              <a:rPr lang="pt-BR" sz="3600" dirty="0" smtClean="0"/>
+              <a:t> Pré-requisitos:</a:t>
+            </a:r>
+          </a:p>
+          <a:p>
+            <a:pPr marL="0" indent="0">
+              <a:buNone/>
+            </a:pPr>
+            <a:r>
+              <a:rPr lang="pt-BR" sz="3600" dirty="0" smtClean="0"/>
+              <a:t>1.Acesso à tela de cadastro </a:t>
+            </a:r>
+          </a:p>
+          <a:p>
+            <a:pPr marL="0" indent="0">
+              <a:buNone/>
+            </a:pPr>
+            <a:r>
+              <a:rPr lang="pt-BR" sz="3600" dirty="0" smtClean="0"/>
+              <a:t>2.Ter os dados solicitados na tela</a:t>
+            </a:r>
+          </a:p>
+          <a:p>
+            <a:endParaRPr lang="pt-BR" sz="3600" dirty="0" smtClean="0"/>
+          </a:p>
+          <a:p>
+            <a:pPr marL="0" indent="0">
+              <a:buNone/>
+            </a:pPr>
+            <a:r>
+              <a:rPr lang="pt-BR" sz="3600" dirty="0" smtClean="0"/>
+              <a:t>Etapas de teste:</a:t>
+            </a:r>
+          </a:p>
+          <a:p>
+            <a:pPr marL="0" indent="0">
+              <a:buNone/>
+            </a:pPr>
+            <a:r>
+              <a:rPr lang="pt-BR" sz="3600" dirty="0" smtClean="0"/>
+              <a:t>1.acesso a tela de Cadastro </a:t>
+            </a:r>
+          </a:p>
+          <a:p>
+            <a:pPr marL="0" indent="0">
+              <a:buNone/>
+            </a:pPr>
+            <a:r>
+              <a:rPr lang="pt-BR" sz="3600" dirty="0" smtClean="0"/>
+              <a:t>2.Preencha todas as informações solicitadas na tela</a:t>
+            </a:r>
+          </a:p>
+          <a:p>
+            <a:pPr marL="0" indent="0">
+              <a:buNone/>
+            </a:pPr>
+            <a:r>
+              <a:rPr lang="pt-BR" sz="3600" dirty="0" smtClean="0"/>
+              <a:t>3.Verifique se as informações digitadas estão corretas </a:t>
+            </a:r>
+          </a:p>
+          <a:p>
+            <a:pPr marL="0" indent="0">
+              <a:buNone/>
+            </a:pPr>
+            <a:r>
+              <a:rPr lang="pt-BR" sz="3600" dirty="0" smtClean="0"/>
+              <a:t>4.clicar no botão “Confirmar”</a:t>
+            </a:r>
+          </a:p>
+          <a:p>
+            <a:endParaRPr lang="pt-BR" sz="3600" dirty="0" smtClean="0"/>
+          </a:p>
+          <a:p>
+            <a:pPr marL="0" indent="0">
+              <a:buFont typeface="Arial" panose="020B0604020202020204" pitchFamily="34" charset="0"/>
+              <a:buNone/>
+            </a:pPr>
+            <a:endParaRPr lang="pt-BR" sz="1000" dirty="0">
+              <a:latin typeface="Times New Roman" panose="02020603050405020304" pitchFamily="18" charset="0"/>
+              <a:cs typeface="Times New Roman" panose="02020603050405020304" pitchFamily="18" charset="0"/>
+            </a:endParaRPr>
+          </a:p>
+        </p:txBody>
+      </p:sp>
+    </p:spTree>
+    <p:extLst>
+      <p:ext uri="{BB962C8B-B14F-4D97-AF65-F5344CB8AC3E}">
+        <p14:creationId xmlns:p14="http://schemas.microsoft.com/office/powerpoint/2010/main" val="4002345595"/>
+      </p:ext>
+    </p:extLst>
+  </p:cSld>
+  <p:clrMapOvr>
+    <a:masterClrMapping/>
+  </p:clrMapOvr>
+  <p:timing>
+    <p:tnLst>
+      <p:par>
+        <p:cTn id="1" dur="indefinite" restart="never" nodeType="tmRoot"/>
+      </p:par>
+    </p:tnLst>
+  </p:timing>
+</p:sld>
+</file>
+
+<file path=ppt/slides/slide26.xml><?xml version="1.0" encoding="utf-8"?>
+<p:sld xmlns:a="http://schemas.openxmlformats.org/drawingml/2006/main" xmlns:r="http://schemas.openxmlformats.org/officeDocument/2006/relationships" xmlns:p="http://schemas.openxmlformats.org/presentationml/2006/main">
+  <p:cSld>
+    <p:spTree>
+      <p:nvGrpSpPr>
+        <p:cNvPr id="1" name=""/>
+        <p:cNvGrpSpPr/>
+        <p:nvPr/>
+      </p:nvGrpSpPr>
+      <p:grpSpPr>
+        <a:xfrm>
+          <a:off x="0" y="0"/>
+          <a:ext cx="0" cy="0"/>
+          <a:chOff x="0" y="0"/>
+          <a:chExt cx="0" cy="0"/>
+        </a:xfrm>
+      </p:grpSpPr>
+      <p:pic>
+        <p:nvPicPr>
+          <p:cNvPr id="4" name="Imagem 3"/>
+          <p:cNvPicPr>
+            <a:picLocks noChangeAspect="1"/>
+          </p:cNvPicPr>
+          <p:nvPr/>
+        </p:nvPicPr>
+        <p:blipFill>
+          <a:blip r:embed="rId2"/>
+          <a:stretch>
+            <a:fillRect/>
+          </a:stretch>
+        </p:blipFill>
+        <p:spPr>
+          <a:xfrm>
+            <a:off x="412623" y="1409700"/>
+            <a:ext cx="5331915" cy="4966716"/>
+          </a:xfrm>
+          <a:prstGeom prst="rect">
+            <a:avLst/>
+          </a:prstGeom>
+        </p:spPr>
+      </p:pic>
+      <p:sp>
+        <p:nvSpPr>
+          <p:cNvPr id="5" name="CaixaDeTexto 4"/>
+          <p:cNvSpPr txBox="1"/>
+          <p:nvPr/>
+        </p:nvSpPr>
+        <p:spPr>
+          <a:xfrm>
+            <a:off x="6291072" y="1670304"/>
+            <a:ext cx="3852672" cy="646331"/>
+          </a:xfrm>
+          <a:prstGeom prst="rect">
+            <a:avLst/>
+          </a:prstGeom>
+          <a:noFill/>
+        </p:spPr>
+        <p:txBody>
+          <a:bodyPr wrap="square" rtlCol="0">
+            <a:spAutoFit/>
+          </a:bodyPr>
+          <a:lstStyle/>
+          <a:p>
+            <a:r>
+              <a:rPr lang="pt-BR" dirty="0" smtClean="0"/>
+              <a:t>Tela designada para a empresa fazer login com os dados cadastrados</a:t>
+            </a:r>
+            <a:endParaRPr lang="pt-BR" dirty="0"/>
+          </a:p>
+        </p:txBody>
+      </p:sp>
+      <p:sp>
+        <p:nvSpPr>
+          <p:cNvPr id="6" name="CaixaDeTexto 5"/>
+          <p:cNvSpPr txBox="1"/>
+          <p:nvPr/>
+        </p:nvSpPr>
+        <p:spPr>
+          <a:xfrm>
+            <a:off x="6291072" y="2761488"/>
+            <a:ext cx="3852672" cy="369332"/>
+          </a:xfrm>
+          <a:prstGeom prst="rect">
+            <a:avLst/>
+          </a:prstGeom>
+          <a:noFill/>
+        </p:spPr>
+        <p:txBody>
+          <a:bodyPr wrap="square" rtlCol="0">
+            <a:spAutoFit/>
+          </a:bodyPr>
+          <a:lstStyle/>
+          <a:p>
+            <a:r>
+              <a:rPr lang="pt-BR" dirty="0" smtClean="0"/>
+              <a:t>Requisito: ter cadastro</a:t>
+            </a:r>
+            <a:endParaRPr lang="pt-BR" dirty="0"/>
+          </a:p>
+        </p:txBody>
+      </p:sp>
+      <p:sp>
+        <p:nvSpPr>
+          <p:cNvPr id="7" name="Título 1"/>
+          <p:cNvSpPr>
+            <a:spLocks noGrp="1"/>
+          </p:cNvSpPr>
+          <p:nvPr>
+            <p:ph type="title"/>
+          </p:nvPr>
+        </p:nvSpPr>
+        <p:spPr>
+          <a:xfrm>
+            <a:off x="144399" y="7620"/>
+            <a:ext cx="13074868" cy="1325563"/>
+          </a:xfrm>
+        </p:spPr>
+        <p:txBody>
+          <a:bodyPr>
+            <a:normAutofit/>
+          </a:bodyPr>
+          <a:lstStyle/>
+          <a:p>
+            <a:r>
+              <a:rPr lang="pt-BR" sz="3600" dirty="0" smtClean="0">
+                <a:latin typeface="Times New Roman" panose="02020603050405020304" pitchFamily="18" charset="0"/>
+                <a:cs typeface="Times New Roman" panose="02020603050405020304" pitchFamily="18" charset="0"/>
+              </a:rPr>
+              <a:t>RN n.13: tela de Login</a:t>
+            </a:r>
+            <a:endParaRPr lang="pt-BR" sz="3600" dirty="0">
+              <a:latin typeface="Times New Roman" panose="02020603050405020304" pitchFamily="18" charset="0"/>
+              <a:cs typeface="Times New Roman" panose="02020603050405020304" pitchFamily="18" charset="0"/>
+            </a:endParaRPr>
+          </a:p>
+        </p:txBody>
+      </p:sp>
+    </p:spTree>
+    <p:extLst>
+      <p:ext uri="{BB962C8B-B14F-4D97-AF65-F5344CB8AC3E}">
+        <p14:creationId xmlns:p14="http://schemas.microsoft.com/office/powerpoint/2010/main" val="3373894013"/>
+      </p:ext>
+    </p:extLst>
+  </p:cSld>
+  <p:clrMapOvr>
+    <a:masterClrMapping/>
+  </p:clrMapOvr>
+  <p:timing>
+    <p:tnLst>
+      <p:par>
+        <p:cTn id="1" dur="indefinite" restart="never" nodeType="tmRoot"/>
+      </p:par>
+    </p:tnLst>
+  </p:timing>
+</p:sld>
+</file>
+
+<file path=ppt/slides/slide27.xml><?xml version="1.0" encoding="utf-8"?>
+<p:sld xmlns:a="http://schemas.openxmlformats.org/drawingml/2006/main" xmlns:r="http://schemas.openxmlformats.org/officeDocument/2006/relationships" xmlns:p="http://schemas.openxmlformats.org/presentationml/2006/main">
+  <p:cSld>
+    <p:spTree>
+      <p:nvGrpSpPr>
+        <p:cNvPr id="1" name=""/>
+        <p:cNvGrpSpPr/>
+        <p:nvPr/>
+      </p:nvGrpSpPr>
+      <p:grpSpPr>
+        <a:xfrm>
+          <a:off x="0" y="0"/>
+          <a:ext cx="0" cy="0"/>
+          <a:chOff x="0" y="0"/>
+          <a:chExt cx="0" cy="0"/>
+        </a:xfrm>
+      </p:grpSpPr>
+      <p:sp>
+        <p:nvSpPr>
+          <p:cNvPr id="2" name="Título 1"/>
+          <p:cNvSpPr>
+            <a:spLocks noGrp="1"/>
+          </p:cNvSpPr>
+          <p:nvPr>
+            <p:ph type="title"/>
+          </p:nvPr>
+        </p:nvSpPr>
+        <p:spPr>
+          <a:xfrm>
+            <a:off x="94593" y="0"/>
+            <a:ext cx="13074868" cy="1325563"/>
+          </a:xfrm>
+        </p:spPr>
+        <p:txBody>
+          <a:bodyPr>
+            <a:normAutofit/>
+          </a:bodyPr>
+          <a:lstStyle/>
+          <a:p>
+            <a:r>
+              <a:rPr lang="pt-BR" sz="3600" dirty="0" smtClean="0">
+                <a:latin typeface="Times New Roman" panose="02020603050405020304" pitchFamily="18" charset="0"/>
+                <a:cs typeface="Times New Roman" panose="02020603050405020304" pitchFamily="18" charset="0"/>
+              </a:rPr>
+              <a:t>RN n.12 Caso de teste: Acesso a tela de cadastro</a:t>
+            </a:r>
+            <a:endParaRPr lang="pt-BR" sz="3600" dirty="0">
+              <a:latin typeface="Times New Roman" panose="02020603050405020304" pitchFamily="18" charset="0"/>
+              <a:cs typeface="Times New Roman" panose="02020603050405020304" pitchFamily="18" charset="0"/>
+            </a:endParaRPr>
+          </a:p>
+        </p:txBody>
+      </p:sp>
+      <p:sp>
+        <p:nvSpPr>
+          <p:cNvPr id="4" name="Espaço Reservado para Conteúdo 2"/>
+          <p:cNvSpPr txBox="1">
+            <a:spLocks/>
+          </p:cNvSpPr>
+          <p:nvPr/>
+        </p:nvSpPr>
+        <p:spPr>
+          <a:xfrm>
+            <a:off x="6032937" y="1489515"/>
+            <a:ext cx="4784835" cy="4351338"/>
+          </a:xfrm>
+          <a:prstGeom prst="rect">
+            <a:avLst/>
+          </a:prstGeom>
+        </p:spPr>
+        <p:txBody>
+          <a:bodyPr vert="horz" lIns="91440" tIns="45720" rIns="91440" bIns="45720" rtlCol="0">
+            <a:normAutofit/>
+          </a:bodyPr>
+          <a:lstStyle>
+            <a:lvl1pPr marL="228600" indent="-228600" algn="l" defTabSz="914400" rtl="0" eaLnBrk="1" latinLnBrk="0" hangingPunct="1">
+              <a:lnSpc>
+                <a:spcPct val="90000"/>
+              </a:lnSpc>
+              <a:spcBef>
+                <a:spcPts val="1000"/>
+              </a:spcBef>
+              <a:buFont typeface="Arial" panose="020B0604020202020204" pitchFamily="34" charset="0"/>
+              <a:buChar char="•"/>
+              <a:defRPr sz="2800" kern="1200">
+                <a:solidFill>
+                  <a:schemeClr val="tx1"/>
+                </a:solidFill>
+                <a:latin typeface="+mn-lt"/>
+                <a:ea typeface="+mn-ea"/>
+                <a:cs typeface="+mn-cs"/>
+              </a:defRPr>
+            </a:lvl1pPr>
+            <a:lvl2pPr marL="685800" indent="-228600" algn="l" defTabSz="914400" rtl="0" eaLnBrk="1" latinLnBrk="0" hangingPunct="1">
+              <a:lnSpc>
+                <a:spcPct val="90000"/>
+              </a:lnSpc>
+              <a:spcBef>
+                <a:spcPts val="500"/>
+              </a:spcBef>
+              <a:buFont typeface="Arial" panose="020B0604020202020204" pitchFamily="34" charset="0"/>
+              <a:buChar char="•"/>
+              <a:defRPr sz="2400" kern="1200">
+                <a:solidFill>
+                  <a:schemeClr val="tx1"/>
+                </a:solidFill>
+                <a:latin typeface="+mn-lt"/>
+                <a:ea typeface="+mn-ea"/>
+                <a:cs typeface="+mn-cs"/>
+              </a:defRPr>
+            </a:lvl2pPr>
+            <a:lvl3pPr marL="1143000" indent="-228600" algn="l" defTabSz="914400" rtl="0" eaLnBrk="1" latinLnBrk="0" hangingPunct="1">
+              <a:lnSpc>
+                <a:spcPct val="90000"/>
+              </a:lnSpc>
+              <a:spcBef>
+                <a:spcPts val="500"/>
+              </a:spcBef>
+              <a:buFont typeface="Arial" panose="020B0604020202020204" pitchFamily="34" charset="0"/>
+              <a:buChar char="•"/>
+              <a:defRPr sz="2000" kern="1200">
+                <a:solidFill>
+                  <a:schemeClr val="tx1"/>
+                </a:solidFill>
+                <a:latin typeface="+mn-lt"/>
+                <a:ea typeface="+mn-ea"/>
+                <a:cs typeface="+mn-cs"/>
+              </a:defRPr>
+            </a:lvl3pPr>
+            <a:lvl4pPr marL="1600200" indent="-228600" algn="l" defTabSz="914400" rtl="0" eaLnBrk="1" latinLnBrk="0" hangingPunct="1">
+              <a:lnSpc>
+                <a:spcPct val="90000"/>
+              </a:lnSpc>
+              <a:spcBef>
+                <a:spcPts val="500"/>
+              </a:spcBef>
+              <a:buFont typeface="Arial" panose="020B0604020202020204" pitchFamily="34" charset="0"/>
+              <a:buChar char="•"/>
+              <a:defRPr sz="1800" kern="1200">
+                <a:solidFill>
+                  <a:schemeClr val="tx1"/>
+                </a:solidFill>
+                <a:latin typeface="+mn-lt"/>
+                <a:ea typeface="+mn-ea"/>
+                <a:cs typeface="+mn-cs"/>
+              </a:defRPr>
+            </a:lvl4pPr>
+            <a:lvl5pPr marL="2057400" indent="-228600" algn="l" defTabSz="914400" rtl="0" eaLnBrk="1" latinLnBrk="0" hangingPunct="1">
+              <a:lnSpc>
+                <a:spcPct val="90000"/>
+              </a:lnSpc>
+              <a:spcBef>
+                <a:spcPts val="500"/>
+              </a:spcBef>
+              <a:buFont typeface="Arial" panose="020B0604020202020204" pitchFamily="34" charset="0"/>
+              <a:buChar char="•"/>
+              <a:defRPr sz="1800" kern="1200">
+                <a:solidFill>
+                  <a:schemeClr val="tx1"/>
+                </a:solidFill>
+                <a:latin typeface="+mn-lt"/>
+                <a:ea typeface="+mn-ea"/>
+                <a:cs typeface="+mn-cs"/>
+              </a:defRPr>
+            </a:lvl5pPr>
+            <a:lvl6pPr marL="2514600" indent="-228600" algn="l" defTabSz="914400" rtl="0" eaLnBrk="1" latinLnBrk="0" hangingPunct="1">
+              <a:lnSpc>
+                <a:spcPct val="90000"/>
+              </a:lnSpc>
+              <a:spcBef>
+                <a:spcPts val="500"/>
+              </a:spcBef>
+              <a:buFont typeface="Arial" panose="020B0604020202020204" pitchFamily="34" charset="0"/>
+              <a:buChar char="•"/>
+              <a:defRPr sz="1800" kern="1200">
+                <a:solidFill>
+                  <a:schemeClr val="tx1"/>
+                </a:solidFill>
+                <a:latin typeface="+mn-lt"/>
+                <a:ea typeface="+mn-ea"/>
+                <a:cs typeface="+mn-cs"/>
+              </a:defRPr>
+            </a:lvl6pPr>
+            <a:lvl7pPr marL="2971800" indent="-228600" algn="l" defTabSz="914400" rtl="0" eaLnBrk="1" latinLnBrk="0" hangingPunct="1">
+              <a:lnSpc>
+                <a:spcPct val="90000"/>
+              </a:lnSpc>
+              <a:spcBef>
+                <a:spcPts val="500"/>
+              </a:spcBef>
+              <a:buFont typeface="Arial" panose="020B0604020202020204" pitchFamily="34" charset="0"/>
+              <a:buChar char="•"/>
+              <a:defRPr sz="1800" kern="1200">
+                <a:solidFill>
+                  <a:schemeClr val="tx1"/>
+                </a:solidFill>
+                <a:latin typeface="+mn-lt"/>
+                <a:ea typeface="+mn-ea"/>
+                <a:cs typeface="+mn-cs"/>
+              </a:defRPr>
+            </a:lvl7pPr>
+            <a:lvl8pPr marL="3429000" indent="-228600" algn="l" defTabSz="914400" rtl="0" eaLnBrk="1" latinLnBrk="0" hangingPunct="1">
+              <a:lnSpc>
+                <a:spcPct val="90000"/>
+              </a:lnSpc>
+              <a:spcBef>
+                <a:spcPts val="500"/>
+              </a:spcBef>
+              <a:buFont typeface="Arial" panose="020B0604020202020204" pitchFamily="34" charset="0"/>
+              <a:buChar char="•"/>
+              <a:defRPr sz="1800" kern="1200">
+                <a:solidFill>
+                  <a:schemeClr val="tx1"/>
+                </a:solidFill>
+                <a:latin typeface="+mn-lt"/>
+                <a:ea typeface="+mn-ea"/>
+                <a:cs typeface="+mn-cs"/>
+              </a:defRPr>
+            </a:lvl8pPr>
+            <a:lvl9pPr marL="3886200" indent="-228600" algn="l" defTabSz="914400" rtl="0" eaLnBrk="1" latinLnBrk="0" hangingPunct="1">
+              <a:lnSpc>
+                <a:spcPct val="90000"/>
+              </a:lnSpc>
+              <a:spcBef>
+                <a:spcPts val="500"/>
+              </a:spcBef>
+              <a:buFont typeface="Arial" panose="020B0604020202020204" pitchFamily="34" charset="0"/>
+              <a:buChar char="•"/>
+              <a:defRPr sz="1800" kern="1200">
+                <a:solidFill>
+                  <a:schemeClr val="tx1"/>
+                </a:solidFill>
+                <a:latin typeface="+mn-lt"/>
+                <a:ea typeface="+mn-ea"/>
+                <a:cs typeface="+mn-cs"/>
+              </a:defRPr>
+            </a:lvl9pPr>
+          </a:lstStyle>
+          <a:p>
+            <a:pPr marL="0" indent="0">
+              <a:buNone/>
+            </a:pPr>
+            <a:endParaRPr lang="pt-BR" sz="1100" dirty="0">
+              <a:latin typeface="Times New Roman" panose="02020603050405020304" pitchFamily="18" charset="0"/>
+              <a:cs typeface="Times New Roman" panose="02020603050405020304" pitchFamily="18" charset="0"/>
+            </a:endParaRPr>
+          </a:p>
+        </p:txBody>
+      </p:sp>
+      <p:sp>
+        <p:nvSpPr>
+          <p:cNvPr id="5" name="Espaço Reservado para Conteúdo 2"/>
+          <p:cNvSpPr txBox="1">
+            <a:spLocks/>
+          </p:cNvSpPr>
+          <p:nvPr/>
+        </p:nvSpPr>
+        <p:spPr>
+          <a:xfrm>
+            <a:off x="6148236" y="1489515"/>
+            <a:ext cx="4784835" cy="5263376"/>
+          </a:xfrm>
+          <a:prstGeom prst="rect">
+            <a:avLst/>
+          </a:prstGeom>
+        </p:spPr>
+        <p:txBody>
+          <a:bodyPr vert="horz" lIns="91440" tIns="45720" rIns="91440" bIns="45720" rtlCol="0">
+            <a:normAutofit/>
+          </a:bodyPr>
+          <a:lstStyle>
+            <a:lvl1pPr marL="228600" indent="-228600" algn="l" defTabSz="914400" rtl="0" eaLnBrk="1" latinLnBrk="0" hangingPunct="1">
+              <a:lnSpc>
+                <a:spcPct val="90000"/>
+              </a:lnSpc>
+              <a:spcBef>
+                <a:spcPts val="1000"/>
+              </a:spcBef>
+              <a:buFont typeface="Arial" panose="020B0604020202020204" pitchFamily="34" charset="0"/>
+              <a:buChar char="•"/>
+              <a:defRPr sz="2800" kern="1200">
+                <a:solidFill>
+                  <a:schemeClr val="tx1"/>
+                </a:solidFill>
+                <a:latin typeface="+mn-lt"/>
+                <a:ea typeface="+mn-ea"/>
+                <a:cs typeface="+mn-cs"/>
+              </a:defRPr>
+            </a:lvl1pPr>
+            <a:lvl2pPr marL="685800" indent="-228600" algn="l" defTabSz="914400" rtl="0" eaLnBrk="1" latinLnBrk="0" hangingPunct="1">
+              <a:lnSpc>
+                <a:spcPct val="90000"/>
+              </a:lnSpc>
+              <a:spcBef>
+                <a:spcPts val="500"/>
+              </a:spcBef>
+              <a:buFont typeface="Arial" panose="020B0604020202020204" pitchFamily="34" charset="0"/>
+              <a:buChar char="•"/>
+              <a:defRPr sz="2400" kern="1200">
+                <a:solidFill>
+                  <a:schemeClr val="tx1"/>
+                </a:solidFill>
+                <a:latin typeface="+mn-lt"/>
+                <a:ea typeface="+mn-ea"/>
+                <a:cs typeface="+mn-cs"/>
+              </a:defRPr>
+            </a:lvl2pPr>
+            <a:lvl3pPr marL="1143000" indent="-228600" algn="l" defTabSz="914400" rtl="0" eaLnBrk="1" latinLnBrk="0" hangingPunct="1">
+              <a:lnSpc>
+                <a:spcPct val="90000"/>
+              </a:lnSpc>
+              <a:spcBef>
+                <a:spcPts val="500"/>
+              </a:spcBef>
+              <a:buFont typeface="Arial" panose="020B0604020202020204" pitchFamily="34" charset="0"/>
+              <a:buChar char="•"/>
+              <a:defRPr sz="2000" kern="1200">
+                <a:solidFill>
+                  <a:schemeClr val="tx1"/>
+                </a:solidFill>
+                <a:latin typeface="+mn-lt"/>
+                <a:ea typeface="+mn-ea"/>
+                <a:cs typeface="+mn-cs"/>
+              </a:defRPr>
+            </a:lvl3pPr>
+            <a:lvl4pPr marL="1600200" indent="-228600" algn="l" defTabSz="914400" rtl="0" eaLnBrk="1" latinLnBrk="0" hangingPunct="1">
+              <a:lnSpc>
+                <a:spcPct val="90000"/>
+              </a:lnSpc>
+              <a:spcBef>
+                <a:spcPts val="500"/>
+              </a:spcBef>
+              <a:buFont typeface="Arial" panose="020B0604020202020204" pitchFamily="34" charset="0"/>
+              <a:buChar char="•"/>
+              <a:defRPr sz="1800" kern="1200">
+                <a:solidFill>
+                  <a:schemeClr val="tx1"/>
+                </a:solidFill>
+                <a:latin typeface="+mn-lt"/>
+                <a:ea typeface="+mn-ea"/>
+                <a:cs typeface="+mn-cs"/>
+              </a:defRPr>
+            </a:lvl4pPr>
+            <a:lvl5pPr marL="2057400" indent="-228600" algn="l" defTabSz="914400" rtl="0" eaLnBrk="1" latinLnBrk="0" hangingPunct="1">
+              <a:lnSpc>
+                <a:spcPct val="90000"/>
+              </a:lnSpc>
+              <a:spcBef>
+                <a:spcPts val="500"/>
+              </a:spcBef>
+              <a:buFont typeface="Arial" panose="020B0604020202020204" pitchFamily="34" charset="0"/>
+              <a:buChar char="•"/>
+              <a:defRPr sz="1800" kern="1200">
+                <a:solidFill>
+                  <a:schemeClr val="tx1"/>
+                </a:solidFill>
+                <a:latin typeface="+mn-lt"/>
+                <a:ea typeface="+mn-ea"/>
+                <a:cs typeface="+mn-cs"/>
+              </a:defRPr>
+            </a:lvl5pPr>
+            <a:lvl6pPr marL="2514600" indent="-228600" algn="l" defTabSz="914400" rtl="0" eaLnBrk="1" latinLnBrk="0" hangingPunct="1">
+              <a:lnSpc>
+                <a:spcPct val="90000"/>
+              </a:lnSpc>
+              <a:spcBef>
+                <a:spcPts val="500"/>
+              </a:spcBef>
+              <a:buFont typeface="Arial" panose="020B0604020202020204" pitchFamily="34" charset="0"/>
+              <a:buChar char="•"/>
+              <a:defRPr sz="1800" kern="1200">
+                <a:solidFill>
+                  <a:schemeClr val="tx1"/>
+                </a:solidFill>
+                <a:latin typeface="+mn-lt"/>
+                <a:ea typeface="+mn-ea"/>
+                <a:cs typeface="+mn-cs"/>
+              </a:defRPr>
+            </a:lvl6pPr>
+            <a:lvl7pPr marL="2971800" indent="-228600" algn="l" defTabSz="914400" rtl="0" eaLnBrk="1" latinLnBrk="0" hangingPunct="1">
+              <a:lnSpc>
+                <a:spcPct val="90000"/>
+              </a:lnSpc>
+              <a:spcBef>
+                <a:spcPts val="500"/>
+              </a:spcBef>
+              <a:buFont typeface="Arial" panose="020B0604020202020204" pitchFamily="34" charset="0"/>
+              <a:buChar char="•"/>
+              <a:defRPr sz="1800" kern="1200">
+                <a:solidFill>
+                  <a:schemeClr val="tx1"/>
+                </a:solidFill>
+                <a:latin typeface="+mn-lt"/>
+                <a:ea typeface="+mn-ea"/>
+                <a:cs typeface="+mn-cs"/>
+              </a:defRPr>
+            </a:lvl7pPr>
+            <a:lvl8pPr marL="3429000" indent="-228600" algn="l" defTabSz="914400" rtl="0" eaLnBrk="1" latinLnBrk="0" hangingPunct="1">
+              <a:lnSpc>
+                <a:spcPct val="90000"/>
+              </a:lnSpc>
+              <a:spcBef>
+                <a:spcPts val="500"/>
+              </a:spcBef>
+              <a:buFont typeface="Arial" panose="020B0604020202020204" pitchFamily="34" charset="0"/>
+              <a:buChar char="•"/>
+              <a:defRPr sz="1800" kern="1200">
+                <a:solidFill>
+                  <a:schemeClr val="tx1"/>
+                </a:solidFill>
+                <a:latin typeface="+mn-lt"/>
+                <a:ea typeface="+mn-ea"/>
+                <a:cs typeface="+mn-cs"/>
+              </a:defRPr>
+            </a:lvl8pPr>
+            <a:lvl9pPr marL="3886200" indent="-228600" algn="l" defTabSz="914400" rtl="0" eaLnBrk="1" latinLnBrk="0" hangingPunct="1">
+              <a:lnSpc>
+                <a:spcPct val="90000"/>
+              </a:lnSpc>
+              <a:spcBef>
+                <a:spcPts val="500"/>
+              </a:spcBef>
+              <a:buFont typeface="Arial" panose="020B0604020202020204" pitchFamily="34" charset="0"/>
+              <a:buChar char="•"/>
+              <a:defRPr sz="1800" kern="1200">
+                <a:solidFill>
+                  <a:schemeClr val="tx1"/>
+                </a:solidFill>
+                <a:latin typeface="+mn-lt"/>
+                <a:ea typeface="+mn-ea"/>
+                <a:cs typeface="+mn-cs"/>
+              </a:defRPr>
+            </a:lvl9pPr>
+          </a:lstStyle>
+          <a:p>
+            <a:r>
+              <a:rPr lang="pt-BR" sz="1600" dirty="0"/>
+              <a:t>Resultado Esperado:</a:t>
+            </a:r>
+          </a:p>
+          <a:p>
+            <a:r>
+              <a:rPr lang="pt-BR" sz="1600" dirty="0"/>
+              <a:t>O cliente ao clicar no botão continuar será redirecionado para a tela de adicionar categorias no cardápio.</a:t>
+            </a:r>
+          </a:p>
+          <a:p>
+            <a:r>
+              <a:rPr lang="pt-BR" sz="1600" dirty="0"/>
+              <a:t>Critérios de sucesso:</a:t>
+            </a:r>
+          </a:p>
+          <a:p>
+            <a:r>
+              <a:rPr lang="pt-BR" sz="1600" dirty="0"/>
+              <a:t>O cliente deve ser capaz de clicar no botão de confirmar e ser redirecionado para a tela de gerenciamento de categorias.</a:t>
+            </a:r>
+          </a:p>
+          <a:p>
+            <a:r>
+              <a:rPr lang="pt-BR" sz="1600" dirty="0"/>
+              <a:t>Notas de teste:</a:t>
+            </a:r>
+          </a:p>
+          <a:p>
+            <a:r>
+              <a:rPr lang="pt-BR" sz="1600" dirty="0"/>
+              <a:t>Durante a execução do teste, nenhum comportamento anormal ou inesperado foi detectado.</a:t>
+            </a:r>
+          </a:p>
+          <a:p>
+            <a:r>
+              <a:rPr lang="pt-BR" sz="1600" dirty="0"/>
+              <a:t>Teste realizado em 05/05/23 as 15:45 PM</a:t>
+            </a:r>
+          </a:p>
+          <a:p>
+            <a:endParaRPr lang="pt-BR" sz="3600" dirty="0" smtClean="0"/>
+          </a:p>
+          <a:p>
+            <a:pPr marL="0" indent="0">
+              <a:buFont typeface="Arial" panose="020B0604020202020204" pitchFamily="34" charset="0"/>
+              <a:buNone/>
+            </a:pPr>
+            <a:endParaRPr lang="pt-BR" sz="1000" dirty="0">
+              <a:latin typeface="Times New Roman" panose="02020603050405020304" pitchFamily="18" charset="0"/>
+              <a:cs typeface="Times New Roman" panose="02020603050405020304" pitchFamily="18" charset="0"/>
+            </a:endParaRPr>
+          </a:p>
+        </p:txBody>
+      </p:sp>
+      <p:sp>
+        <p:nvSpPr>
+          <p:cNvPr id="6" name="Espaço Reservado para Conteúdo 2"/>
+          <p:cNvSpPr txBox="1">
+            <a:spLocks/>
+          </p:cNvSpPr>
+          <p:nvPr/>
+        </p:nvSpPr>
+        <p:spPr>
+          <a:xfrm>
+            <a:off x="454572" y="1643392"/>
+            <a:ext cx="4784835" cy="5263376"/>
+          </a:xfrm>
+          <a:prstGeom prst="rect">
+            <a:avLst/>
+          </a:prstGeom>
+        </p:spPr>
+        <p:txBody>
+          <a:bodyPr vert="horz" lIns="91440" tIns="45720" rIns="91440" bIns="45720" rtlCol="0">
+            <a:normAutofit fontScale="62500" lnSpcReduction="20000"/>
+          </a:bodyPr>
+          <a:lstStyle>
+            <a:lvl1pPr marL="228600" indent="-228600" algn="l" defTabSz="914400" rtl="0" eaLnBrk="1" latinLnBrk="0" hangingPunct="1">
+              <a:lnSpc>
+                <a:spcPct val="90000"/>
+              </a:lnSpc>
+              <a:spcBef>
+                <a:spcPts val="1000"/>
+              </a:spcBef>
+              <a:buFont typeface="Arial" panose="020B0604020202020204" pitchFamily="34" charset="0"/>
+              <a:buChar char="•"/>
+              <a:defRPr sz="2800" kern="1200">
+                <a:solidFill>
+                  <a:schemeClr val="tx1"/>
+                </a:solidFill>
+                <a:latin typeface="+mn-lt"/>
+                <a:ea typeface="+mn-ea"/>
+                <a:cs typeface="+mn-cs"/>
+              </a:defRPr>
+            </a:lvl1pPr>
+            <a:lvl2pPr marL="685800" indent="-228600" algn="l" defTabSz="914400" rtl="0" eaLnBrk="1" latinLnBrk="0" hangingPunct="1">
+              <a:lnSpc>
+                <a:spcPct val="90000"/>
+              </a:lnSpc>
+              <a:spcBef>
+                <a:spcPts val="500"/>
+              </a:spcBef>
+              <a:buFont typeface="Arial" panose="020B0604020202020204" pitchFamily="34" charset="0"/>
+              <a:buChar char="•"/>
+              <a:defRPr sz="2400" kern="1200">
+                <a:solidFill>
+                  <a:schemeClr val="tx1"/>
+                </a:solidFill>
+                <a:latin typeface="+mn-lt"/>
+                <a:ea typeface="+mn-ea"/>
+                <a:cs typeface="+mn-cs"/>
+              </a:defRPr>
+            </a:lvl2pPr>
+            <a:lvl3pPr marL="1143000" indent="-228600" algn="l" defTabSz="914400" rtl="0" eaLnBrk="1" latinLnBrk="0" hangingPunct="1">
+              <a:lnSpc>
+                <a:spcPct val="90000"/>
+              </a:lnSpc>
+              <a:spcBef>
+                <a:spcPts val="500"/>
+              </a:spcBef>
+              <a:buFont typeface="Arial" panose="020B0604020202020204" pitchFamily="34" charset="0"/>
+              <a:buChar char="•"/>
+              <a:defRPr sz="2000" kern="1200">
+                <a:solidFill>
+                  <a:schemeClr val="tx1"/>
+                </a:solidFill>
+                <a:latin typeface="+mn-lt"/>
+                <a:ea typeface="+mn-ea"/>
+                <a:cs typeface="+mn-cs"/>
+              </a:defRPr>
+            </a:lvl3pPr>
+            <a:lvl4pPr marL="1600200" indent="-228600" algn="l" defTabSz="914400" rtl="0" eaLnBrk="1" latinLnBrk="0" hangingPunct="1">
+              <a:lnSpc>
+                <a:spcPct val="90000"/>
+              </a:lnSpc>
+              <a:spcBef>
+                <a:spcPts val="500"/>
+              </a:spcBef>
+              <a:buFont typeface="Arial" panose="020B0604020202020204" pitchFamily="34" charset="0"/>
+              <a:buChar char="•"/>
+              <a:defRPr sz="1800" kern="1200">
+                <a:solidFill>
+                  <a:schemeClr val="tx1"/>
+                </a:solidFill>
+                <a:latin typeface="+mn-lt"/>
+                <a:ea typeface="+mn-ea"/>
+                <a:cs typeface="+mn-cs"/>
+              </a:defRPr>
+            </a:lvl4pPr>
+            <a:lvl5pPr marL="2057400" indent="-228600" algn="l" defTabSz="914400" rtl="0" eaLnBrk="1" latinLnBrk="0" hangingPunct="1">
+              <a:lnSpc>
+                <a:spcPct val="90000"/>
+              </a:lnSpc>
+              <a:spcBef>
+                <a:spcPts val="500"/>
+              </a:spcBef>
+              <a:buFont typeface="Arial" panose="020B0604020202020204" pitchFamily="34" charset="0"/>
+              <a:buChar char="•"/>
+              <a:defRPr sz="1800" kern="1200">
+                <a:solidFill>
+                  <a:schemeClr val="tx1"/>
+                </a:solidFill>
+                <a:latin typeface="+mn-lt"/>
+                <a:ea typeface="+mn-ea"/>
+                <a:cs typeface="+mn-cs"/>
+              </a:defRPr>
+            </a:lvl5pPr>
+            <a:lvl6pPr marL="2514600" indent="-228600" algn="l" defTabSz="914400" rtl="0" eaLnBrk="1" latinLnBrk="0" hangingPunct="1">
+              <a:lnSpc>
+                <a:spcPct val="90000"/>
+              </a:lnSpc>
+              <a:spcBef>
+                <a:spcPts val="500"/>
+              </a:spcBef>
+              <a:buFont typeface="Arial" panose="020B0604020202020204" pitchFamily="34" charset="0"/>
+              <a:buChar char="•"/>
+              <a:defRPr sz="1800" kern="1200">
+                <a:solidFill>
+                  <a:schemeClr val="tx1"/>
+                </a:solidFill>
+                <a:latin typeface="+mn-lt"/>
+                <a:ea typeface="+mn-ea"/>
+                <a:cs typeface="+mn-cs"/>
+              </a:defRPr>
+            </a:lvl6pPr>
+            <a:lvl7pPr marL="2971800" indent="-228600" algn="l" defTabSz="914400" rtl="0" eaLnBrk="1" latinLnBrk="0" hangingPunct="1">
+              <a:lnSpc>
+                <a:spcPct val="90000"/>
+              </a:lnSpc>
+              <a:spcBef>
+                <a:spcPts val="500"/>
+              </a:spcBef>
+              <a:buFont typeface="Arial" panose="020B0604020202020204" pitchFamily="34" charset="0"/>
+              <a:buChar char="•"/>
+              <a:defRPr sz="1800" kern="1200">
+                <a:solidFill>
+                  <a:schemeClr val="tx1"/>
+                </a:solidFill>
+                <a:latin typeface="+mn-lt"/>
+                <a:ea typeface="+mn-ea"/>
+                <a:cs typeface="+mn-cs"/>
+              </a:defRPr>
+            </a:lvl7pPr>
+            <a:lvl8pPr marL="3429000" indent="-228600" algn="l" defTabSz="914400" rtl="0" eaLnBrk="1" latinLnBrk="0" hangingPunct="1">
+              <a:lnSpc>
+                <a:spcPct val="90000"/>
+              </a:lnSpc>
+              <a:spcBef>
+                <a:spcPts val="500"/>
+              </a:spcBef>
+              <a:buFont typeface="Arial" panose="020B0604020202020204" pitchFamily="34" charset="0"/>
+              <a:buChar char="•"/>
+              <a:defRPr sz="1800" kern="1200">
+                <a:solidFill>
+                  <a:schemeClr val="tx1"/>
+                </a:solidFill>
+                <a:latin typeface="+mn-lt"/>
+                <a:ea typeface="+mn-ea"/>
+                <a:cs typeface="+mn-cs"/>
+              </a:defRPr>
+            </a:lvl8pPr>
+            <a:lvl9pPr marL="3886200" indent="-228600" algn="l" defTabSz="914400" rtl="0" eaLnBrk="1" latinLnBrk="0" hangingPunct="1">
+              <a:lnSpc>
+                <a:spcPct val="90000"/>
+              </a:lnSpc>
+              <a:spcBef>
+                <a:spcPts val="500"/>
+              </a:spcBef>
+              <a:buFont typeface="Arial" panose="020B0604020202020204" pitchFamily="34" charset="0"/>
+              <a:buChar char="•"/>
+              <a:defRPr sz="1800" kern="1200">
+                <a:solidFill>
+                  <a:schemeClr val="tx1"/>
+                </a:solidFill>
+                <a:latin typeface="+mn-lt"/>
+                <a:ea typeface="+mn-ea"/>
+                <a:cs typeface="+mn-cs"/>
+              </a:defRPr>
+            </a:lvl9pPr>
+          </a:lstStyle>
+          <a:p>
+            <a:r>
+              <a:rPr lang="pt-BR" dirty="0"/>
+              <a:t>Identificação:</a:t>
+            </a:r>
+          </a:p>
+          <a:p>
+            <a:r>
+              <a:rPr lang="pt-BR" dirty="0"/>
+              <a:t>Nome: Teste de Login de empresa</a:t>
+            </a:r>
+          </a:p>
+          <a:p>
+            <a:r>
+              <a:rPr lang="pt-BR" dirty="0"/>
+              <a:t>ID: OP4 </a:t>
+            </a:r>
+          </a:p>
+          <a:p>
+            <a:r>
+              <a:rPr lang="pt-BR" dirty="0"/>
+              <a:t>Data de criação: 05/05/2023 15:38 PM.</a:t>
+            </a:r>
+          </a:p>
+          <a:p>
+            <a:r>
+              <a:rPr lang="pt-BR" dirty="0"/>
+              <a:t>Autor: Mário César</a:t>
+            </a:r>
+          </a:p>
+          <a:p>
+            <a:r>
+              <a:rPr lang="pt-BR" dirty="0"/>
+              <a:t>Descrição: caso de teste para login da empresa</a:t>
+            </a:r>
+          </a:p>
+          <a:p>
+            <a:r>
+              <a:rPr lang="pt-BR" dirty="0"/>
+              <a:t> </a:t>
+            </a:r>
+          </a:p>
+          <a:p>
+            <a:r>
+              <a:rPr lang="pt-BR" dirty="0"/>
+              <a:t> Pré-requisitos:</a:t>
+            </a:r>
+          </a:p>
+          <a:p>
+            <a:r>
+              <a:rPr lang="pt-BR" dirty="0"/>
+              <a:t>1.Acesso à tela de Login</a:t>
+            </a:r>
+          </a:p>
+          <a:p>
+            <a:r>
+              <a:rPr lang="pt-BR" dirty="0"/>
+              <a:t>2.Ter se cadastrado no sistema do cardápio anteriormente</a:t>
+            </a:r>
+          </a:p>
+          <a:p>
+            <a:r>
+              <a:rPr lang="pt-BR" dirty="0"/>
+              <a:t>3.Ter acesso aos dados de cadastro da empresa</a:t>
+            </a:r>
+          </a:p>
+          <a:p>
+            <a:r>
+              <a:rPr lang="pt-BR" dirty="0"/>
+              <a:t> </a:t>
+            </a:r>
+          </a:p>
+          <a:p>
+            <a:r>
+              <a:rPr lang="pt-BR" dirty="0"/>
+              <a:t>Etapas de teste:</a:t>
+            </a:r>
+          </a:p>
+          <a:p>
+            <a:r>
+              <a:rPr lang="pt-BR" dirty="0"/>
+              <a:t>1.acesso a tela de Login </a:t>
+            </a:r>
+          </a:p>
+          <a:p>
+            <a:r>
+              <a:rPr lang="pt-BR" dirty="0"/>
+              <a:t>2.Digitar as informações solicitadas</a:t>
+            </a:r>
+          </a:p>
+          <a:p>
+            <a:r>
+              <a:rPr lang="pt-BR" dirty="0"/>
+              <a:t>3.clicar no botão “Continuar”</a:t>
+            </a:r>
+          </a:p>
+          <a:p>
+            <a:endParaRPr lang="pt-BR" sz="3600" dirty="0" smtClean="0"/>
+          </a:p>
+          <a:p>
+            <a:pPr marL="0" indent="0">
+              <a:buFont typeface="Arial" panose="020B0604020202020204" pitchFamily="34" charset="0"/>
+              <a:buNone/>
+            </a:pPr>
+            <a:endParaRPr lang="pt-BR" sz="1000" dirty="0">
+              <a:latin typeface="Times New Roman" panose="02020603050405020304" pitchFamily="18" charset="0"/>
+              <a:cs typeface="Times New Roman" panose="02020603050405020304" pitchFamily="18" charset="0"/>
+            </a:endParaRPr>
+          </a:p>
+        </p:txBody>
+      </p:sp>
+    </p:spTree>
+    <p:extLst>
+      <p:ext uri="{BB962C8B-B14F-4D97-AF65-F5344CB8AC3E}">
+        <p14:creationId xmlns:p14="http://schemas.microsoft.com/office/powerpoint/2010/main" val="466837276"/>
+      </p:ext>
+    </p:extLst>
+  </p:cSld>
+  <p:clrMapOvr>
+    <a:masterClrMapping/>
+  </p:clrMapOvr>
+  <p:timing>
+    <p:tnLst>
+      <p:par>
+        <p:cTn id="1" dur="indefinite" restart="never" nodeType="tmRoot"/>
+      </p:par>
+    </p:tnLst>
+  </p:timing>
+</p:sld>
+</file>
+
+<file path=ppt/slides/slide28.xml><?xml version="1.0" encoding="utf-8"?>
+<p:sld xmlns:a="http://schemas.openxmlformats.org/drawingml/2006/main" xmlns:r="http://schemas.openxmlformats.org/officeDocument/2006/relationships" xmlns:p="http://schemas.openxmlformats.org/presentationml/2006/main">
+  <p:cSld>
+    <p:spTree>
+      <p:nvGrpSpPr>
+        <p:cNvPr id="1" name=""/>
+        <p:cNvGrpSpPr/>
+        <p:nvPr/>
+      </p:nvGrpSpPr>
+      <p:grpSpPr>
+        <a:xfrm>
+          <a:off x="0" y="0"/>
+          <a:ext cx="0" cy="0"/>
+          <a:chOff x="0" y="0"/>
+          <a:chExt cx="0" cy="0"/>
+        </a:xfrm>
+      </p:grpSpPr>
+      <p:sp>
+        <p:nvSpPr>
+          <p:cNvPr id="2" name="Título 1"/>
+          <p:cNvSpPr>
+            <a:spLocks noGrp="1"/>
+          </p:cNvSpPr>
+          <p:nvPr>
+            <p:ph type="title"/>
+          </p:nvPr>
+        </p:nvSpPr>
+        <p:spPr>
+          <a:xfrm>
+            <a:off x="94593" y="0"/>
+            <a:ext cx="13074868" cy="1325563"/>
+          </a:xfrm>
+        </p:spPr>
+        <p:txBody>
+          <a:bodyPr>
+            <a:normAutofit/>
+          </a:bodyPr>
+          <a:lstStyle/>
+          <a:p>
+            <a:r>
+              <a:rPr lang="pt-BR" sz="3600" dirty="0" smtClean="0">
+                <a:latin typeface="Times New Roman" panose="02020603050405020304" pitchFamily="18" charset="0"/>
+                <a:cs typeface="Times New Roman" panose="02020603050405020304" pitchFamily="18" charset="0"/>
+              </a:rPr>
+              <a:t>RN n.12 gerenciamento de produtos</a:t>
+            </a:r>
+            <a:endParaRPr lang="pt-BR" sz="3600" dirty="0">
+              <a:latin typeface="Times New Roman" panose="02020603050405020304" pitchFamily="18" charset="0"/>
+              <a:cs typeface="Times New Roman" panose="02020603050405020304" pitchFamily="18" charset="0"/>
+            </a:endParaRPr>
+          </a:p>
+        </p:txBody>
+      </p:sp>
+      <p:sp>
+        <p:nvSpPr>
+          <p:cNvPr id="4" name="Espaço Reservado para Conteúdo 2"/>
+          <p:cNvSpPr txBox="1">
+            <a:spLocks/>
+          </p:cNvSpPr>
+          <p:nvPr/>
+        </p:nvSpPr>
+        <p:spPr>
+          <a:xfrm>
+            <a:off x="6032937" y="1489515"/>
+            <a:ext cx="4784835" cy="4351338"/>
+          </a:xfrm>
+          <a:prstGeom prst="rect">
+            <a:avLst/>
+          </a:prstGeom>
+        </p:spPr>
+        <p:txBody>
+          <a:bodyPr vert="horz" lIns="91440" tIns="45720" rIns="91440" bIns="45720" rtlCol="0">
+            <a:normAutofit/>
+          </a:bodyPr>
+          <a:lstStyle>
+            <a:lvl1pPr marL="228600" indent="-228600" algn="l" defTabSz="914400" rtl="0" eaLnBrk="1" latinLnBrk="0" hangingPunct="1">
+              <a:lnSpc>
+                <a:spcPct val="90000"/>
+              </a:lnSpc>
+              <a:spcBef>
+                <a:spcPts val="1000"/>
+              </a:spcBef>
+              <a:buFont typeface="Arial" panose="020B0604020202020204" pitchFamily="34" charset="0"/>
+              <a:buChar char="•"/>
+              <a:defRPr sz="2800" kern="1200">
+                <a:solidFill>
+                  <a:schemeClr val="tx1"/>
+                </a:solidFill>
+                <a:latin typeface="+mn-lt"/>
+                <a:ea typeface="+mn-ea"/>
+                <a:cs typeface="+mn-cs"/>
+              </a:defRPr>
+            </a:lvl1pPr>
+            <a:lvl2pPr marL="685800" indent="-228600" algn="l" defTabSz="914400" rtl="0" eaLnBrk="1" latinLnBrk="0" hangingPunct="1">
+              <a:lnSpc>
+                <a:spcPct val="90000"/>
+              </a:lnSpc>
+              <a:spcBef>
+                <a:spcPts val="500"/>
+              </a:spcBef>
+              <a:buFont typeface="Arial" panose="020B0604020202020204" pitchFamily="34" charset="0"/>
+              <a:buChar char="•"/>
+              <a:defRPr sz="2400" kern="1200">
+                <a:solidFill>
+                  <a:schemeClr val="tx1"/>
+                </a:solidFill>
+                <a:latin typeface="+mn-lt"/>
+                <a:ea typeface="+mn-ea"/>
+                <a:cs typeface="+mn-cs"/>
+              </a:defRPr>
+            </a:lvl2pPr>
+            <a:lvl3pPr marL="1143000" indent="-228600" algn="l" defTabSz="914400" rtl="0" eaLnBrk="1" latinLnBrk="0" hangingPunct="1">
+              <a:lnSpc>
+                <a:spcPct val="90000"/>
+              </a:lnSpc>
+              <a:spcBef>
+                <a:spcPts val="500"/>
+              </a:spcBef>
+              <a:buFont typeface="Arial" panose="020B0604020202020204" pitchFamily="34" charset="0"/>
+              <a:buChar char="•"/>
+              <a:defRPr sz="2000" kern="1200">
+                <a:solidFill>
+                  <a:schemeClr val="tx1"/>
+                </a:solidFill>
+                <a:latin typeface="+mn-lt"/>
+                <a:ea typeface="+mn-ea"/>
+                <a:cs typeface="+mn-cs"/>
+              </a:defRPr>
+            </a:lvl3pPr>
+            <a:lvl4pPr marL="1600200" indent="-228600" algn="l" defTabSz="914400" rtl="0" eaLnBrk="1" latinLnBrk="0" hangingPunct="1">
+              <a:lnSpc>
+                <a:spcPct val="90000"/>
+              </a:lnSpc>
+              <a:spcBef>
+                <a:spcPts val="500"/>
+              </a:spcBef>
+              <a:buFont typeface="Arial" panose="020B0604020202020204" pitchFamily="34" charset="0"/>
+              <a:buChar char="•"/>
+              <a:defRPr sz="1800" kern="1200">
+                <a:solidFill>
+                  <a:schemeClr val="tx1"/>
+                </a:solidFill>
+                <a:latin typeface="+mn-lt"/>
+                <a:ea typeface="+mn-ea"/>
+                <a:cs typeface="+mn-cs"/>
+              </a:defRPr>
+            </a:lvl4pPr>
+            <a:lvl5pPr marL="2057400" indent="-228600" algn="l" defTabSz="914400" rtl="0" eaLnBrk="1" latinLnBrk="0" hangingPunct="1">
+              <a:lnSpc>
+                <a:spcPct val="90000"/>
+              </a:lnSpc>
+              <a:spcBef>
+                <a:spcPts val="500"/>
+              </a:spcBef>
+              <a:buFont typeface="Arial" panose="020B0604020202020204" pitchFamily="34" charset="0"/>
+              <a:buChar char="•"/>
+              <a:defRPr sz="1800" kern="1200">
+                <a:solidFill>
+                  <a:schemeClr val="tx1"/>
+                </a:solidFill>
+                <a:latin typeface="+mn-lt"/>
+                <a:ea typeface="+mn-ea"/>
+                <a:cs typeface="+mn-cs"/>
+              </a:defRPr>
+            </a:lvl5pPr>
+            <a:lvl6pPr marL="2514600" indent="-228600" algn="l" defTabSz="914400" rtl="0" eaLnBrk="1" latinLnBrk="0" hangingPunct="1">
+              <a:lnSpc>
+                <a:spcPct val="90000"/>
+              </a:lnSpc>
+              <a:spcBef>
+                <a:spcPts val="500"/>
+              </a:spcBef>
+              <a:buFont typeface="Arial" panose="020B0604020202020204" pitchFamily="34" charset="0"/>
+              <a:buChar char="•"/>
+              <a:defRPr sz="1800" kern="1200">
+                <a:solidFill>
+                  <a:schemeClr val="tx1"/>
+                </a:solidFill>
+                <a:latin typeface="+mn-lt"/>
+                <a:ea typeface="+mn-ea"/>
+                <a:cs typeface="+mn-cs"/>
+              </a:defRPr>
+            </a:lvl6pPr>
+            <a:lvl7pPr marL="2971800" indent="-228600" algn="l" defTabSz="914400" rtl="0" eaLnBrk="1" latinLnBrk="0" hangingPunct="1">
+              <a:lnSpc>
+                <a:spcPct val="90000"/>
+              </a:lnSpc>
+              <a:spcBef>
+                <a:spcPts val="500"/>
+              </a:spcBef>
+              <a:buFont typeface="Arial" panose="020B0604020202020204" pitchFamily="34" charset="0"/>
+              <a:buChar char="•"/>
+              <a:defRPr sz="1800" kern="1200">
+                <a:solidFill>
+                  <a:schemeClr val="tx1"/>
+                </a:solidFill>
+                <a:latin typeface="+mn-lt"/>
+                <a:ea typeface="+mn-ea"/>
+                <a:cs typeface="+mn-cs"/>
+              </a:defRPr>
+            </a:lvl7pPr>
+            <a:lvl8pPr marL="3429000" indent="-228600" algn="l" defTabSz="914400" rtl="0" eaLnBrk="1" latinLnBrk="0" hangingPunct="1">
+              <a:lnSpc>
+                <a:spcPct val="90000"/>
+              </a:lnSpc>
+              <a:spcBef>
+                <a:spcPts val="500"/>
+              </a:spcBef>
+              <a:buFont typeface="Arial" panose="020B0604020202020204" pitchFamily="34" charset="0"/>
+              <a:buChar char="•"/>
+              <a:defRPr sz="1800" kern="1200">
+                <a:solidFill>
+                  <a:schemeClr val="tx1"/>
+                </a:solidFill>
+                <a:latin typeface="+mn-lt"/>
+                <a:ea typeface="+mn-ea"/>
+                <a:cs typeface="+mn-cs"/>
+              </a:defRPr>
+            </a:lvl8pPr>
+            <a:lvl9pPr marL="3886200" indent="-228600" algn="l" defTabSz="914400" rtl="0" eaLnBrk="1" latinLnBrk="0" hangingPunct="1">
+              <a:lnSpc>
+                <a:spcPct val="90000"/>
+              </a:lnSpc>
+              <a:spcBef>
+                <a:spcPts val="500"/>
+              </a:spcBef>
+              <a:buFont typeface="Arial" panose="020B0604020202020204" pitchFamily="34" charset="0"/>
+              <a:buChar char="•"/>
+              <a:defRPr sz="1800" kern="1200">
+                <a:solidFill>
+                  <a:schemeClr val="tx1"/>
+                </a:solidFill>
+                <a:latin typeface="+mn-lt"/>
+                <a:ea typeface="+mn-ea"/>
+                <a:cs typeface="+mn-cs"/>
+              </a:defRPr>
+            </a:lvl9pPr>
+          </a:lstStyle>
+          <a:p>
+            <a:pPr marL="0" indent="0">
+              <a:buNone/>
+            </a:pPr>
+            <a:endParaRPr lang="pt-BR" sz="1100" dirty="0">
+              <a:latin typeface="Times New Roman" panose="02020603050405020304" pitchFamily="18" charset="0"/>
+              <a:cs typeface="Times New Roman" panose="02020603050405020304" pitchFamily="18" charset="0"/>
+            </a:endParaRPr>
+          </a:p>
+        </p:txBody>
+      </p:sp>
+      <p:pic>
+        <p:nvPicPr>
+          <p:cNvPr id="3" name="Imagem 2"/>
+          <p:cNvPicPr>
+            <a:picLocks noChangeAspect="1"/>
+          </p:cNvPicPr>
+          <p:nvPr/>
+        </p:nvPicPr>
+        <p:blipFill>
+          <a:blip r:embed="rId2"/>
+          <a:stretch>
+            <a:fillRect/>
+          </a:stretch>
+        </p:blipFill>
+        <p:spPr>
+          <a:xfrm>
+            <a:off x="196025" y="1112015"/>
+            <a:ext cx="7509320" cy="5106338"/>
+          </a:xfrm>
+          <a:prstGeom prst="rect">
+            <a:avLst/>
+          </a:prstGeom>
+        </p:spPr>
+      </p:pic>
+      <p:sp>
+        <p:nvSpPr>
+          <p:cNvPr id="7" name="CaixaDeTexto 6"/>
+          <p:cNvSpPr txBox="1"/>
+          <p:nvPr/>
+        </p:nvSpPr>
+        <p:spPr>
+          <a:xfrm>
+            <a:off x="8144256" y="2292096"/>
+            <a:ext cx="3706368" cy="923330"/>
+          </a:xfrm>
+          <a:prstGeom prst="rect">
+            <a:avLst/>
+          </a:prstGeom>
+          <a:noFill/>
+        </p:spPr>
+        <p:txBody>
+          <a:bodyPr wrap="square" rtlCol="0">
+            <a:spAutoFit/>
+          </a:bodyPr>
+          <a:lstStyle/>
+          <a:p>
+            <a:r>
+              <a:rPr lang="pt-BR" dirty="0" smtClean="0"/>
+              <a:t>Tela feita para a empresa: criar produtos, e excluir, editar produtos criados.</a:t>
+            </a:r>
+            <a:endParaRPr lang="pt-BR" dirty="0"/>
+          </a:p>
+        </p:txBody>
+      </p:sp>
+    </p:spTree>
+    <p:extLst>
+      <p:ext uri="{BB962C8B-B14F-4D97-AF65-F5344CB8AC3E}">
+        <p14:creationId xmlns:p14="http://schemas.microsoft.com/office/powerpoint/2010/main" val="2289917945"/>
+      </p:ext>
+    </p:extLst>
+  </p:cSld>
+  <p:clrMapOvr>
+    <a:masterClrMapping/>
+  </p:clrMapOvr>
+  <p:timing>
+    <p:tnLst>
+      <p:par>
+        <p:cTn id="1" dur="indefinite" restart="never" nodeType="tmRoot"/>
+      </p:par>
+    </p:tnLst>
+  </p:timing>
+</p:sld>
+</file>
+
+<file path=ppt/slides/slide29.xml><?xml version="1.0" encoding="utf-8"?>
+<p:sld xmlns:a="http://schemas.openxmlformats.org/drawingml/2006/main" xmlns:r="http://schemas.openxmlformats.org/officeDocument/2006/relationships" xmlns:p="http://schemas.openxmlformats.org/presentationml/2006/main">
+  <p:cSld>
+    <p:spTree>
+      <p:nvGrpSpPr>
+        <p:cNvPr id="1" name=""/>
+        <p:cNvGrpSpPr/>
+        <p:nvPr/>
+      </p:nvGrpSpPr>
+      <p:grpSpPr>
+        <a:xfrm>
+          <a:off x="0" y="0"/>
+          <a:ext cx="0" cy="0"/>
+          <a:chOff x="0" y="0"/>
+          <a:chExt cx="0" cy="0"/>
+        </a:xfrm>
+      </p:grpSpPr>
+      <p:sp>
+        <p:nvSpPr>
+          <p:cNvPr id="2" name="Título 1"/>
+          <p:cNvSpPr>
+            <a:spLocks noGrp="1"/>
+          </p:cNvSpPr>
+          <p:nvPr>
+            <p:ph type="title"/>
+          </p:nvPr>
+        </p:nvSpPr>
+        <p:spPr>
+          <a:xfrm>
+            <a:off x="94593" y="0"/>
+            <a:ext cx="13074868" cy="1325563"/>
+          </a:xfrm>
+        </p:spPr>
+        <p:txBody>
+          <a:bodyPr>
+            <a:normAutofit/>
+          </a:bodyPr>
+          <a:lstStyle/>
+          <a:p>
+            <a:r>
+              <a:rPr lang="pt-BR" sz="3600" dirty="0" smtClean="0">
+                <a:latin typeface="Times New Roman" panose="02020603050405020304" pitchFamily="18" charset="0"/>
+                <a:cs typeface="Times New Roman" panose="02020603050405020304" pitchFamily="18" charset="0"/>
+              </a:rPr>
+              <a:t>RN n.12 Caso de teste: Gerenciamento de Produtos</a:t>
+            </a:r>
+            <a:endParaRPr lang="pt-BR" sz="3600" dirty="0">
+              <a:latin typeface="Times New Roman" panose="02020603050405020304" pitchFamily="18" charset="0"/>
+              <a:cs typeface="Times New Roman" panose="02020603050405020304" pitchFamily="18" charset="0"/>
+            </a:endParaRPr>
+          </a:p>
+        </p:txBody>
+      </p:sp>
+      <p:sp>
+        <p:nvSpPr>
+          <p:cNvPr id="4" name="Espaço Reservado para Conteúdo 2"/>
+          <p:cNvSpPr txBox="1">
+            <a:spLocks/>
+          </p:cNvSpPr>
+          <p:nvPr/>
+        </p:nvSpPr>
+        <p:spPr>
+          <a:xfrm>
+            <a:off x="6032937" y="1489515"/>
+            <a:ext cx="4784835" cy="4351338"/>
+          </a:xfrm>
+          <a:prstGeom prst="rect">
+            <a:avLst/>
+          </a:prstGeom>
+        </p:spPr>
+        <p:txBody>
+          <a:bodyPr vert="horz" lIns="91440" tIns="45720" rIns="91440" bIns="45720" rtlCol="0">
+            <a:normAutofit/>
+          </a:bodyPr>
+          <a:lstStyle>
+            <a:lvl1pPr marL="228600" indent="-228600" algn="l" defTabSz="914400" rtl="0" eaLnBrk="1" latinLnBrk="0" hangingPunct="1">
+              <a:lnSpc>
+                <a:spcPct val="90000"/>
+              </a:lnSpc>
+              <a:spcBef>
+                <a:spcPts val="1000"/>
+              </a:spcBef>
+              <a:buFont typeface="Arial" panose="020B0604020202020204" pitchFamily="34" charset="0"/>
+              <a:buChar char="•"/>
+              <a:defRPr sz="2800" kern="1200">
+                <a:solidFill>
+                  <a:schemeClr val="tx1"/>
+                </a:solidFill>
+                <a:latin typeface="+mn-lt"/>
+                <a:ea typeface="+mn-ea"/>
+                <a:cs typeface="+mn-cs"/>
+              </a:defRPr>
+            </a:lvl1pPr>
+            <a:lvl2pPr marL="685800" indent="-228600" algn="l" defTabSz="914400" rtl="0" eaLnBrk="1" latinLnBrk="0" hangingPunct="1">
+              <a:lnSpc>
+                <a:spcPct val="90000"/>
+              </a:lnSpc>
+              <a:spcBef>
+                <a:spcPts val="500"/>
+              </a:spcBef>
+              <a:buFont typeface="Arial" panose="020B0604020202020204" pitchFamily="34" charset="0"/>
+              <a:buChar char="•"/>
+              <a:defRPr sz="2400" kern="1200">
+                <a:solidFill>
+                  <a:schemeClr val="tx1"/>
+                </a:solidFill>
+                <a:latin typeface="+mn-lt"/>
+                <a:ea typeface="+mn-ea"/>
+                <a:cs typeface="+mn-cs"/>
+              </a:defRPr>
+            </a:lvl2pPr>
+            <a:lvl3pPr marL="1143000" indent="-228600" algn="l" defTabSz="914400" rtl="0" eaLnBrk="1" latinLnBrk="0" hangingPunct="1">
+              <a:lnSpc>
+                <a:spcPct val="90000"/>
+              </a:lnSpc>
+              <a:spcBef>
+                <a:spcPts val="500"/>
+              </a:spcBef>
+              <a:buFont typeface="Arial" panose="020B0604020202020204" pitchFamily="34" charset="0"/>
+              <a:buChar char="•"/>
+              <a:defRPr sz="2000" kern="1200">
+                <a:solidFill>
+                  <a:schemeClr val="tx1"/>
+                </a:solidFill>
+                <a:latin typeface="+mn-lt"/>
+                <a:ea typeface="+mn-ea"/>
+                <a:cs typeface="+mn-cs"/>
+              </a:defRPr>
+            </a:lvl3pPr>
+            <a:lvl4pPr marL="1600200" indent="-228600" algn="l" defTabSz="914400" rtl="0" eaLnBrk="1" latinLnBrk="0" hangingPunct="1">
+              <a:lnSpc>
+                <a:spcPct val="90000"/>
+              </a:lnSpc>
+              <a:spcBef>
+                <a:spcPts val="500"/>
+              </a:spcBef>
+              <a:buFont typeface="Arial" panose="020B0604020202020204" pitchFamily="34" charset="0"/>
+              <a:buChar char="•"/>
+              <a:defRPr sz="1800" kern="1200">
+                <a:solidFill>
+                  <a:schemeClr val="tx1"/>
+                </a:solidFill>
+                <a:latin typeface="+mn-lt"/>
+                <a:ea typeface="+mn-ea"/>
+                <a:cs typeface="+mn-cs"/>
+              </a:defRPr>
+            </a:lvl4pPr>
+            <a:lvl5pPr marL="2057400" indent="-228600" algn="l" defTabSz="914400" rtl="0" eaLnBrk="1" latinLnBrk="0" hangingPunct="1">
+              <a:lnSpc>
+                <a:spcPct val="90000"/>
+              </a:lnSpc>
+              <a:spcBef>
+                <a:spcPts val="500"/>
+              </a:spcBef>
+              <a:buFont typeface="Arial" panose="020B0604020202020204" pitchFamily="34" charset="0"/>
+              <a:buChar char="•"/>
+              <a:defRPr sz="1800" kern="1200">
+                <a:solidFill>
+                  <a:schemeClr val="tx1"/>
+                </a:solidFill>
+                <a:latin typeface="+mn-lt"/>
+                <a:ea typeface="+mn-ea"/>
+                <a:cs typeface="+mn-cs"/>
+              </a:defRPr>
+            </a:lvl5pPr>
+            <a:lvl6pPr marL="2514600" indent="-228600" algn="l" defTabSz="914400" rtl="0" eaLnBrk="1" latinLnBrk="0" hangingPunct="1">
+              <a:lnSpc>
+                <a:spcPct val="90000"/>
+              </a:lnSpc>
+              <a:spcBef>
+                <a:spcPts val="500"/>
+              </a:spcBef>
+              <a:buFont typeface="Arial" panose="020B0604020202020204" pitchFamily="34" charset="0"/>
+              <a:buChar char="•"/>
+              <a:defRPr sz="1800" kern="1200">
+                <a:solidFill>
+                  <a:schemeClr val="tx1"/>
+                </a:solidFill>
+                <a:latin typeface="+mn-lt"/>
+                <a:ea typeface="+mn-ea"/>
+                <a:cs typeface="+mn-cs"/>
+              </a:defRPr>
+            </a:lvl6pPr>
+            <a:lvl7pPr marL="2971800" indent="-228600" algn="l" defTabSz="914400" rtl="0" eaLnBrk="1" latinLnBrk="0" hangingPunct="1">
+              <a:lnSpc>
+                <a:spcPct val="90000"/>
+              </a:lnSpc>
+              <a:spcBef>
+                <a:spcPts val="500"/>
+              </a:spcBef>
+              <a:buFont typeface="Arial" panose="020B0604020202020204" pitchFamily="34" charset="0"/>
+              <a:buChar char="•"/>
+              <a:defRPr sz="1800" kern="1200">
+                <a:solidFill>
+                  <a:schemeClr val="tx1"/>
+                </a:solidFill>
+                <a:latin typeface="+mn-lt"/>
+                <a:ea typeface="+mn-ea"/>
+                <a:cs typeface="+mn-cs"/>
+              </a:defRPr>
+            </a:lvl7pPr>
+            <a:lvl8pPr marL="3429000" indent="-228600" algn="l" defTabSz="914400" rtl="0" eaLnBrk="1" latinLnBrk="0" hangingPunct="1">
+              <a:lnSpc>
+                <a:spcPct val="90000"/>
+              </a:lnSpc>
+              <a:spcBef>
+                <a:spcPts val="500"/>
+              </a:spcBef>
+              <a:buFont typeface="Arial" panose="020B0604020202020204" pitchFamily="34" charset="0"/>
+              <a:buChar char="•"/>
+              <a:defRPr sz="1800" kern="1200">
+                <a:solidFill>
+                  <a:schemeClr val="tx1"/>
+                </a:solidFill>
+                <a:latin typeface="+mn-lt"/>
+                <a:ea typeface="+mn-ea"/>
+                <a:cs typeface="+mn-cs"/>
+              </a:defRPr>
+            </a:lvl8pPr>
+            <a:lvl9pPr marL="3886200" indent="-228600" algn="l" defTabSz="914400" rtl="0" eaLnBrk="1" latinLnBrk="0" hangingPunct="1">
+              <a:lnSpc>
+                <a:spcPct val="90000"/>
+              </a:lnSpc>
+              <a:spcBef>
+                <a:spcPts val="500"/>
+              </a:spcBef>
+              <a:buFont typeface="Arial" panose="020B0604020202020204" pitchFamily="34" charset="0"/>
+              <a:buChar char="•"/>
+              <a:defRPr sz="1800" kern="1200">
+                <a:solidFill>
+                  <a:schemeClr val="tx1"/>
+                </a:solidFill>
+                <a:latin typeface="+mn-lt"/>
+                <a:ea typeface="+mn-ea"/>
+                <a:cs typeface="+mn-cs"/>
+              </a:defRPr>
+            </a:lvl9pPr>
+          </a:lstStyle>
+          <a:p>
+            <a:pPr marL="0" indent="0">
+              <a:buNone/>
+            </a:pPr>
+            <a:endParaRPr lang="pt-BR" sz="1100" dirty="0">
+              <a:latin typeface="Times New Roman" panose="02020603050405020304" pitchFamily="18" charset="0"/>
+              <a:cs typeface="Times New Roman" panose="02020603050405020304" pitchFamily="18" charset="0"/>
+            </a:endParaRPr>
+          </a:p>
+        </p:txBody>
+      </p:sp>
+      <p:sp>
+        <p:nvSpPr>
+          <p:cNvPr id="5" name="Espaço Reservado para Conteúdo 2"/>
+          <p:cNvSpPr txBox="1">
+            <a:spLocks/>
+          </p:cNvSpPr>
+          <p:nvPr/>
+        </p:nvSpPr>
+        <p:spPr>
+          <a:xfrm>
+            <a:off x="6148236" y="1489515"/>
+            <a:ext cx="4784835" cy="5263376"/>
+          </a:xfrm>
+          <a:prstGeom prst="rect">
+            <a:avLst/>
+          </a:prstGeom>
+        </p:spPr>
+        <p:txBody>
+          <a:bodyPr vert="horz" lIns="91440" tIns="45720" rIns="91440" bIns="45720" rtlCol="0">
+            <a:normAutofit/>
+          </a:bodyPr>
+          <a:lstStyle>
+            <a:lvl1pPr marL="228600" indent="-228600" algn="l" defTabSz="914400" rtl="0" eaLnBrk="1" latinLnBrk="0" hangingPunct="1">
+              <a:lnSpc>
+                <a:spcPct val="90000"/>
+              </a:lnSpc>
+              <a:spcBef>
+                <a:spcPts val="1000"/>
+              </a:spcBef>
+              <a:buFont typeface="Arial" panose="020B0604020202020204" pitchFamily="34" charset="0"/>
+              <a:buChar char="•"/>
+              <a:defRPr sz="2800" kern="1200">
+                <a:solidFill>
+                  <a:schemeClr val="tx1"/>
+                </a:solidFill>
+                <a:latin typeface="+mn-lt"/>
+                <a:ea typeface="+mn-ea"/>
+                <a:cs typeface="+mn-cs"/>
+              </a:defRPr>
+            </a:lvl1pPr>
+            <a:lvl2pPr marL="685800" indent="-228600" algn="l" defTabSz="914400" rtl="0" eaLnBrk="1" latinLnBrk="0" hangingPunct="1">
+              <a:lnSpc>
+                <a:spcPct val="90000"/>
+              </a:lnSpc>
+              <a:spcBef>
+                <a:spcPts val="500"/>
+              </a:spcBef>
+              <a:buFont typeface="Arial" panose="020B0604020202020204" pitchFamily="34" charset="0"/>
+              <a:buChar char="•"/>
+              <a:defRPr sz="2400" kern="1200">
+                <a:solidFill>
+                  <a:schemeClr val="tx1"/>
+                </a:solidFill>
+                <a:latin typeface="+mn-lt"/>
+                <a:ea typeface="+mn-ea"/>
+                <a:cs typeface="+mn-cs"/>
+              </a:defRPr>
+            </a:lvl2pPr>
+            <a:lvl3pPr marL="1143000" indent="-228600" algn="l" defTabSz="914400" rtl="0" eaLnBrk="1" latinLnBrk="0" hangingPunct="1">
+              <a:lnSpc>
+                <a:spcPct val="90000"/>
+              </a:lnSpc>
+              <a:spcBef>
+                <a:spcPts val="500"/>
+              </a:spcBef>
+              <a:buFont typeface="Arial" panose="020B0604020202020204" pitchFamily="34" charset="0"/>
+              <a:buChar char="•"/>
+              <a:defRPr sz="2000" kern="1200">
+                <a:solidFill>
+                  <a:schemeClr val="tx1"/>
+                </a:solidFill>
+                <a:latin typeface="+mn-lt"/>
+                <a:ea typeface="+mn-ea"/>
+                <a:cs typeface="+mn-cs"/>
+              </a:defRPr>
+            </a:lvl3pPr>
+            <a:lvl4pPr marL="1600200" indent="-228600" algn="l" defTabSz="914400" rtl="0" eaLnBrk="1" latinLnBrk="0" hangingPunct="1">
+              <a:lnSpc>
+                <a:spcPct val="90000"/>
+              </a:lnSpc>
+              <a:spcBef>
+                <a:spcPts val="500"/>
+              </a:spcBef>
+              <a:buFont typeface="Arial" panose="020B0604020202020204" pitchFamily="34" charset="0"/>
+              <a:buChar char="•"/>
+              <a:defRPr sz="1800" kern="1200">
+                <a:solidFill>
+                  <a:schemeClr val="tx1"/>
+                </a:solidFill>
+                <a:latin typeface="+mn-lt"/>
+                <a:ea typeface="+mn-ea"/>
+                <a:cs typeface="+mn-cs"/>
+              </a:defRPr>
+            </a:lvl4pPr>
+            <a:lvl5pPr marL="2057400" indent="-228600" algn="l" defTabSz="914400" rtl="0" eaLnBrk="1" latinLnBrk="0" hangingPunct="1">
+              <a:lnSpc>
+                <a:spcPct val="90000"/>
+              </a:lnSpc>
+              <a:spcBef>
+                <a:spcPts val="500"/>
+              </a:spcBef>
+              <a:buFont typeface="Arial" panose="020B0604020202020204" pitchFamily="34" charset="0"/>
+              <a:buChar char="•"/>
+              <a:defRPr sz="1800" kern="1200">
+                <a:solidFill>
+                  <a:schemeClr val="tx1"/>
+                </a:solidFill>
+                <a:latin typeface="+mn-lt"/>
+                <a:ea typeface="+mn-ea"/>
+                <a:cs typeface="+mn-cs"/>
+              </a:defRPr>
+            </a:lvl5pPr>
+            <a:lvl6pPr marL="2514600" indent="-228600" algn="l" defTabSz="914400" rtl="0" eaLnBrk="1" latinLnBrk="0" hangingPunct="1">
+              <a:lnSpc>
+                <a:spcPct val="90000"/>
+              </a:lnSpc>
+              <a:spcBef>
+                <a:spcPts val="500"/>
+              </a:spcBef>
+              <a:buFont typeface="Arial" panose="020B0604020202020204" pitchFamily="34" charset="0"/>
+              <a:buChar char="•"/>
+              <a:defRPr sz="1800" kern="1200">
+                <a:solidFill>
+                  <a:schemeClr val="tx1"/>
+                </a:solidFill>
+                <a:latin typeface="+mn-lt"/>
+                <a:ea typeface="+mn-ea"/>
+                <a:cs typeface="+mn-cs"/>
+              </a:defRPr>
+            </a:lvl6pPr>
+            <a:lvl7pPr marL="2971800" indent="-228600" algn="l" defTabSz="914400" rtl="0" eaLnBrk="1" latinLnBrk="0" hangingPunct="1">
+              <a:lnSpc>
+                <a:spcPct val="90000"/>
+              </a:lnSpc>
+              <a:spcBef>
+                <a:spcPts val="500"/>
+              </a:spcBef>
+              <a:buFont typeface="Arial" panose="020B0604020202020204" pitchFamily="34" charset="0"/>
+              <a:buChar char="•"/>
+              <a:defRPr sz="1800" kern="1200">
+                <a:solidFill>
+                  <a:schemeClr val="tx1"/>
+                </a:solidFill>
+                <a:latin typeface="+mn-lt"/>
+                <a:ea typeface="+mn-ea"/>
+                <a:cs typeface="+mn-cs"/>
+              </a:defRPr>
+            </a:lvl7pPr>
+            <a:lvl8pPr marL="3429000" indent="-228600" algn="l" defTabSz="914400" rtl="0" eaLnBrk="1" latinLnBrk="0" hangingPunct="1">
+              <a:lnSpc>
+                <a:spcPct val="90000"/>
+              </a:lnSpc>
+              <a:spcBef>
+                <a:spcPts val="500"/>
+              </a:spcBef>
+              <a:buFont typeface="Arial" panose="020B0604020202020204" pitchFamily="34" charset="0"/>
+              <a:buChar char="•"/>
+              <a:defRPr sz="1800" kern="1200">
+                <a:solidFill>
+                  <a:schemeClr val="tx1"/>
+                </a:solidFill>
+                <a:latin typeface="+mn-lt"/>
+                <a:ea typeface="+mn-ea"/>
+                <a:cs typeface="+mn-cs"/>
+              </a:defRPr>
+            </a:lvl8pPr>
+            <a:lvl9pPr marL="3886200" indent="-228600" algn="l" defTabSz="914400" rtl="0" eaLnBrk="1" latinLnBrk="0" hangingPunct="1">
+              <a:lnSpc>
+                <a:spcPct val="90000"/>
+              </a:lnSpc>
+              <a:spcBef>
+                <a:spcPts val="500"/>
+              </a:spcBef>
+              <a:buFont typeface="Arial" panose="020B0604020202020204" pitchFamily="34" charset="0"/>
+              <a:buChar char="•"/>
+              <a:defRPr sz="1800" kern="1200">
+                <a:solidFill>
+                  <a:schemeClr val="tx1"/>
+                </a:solidFill>
+                <a:latin typeface="+mn-lt"/>
+                <a:ea typeface="+mn-ea"/>
+                <a:cs typeface="+mn-cs"/>
+              </a:defRPr>
+            </a:lvl9pPr>
+          </a:lstStyle>
+          <a:p>
+            <a:endParaRPr lang="pt-BR" sz="3600" dirty="0" smtClean="0"/>
+          </a:p>
+          <a:p>
+            <a:pPr marL="0" indent="0">
+              <a:buFont typeface="Arial" panose="020B0604020202020204" pitchFamily="34" charset="0"/>
+              <a:buNone/>
+            </a:pPr>
+            <a:endParaRPr lang="pt-BR" sz="1000" dirty="0">
+              <a:latin typeface="Times New Roman" panose="02020603050405020304" pitchFamily="18" charset="0"/>
+              <a:cs typeface="Times New Roman" panose="02020603050405020304" pitchFamily="18" charset="0"/>
+            </a:endParaRPr>
+          </a:p>
+        </p:txBody>
+      </p:sp>
+      <p:sp>
+        <p:nvSpPr>
+          <p:cNvPr id="6" name="Espaço Reservado para Conteúdo 2"/>
+          <p:cNvSpPr txBox="1">
+            <a:spLocks/>
+          </p:cNvSpPr>
+          <p:nvPr/>
+        </p:nvSpPr>
+        <p:spPr>
+          <a:xfrm>
+            <a:off x="454572" y="1643392"/>
+            <a:ext cx="4784835" cy="5263376"/>
+          </a:xfrm>
+          <a:prstGeom prst="rect">
+            <a:avLst/>
+          </a:prstGeom>
+        </p:spPr>
+        <p:txBody>
+          <a:bodyPr vert="horz" lIns="91440" tIns="45720" rIns="91440" bIns="45720" rtlCol="0">
+            <a:normAutofit/>
+          </a:bodyPr>
+          <a:lstStyle>
+            <a:lvl1pPr marL="228600" indent="-228600" algn="l" defTabSz="914400" rtl="0" eaLnBrk="1" latinLnBrk="0" hangingPunct="1">
+              <a:lnSpc>
+                <a:spcPct val="90000"/>
+              </a:lnSpc>
+              <a:spcBef>
+                <a:spcPts val="1000"/>
+              </a:spcBef>
+              <a:buFont typeface="Arial" panose="020B0604020202020204" pitchFamily="34" charset="0"/>
+              <a:buChar char="•"/>
+              <a:defRPr sz="2800" kern="1200">
+                <a:solidFill>
+                  <a:schemeClr val="tx1"/>
+                </a:solidFill>
+                <a:latin typeface="+mn-lt"/>
+                <a:ea typeface="+mn-ea"/>
+                <a:cs typeface="+mn-cs"/>
+              </a:defRPr>
+            </a:lvl1pPr>
+            <a:lvl2pPr marL="685800" indent="-228600" algn="l" defTabSz="914400" rtl="0" eaLnBrk="1" latinLnBrk="0" hangingPunct="1">
+              <a:lnSpc>
+                <a:spcPct val="90000"/>
+              </a:lnSpc>
+              <a:spcBef>
+                <a:spcPts val="500"/>
+              </a:spcBef>
+              <a:buFont typeface="Arial" panose="020B0604020202020204" pitchFamily="34" charset="0"/>
+              <a:buChar char="•"/>
+              <a:defRPr sz="2400" kern="1200">
+                <a:solidFill>
+                  <a:schemeClr val="tx1"/>
+                </a:solidFill>
+                <a:latin typeface="+mn-lt"/>
+                <a:ea typeface="+mn-ea"/>
+                <a:cs typeface="+mn-cs"/>
+              </a:defRPr>
+            </a:lvl2pPr>
+            <a:lvl3pPr marL="1143000" indent="-228600" algn="l" defTabSz="914400" rtl="0" eaLnBrk="1" latinLnBrk="0" hangingPunct="1">
+              <a:lnSpc>
+                <a:spcPct val="90000"/>
+              </a:lnSpc>
+              <a:spcBef>
+                <a:spcPts val="500"/>
+              </a:spcBef>
+              <a:buFont typeface="Arial" panose="020B0604020202020204" pitchFamily="34" charset="0"/>
+              <a:buChar char="•"/>
+              <a:defRPr sz="2000" kern="1200">
+                <a:solidFill>
+                  <a:schemeClr val="tx1"/>
+                </a:solidFill>
+                <a:latin typeface="+mn-lt"/>
+                <a:ea typeface="+mn-ea"/>
+                <a:cs typeface="+mn-cs"/>
+              </a:defRPr>
+            </a:lvl3pPr>
+            <a:lvl4pPr marL="1600200" indent="-228600" algn="l" defTabSz="914400" rtl="0" eaLnBrk="1" latinLnBrk="0" hangingPunct="1">
+              <a:lnSpc>
+                <a:spcPct val="90000"/>
+              </a:lnSpc>
+              <a:spcBef>
+                <a:spcPts val="500"/>
+              </a:spcBef>
+              <a:buFont typeface="Arial" panose="020B0604020202020204" pitchFamily="34" charset="0"/>
+              <a:buChar char="•"/>
+              <a:defRPr sz="1800" kern="1200">
+                <a:solidFill>
+                  <a:schemeClr val="tx1"/>
+                </a:solidFill>
+                <a:latin typeface="+mn-lt"/>
+                <a:ea typeface="+mn-ea"/>
+                <a:cs typeface="+mn-cs"/>
+              </a:defRPr>
+            </a:lvl4pPr>
+            <a:lvl5pPr marL="2057400" indent="-228600" algn="l" defTabSz="914400" rtl="0" eaLnBrk="1" latinLnBrk="0" hangingPunct="1">
+              <a:lnSpc>
+                <a:spcPct val="90000"/>
+              </a:lnSpc>
+              <a:spcBef>
+                <a:spcPts val="500"/>
+              </a:spcBef>
+              <a:buFont typeface="Arial" panose="020B0604020202020204" pitchFamily="34" charset="0"/>
+              <a:buChar char="•"/>
+              <a:defRPr sz="1800" kern="1200">
+                <a:solidFill>
+                  <a:schemeClr val="tx1"/>
+                </a:solidFill>
+                <a:latin typeface="+mn-lt"/>
+                <a:ea typeface="+mn-ea"/>
+                <a:cs typeface="+mn-cs"/>
+              </a:defRPr>
+            </a:lvl5pPr>
+            <a:lvl6pPr marL="2514600" indent="-228600" algn="l" defTabSz="914400" rtl="0" eaLnBrk="1" latinLnBrk="0" hangingPunct="1">
+              <a:lnSpc>
+                <a:spcPct val="90000"/>
+              </a:lnSpc>
+              <a:spcBef>
+                <a:spcPts val="500"/>
+              </a:spcBef>
+              <a:buFont typeface="Arial" panose="020B0604020202020204" pitchFamily="34" charset="0"/>
+              <a:buChar char="•"/>
+              <a:defRPr sz="1800" kern="1200">
+                <a:solidFill>
+                  <a:schemeClr val="tx1"/>
+                </a:solidFill>
+                <a:latin typeface="+mn-lt"/>
+                <a:ea typeface="+mn-ea"/>
+                <a:cs typeface="+mn-cs"/>
+              </a:defRPr>
+            </a:lvl6pPr>
+            <a:lvl7pPr marL="2971800" indent="-228600" algn="l" defTabSz="914400" rtl="0" eaLnBrk="1" latinLnBrk="0" hangingPunct="1">
+              <a:lnSpc>
+                <a:spcPct val="90000"/>
+              </a:lnSpc>
+              <a:spcBef>
+                <a:spcPts val="500"/>
+              </a:spcBef>
+              <a:buFont typeface="Arial" panose="020B0604020202020204" pitchFamily="34" charset="0"/>
+              <a:buChar char="•"/>
+              <a:defRPr sz="1800" kern="1200">
+                <a:solidFill>
+                  <a:schemeClr val="tx1"/>
+                </a:solidFill>
+                <a:latin typeface="+mn-lt"/>
+                <a:ea typeface="+mn-ea"/>
+                <a:cs typeface="+mn-cs"/>
+              </a:defRPr>
+            </a:lvl7pPr>
+            <a:lvl8pPr marL="3429000" indent="-228600" algn="l" defTabSz="914400" rtl="0" eaLnBrk="1" latinLnBrk="0" hangingPunct="1">
+              <a:lnSpc>
+                <a:spcPct val="90000"/>
+              </a:lnSpc>
+              <a:spcBef>
+                <a:spcPts val="500"/>
+              </a:spcBef>
+              <a:buFont typeface="Arial" panose="020B0604020202020204" pitchFamily="34" charset="0"/>
+              <a:buChar char="•"/>
+              <a:defRPr sz="1800" kern="1200">
+                <a:solidFill>
+                  <a:schemeClr val="tx1"/>
+                </a:solidFill>
+                <a:latin typeface="+mn-lt"/>
+                <a:ea typeface="+mn-ea"/>
+                <a:cs typeface="+mn-cs"/>
+              </a:defRPr>
+            </a:lvl8pPr>
+            <a:lvl9pPr marL="3886200" indent="-228600" algn="l" defTabSz="914400" rtl="0" eaLnBrk="1" latinLnBrk="0" hangingPunct="1">
+              <a:lnSpc>
+                <a:spcPct val="90000"/>
+              </a:lnSpc>
+              <a:spcBef>
+                <a:spcPts val="500"/>
+              </a:spcBef>
+              <a:buFont typeface="Arial" panose="020B0604020202020204" pitchFamily="34" charset="0"/>
+              <a:buChar char="•"/>
+              <a:defRPr sz="1800" kern="1200">
+                <a:solidFill>
+                  <a:schemeClr val="tx1"/>
+                </a:solidFill>
+                <a:latin typeface="+mn-lt"/>
+                <a:ea typeface="+mn-ea"/>
+                <a:cs typeface="+mn-cs"/>
+              </a:defRPr>
+            </a:lvl9pPr>
+          </a:lstStyle>
+          <a:p>
+            <a:pPr marL="0" indent="0">
+              <a:buNone/>
+            </a:pPr>
+            <a:endParaRPr lang="pt-BR" sz="3600" dirty="0" smtClean="0"/>
+          </a:p>
+          <a:p>
+            <a:pPr marL="0" indent="0">
+              <a:buFont typeface="Arial" panose="020B0604020202020204" pitchFamily="34" charset="0"/>
+              <a:buNone/>
+            </a:pPr>
+            <a:endParaRPr lang="pt-BR" sz="1000" dirty="0">
+              <a:latin typeface="Times New Roman" panose="02020603050405020304" pitchFamily="18" charset="0"/>
+              <a:cs typeface="Times New Roman" panose="02020603050405020304" pitchFamily="18" charset="0"/>
+            </a:endParaRPr>
+          </a:p>
+        </p:txBody>
+      </p:sp>
+      <p:sp>
+        <p:nvSpPr>
+          <p:cNvPr id="3" name="Retângulo 2"/>
+          <p:cNvSpPr/>
+          <p:nvPr/>
+        </p:nvSpPr>
+        <p:spPr>
+          <a:xfrm>
+            <a:off x="296076" y="1841608"/>
+            <a:ext cx="6096000" cy="3647152"/>
+          </a:xfrm>
+          <a:prstGeom prst="rect">
+            <a:avLst/>
+          </a:prstGeom>
+        </p:spPr>
+        <p:txBody>
+          <a:bodyPr>
+            <a:spAutoFit/>
+          </a:bodyPr>
+          <a:lstStyle/>
+          <a:p>
+            <a:r>
+              <a:rPr lang="pt-BR" sz="1100" dirty="0"/>
+              <a:t>Identificação</a:t>
+            </a:r>
+          </a:p>
+          <a:p>
+            <a:r>
+              <a:rPr lang="pt-BR" sz="1100" dirty="0"/>
+              <a:t>Nome: Teste de gerenciamento de produtos</a:t>
+            </a:r>
+          </a:p>
+          <a:p>
+            <a:r>
+              <a:rPr lang="pt-BR" sz="1100" dirty="0"/>
+              <a:t>ID: OP6 </a:t>
+            </a:r>
+          </a:p>
+          <a:p>
+            <a:r>
+              <a:rPr lang="pt-BR" sz="1100" dirty="0"/>
+              <a:t>Data de criação: 05/05/2023 16:08 PM.</a:t>
+            </a:r>
+          </a:p>
+          <a:p>
+            <a:r>
+              <a:rPr lang="pt-BR" sz="1100" dirty="0"/>
+              <a:t>Autor: Pedro Marcelo </a:t>
+            </a:r>
+          </a:p>
+          <a:p>
+            <a:r>
+              <a:rPr lang="pt-BR" sz="1100" dirty="0"/>
+              <a:t>Descrição: caso de teste para remover, adicionar e editar produtos</a:t>
+            </a:r>
+          </a:p>
+          <a:p>
+            <a:r>
+              <a:rPr lang="pt-BR" sz="1100" dirty="0"/>
+              <a:t> </a:t>
+            </a:r>
+          </a:p>
+          <a:p>
+            <a:r>
+              <a:rPr lang="pt-BR" sz="1100" dirty="0"/>
+              <a:t> Pré-requisitos:</a:t>
+            </a:r>
+          </a:p>
+          <a:p>
+            <a:r>
+              <a:rPr lang="pt-BR" sz="1100" dirty="0"/>
+              <a:t>1.Ter uma conta </a:t>
+            </a:r>
+            <a:r>
+              <a:rPr lang="pt-BR" sz="1100" dirty="0" err="1"/>
+              <a:t>logada</a:t>
+            </a:r>
+            <a:r>
+              <a:rPr lang="pt-BR" sz="1100" dirty="0"/>
+              <a:t> no sistema</a:t>
+            </a:r>
+          </a:p>
+          <a:p>
+            <a:r>
+              <a:rPr lang="pt-BR" sz="1100" dirty="0"/>
+              <a:t>2.Acesso a tela de gerenciamento de produtos</a:t>
+            </a:r>
+          </a:p>
+          <a:p>
+            <a:r>
+              <a:rPr lang="pt-BR" sz="1100" dirty="0"/>
+              <a:t> </a:t>
+            </a:r>
+          </a:p>
+          <a:p>
+            <a:r>
+              <a:rPr lang="pt-BR" sz="1100" dirty="0"/>
+              <a:t>Etapas de teste:</a:t>
+            </a:r>
+          </a:p>
+          <a:p>
+            <a:r>
+              <a:rPr lang="pt-BR" sz="1100" dirty="0"/>
+              <a:t>1.acesso a tela principal</a:t>
+            </a:r>
+          </a:p>
+          <a:p>
+            <a:r>
+              <a:rPr lang="pt-BR" sz="1100" dirty="0"/>
+              <a:t>2.Selecionar uma das opções disponíveis (“Nova”, “Deletar”, “Editar”) </a:t>
+            </a:r>
+          </a:p>
+          <a:p>
+            <a:r>
+              <a:rPr lang="pt-BR" sz="1100" dirty="0"/>
+              <a:t>3.Caso tenha clicado no botão “Nova”: Coloque as informações solicitadas</a:t>
+            </a:r>
+          </a:p>
+          <a:p>
+            <a:r>
+              <a:rPr lang="pt-BR" sz="1100" dirty="0"/>
+              <a:t>4.Clique no botão “Salvar” para adicionar uma nova categoria, ou, no botão “Voltar” para retornar a tela de gerenciamento de categorias</a:t>
+            </a:r>
+          </a:p>
+          <a:p>
+            <a:r>
+              <a:rPr lang="pt-BR" sz="1100" dirty="0"/>
+              <a:t>5.Caso tenha clicado no botão “Editar”: Altere a informação que deseja</a:t>
+            </a:r>
+          </a:p>
+          <a:p>
+            <a:r>
+              <a:rPr lang="pt-BR" sz="1100" dirty="0"/>
+              <a:t>6.clique no botão de </a:t>
+            </a:r>
+            <a:r>
+              <a:rPr lang="pt-BR" sz="1100" dirty="0" err="1"/>
+              <a:t>Submit</a:t>
+            </a:r>
+            <a:r>
+              <a:rPr lang="pt-BR" sz="1100" dirty="0"/>
+              <a:t> para salvar as alterações</a:t>
+            </a:r>
+          </a:p>
+          <a:p>
+            <a:r>
+              <a:rPr lang="pt-BR" sz="1100" dirty="0"/>
+              <a:t>7.Caso tenha clicado no botão “Deletar”: estará deletando automaticamente o produto do seu cardápio tenha cuidado</a:t>
+            </a:r>
+          </a:p>
+        </p:txBody>
+      </p:sp>
+      <p:sp>
+        <p:nvSpPr>
+          <p:cNvPr id="7" name="Retângulo 6"/>
+          <p:cNvSpPr/>
+          <p:nvPr/>
+        </p:nvSpPr>
+        <p:spPr>
+          <a:xfrm>
+            <a:off x="7358712" y="1756969"/>
+            <a:ext cx="4367889" cy="2477601"/>
+          </a:xfrm>
+          <a:prstGeom prst="rect">
+            <a:avLst/>
+          </a:prstGeom>
+        </p:spPr>
+        <p:txBody>
+          <a:bodyPr wrap="square">
+            <a:spAutoFit/>
+          </a:bodyPr>
+          <a:lstStyle/>
+          <a:p>
+            <a:r>
+              <a:rPr lang="pt-BR" sz="1200" dirty="0"/>
+              <a:t>Resultado Esperado:</a:t>
+            </a:r>
+          </a:p>
+          <a:p>
+            <a:r>
+              <a:rPr lang="pt-BR" sz="1200" dirty="0"/>
+              <a:t>O cliente ao clicar na função “nova” deve ser redirecionado para tela de adicionar novo produto, ao clicar na função “deletar” ele deletara o produto selecionada e ao clicar na função editar ele irá para tela de editar produto.</a:t>
+            </a:r>
+          </a:p>
+          <a:p>
+            <a:r>
+              <a:rPr lang="pt-BR" sz="1200" dirty="0"/>
+              <a:t>Critérios de sucesso:</a:t>
+            </a:r>
+          </a:p>
+          <a:p>
+            <a:r>
+              <a:rPr lang="pt-BR" sz="1200" dirty="0"/>
+              <a:t>O cliente deve ser capaz de adicionar, deletar e editar todas os produtos</a:t>
+            </a:r>
+          </a:p>
+          <a:p>
+            <a:r>
+              <a:rPr lang="pt-BR" sz="1200" dirty="0"/>
+              <a:t>Notas de teste:</a:t>
+            </a:r>
+          </a:p>
+          <a:p>
+            <a:r>
+              <a:rPr lang="pt-BR" sz="1200" dirty="0"/>
+              <a:t>Durante a execução do teste, nenhum comportamento anormal ou inesperado foi detectado.</a:t>
+            </a:r>
+          </a:p>
+          <a:p>
+            <a:r>
+              <a:rPr lang="pt-BR" sz="1200" dirty="0"/>
+              <a:t>Teste realizado em 05/05/23 as 16:13 PM</a:t>
+            </a:r>
+          </a:p>
+          <a:p>
+            <a:endParaRPr lang="pt-BR" sz="1100" dirty="0"/>
+          </a:p>
+        </p:txBody>
+      </p:sp>
+    </p:spTree>
+    <p:extLst>
+      <p:ext uri="{BB962C8B-B14F-4D97-AF65-F5344CB8AC3E}">
+        <p14:creationId xmlns:p14="http://schemas.microsoft.com/office/powerpoint/2010/main" val="1427615472"/>
       </p:ext>
     </p:extLst>
   </p:cSld>
@@ -14055,6 +17925,380 @@
           <a:chExt cx="0" cy="0"/>
         </a:xfrm>
       </p:grpSpPr>
+      <p:graphicFrame>
+        <p:nvGraphicFramePr>
+          <p:cNvPr id="4" name="Tabela 3"/>
+          <p:cNvGraphicFramePr>
+            <a:graphicFrameLocks noGrp="1"/>
+          </p:cNvGraphicFramePr>
+          <p:nvPr>
+            <p:extLst>
+              <p:ext uri="{D42A27DB-BD31-4B8C-83A1-F6EECF244321}">
+                <p14:modId xmlns:p14="http://schemas.microsoft.com/office/powerpoint/2010/main" val="2010569588"/>
+              </p:ext>
+            </p:extLst>
+          </p:nvPr>
+        </p:nvGraphicFramePr>
+        <p:xfrm>
+          <a:off x="94593" y="714895"/>
+          <a:ext cx="12013324" cy="1511460"/>
+        </p:xfrm>
+        <a:graphic>
+          <a:graphicData uri="http://schemas.openxmlformats.org/drawingml/2006/table">
+            <a:tbl>
+              <a:tblPr firstRow="1" bandRow="1">
+                <a:tableStyleId>{5C22544A-7EE6-4342-B048-85BDC9FD1C3A}</a:tableStyleId>
+              </a:tblPr>
+              <a:tblGrid>
+                <a:gridCol w="3126173">
+                  <a:extLst>
+                    <a:ext uri="{9D8B030D-6E8A-4147-A177-3AD203B41FA5}">
+                      <a16:colId xmlns:a16="http://schemas.microsoft.com/office/drawing/2014/main" val="3229167417"/>
+                    </a:ext>
+                  </a:extLst>
+                </a:gridCol>
+                <a:gridCol w="3632867">
+                  <a:extLst>
+                    <a:ext uri="{9D8B030D-6E8A-4147-A177-3AD203B41FA5}">
+                      <a16:colId xmlns:a16="http://schemas.microsoft.com/office/drawing/2014/main" val="1868414819"/>
+                    </a:ext>
+                  </a:extLst>
+                </a:gridCol>
+                <a:gridCol w="5254284">
+                  <a:extLst>
+                    <a:ext uri="{9D8B030D-6E8A-4147-A177-3AD203B41FA5}">
+                      <a16:colId xmlns:a16="http://schemas.microsoft.com/office/drawing/2014/main" val="2177546931"/>
+                    </a:ext>
+                  </a:extLst>
+                </a:gridCol>
+              </a:tblGrid>
+              <a:tr h="257674">
+                <a:tc>
+                  <a:txBody>
+                    <a:bodyPr/>
+                    <a:lstStyle/>
+                    <a:p>
+                      <a:r>
+                        <a:rPr lang="pt-BR" sz="1400" dirty="0" smtClean="0"/>
+                        <a:t>Campo</a:t>
+                      </a:r>
+                      <a:endParaRPr lang="pt-BR" sz="1400" dirty="0"/>
+                    </a:p>
+                  </a:txBody>
+                  <a:tcPr/>
+                </a:tc>
+                <a:tc>
+                  <a:txBody>
+                    <a:bodyPr/>
+                    <a:lstStyle/>
+                    <a:p>
+                      <a:r>
+                        <a:rPr lang="pt-BR" sz="1400" dirty="0" smtClean="0"/>
+                        <a:t>Atividade</a:t>
+                      </a:r>
+                      <a:endParaRPr lang="pt-BR" sz="1400" dirty="0"/>
+                    </a:p>
+                  </a:txBody>
+                  <a:tcPr/>
+                </a:tc>
+                <a:tc>
+                  <a:txBody>
+                    <a:bodyPr/>
+                    <a:lstStyle/>
+                    <a:p>
+                      <a:r>
+                        <a:rPr lang="pt-BR" sz="1400" dirty="0" smtClean="0"/>
+                        <a:t>Regra</a:t>
+                      </a:r>
+                      <a:r>
+                        <a:rPr lang="pt-BR" sz="1400" baseline="0" dirty="0" smtClean="0"/>
+                        <a:t> de negócio</a:t>
+                      </a:r>
+                      <a:endParaRPr lang="pt-BR" sz="1400" dirty="0"/>
+                    </a:p>
+                  </a:txBody>
+                  <a:tcPr/>
+                </a:tc>
+                <a:extLst>
+                  <a:ext uri="{0D108BD9-81ED-4DB2-BD59-A6C34878D82A}">
+                    <a16:rowId xmlns:a16="http://schemas.microsoft.com/office/drawing/2014/main" val="1653599076"/>
+                  </a:ext>
+                </a:extLst>
+              </a:tr>
+              <a:tr h="450930">
+                <a:tc>
+                  <a:txBody>
+                    <a:bodyPr/>
+                    <a:lstStyle/>
+                    <a:p>
+                      <a:r>
+                        <a:rPr lang="pt-BR" sz="1400" dirty="0" smtClean="0"/>
+                        <a:t>RN n.12</a:t>
+                      </a:r>
+                      <a:endParaRPr lang="pt-BR" sz="1400" dirty="0"/>
+                    </a:p>
+                  </a:txBody>
+                  <a:tcPr/>
+                </a:tc>
+                <a:tc>
+                  <a:txBody>
+                    <a:bodyPr/>
+                    <a:lstStyle/>
+                    <a:p>
+                      <a:r>
+                        <a:rPr lang="pt-BR" sz="1400" dirty="0" smtClean="0"/>
+                        <a:t>Tela de “Cadastro“</a:t>
+                      </a:r>
+                      <a:endParaRPr lang="pt-BR" sz="1400" dirty="0"/>
+                    </a:p>
+                  </a:txBody>
+                  <a:tcPr/>
+                </a:tc>
+                <a:tc>
+                  <a:txBody>
+                    <a:bodyPr/>
+                    <a:lstStyle/>
+                    <a:p>
+                      <a:r>
+                        <a:rPr lang="pt-BR" sz="1400" dirty="0" smtClean="0"/>
+                        <a:t>Tela</a:t>
+                      </a:r>
+                      <a:r>
+                        <a:rPr lang="pt-BR" sz="1400" baseline="0" dirty="0" smtClean="0"/>
+                        <a:t> designada para a empresa cadastrar seus dados no sistema</a:t>
+                      </a:r>
+                      <a:endParaRPr lang="pt-BR" sz="1400" dirty="0"/>
+                    </a:p>
+                  </a:txBody>
+                  <a:tcPr/>
+                </a:tc>
+                <a:extLst>
+                  <a:ext uri="{0D108BD9-81ED-4DB2-BD59-A6C34878D82A}">
+                    <a16:rowId xmlns:a16="http://schemas.microsoft.com/office/drawing/2014/main" val="3813626191"/>
+                  </a:ext>
+                </a:extLst>
+              </a:tr>
+              <a:tr h="450930">
+                <a:tc>
+                  <a:txBody>
+                    <a:bodyPr/>
+                    <a:lstStyle/>
+                    <a:p>
+                      <a:r>
+                        <a:rPr lang="pt-BR" sz="1400" dirty="0" smtClean="0"/>
+                        <a:t>RN</a:t>
+                      </a:r>
+                      <a:r>
+                        <a:rPr lang="pt-BR" sz="1400" baseline="0" dirty="0" smtClean="0"/>
+                        <a:t> n.13</a:t>
+                      </a:r>
+                      <a:endParaRPr lang="pt-BR" sz="1400" dirty="0"/>
+                    </a:p>
+                  </a:txBody>
+                  <a:tcPr/>
+                </a:tc>
+                <a:tc>
+                  <a:txBody>
+                    <a:bodyPr/>
+                    <a:lstStyle/>
+                    <a:p>
+                      <a:r>
+                        <a:rPr lang="pt-BR" sz="1400" dirty="0" smtClean="0"/>
+                        <a:t>Tela</a:t>
+                      </a:r>
+                      <a:r>
+                        <a:rPr lang="pt-BR" sz="1400" baseline="0" dirty="0" smtClean="0"/>
+                        <a:t> de “Login”</a:t>
+                      </a:r>
+                      <a:endParaRPr lang="pt-BR" sz="1400" dirty="0"/>
+                    </a:p>
+                  </a:txBody>
+                  <a:tcPr/>
+                </a:tc>
+                <a:tc>
+                  <a:txBody>
+                    <a:bodyPr/>
+                    <a:lstStyle/>
+                    <a:p>
+                      <a:r>
+                        <a:rPr lang="pt-BR" sz="1400" dirty="0" smtClean="0"/>
+                        <a:t>Tela</a:t>
+                      </a:r>
+                      <a:r>
+                        <a:rPr lang="pt-BR" sz="1400" baseline="0" dirty="0" smtClean="0"/>
+                        <a:t> feita para a empresa efetuar login no sistema </a:t>
+                      </a:r>
+                      <a:endParaRPr lang="pt-BR" sz="1400" dirty="0"/>
+                    </a:p>
+                  </a:txBody>
+                  <a:tcPr/>
+                </a:tc>
+                <a:extLst>
+                  <a:ext uri="{0D108BD9-81ED-4DB2-BD59-A6C34878D82A}">
+                    <a16:rowId xmlns:a16="http://schemas.microsoft.com/office/drawing/2014/main" val="165212447"/>
+                  </a:ext>
+                </a:extLst>
+              </a:tr>
+              <a:tr h="257674">
+                <a:tc>
+                  <a:txBody>
+                    <a:bodyPr/>
+                    <a:lstStyle/>
+                    <a:p>
+                      <a:r>
+                        <a:rPr lang="pt-BR" sz="1400" dirty="0" smtClean="0"/>
+                        <a:t>RN n.14</a:t>
+                      </a:r>
+                      <a:endParaRPr lang="pt-BR" sz="1400" dirty="0"/>
+                    </a:p>
+                  </a:txBody>
+                  <a:tcPr/>
+                </a:tc>
+                <a:tc>
+                  <a:txBody>
+                    <a:bodyPr/>
+                    <a:lstStyle/>
+                    <a:p>
+                      <a:r>
+                        <a:rPr lang="pt-BR" sz="1400" baseline="0" dirty="0" smtClean="0"/>
+                        <a:t>Tela de  “Gerenciamento de Produtos”</a:t>
+                      </a:r>
+                      <a:endParaRPr lang="pt-BR" sz="1400" dirty="0"/>
+                    </a:p>
+                  </a:txBody>
+                  <a:tcPr/>
+                </a:tc>
+                <a:tc>
+                  <a:txBody>
+                    <a:bodyPr/>
+                    <a:lstStyle/>
+                    <a:p>
+                      <a:r>
+                        <a:rPr lang="pt-BR" sz="1400" dirty="0" smtClean="0"/>
+                        <a:t>Tela</a:t>
+                      </a:r>
+                      <a:r>
+                        <a:rPr lang="pt-BR" sz="1400" baseline="0" dirty="0" smtClean="0"/>
+                        <a:t> designada para a empresa Gerenciar seus produtos</a:t>
+                      </a:r>
+                      <a:endParaRPr lang="pt-BR" sz="1400" dirty="0"/>
+                    </a:p>
+                  </a:txBody>
+                  <a:tcPr/>
+                </a:tc>
+                <a:extLst>
+                  <a:ext uri="{0D108BD9-81ED-4DB2-BD59-A6C34878D82A}">
+                    <a16:rowId xmlns:a16="http://schemas.microsoft.com/office/drawing/2014/main" val="2412232111"/>
+                  </a:ext>
+                </a:extLst>
+              </a:tr>
+            </a:tbl>
+          </a:graphicData>
+        </a:graphic>
+      </p:graphicFrame>
+      <p:sp>
+        <p:nvSpPr>
+          <p:cNvPr id="5" name="Retângulo 4"/>
+          <p:cNvSpPr/>
+          <p:nvPr/>
+        </p:nvSpPr>
+        <p:spPr>
+          <a:xfrm>
+            <a:off x="94593" y="0"/>
+            <a:ext cx="3272444" cy="714895"/>
+          </a:xfrm>
+          <a:prstGeom prst="rect">
+            <a:avLst/>
+          </a:prstGeom>
+        </p:spPr>
+        <p:style>
+          <a:lnRef idx="2">
+            <a:schemeClr val="dk1"/>
+          </a:lnRef>
+          <a:fillRef idx="1">
+            <a:schemeClr val="lt1"/>
+          </a:fillRef>
+          <a:effectRef idx="0">
+            <a:schemeClr val="dk1"/>
+          </a:effectRef>
+          <a:fontRef idx="minor">
+            <a:schemeClr val="dk1"/>
+          </a:fontRef>
+        </p:style>
+        <p:txBody>
+          <a:bodyPr rtlCol="0" anchor="ctr"/>
+          <a:lstStyle/>
+          <a:p>
+            <a:pPr algn="ctr"/>
+            <a:r>
+              <a:rPr lang="pt-BR" sz="2800" dirty="0" smtClean="0"/>
+              <a:t>Regras de negócio</a:t>
+            </a:r>
+            <a:endParaRPr lang="pt-BR" sz="2800" dirty="0"/>
+          </a:p>
+        </p:txBody>
+      </p:sp>
+    </p:spTree>
+    <p:extLst>
+      <p:ext uri="{BB962C8B-B14F-4D97-AF65-F5344CB8AC3E}">
+        <p14:creationId xmlns:p14="http://schemas.microsoft.com/office/powerpoint/2010/main" val="2612553049"/>
+      </p:ext>
+    </p:extLst>
+  </p:cSld>
+  <p:clrMapOvr>
+    <a:masterClrMapping/>
+  </p:clrMapOvr>
+  <p:timing>
+    <p:tnLst>
+      <p:par>
+        <p:cTn id="1" dur="indefinite" restart="never" nodeType="tmRoot"/>
+      </p:par>
+    </p:tnLst>
+  </p:timing>
+</p:sld>
+</file>
+
+<file path=ppt/slides/slide9.xml><?xml version="1.0" encoding="utf-8"?>
+<p:sld xmlns:a="http://schemas.openxmlformats.org/drawingml/2006/main" xmlns:r="http://schemas.openxmlformats.org/officeDocument/2006/relationships" xmlns:p="http://schemas.openxmlformats.org/presentationml/2006/main">
+  <p:cSld>
+    <p:spTree>
+      <p:nvGrpSpPr>
+        <p:cNvPr id="1" name=""/>
+        <p:cNvGrpSpPr/>
+        <p:nvPr/>
+      </p:nvGrpSpPr>
+      <p:grpSpPr>
+        <a:xfrm>
+          <a:off x="0" y="0"/>
+          <a:ext cx="0" cy="0"/>
+          <a:chOff x="0" y="0"/>
+          <a:chExt cx="0" cy="0"/>
+        </a:xfrm>
+      </p:grpSpPr>
+      <p:pic>
+        <p:nvPicPr>
+          <p:cNvPr id="9" name="Imagem 8"/>
+          <p:cNvPicPr>
+            <a:picLocks noChangeAspect="1"/>
+          </p:cNvPicPr>
+          <p:nvPr/>
+        </p:nvPicPr>
+        <p:blipFill>
+          <a:blip r:embed="rId2"/>
+          <a:stretch>
+            <a:fillRect/>
+          </a:stretch>
+        </p:blipFill>
+        <p:spPr>
+          <a:xfrm>
+            <a:off x="7363812" y="0"/>
+            <a:ext cx="3462684" cy="5818737"/>
+          </a:xfrm>
+          <a:prstGeom prst="rect">
+            <a:avLst/>
+          </a:prstGeom>
+        </p:spPr>
+      </p:pic>
       <p:sp>
         <p:nvSpPr>
           <p:cNvPr id="2" name="Título 1"/>
@@ -14134,30 +18378,6 @@
           </a:p>
         </p:txBody>
       </p:sp>
-      <p:pic>
-        <p:nvPicPr>
-          <p:cNvPr id="4" name="Imagem 3"/>
-          <p:cNvPicPr>
-            <a:picLocks noChangeAspect="1"/>
-          </p:cNvPicPr>
-          <p:nvPr/>
-        </p:nvPicPr>
-        <p:blipFill>
-          <a:blip r:embed="rId2"/>
-          <a:stretch>
-            <a:fillRect/>
-          </a:stretch>
-        </p:blipFill>
-        <p:spPr>
-          <a:xfrm>
-            <a:off x="7363812" y="589486"/>
-            <a:ext cx="3009899" cy="5879631"/>
-          </a:xfrm>
-          <a:prstGeom prst="rect">
-            <a:avLst/>
-          </a:prstGeom>
-        </p:spPr>
-      </p:pic>
       <p:cxnSp>
         <p:nvCxnSpPr>
           <p:cNvPr id="5" name="Conector de Seta Reta 4"/>
@@ -14303,665 +18523,6 @@
     <p:extLst>
       <p:ext uri="{BB962C8B-B14F-4D97-AF65-F5344CB8AC3E}">
         <p14:creationId xmlns:p14="http://schemas.microsoft.com/office/powerpoint/2010/main" val="1350709950"/>
-      </p:ext>
-    </p:extLst>
-  </p:cSld>
-  <p:clrMapOvr>
-    <a:masterClrMapping/>
-  </p:clrMapOvr>
-  <p:timing>
-    <p:tnLst>
-      <p:par>
-        <p:cTn id="1" dur="indefinite" restart="never" nodeType="tmRoot"/>
-      </p:par>
-    </p:tnLst>
-  </p:timing>
-</p:sld>
-</file>
-
-<file path=ppt/slides/slide9.xml><?xml version="1.0" encoding="utf-8"?>
-<p:sld xmlns:a="http://schemas.openxmlformats.org/drawingml/2006/main" xmlns:r="http://schemas.openxmlformats.org/officeDocument/2006/relationships" xmlns:p="http://schemas.openxmlformats.org/presentationml/2006/main">
-  <p:cSld>
-    <p:spTree>
-      <p:nvGrpSpPr>
-        <p:cNvPr id="1" name=""/>
-        <p:cNvGrpSpPr/>
-        <p:nvPr/>
-      </p:nvGrpSpPr>
-      <p:grpSpPr>
-        <a:xfrm>
-          <a:off x="0" y="0"/>
-          <a:ext cx="0" cy="0"/>
-          <a:chOff x="0" y="0"/>
-          <a:chExt cx="0" cy="0"/>
-        </a:xfrm>
-      </p:grpSpPr>
-      <p:sp>
-        <p:nvSpPr>
-          <p:cNvPr id="2" name="Título 1"/>
-          <p:cNvSpPr>
-            <a:spLocks noGrp="1"/>
-          </p:cNvSpPr>
-          <p:nvPr>
-            <p:ph type="title"/>
-          </p:nvPr>
-        </p:nvSpPr>
-        <p:spPr>
-          <a:xfrm>
-            <a:off x="94593" y="0"/>
-            <a:ext cx="13074868" cy="1325563"/>
-          </a:xfrm>
-        </p:spPr>
-        <p:txBody>
-          <a:bodyPr>
-            <a:normAutofit/>
-          </a:bodyPr>
-          <a:lstStyle/>
-          <a:p>
-            <a:r>
-              <a:rPr lang="pt-BR" sz="3600" dirty="0" smtClean="0">
-                <a:latin typeface="Times New Roman" panose="02020603050405020304" pitchFamily="18" charset="0"/>
-                <a:cs typeface="Times New Roman" panose="02020603050405020304" pitchFamily="18" charset="0"/>
-              </a:rPr>
-              <a:t>RN n.1 Caso de teste</a:t>
-            </a:r>
-            <a:r>
-              <a:rPr lang="pt-BR" sz="3600" dirty="0">
-                <a:latin typeface="Times New Roman" panose="02020603050405020304" pitchFamily="18" charset="0"/>
-                <a:cs typeface="Times New Roman" panose="02020603050405020304" pitchFamily="18" charset="0"/>
-              </a:rPr>
-              <a:t>:</a:t>
-            </a:r>
-            <a:r>
-              <a:rPr lang="pt-BR" sz="3600" dirty="0" smtClean="0">
-                <a:latin typeface="Times New Roman" panose="02020603050405020304" pitchFamily="18" charset="0"/>
-                <a:cs typeface="Times New Roman" panose="02020603050405020304" pitchFamily="18" charset="0"/>
-              </a:rPr>
-              <a:t> Categorias</a:t>
-            </a:r>
-            <a:endParaRPr lang="pt-BR" sz="3600" dirty="0">
-              <a:latin typeface="Times New Roman" panose="02020603050405020304" pitchFamily="18" charset="0"/>
-              <a:cs typeface="Times New Roman" panose="02020603050405020304" pitchFamily="18" charset="0"/>
-            </a:endParaRPr>
-          </a:p>
-        </p:txBody>
-      </p:sp>
-      <p:sp>
-        <p:nvSpPr>
-          <p:cNvPr id="3" name="Espaço Reservado para Conteúdo 2"/>
-          <p:cNvSpPr>
-            <a:spLocks noGrp="1"/>
-          </p:cNvSpPr>
-          <p:nvPr>
-            <p:ph idx="1"/>
-          </p:nvPr>
-        </p:nvSpPr>
-        <p:spPr>
-          <a:xfrm>
-            <a:off x="302172" y="1490992"/>
-            <a:ext cx="4784835" cy="4351338"/>
-          </a:xfrm>
-        </p:spPr>
-        <p:txBody>
-          <a:bodyPr>
-            <a:normAutofit/>
-          </a:bodyPr>
-          <a:lstStyle/>
-          <a:p>
-            <a:pPr marL="0" indent="0">
-              <a:buNone/>
-            </a:pPr>
-            <a:r>
-              <a:rPr lang="pt-BR" sz="1100" dirty="0">
-                <a:latin typeface="Times New Roman" panose="02020603050405020304" pitchFamily="18" charset="0"/>
-                <a:cs typeface="Times New Roman" panose="02020603050405020304" pitchFamily="18" charset="0"/>
-              </a:rPr>
-              <a:t>Identificação: </a:t>
-            </a:r>
-          </a:p>
-          <a:p>
-            <a:pPr marL="0" indent="0">
-              <a:buNone/>
-            </a:pPr>
-            <a:r>
-              <a:rPr lang="pt-BR" sz="1100" dirty="0">
-                <a:latin typeface="Times New Roman" panose="02020603050405020304" pitchFamily="18" charset="0"/>
-                <a:cs typeface="Times New Roman" panose="02020603050405020304" pitchFamily="18" charset="0"/>
-              </a:rPr>
-              <a:t>Nome: Teste de </a:t>
-            </a:r>
-            <a:r>
-              <a:rPr lang="pt-BR" sz="1100" dirty="0" smtClean="0">
-                <a:latin typeface="Times New Roman" panose="02020603050405020304" pitchFamily="18" charset="0"/>
-                <a:cs typeface="Times New Roman" panose="02020603050405020304" pitchFamily="18" charset="0"/>
-              </a:rPr>
-              <a:t>Visualizar Categorias </a:t>
-            </a:r>
-            <a:endParaRPr lang="pt-BR" sz="1100" dirty="0">
-              <a:latin typeface="Times New Roman" panose="02020603050405020304" pitchFamily="18" charset="0"/>
-              <a:cs typeface="Times New Roman" panose="02020603050405020304" pitchFamily="18" charset="0"/>
-            </a:endParaRPr>
-          </a:p>
-          <a:p>
-            <a:pPr marL="0" indent="0">
-              <a:buNone/>
-            </a:pPr>
-            <a:r>
-              <a:rPr lang="pt-BR" sz="1100" dirty="0">
-                <a:latin typeface="Times New Roman" panose="02020603050405020304" pitchFamily="18" charset="0"/>
-                <a:cs typeface="Times New Roman" panose="02020603050405020304" pitchFamily="18" charset="0"/>
-              </a:rPr>
-              <a:t>ID: RN n.1 </a:t>
-            </a:r>
-          </a:p>
-          <a:p>
-            <a:pPr marL="0" indent="0">
-              <a:buNone/>
-            </a:pPr>
-            <a:r>
-              <a:rPr lang="pt-BR" sz="1100" dirty="0">
-                <a:latin typeface="Times New Roman" panose="02020603050405020304" pitchFamily="18" charset="0"/>
-                <a:cs typeface="Times New Roman" panose="02020603050405020304" pitchFamily="18" charset="0"/>
-              </a:rPr>
-              <a:t>Data de criação: </a:t>
-            </a:r>
-            <a:r>
-              <a:rPr lang="pt-BR" sz="1100" dirty="0" smtClean="0">
-                <a:latin typeface="Times New Roman" panose="02020603050405020304" pitchFamily="18" charset="0"/>
-                <a:cs typeface="Times New Roman" panose="02020603050405020304" pitchFamily="18" charset="0"/>
-              </a:rPr>
-              <a:t>10/05/2023 15:20 </a:t>
-            </a:r>
-            <a:r>
-              <a:rPr lang="pt-BR" sz="1100" dirty="0">
-                <a:latin typeface="Times New Roman" panose="02020603050405020304" pitchFamily="18" charset="0"/>
-                <a:cs typeface="Times New Roman" panose="02020603050405020304" pitchFamily="18" charset="0"/>
-              </a:rPr>
-              <a:t>PM.</a:t>
-            </a:r>
-          </a:p>
-          <a:p>
-            <a:pPr marL="0" indent="0">
-              <a:buNone/>
-            </a:pPr>
-            <a:r>
-              <a:rPr lang="pt-BR" sz="1100" dirty="0">
-                <a:latin typeface="Times New Roman" panose="02020603050405020304" pitchFamily="18" charset="0"/>
-                <a:cs typeface="Times New Roman" panose="02020603050405020304" pitchFamily="18" charset="0"/>
-              </a:rPr>
-              <a:t>Autor: Pedro </a:t>
-            </a:r>
-            <a:r>
-              <a:rPr lang="pt-BR" sz="1100" dirty="0" smtClean="0">
-                <a:latin typeface="Times New Roman" panose="02020603050405020304" pitchFamily="18" charset="0"/>
-                <a:cs typeface="Times New Roman" panose="02020603050405020304" pitchFamily="18" charset="0"/>
-              </a:rPr>
-              <a:t>Marcelo</a:t>
-            </a:r>
-          </a:p>
-          <a:p>
-            <a:pPr marL="0" indent="0">
-              <a:buNone/>
-            </a:pPr>
-            <a:endParaRPr lang="pt-BR" sz="1100" dirty="0">
-              <a:latin typeface="Times New Roman" panose="02020603050405020304" pitchFamily="18" charset="0"/>
-              <a:cs typeface="Times New Roman" panose="02020603050405020304" pitchFamily="18" charset="0"/>
-            </a:endParaRPr>
-          </a:p>
-          <a:p>
-            <a:pPr marL="0" indent="0">
-              <a:buNone/>
-            </a:pPr>
-            <a:r>
-              <a:rPr lang="pt-BR" sz="1100" dirty="0">
-                <a:latin typeface="Times New Roman" panose="02020603050405020304" pitchFamily="18" charset="0"/>
-                <a:cs typeface="Times New Roman" panose="02020603050405020304" pitchFamily="18" charset="0"/>
-              </a:rPr>
-              <a:t>Descrição: </a:t>
-            </a:r>
-            <a:r>
-              <a:rPr lang="pt-BR" sz="1100" dirty="0" smtClean="0">
-                <a:latin typeface="Times New Roman" panose="02020603050405020304" pitchFamily="18" charset="0"/>
-                <a:cs typeface="Times New Roman" panose="02020603050405020304" pitchFamily="18" charset="0"/>
-              </a:rPr>
-              <a:t>caso de teste para visualizar as categorias</a:t>
-            </a:r>
-            <a:endParaRPr lang="pt-BR" sz="1100" dirty="0">
-              <a:latin typeface="Times New Roman" panose="02020603050405020304" pitchFamily="18" charset="0"/>
-              <a:cs typeface="Times New Roman" panose="02020603050405020304" pitchFamily="18" charset="0"/>
-            </a:endParaRPr>
-          </a:p>
-          <a:p>
-            <a:pPr marL="0" indent="0">
-              <a:buNone/>
-            </a:pPr>
-            <a:r>
-              <a:rPr lang="pt-BR" sz="1100" dirty="0">
-                <a:latin typeface="Times New Roman" panose="02020603050405020304" pitchFamily="18" charset="0"/>
-                <a:cs typeface="Times New Roman" panose="02020603050405020304" pitchFamily="18" charset="0"/>
-              </a:rPr>
-              <a:t> Pré-requisitos:</a:t>
-            </a:r>
-          </a:p>
-          <a:p>
-            <a:pPr marL="0" indent="0">
-              <a:buNone/>
-            </a:pPr>
-            <a:endParaRPr lang="pt-BR" sz="1100" dirty="0">
-              <a:latin typeface="Times New Roman" panose="02020603050405020304" pitchFamily="18" charset="0"/>
-              <a:cs typeface="Times New Roman" panose="02020603050405020304" pitchFamily="18" charset="0"/>
-            </a:endParaRPr>
-          </a:p>
-          <a:p>
-            <a:pPr marL="0" indent="0">
-              <a:buNone/>
-            </a:pPr>
-            <a:r>
-              <a:rPr lang="pt-BR" sz="1100" dirty="0">
-                <a:latin typeface="Times New Roman" panose="02020603050405020304" pitchFamily="18" charset="0"/>
-                <a:cs typeface="Times New Roman" panose="02020603050405020304" pitchFamily="18" charset="0"/>
-              </a:rPr>
-              <a:t>1.Acesso ao cardápio da empresa selecionada</a:t>
-            </a:r>
-          </a:p>
-          <a:p>
-            <a:pPr marL="0" indent="0">
-              <a:buNone/>
-            </a:pPr>
-            <a:endParaRPr lang="pt-BR" sz="1100" dirty="0">
-              <a:latin typeface="Times New Roman" panose="02020603050405020304" pitchFamily="18" charset="0"/>
-              <a:cs typeface="Times New Roman" panose="02020603050405020304" pitchFamily="18" charset="0"/>
-            </a:endParaRPr>
-          </a:p>
-          <a:p>
-            <a:pPr marL="0" indent="0">
-              <a:buNone/>
-            </a:pPr>
-            <a:r>
-              <a:rPr lang="pt-BR" sz="1100" dirty="0">
-                <a:latin typeface="Times New Roman" panose="02020603050405020304" pitchFamily="18" charset="0"/>
-                <a:cs typeface="Times New Roman" panose="02020603050405020304" pitchFamily="18" charset="0"/>
-              </a:rPr>
-              <a:t>Etapas de teste:</a:t>
-            </a:r>
-          </a:p>
-          <a:p>
-            <a:pPr marL="0" indent="0">
-              <a:buNone/>
-            </a:pPr>
-            <a:r>
-              <a:rPr lang="pt-BR" sz="1100" dirty="0" smtClean="0">
-                <a:latin typeface="Times New Roman" panose="02020603050405020304" pitchFamily="18" charset="0"/>
-                <a:cs typeface="Times New Roman" panose="02020603050405020304" pitchFamily="18" charset="0"/>
-              </a:rPr>
-              <a:t>1.acesse </a:t>
-            </a:r>
-            <a:r>
-              <a:rPr lang="pt-BR" sz="1100" dirty="0">
-                <a:latin typeface="Times New Roman" panose="02020603050405020304" pitchFamily="18" charset="0"/>
-                <a:cs typeface="Times New Roman" panose="02020603050405020304" pitchFamily="18" charset="0"/>
-              </a:rPr>
-              <a:t>a tela principal do cardápio</a:t>
-            </a:r>
-          </a:p>
-          <a:p>
-            <a:pPr marL="0" indent="0">
-              <a:buNone/>
-            </a:pPr>
-            <a:endParaRPr lang="pt-BR" sz="1000" dirty="0">
-              <a:latin typeface="Times New Roman" panose="02020603050405020304" pitchFamily="18" charset="0"/>
-              <a:cs typeface="Times New Roman" panose="02020603050405020304" pitchFamily="18" charset="0"/>
-            </a:endParaRPr>
-          </a:p>
-        </p:txBody>
-      </p:sp>
-      <p:sp>
-        <p:nvSpPr>
-          <p:cNvPr id="4" name="Espaço Reservado para Conteúdo 2"/>
-          <p:cNvSpPr txBox="1">
-            <a:spLocks/>
-          </p:cNvSpPr>
-          <p:nvPr/>
-        </p:nvSpPr>
-        <p:spPr>
-          <a:xfrm>
-            <a:off x="6032937" y="1489515"/>
-            <a:ext cx="4784835" cy="4351338"/>
-          </a:xfrm>
-          <a:prstGeom prst="rect">
-            <a:avLst/>
-          </a:prstGeom>
-        </p:spPr>
-        <p:txBody>
-          <a:bodyPr vert="horz" lIns="91440" tIns="45720" rIns="91440" bIns="45720" rtlCol="0">
-            <a:normAutofit/>
-          </a:bodyPr>
-          <a:lstStyle>
-            <a:lvl1pPr marL="228600" indent="-228600" algn="l" defTabSz="914400" rtl="0" eaLnBrk="1" latinLnBrk="0" hangingPunct="1">
-              <a:lnSpc>
-                <a:spcPct val="90000"/>
-              </a:lnSpc>
-              <a:spcBef>
-                <a:spcPts val="1000"/>
-              </a:spcBef>
-              <a:buFont typeface="Arial" panose="020B0604020202020204" pitchFamily="34" charset="0"/>
-              <a:buChar char="•"/>
-              <a:defRPr sz="2800" kern="1200">
-                <a:solidFill>
-                  <a:schemeClr val="tx1"/>
-                </a:solidFill>
-                <a:latin typeface="+mn-lt"/>
-                <a:ea typeface="+mn-ea"/>
-                <a:cs typeface="+mn-cs"/>
-              </a:defRPr>
-            </a:lvl1pPr>
-            <a:lvl2pPr marL="685800" indent="-228600" algn="l" defTabSz="914400" rtl="0" eaLnBrk="1" latinLnBrk="0" hangingPunct="1">
-              <a:lnSpc>
-                <a:spcPct val="90000"/>
-              </a:lnSpc>
-              <a:spcBef>
-                <a:spcPts val="500"/>
-              </a:spcBef>
-              <a:buFont typeface="Arial" panose="020B0604020202020204" pitchFamily="34" charset="0"/>
-              <a:buChar char="•"/>
-              <a:defRPr sz="2400" kern="1200">
-                <a:solidFill>
-                  <a:schemeClr val="tx1"/>
-                </a:solidFill>
-                <a:latin typeface="+mn-lt"/>
-                <a:ea typeface="+mn-ea"/>
-                <a:cs typeface="+mn-cs"/>
-              </a:defRPr>
-            </a:lvl2pPr>
-            <a:lvl3pPr marL="1143000" indent="-228600" algn="l" defTabSz="914400" rtl="0" eaLnBrk="1" latinLnBrk="0" hangingPunct="1">
-              <a:lnSpc>
-                <a:spcPct val="90000"/>
-              </a:lnSpc>
-              <a:spcBef>
-                <a:spcPts val="500"/>
-              </a:spcBef>
-              <a:buFont typeface="Arial" panose="020B0604020202020204" pitchFamily="34" charset="0"/>
-              <a:buChar char="•"/>
-              <a:defRPr sz="2000" kern="1200">
-                <a:solidFill>
-                  <a:schemeClr val="tx1"/>
-                </a:solidFill>
-                <a:latin typeface="+mn-lt"/>
-                <a:ea typeface="+mn-ea"/>
-                <a:cs typeface="+mn-cs"/>
-              </a:defRPr>
-            </a:lvl3pPr>
-            <a:lvl4pPr marL="1600200" indent="-228600" algn="l" defTabSz="914400" rtl="0" eaLnBrk="1" latinLnBrk="0" hangingPunct="1">
-              <a:lnSpc>
-                <a:spcPct val="90000"/>
-              </a:lnSpc>
-              <a:spcBef>
-                <a:spcPts val="500"/>
-              </a:spcBef>
-              <a:buFont typeface="Arial" panose="020B0604020202020204" pitchFamily="34" charset="0"/>
-              <a:buChar char="•"/>
-              <a:defRPr sz="1800" kern="1200">
-                <a:solidFill>
-                  <a:schemeClr val="tx1"/>
-                </a:solidFill>
-                <a:latin typeface="+mn-lt"/>
-                <a:ea typeface="+mn-ea"/>
-                <a:cs typeface="+mn-cs"/>
-              </a:defRPr>
-            </a:lvl4pPr>
-            <a:lvl5pPr marL="2057400" indent="-228600" algn="l" defTabSz="914400" rtl="0" eaLnBrk="1" latinLnBrk="0" hangingPunct="1">
-              <a:lnSpc>
-                <a:spcPct val="90000"/>
-              </a:lnSpc>
-              <a:spcBef>
-                <a:spcPts val="500"/>
-              </a:spcBef>
-              <a:buFont typeface="Arial" panose="020B0604020202020204" pitchFamily="34" charset="0"/>
-              <a:buChar char="•"/>
-              <a:defRPr sz="1800" kern="1200">
-                <a:solidFill>
-                  <a:schemeClr val="tx1"/>
-                </a:solidFill>
-                <a:latin typeface="+mn-lt"/>
-                <a:ea typeface="+mn-ea"/>
-                <a:cs typeface="+mn-cs"/>
-              </a:defRPr>
-            </a:lvl5pPr>
-            <a:lvl6pPr marL="2514600" indent="-228600" algn="l" defTabSz="914400" rtl="0" eaLnBrk="1" latinLnBrk="0" hangingPunct="1">
-              <a:lnSpc>
-                <a:spcPct val="90000"/>
-              </a:lnSpc>
-              <a:spcBef>
-                <a:spcPts val="500"/>
-              </a:spcBef>
-              <a:buFont typeface="Arial" panose="020B0604020202020204" pitchFamily="34" charset="0"/>
-              <a:buChar char="•"/>
-              <a:defRPr sz="1800" kern="1200">
-                <a:solidFill>
-                  <a:schemeClr val="tx1"/>
-                </a:solidFill>
-                <a:latin typeface="+mn-lt"/>
-                <a:ea typeface="+mn-ea"/>
-                <a:cs typeface="+mn-cs"/>
-              </a:defRPr>
-            </a:lvl6pPr>
-            <a:lvl7pPr marL="2971800" indent="-228600" algn="l" defTabSz="914400" rtl="0" eaLnBrk="1" latinLnBrk="0" hangingPunct="1">
-              <a:lnSpc>
-                <a:spcPct val="90000"/>
-              </a:lnSpc>
-              <a:spcBef>
-                <a:spcPts val="500"/>
-              </a:spcBef>
-              <a:buFont typeface="Arial" panose="020B0604020202020204" pitchFamily="34" charset="0"/>
-              <a:buChar char="•"/>
-              <a:defRPr sz="1800" kern="1200">
-                <a:solidFill>
-                  <a:schemeClr val="tx1"/>
-                </a:solidFill>
-                <a:latin typeface="+mn-lt"/>
-                <a:ea typeface="+mn-ea"/>
-                <a:cs typeface="+mn-cs"/>
-              </a:defRPr>
-            </a:lvl7pPr>
-            <a:lvl8pPr marL="3429000" indent="-228600" algn="l" defTabSz="914400" rtl="0" eaLnBrk="1" latinLnBrk="0" hangingPunct="1">
-              <a:lnSpc>
-                <a:spcPct val="90000"/>
-              </a:lnSpc>
-              <a:spcBef>
-                <a:spcPts val="500"/>
-              </a:spcBef>
-              <a:buFont typeface="Arial" panose="020B0604020202020204" pitchFamily="34" charset="0"/>
-              <a:buChar char="•"/>
-              <a:defRPr sz="1800" kern="1200">
-                <a:solidFill>
-                  <a:schemeClr val="tx1"/>
-                </a:solidFill>
-                <a:latin typeface="+mn-lt"/>
-                <a:ea typeface="+mn-ea"/>
-                <a:cs typeface="+mn-cs"/>
-              </a:defRPr>
-            </a:lvl8pPr>
-            <a:lvl9pPr marL="3886200" indent="-228600" algn="l" defTabSz="914400" rtl="0" eaLnBrk="1" latinLnBrk="0" hangingPunct="1">
-              <a:lnSpc>
-                <a:spcPct val="90000"/>
-              </a:lnSpc>
-              <a:spcBef>
-                <a:spcPts val="500"/>
-              </a:spcBef>
-              <a:buFont typeface="Arial" panose="020B0604020202020204" pitchFamily="34" charset="0"/>
-              <a:buChar char="•"/>
-              <a:defRPr sz="1800" kern="1200">
-                <a:solidFill>
-                  <a:schemeClr val="tx1"/>
-                </a:solidFill>
-                <a:latin typeface="+mn-lt"/>
-                <a:ea typeface="+mn-ea"/>
-                <a:cs typeface="+mn-cs"/>
-              </a:defRPr>
-            </a:lvl9pPr>
-          </a:lstStyle>
-          <a:p>
-            <a:pPr marL="0" indent="0">
-              <a:buNone/>
-            </a:pPr>
-            <a:r>
-              <a:rPr lang="pt-BR" sz="1100" dirty="0">
-                <a:latin typeface="Times New Roman" panose="02020603050405020304" pitchFamily="18" charset="0"/>
-                <a:cs typeface="Times New Roman" panose="02020603050405020304" pitchFamily="18" charset="0"/>
-              </a:rPr>
-              <a:t>Resultado Esperado:</a:t>
-            </a:r>
-          </a:p>
-          <a:p>
-            <a:pPr marL="0" indent="0">
-              <a:buNone/>
-            </a:pPr>
-            <a:r>
-              <a:rPr lang="pt-BR" sz="1100" dirty="0">
-                <a:latin typeface="Times New Roman" panose="02020603050405020304" pitchFamily="18" charset="0"/>
-                <a:cs typeface="Times New Roman" panose="02020603050405020304" pitchFamily="18" charset="0"/>
-              </a:rPr>
-              <a:t>O cliente deve ser redirecionado para tela </a:t>
-            </a:r>
-            <a:r>
-              <a:rPr lang="pt-BR" sz="1100" dirty="0" smtClean="0">
-                <a:latin typeface="Times New Roman" panose="02020603050405020304" pitchFamily="18" charset="0"/>
-                <a:cs typeface="Times New Roman" panose="02020603050405020304" pitchFamily="18" charset="0"/>
-              </a:rPr>
-              <a:t>inicial do cardápio e visualizar as categorias disponíveis.</a:t>
-            </a:r>
-            <a:endParaRPr lang="pt-BR" sz="1100" dirty="0">
-              <a:latin typeface="Times New Roman" panose="02020603050405020304" pitchFamily="18" charset="0"/>
-              <a:cs typeface="Times New Roman" panose="02020603050405020304" pitchFamily="18" charset="0"/>
-            </a:endParaRPr>
-          </a:p>
-          <a:p>
-            <a:pPr marL="0" indent="0">
-              <a:buNone/>
-            </a:pPr>
-            <a:r>
-              <a:rPr lang="pt-BR" sz="1100" dirty="0">
-                <a:latin typeface="Times New Roman" panose="02020603050405020304" pitchFamily="18" charset="0"/>
-                <a:cs typeface="Times New Roman" panose="02020603050405020304" pitchFamily="18" charset="0"/>
-              </a:rPr>
-              <a:t> </a:t>
-            </a:r>
-          </a:p>
-          <a:p>
-            <a:pPr marL="0" indent="0">
-              <a:buNone/>
-            </a:pPr>
-            <a:r>
-              <a:rPr lang="pt-BR" sz="1100" dirty="0">
-                <a:latin typeface="Times New Roman" panose="02020603050405020304" pitchFamily="18" charset="0"/>
-                <a:cs typeface="Times New Roman" panose="02020603050405020304" pitchFamily="18" charset="0"/>
-              </a:rPr>
-              <a:t>Critérios de sucesso:</a:t>
-            </a:r>
-          </a:p>
-          <a:p>
-            <a:pPr marL="0" indent="0">
-              <a:buNone/>
-            </a:pPr>
-            <a:r>
-              <a:rPr lang="pt-BR" sz="1100" dirty="0">
-                <a:latin typeface="Times New Roman" panose="02020603050405020304" pitchFamily="18" charset="0"/>
-                <a:cs typeface="Times New Roman" panose="02020603050405020304" pitchFamily="18" charset="0"/>
-              </a:rPr>
-              <a:t>O cliente deve ser capaz de </a:t>
-            </a:r>
-            <a:r>
-              <a:rPr lang="pt-BR" sz="1100" dirty="0" smtClean="0">
-                <a:latin typeface="Times New Roman" panose="02020603050405020304" pitchFamily="18" charset="0"/>
-                <a:cs typeface="Times New Roman" panose="02020603050405020304" pitchFamily="18" charset="0"/>
-              </a:rPr>
-              <a:t>visualizar as categorias colocadas pela empresa no cardápio.</a:t>
-            </a:r>
-            <a:endParaRPr lang="pt-BR" sz="1100" dirty="0">
-              <a:latin typeface="Times New Roman" panose="02020603050405020304" pitchFamily="18" charset="0"/>
-              <a:cs typeface="Times New Roman" panose="02020603050405020304" pitchFamily="18" charset="0"/>
-            </a:endParaRPr>
-          </a:p>
-          <a:p>
-            <a:pPr marL="0" indent="0">
-              <a:buNone/>
-            </a:pPr>
-            <a:r>
-              <a:rPr lang="pt-BR" sz="1100" dirty="0">
-                <a:latin typeface="Times New Roman" panose="02020603050405020304" pitchFamily="18" charset="0"/>
-                <a:cs typeface="Times New Roman" panose="02020603050405020304" pitchFamily="18" charset="0"/>
-              </a:rPr>
-              <a:t>Notas de teste:</a:t>
-            </a:r>
-          </a:p>
-          <a:p>
-            <a:pPr marL="0" indent="0">
-              <a:buNone/>
-            </a:pPr>
-            <a:r>
-              <a:rPr lang="pt-BR" sz="1100" dirty="0">
-                <a:latin typeface="Times New Roman" panose="02020603050405020304" pitchFamily="18" charset="0"/>
-                <a:cs typeface="Times New Roman" panose="02020603050405020304" pitchFamily="18" charset="0"/>
-              </a:rPr>
-              <a:t>Durante a execução do teste, nenhum comportamento anormal ou inesperado foi detectado.</a:t>
-            </a:r>
-          </a:p>
-          <a:p>
-            <a:pPr marL="0" indent="0">
-              <a:buNone/>
-            </a:pPr>
-            <a:r>
-              <a:rPr lang="pt-BR" sz="1100" dirty="0">
-                <a:latin typeface="Times New Roman" panose="02020603050405020304" pitchFamily="18" charset="0"/>
-                <a:cs typeface="Times New Roman" panose="02020603050405020304" pitchFamily="18" charset="0"/>
-              </a:rPr>
-              <a:t>Teste realizado em </a:t>
-            </a:r>
-            <a:r>
-              <a:rPr lang="pt-BR" sz="1100" dirty="0" smtClean="0">
-                <a:latin typeface="Times New Roman" panose="02020603050405020304" pitchFamily="18" charset="0"/>
-                <a:cs typeface="Times New Roman" panose="02020603050405020304" pitchFamily="18" charset="0"/>
-              </a:rPr>
-              <a:t>10/05/23 </a:t>
-            </a:r>
-            <a:r>
-              <a:rPr lang="pt-BR" sz="1100" dirty="0">
-                <a:latin typeface="Times New Roman" panose="02020603050405020304" pitchFamily="18" charset="0"/>
-                <a:cs typeface="Times New Roman" panose="02020603050405020304" pitchFamily="18" charset="0"/>
-              </a:rPr>
-              <a:t>as </a:t>
-            </a:r>
-            <a:r>
-              <a:rPr lang="pt-BR" sz="1100" dirty="0" smtClean="0">
-                <a:latin typeface="Times New Roman" panose="02020603050405020304" pitchFamily="18" charset="0"/>
-                <a:cs typeface="Times New Roman" panose="02020603050405020304" pitchFamily="18" charset="0"/>
-              </a:rPr>
-              <a:t>15:32 </a:t>
-            </a:r>
-            <a:r>
-              <a:rPr lang="pt-BR" sz="1100" dirty="0">
-                <a:latin typeface="Times New Roman" panose="02020603050405020304" pitchFamily="18" charset="0"/>
-                <a:cs typeface="Times New Roman" panose="02020603050405020304" pitchFamily="18" charset="0"/>
-              </a:rPr>
-              <a:t>PM</a:t>
-            </a:r>
-          </a:p>
-          <a:p>
-            <a:pPr marL="0" indent="0">
-              <a:buFont typeface="Arial" panose="020B0604020202020204" pitchFamily="34" charset="0"/>
-              <a:buNone/>
-            </a:pPr>
-            <a:endParaRPr lang="pt-BR" sz="1000" dirty="0">
-              <a:latin typeface="Times New Roman" panose="02020603050405020304" pitchFamily="18" charset="0"/>
-              <a:cs typeface="Times New Roman" panose="02020603050405020304" pitchFamily="18" charset="0"/>
-            </a:endParaRPr>
-          </a:p>
-        </p:txBody>
-      </p:sp>
-    </p:spTree>
-    <p:extLst>
-      <p:ext uri="{BB962C8B-B14F-4D97-AF65-F5344CB8AC3E}">
-        <p14:creationId xmlns:p14="http://schemas.microsoft.com/office/powerpoint/2010/main" val="1685159737"/>
       </p:ext>
     </p:extLst>
   </p:cSld>
